--- a/專題-私有以太坊區塊鏈實作以及其硬體加速方法調查-劉益彤.pptx
+++ b/專題-私有以太坊區塊鏈實作以及其硬體加速方法調查-劉益彤.pptx
@@ -5,10 +5,10 @@
     <p:sldMasterId id="2147483648" r:id="rId1"/>
   </p:sldMasterIdLst>
   <p:notesMasterIdLst>
-    <p:notesMasterId r:id="rId15"/>
+    <p:notesMasterId r:id="rId24"/>
   </p:notesMasterIdLst>
   <p:handoutMasterIdLst>
-    <p:handoutMasterId r:id="rId16"/>
+    <p:handoutMasterId r:id="rId25"/>
   </p:handoutMasterIdLst>
   <p:sldIdLst>
     <p:sldId id="259" r:id="rId2"/>
@@ -19,11 +19,20 @@
     <p:sldId id="272" r:id="rId7"/>
     <p:sldId id="273" r:id="rId8"/>
     <p:sldId id="275" r:id="rId9"/>
-    <p:sldId id="266" r:id="rId10"/>
-    <p:sldId id="278" r:id="rId11"/>
-    <p:sldId id="277" r:id="rId12"/>
-    <p:sldId id="276" r:id="rId13"/>
-    <p:sldId id="268" r:id="rId14"/>
+    <p:sldId id="283" r:id="rId10"/>
+    <p:sldId id="284" r:id="rId11"/>
+    <p:sldId id="285" r:id="rId12"/>
+    <p:sldId id="286" r:id="rId13"/>
+    <p:sldId id="287" r:id="rId14"/>
+    <p:sldId id="266" r:id="rId15"/>
+    <p:sldId id="279" r:id="rId16"/>
+    <p:sldId id="280" r:id="rId17"/>
+    <p:sldId id="281" r:id="rId18"/>
+    <p:sldId id="282" r:id="rId19"/>
+    <p:sldId id="278" r:id="rId20"/>
+    <p:sldId id="277" r:id="rId21"/>
+    <p:sldId id="276" r:id="rId22"/>
+    <p:sldId id="268" r:id="rId23"/>
   </p:sldIdLst>
   <p:sldSz cx="12192000" cy="6858000"/>
   <p:notesSz cx="6858000" cy="9144000"/>
@@ -139,11 +148,20 @@
             <p14:sldId id="272"/>
             <p14:sldId id="273"/>
             <p14:sldId id="275"/>
+            <p14:sldId id="283"/>
+            <p14:sldId id="284"/>
+            <p14:sldId id="285"/>
+            <p14:sldId id="286"/>
+            <p14:sldId id="287"/>
           </p14:sldIdLst>
         </p14:section>
         <p14:section name="成果展示" id="{D5DC4CA9-B90D-4EB8-B7CD-B2C70BE11B10}">
           <p14:sldIdLst>
             <p14:sldId id="266"/>
+            <p14:sldId id="279"/>
+            <p14:sldId id="280"/>
+            <p14:sldId id="281"/>
+            <p14:sldId id="282"/>
           </p14:sldIdLst>
         </p14:section>
         <p14:section name="問題紀錄" id="{4E147EF8-992E-4E9C-93FB-A62213918EFA}">
@@ -260,7 +278,7 @@
           <a:p>
             <a:fld id="{7829F8E0-05F2-4742-BB97-D2E4F51035C8}" type="datetimeFigureOut">
               <a:rPr lang="zh-TW" altLang="en-US" smtClean="0"/>
-              <a:t>2022/4/28</a:t>
+              <a:t>2022/5/2</a:t>
             </a:fld>
             <a:endParaRPr lang="zh-TW" altLang="en-US"/>
           </a:p>
@@ -425,7 +443,7 @@
           <a:p>
             <a:fld id="{2CB905C5-9D54-40E2-B40C-7996280CAB02}" type="datetimeFigureOut">
               <a:rPr lang="zh-TW" altLang="en-US" smtClean="0"/>
-              <a:t>2022/4/28</a:t>
+              <a:t>2022/5/2</a:t>
             </a:fld>
             <a:endParaRPr lang="zh-TW" altLang="en-US"/>
           </a:p>
@@ -841,7 +859,7 @@
           <a:p>
             <a:fld id="{EF8A6B0B-A5FB-4629-B823-69B1A9EB3A43}" type="slidenum">
               <a:rPr lang="zh-TW" altLang="en-US" smtClean="0"/>
-              <a:t>13</a:t>
+              <a:t>22</a:t>
             </a:fld>
             <a:endParaRPr lang="zh-TW" altLang="en-US"/>
           </a:p>
@@ -994,7 +1012,7 @@
           <a:p>
             <a:fld id="{0C0CC965-A63A-473D-BEFB-C8F9714D5269}" type="datetimeFigureOut">
               <a:rPr lang="zh-TW" altLang="en-US" smtClean="0"/>
-              <a:t>2022/4/28</a:t>
+              <a:t>2022/5/2</a:t>
             </a:fld>
             <a:endParaRPr lang="zh-TW" altLang="en-US"/>
           </a:p>
@@ -1162,7 +1180,7 @@
           <a:p>
             <a:fld id="{0C0CC965-A63A-473D-BEFB-C8F9714D5269}" type="datetimeFigureOut">
               <a:rPr lang="zh-TW" altLang="en-US" smtClean="0"/>
-              <a:t>2022/4/28</a:t>
+              <a:t>2022/5/2</a:t>
             </a:fld>
             <a:endParaRPr lang="zh-TW" altLang="en-US"/>
           </a:p>
@@ -1340,7 +1358,7 @@
           <a:p>
             <a:fld id="{0C0CC965-A63A-473D-BEFB-C8F9714D5269}" type="datetimeFigureOut">
               <a:rPr lang="zh-TW" altLang="en-US" smtClean="0"/>
-              <a:t>2022/4/28</a:t>
+              <a:t>2022/5/2</a:t>
             </a:fld>
             <a:endParaRPr lang="zh-TW" altLang="en-US"/>
           </a:p>
@@ -1535,7 +1553,7 @@
           <a:p>
             <a:fld id="{0C0CC965-A63A-473D-BEFB-C8F9714D5269}" type="datetimeFigureOut">
               <a:rPr lang="zh-TW" altLang="en-US" smtClean="0"/>
-              <a:t>2022/4/28</a:t>
+              <a:t>2022/5/2</a:t>
             </a:fld>
             <a:endParaRPr lang="zh-TW" altLang="en-US"/>
           </a:p>
@@ -1780,7 +1798,7 @@
           <a:p>
             <a:fld id="{0C0CC965-A63A-473D-BEFB-C8F9714D5269}" type="datetimeFigureOut">
               <a:rPr lang="zh-TW" altLang="en-US" smtClean="0"/>
-              <a:t>2022/4/28</a:t>
+              <a:t>2022/5/2</a:t>
             </a:fld>
             <a:endParaRPr lang="zh-TW" altLang="en-US"/>
           </a:p>
@@ -2009,7 +2027,7 @@
           <a:p>
             <a:fld id="{0C0CC965-A63A-473D-BEFB-C8F9714D5269}" type="datetimeFigureOut">
               <a:rPr lang="zh-TW" altLang="en-US" smtClean="0"/>
-              <a:t>2022/4/28</a:t>
+              <a:t>2022/5/2</a:t>
             </a:fld>
             <a:endParaRPr lang="zh-TW" altLang="en-US"/>
           </a:p>
@@ -2373,7 +2391,7 @@
           <a:p>
             <a:fld id="{0C0CC965-A63A-473D-BEFB-C8F9714D5269}" type="datetimeFigureOut">
               <a:rPr lang="zh-TW" altLang="en-US" smtClean="0"/>
-              <a:t>2022/4/28</a:t>
+              <a:t>2022/5/2</a:t>
             </a:fld>
             <a:endParaRPr lang="zh-TW" altLang="en-US"/>
           </a:p>
@@ -2490,7 +2508,7 @@
           <a:p>
             <a:fld id="{0C0CC965-A63A-473D-BEFB-C8F9714D5269}" type="datetimeFigureOut">
               <a:rPr lang="zh-TW" altLang="en-US" smtClean="0"/>
-              <a:t>2022/4/28</a:t>
+              <a:t>2022/5/2</a:t>
             </a:fld>
             <a:endParaRPr lang="zh-TW" altLang="en-US"/>
           </a:p>
@@ -2585,7 +2603,7 @@
           <a:p>
             <a:fld id="{0C0CC965-A63A-473D-BEFB-C8F9714D5269}" type="datetimeFigureOut">
               <a:rPr lang="zh-TW" altLang="en-US" smtClean="0"/>
-              <a:t>2022/4/28</a:t>
+              <a:t>2022/5/2</a:t>
             </a:fld>
             <a:endParaRPr lang="zh-TW" altLang="en-US"/>
           </a:p>
@@ -2860,7 +2878,7 @@
           <a:p>
             <a:fld id="{0C0CC965-A63A-473D-BEFB-C8F9714D5269}" type="datetimeFigureOut">
               <a:rPr lang="zh-TW" altLang="en-US" smtClean="0"/>
-              <a:t>2022/4/28</a:t>
+              <a:t>2022/5/2</a:t>
             </a:fld>
             <a:endParaRPr lang="zh-TW" altLang="en-US"/>
           </a:p>
@@ -3112,7 +3130,7 @@
           <a:p>
             <a:fld id="{0C0CC965-A63A-473D-BEFB-C8F9714D5269}" type="datetimeFigureOut">
               <a:rPr lang="zh-TW" altLang="en-US" smtClean="0"/>
-              <a:t>2022/4/28</a:t>
+              <a:t>2022/5/2</a:t>
             </a:fld>
             <a:endParaRPr lang="zh-TW" altLang="en-US"/>
           </a:p>
@@ -3326,7 +3344,7 @@
             <a:fld id="{0C0CC965-A63A-473D-BEFB-C8F9714D5269}" type="datetimeFigureOut">
               <a:rPr lang="zh-TW" altLang="en-US" smtClean="0"/>
               <a:pPr/>
-              <a:t>2022/4/28</a:t>
+              <a:t>2022/5/2</a:t>
             </a:fld>
             <a:endParaRPr lang="zh-TW" altLang="en-US"/>
           </a:p>
@@ -3950,25 +3968,2722 @@
           <a:chExt cx="0" cy="0"/>
         </a:xfrm>
       </p:grpSpPr>
-      <p:sp>
-        <p:nvSpPr>
-          <p:cNvPr id="2" name="內容版面配置區 1"/>
-          <p:cNvSpPr>
-            <a:spLocks noGrp="1"/>
-          </p:cNvSpPr>
-          <p:nvPr>
-            <p:ph idx="1"/>
-          </p:nvPr>
-        </p:nvSpPr>
-        <p:spPr/>
-        <p:txBody>
-          <a:bodyPr/>
-          <a:lstStyle/>
-          <a:p>
-            <a:endParaRPr lang="zh-TW" altLang="en-US"/>
-          </a:p>
-        </p:txBody>
-      </p:sp>
+      <p:grpSp>
+        <p:nvGrpSpPr>
+          <p:cNvPr id="100" name="群組 99">
+            <a:extLst>
+              <a:ext uri="{FF2B5EF4-FFF2-40B4-BE49-F238E27FC236}">
+                <a16:creationId xmlns:a16="http://schemas.microsoft.com/office/drawing/2014/main" id="{975375D8-6165-45F7-AA51-F166512F4C34}"/>
+              </a:ext>
+            </a:extLst>
+          </p:cNvPr>
+          <p:cNvGrpSpPr/>
+          <p:nvPr/>
+        </p:nvGrpSpPr>
+        <p:grpSpPr>
+          <a:xfrm>
+            <a:off x="1309746" y="-2288870"/>
+            <a:ext cx="8491919" cy="9965089"/>
+            <a:chOff x="1309746" y="-2288870"/>
+            <a:chExt cx="8491919" cy="9965089"/>
+          </a:xfrm>
+        </p:grpSpPr>
+        <p:grpSp>
+          <p:nvGrpSpPr>
+            <p:cNvPr id="15" name="群組 14">
+              <a:extLst>
+                <a:ext uri="{FF2B5EF4-FFF2-40B4-BE49-F238E27FC236}">
+                  <a16:creationId xmlns:a16="http://schemas.microsoft.com/office/drawing/2014/main" id="{D8B37F76-5511-4621-BFC8-3F2110A720AA}"/>
+                </a:ext>
+              </a:extLst>
+            </p:cNvPr>
+            <p:cNvGrpSpPr/>
+            <p:nvPr/>
+          </p:nvGrpSpPr>
+          <p:grpSpPr>
+            <a:xfrm>
+              <a:off x="1309746" y="-2288870"/>
+              <a:ext cx="5689367" cy="2164960"/>
+              <a:chOff x="1294291" y="1264039"/>
+              <a:chExt cx="5689367" cy="2164960"/>
+            </a:xfrm>
+          </p:grpSpPr>
+          <p:grpSp>
+            <p:nvGrpSpPr>
+              <p:cNvPr id="5" name="群組 4">
+                <a:extLst>
+                  <a:ext uri="{FF2B5EF4-FFF2-40B4-BE49-F238E27FC236}">
+                    <a16:creationId xmlns:a16="http://schemas.microsoft.com/office/drawing/2014/main" id="{FBE55089-E5CC-4412-9AB9-3C2D109BD6D9}"/>
+                  </a:ext>
+                </a:extLst>
+              </p:cNvPr>
+              <p:cNvGrpSpPr/>
+              <p:nvPr/>
+            </p:nvGrpSpPr>
+            <p:grpSpPr>
+              <a:xfrm>
+                <a:off x="1294291" y="1264039"/>
+                <a:ext cx="5689367" cy="2164960"/>
+                <a:chOff x="1294291" y="1274146"/>
+                <a:chExt cx="4923134" cy="1598450"/>
+              </a:xfrm>
+            </p:grpSpPr>
+            <p:sp>
+              <p:nvSpPr>
+                <p:cNvPr id="4" name="矩形 3">
+                  <a:extLst>
+                    <a:ext uri="{FF2B5EF4-FFF2-40B4-BE49-F238E27FC236}">
+                      <a16:creationId xmlns:a16="http://schemas.microsoft.com/office/drawing/2014/main" id="{3B974DDE-E9E7-451F-9826-1EF41EF0FBF6}"/>
+                    </a:ext>
+                  </a:extLst>
+                </p:cNvPr>
+                <p:cNvSpPr/>
+                <p:nvPr/>
+              </p:nvSpPr>
+              <p:spPr>
+                <a:xfrm>
+                  <a:off x="1294291" y="1302662"/>
+                  <a:ext cx="4923134" cy="1569934"/>
+                </a:xfrm>
+                <a:prstGeom prst="rect">
+                  <a:avLst/>
+                </a:prstGeom>
+                <a:solidFill>
+                  <a:srgbClr val="CDD1DF"/>
+                </a:solidFill>
+                <a:ln>
+                  <a:noFill/>
+                </a:ln>
+                <a:effectLst>
+                  <a:outerShdw blurRad="50800" dist="38100" dir="2700000" algn="tl" rotWithShape="0">
+                    <a:prstClr val="black">
+                      <a:alpha val="40000"/>
+                    </a:prstClr>
+                  </a:outerShdw>
+                </a:effectLst>
+              </p:spPr>
+              <p:style>
+                <a:lnRef idx="2">
+                  <a:schemeClr val="accent6">
+                    <a:shade val="50000"/>
+                  </a:schemeClr>
+                </a:lnRef>
+                <a:fillRef idx="1">
+                  <a:schemeClr val="accent6"/>
+                </a:fillRef>
+                <a:effectRef idx="0">
+                  <a:schemeClr val="accent6"/>
+                </a:effectRef>
+                <a:fontRef idx="minor">
+                  <a:schemeClr val="lt1"/>
+                </a:fontRef>
+              </p:style>
+              <p:txBody>
+                <a:bodyPr rtlCol="0" anchor="ctr"/>
+                <a:lstStyle/>
+                <a:p>
+                  <a:pPr algn="ctr"/>
+                  <a:endParaRPr lang="zh-TW" altLang="en-US" dirty="0">
+                    <a:solidFill>
+                      <a:schemeClr val="tx1"/>
+                    </a:solidFill>
+                    <a:latin typeface="Times New Roman" panose="02020603050405020304" pitchFamily="18" charset="0"/>
+                    <a:ea typeface="標楷體" panose="03000509000000000000" pitchFamily="65" charset="-120"/>
+                  </a:endParaRPr>
+                </a:p>
+              </p:txBody>
+            </p:sp>
+            <p:sp>
+              <p:nvSpPr>
+                <p:cNvPr id="2" name="文字方塊 1">
+                  <a:extLst>
+                    <a:ext uri="{FF2B5EF4-FFF2-40B4-BE49-F238E27FC236}">
+                      <a16:creationId xmlns:a16="http://schemas.microsoft.com/office/drawing/2014/main" id="{675C492C-0319-4BCF-AE8B-F8167602C3DB}"/>
+                    </a:ext>
+                  </a:extLst>
+                </p:cNvPr>
+                <p:cNvSpPr txBox="1"/>
+                <p:nvPr/>
+              </p:nvSpPr>
+              <p:spPr>
+                <a:xfrm>
+                  <a:off x="1294291" y="1274146"/>
+                  <a:ext cx="1311099" cy="272688"/>
+                </a:xfrm>
+                <a:prstGeom prst="rect">
+                  <a:avLst/>
+                </a:prstGeom>
+                <a:noFill/>
+              </p:spPr>
+              <p:txBody>
+                <a:bodyPr wrap="none" rtlCol="0">
+                  <a:spAutoFit/>
+                </a:bodyPr>
+                <a:lstStyle/>
+                <a:p>
+                  <a:r>
+                    <a:rPr lang="en-US" altLang="zh-TW" b="1" dirty="0"/>
+                    <a:t>Seal</a:t>
+                  </a:r>
+                  <a:r>
+                    <a:rPr lang="en-US" altLang="zh-TW" sz="1400" dirty="0"/>
+                    <a:t>(..., block, ...)</a:t>
+                  </a:r>
+                  <a:endParaRPr lang="zh-TW" altLang="en-US" dirty="0"/>
+                </a:p>
+              </p:txBody>
+            </p:sp>
+          </p:grpSp>
+          <p:sp>
+            <p:nvSpPr>
+              <p:cNvPr id="6" name="文字方塊 5">
+                <a:extLst>
+                  <a:ext uri="{FF2B5EF4-FFF2-40B4-BE49-F238E27FC236}">
+                    <a16:creationId xmlns:a16="http://schemas.microsoft.com/office/drawing/2014/main" id="{80E620EC-F16B-490A-AD04-A47E383EE2D7}"/>
+                  </a:ext>
+                </a:extLst>
+              </p:cNvPr>
+              <p:cNvSpPr txBox="1"/>
+              <p:nvPr/>
+            </p:nvSpPr>
+            <p:spPr>
+              <a:xfrm>
+                <a:off x="1294291" y="1520199"/>
+                <a:ext cx="4730910" cy="738664"/>
+              </a:xfrm>
+              <a:prstGeom prst="rect">
+                <a:avLst/>
+              </a:prstGeom>
+              <a:noFill/>
+            </p:spPr>
+            <p:txBody>
+              <a:bodyPr wrap="none" rtlCol="0">
+                <a:spAutoFit/>
+              </a:bodyPr>
+              <a:lstStyle/>
+              <a:p>
+                <a:r>
+                  <a:rPr lang="en-US" altLang="zh-TW" sz="1400" dirty="0" err="1"/>
+                  <a:t>Seed,err</a:t>
+                </a:r>
+                <a:r>
+                  <a:rPr lang="en-US" altLang="zh-TW" sz="1400" dirty="0"/>
+                  <a:t>:=</a:t>
+                </a:r>
+                <a:r>
+                  <a:rPr lang="en-US" altLang="zh-TW" sz="1400" dirty="0" err="1"/>
+                  <a:t>crand.Int</a:t>
+                </a:r>
+                <a:r>
+                  <a:rPr lang="en-US" altLang="zh-TW" sz="1400" dirty="0"/>
+                  <a:t>(</a:t>
+                </a:r>
+                <a:r>
+                  <a:rPr lang="en-US" altLang="zh-TW" sz="1400" dirty="0" err="1"/>
+                  <a:t>crandReader</a:t>
+                </a:r>
+                <a:r>
+                  <a:rPr lang="en-US" altLang="zh-TW" sz="1400" dirty="0"/>
+                  <a:t>, </a:t>
+                </a:r>
+                <a:r>
+                  <a:rPr lang="en-US" altLang="zh-TW" sz="1400" dirty="0" err="1"/>
+                  <a:t>big.NewInt</a:t>
+                </a:r>
+                <a:r>
+                  <a:rPr lang="en-US" altLang="zh-TW" sz="1400" dirty="0"/>
+                  <a:t>(math.MaxInt64))</a:t>
+                </a:r>
+              </a:p>
+              <a:p>
+                <a:r>
+                  <a:rPr lang="en-US" altLang="zh-TW" sz="1400" dirty="0" err="1"/>
+                  <a:t>ethash.rand</a:t>
+                </a:r>
+                <a:r>
+                  <a:rPr lang="en-US" altLang="zh-TW" sz="1400" dirty="0"/>
+                  <a:t> = </a:t>
+                </a:r>
+                <a:r>
+                  <a:rPr lang="en-US" altLang="zh-TW" sz="1400" dirty="0" err="1"/>
+                  <a:t>rand.New</a:t>
+                </a:r>
+                <a:r>
+                  <a:rPr lang="en-US" altLang="zh-TW" sz="1400" dirty="0"/>
+                  <a:t>(</a:t>
+                </a:r>
+                <a:r>
+                  <a:rPr lang="en-US" altLang="zh-TW" sz="1400" dirty="0" err="1"/>
+                  <a:t>rand.NewSource</a:t>
+                </a:r>
+                <a:r>
+                  <a:rPr lang="en-US" altLang="zh-TW" sz="1400" dirty="0"/>
+                  <a:t>(seed.Int64()))</a:t>
+                </a:r>
+                <a:endParaRPr lang="zh-TW" altLang="en-US" sz="1400" dirty="0"/>
+              </a:p>
+              <a:p>
+                <a:endParaRPr lang="zh-TW" altLang="en-US" sz="1400" dirty="0"/>
+              </a:p>
+            </p:txBody>
+          </p:sp>
+          <p:sp>
+            <p:nvSpPr>
+              <p:cNvPr id="8" name="文字方塊 7">
+                <a:extLst>
+                  <a:ext uri="{FF2B5EF4-FFF2-40B4-BE49-F238E27FC236}">
+                    <a16:creationId xmlns:a16="http://schemas.microsoft.com/office/drawing/2014/main" id="{46576779-6463-4BCF-8B2A-77B8F11B0564}"/>
+                  </a:ext>
+                </a:extLst>
+              </p:cNvPr>
+              <p:cNvSpPr txBox="1"/>
+              <p:nvPr/>
+            </p:nvSpPr>
+            <p:spPr>
+              <a:xfrm>
+                <a:off x="4832246" y="2055217"/>
+                <a:ext cx="1192955" cy="307777"/>
+              </a:xfrm>
+              <a:prstGeom prst="rect">
+                <a:avLst/>
+              </a:prstGeom>
+              <a:noFill/>
+            </p:spPr>
+            <p:txBody>
+              <a:bodyPr wrap="none" rtlCol="0">
+                <a:spAutoFit/>
+              </a:bodyPr>
+              <a:lstStyle/>
+              <a:p>
+                <a:r>
+                  <a:rPr lang="zh-TW" altLang="en-US" sz="1400" dirty="0">
+                    <a:solidFill>
+                      <a:srgbClr val="FF0000"/>
+                    </a:solidFill>
+                  </a:rPr>
+                  <a:t>初始化</a:t>
+                </a:r>
+                <a:r>
+                  <a:rPr lang="en-US" altLang="zh-TW" sz="1400" dirty="0">
+                    <a:solidFill>
+                      <a:srgbClr val="FF0000"/>
+                    </a:solidFill>
+                  </a:rPr>
+                  <a:t>Nonce</a:t>
+                </a:r>
+                <a:endParaRPr lang="zh-TW" altLang="en-US" sz="1400" dirty="0">
+                  <a:solidFill>
+                    <a:srgbClr val="FF0000"/>
+                  </a:solidFill>
+                </a:endParaRPr>
+              </a:p>
+            </p:txBody>
+          </p:sp>
+          <p:sp>
+            <p:nvSpPr>
+              <p:cNvPr id="11" name="箭號: 上彎 10">
+                <a:extLst>
+                  <a:ext uri="{FF2B5EF4-FFF2-40B4-BE49-F238E27FC236}">
+                    <a16:creationId xmlns:a16="http://schemas.microsoft.com/office/drawing/2014/main" id="{82E654BA-C448-4C6A-8B8D-8D4300580B18}"/>
+                  </a:ext>
+                </a:extLst>
+              </p:cNvPr>
+              <p:cNvSpPr/>
+              <p:nvPr/>
+            </p:nvSpPr>
+            <p:spPr>
+              <a:xfrm rot="5400000">
+                <a:off x="4236409" y="1723636"/>
+                <a:ext cx="367275" cy="894838"/>
+              </a:xfrm>
+              <a:prstGeom prst="bentUpArrow">
+                <a:avLst>
+                  <a:gd name="adj1" fmla="val 14706"/>
+                  <a:gd name="adj2" fmla="val 25000"/>
+                  <a:gd name="adj3" fmla="val 50000"/>
+                </a:avLst>
+              </a:prstGeom>
+              <a:solidFill>
+                <a:srgbClr val="282D3F"/>
+              </a:solidFill>
+              <a:ln>
+                <a:noFill/>
+              </a:ln>
+            </p:spPr>
+            <p:style>
+              <a:lnRef idx="2">
+                <a:schemeClr val="accent1">
+                  <a:shade val="50000"/>
+                </a:schemeClr>
+              </a:lnRef>
+              <a:fillRef idx="1">
+                <a:schemeClr val="accent1"/>
+              </a:fillRef>
+              <a:effectRef idx="0">
+                <a:schemeClr val="accent1"/>
+              </a:effectRef>
+              <a:fontRef idx="minor">
+                <a:schemeClr val="lt1"/>
+              </a:fontRef>
+            </p:style>
+            <p:txBody>
+              <a:bodyPr rtlCol="0" anchor="ctr"/>
+              <a:lstStyle/>
+              <a:p>
+                <a:pPr algn="ctr"/>
+                <a:endParaRPr lang="zh-TW" altLang="en-US"/>
+              </a:p>
+            </p:txBody>
+          </p:sp>
+          <p:sp>
+            <p:nvSpPr>
+              <p:cNvPr id="12" name="矩形 11">
+                <a:extLst>
+                  <a:ext uri="{FF2B5EF4-FFF2-40B4-BE49-F238E27FC236}">
+                    <a16:creationId xmlns:a16="http://schemas.microsoft.com/office/drawing/2014/main" id="{6DA4279B-4CA0-4EED-9DCA-E005FB8B46EE}"/>
+                  </a:ext>
+                </a:extLst>
+              </p:cNvPr>
+              <p:cNvSpPr/>
+              <p:nvPr/>
+            </p:nvSpPr>
+            <p:spPr>
+              <a:xfrm>
+                <a:off x="1817197" y="2605028"/>
+                <a:ext cx="4975095" cy="373209"/>
+              </a:xfrm>
+              <a:prstGeom prst="rect">
+                <a:avLst/>
+              </a:prstGeom>
+              <a:solidFill>
+                <a:srgbClr val="3A4979"/>
+              </a:solidFill>
+              <a:ln>
+                <a:noFill/>
+              </a:ln>
+              <a:effectLst>
+                <a:outerShdw blurRad="50800" dist="38100" dir="2700000" algn="tl" rotWithShape="0">
+                  <a:prstClr val="black">
+                    <a:alpha val="40000"/>
+                  </a:prstClr>
+                </a:outerShdw>
+              </a:effectLst>
+            </p:spPr>
+            <p:style>
+              <a:lnRef idx="2">
+                <a:schemeClr val="accent6">
+                  <a:shade val="50000"/>
+                </a:schemeClr>
+              </a:lnRef>
+              <a:fillRef idx="1">
+                <a:schemeClr val="accent6"/>
+              </a:fillRef>
+              <a:effectRef idx="0">
+                <a:schemeClr val="accent6"/>
+              </a:effectRef>
+              <a:fontRef idx="minor">
+                <a:schemeClr val="lt1"/>
+              </a:fontRef>
+            </p:style>
+            <p:txBody>
+              <a:bodyPr rtlCol="0" anchor="ctr"/>
+              <a:lstStyle/>
+              <a:p>
+                <a:r>
+                  <a:rPr lang="en-US" altLang="zh-TW" sz="1600" dirty="0">
+                    <a:latin typeface="Times New Roman" panose="02020603050405020304" pitchFamily="18" charset="0"/>
+                    <a:ea typeface="標楷體" panose="03000509000000000000" pitchFamily="65" charset="-120"/>
+                  </a:rPr>
+                  <a:t>goroutine         </a:t>
+                </a:r>
+                <a:r>
+                  <a:rPr lang="en-US" altLang="zh-TW" sz="1600" dirty="0" err="1">
+                    <a:latin typeface="Times New Roman" panose="02020603050405020304" pitchFamily="18" charset="0"/>
+                    <a:ea typeface="標楷體" panose="03000509000000000000" pitchFamily="65" charset="-120"/>
+                  </a:rPr>
+                  <a:t>ethsah.minr</a:t>
+                </a:r>
+                <a:r>
+                  <a:rPr lang="en-US" altLang="zh-TW" sz="1600" dirty="0">
+                    <a:latin typeface="Times New Roman" panose="02020603050405020304" pitchFamily="18" charset="0"/>
+                    <a:ea typeface="標楷體" panose="03000509000000000000" pitchFamily="65" charset="-120"/>
+                  </a:rPr>
+                  <a:t>(block, id, nonce ,abort, locals)</a:t>
+                </a:r>
+                <a:endParaRPr lang="zh-TW" altLang="en-US" sz="1600" dirty="0">
+                  <a:latin typeface="Times New Roman" panose="02020603050405020304" pitchFamily="18" charset="0"/>
+                  <a:ea typeface="標楷體" panose="03000509000000000000" pitchFamily="65" charset="-120"/>
+                </a:endParaRPr>
+              </a:p>
+            </p:txBody>
+          </p:sp>
+          <p:sp>
+            <p:nvSpPr>
+              <p:cNvPr id="13" name="箭號: 向右 12">
+                <a:extLst>
+                  <a:ext uri="{FF2B5EF4-FFF2-40B4-BE49-F238E27FC236}">
+                    <a16:creationId xmlns:a16="http://schemas.microsoft.com/office/drawing/2014/main" id="{543EF2D4-C4F8-430B-AFF0-F3892717317B}"/>
+                  </a:ext>
+                </a:extLst>
+              </p:cNvPr>
+              <p:cNvSpPr/>
+              <p:nvPr/>
+            </p:nvSpPr>
+            <p:spPr>
+              <a:xfrm rot="5400000">
+                <a:off x="5304123" y="2452080"/>
+                <a:ext cx="346163" cy="173666"/>
+              </a:xfrm>
+              <a:prstGeom prst="rightArrow">
+                <a:avLst>
+                  <a:gd name="adj1" fmla="val 45208"/>
+                  <a:gd name="adj2" fmla="val 133484"/>
+                </a:avLst>
+              </a:prstGeom>
+              <a:solidFill>
+                <a:srgbClr val="282D3F"/>
+              </a:solidFill>
+              <a:ln>
+                <a:noFill/>
+              </a:ln>
+            </p:spPr>
+            <p:style>
+              <a:lnRef idx="2">
+                <a:schemeClr val="accent1">
+                  <a:shade val="50000"/>
+                </a:schemeClr>
+              </a:lnRef>
+              <a:fillRef idx="1">
+                <a:schemeClr val="accent1"/>
+              </a:fillRef>
+              <a:effectRef idx="0">
+                <a:schemeClr val="accent1"/>
+              </a:effectRef>
+              <a:fontRef idx="minor">
+                <a:schemeClr val="lt1"/>
+              </a:fontRef>
+            </p:style>
+            <p:txBody>
+              <a:bodyPr rtlCol="0" anchor="ctr"/>
+              <a:lstStyle/>
+              <a:p>
+                <a:pPr algn="ctr"/>
+                <a:endParaRPr lang="zh-TW" altLang="en-US"/>
+              </a:p>
+            </p:txBody>
+          </p:sp>
+          <p:sp>
+            <p:nvSpPr>
+              <p:cNvPr id="14" name="文字方塊 13">
+                <a:extLst>
+                  <a:ext uri="{FF2B5EF4-FFF2-40B4-BE49-F238E27FC236}">
+                    <a16:creationId xmlns:a16="http://schemas.microsoft.com/office/drawing/2014/main" id="{D74501DA-D5C0-48CE-903E-44B814FC92D5}"/>
+                  </a:ext>
+                </a:extLst>
+              </p:cNvPr>
+              <p:cNvSpPr txBox="1"/>
+              <p:nvPr/>
+            </p:nvSpPr>
+            <p:spPr>
+              <a:xfrm>
+                <a:off x="1743871" y="3084146"/>
+                <a:ext cx="1452705" cy="307777"/>
+              </a:xfrm>
+              <a:prstGeom prst="rect">
+                <a:avLst/>
+              </a:prstGeom>
+              <a:noFill/>
+            </p:spPr>
+            <p:txBody>
+              <a:bodyPr wrap="none" rtlCol="0">
+                <a:spAutoFit/>
+              </a:bodyPr>
+              <a:lstStyle/>
+              <a:p>
+                <a:r>
+                  <a:rPr lang="en-US" altLang="zh-TW" sz="1400" dirty="0" err="1"/>
+                  <a:t>resultCH</a:t>
+                </a:r>
+                <a:r>
+                  <a:rPr lang="en-US" altLang="zh-TW" sz="1400" dirty="0"/>
+                  <a:t> &lt;- result</a:t>
+                </a:r>
+                <a:endParaRPr lang="zh-TW" altLang="en-US" sz="1400" dirty="0"/>
+              </a:p>
+            </p:txBody>
+          </p:sp>
+        </p:grpSp>
+        <p:cxnSp>
+          <p:nvCxnSpPr>
+            <p:cNvPr id="21" name="直線單箭頭接點 20">
+              <a:extLst>
+                <a:ext uri="{FF2B5EF4-FFF2-40B4-BE49-F238E27FC236}">
+                  <a16:creationId xmlns:a16="http://schemas.microsoft.com/office/drawing/2014/main" id="{86CE3B29-32F2-4385-837A-646F4C260E2B}"/>
+                </a:ext>
+              </a:extLst>
+            </p:cNvPr>
+            <p:cNvCxnSpPr>
+              <a:cxnSpLocks/>
+            </p:cNvCxnSpPr>
+            <p:nvPr/>
+          </p:nvCxnSpPr>
+          <p:spPr>
+            <a:xfrm flipH="1">
+              <a:off x="1309747" y="-288067"/>
+              <a:ext cx="522908" cy="582993"/>
+            </a:xfrm>
+            <a:prstGeom prst="straightConnector1">
+              <a:avLst/>
+            </a:prstGeom>
+            <a:ln w="28575">
+              <a:prstDash val="sysDash"/>
+              <a:tailEnd type="triangle"/>
+            </a:ln>
+          </p:spPr>
+          <p:style>
+            <a:lnRef idx="1">
+              <a:schemeClr val="dk1"/>
+            </a:lnRef>
+            <a:fillRef idx="0">
+              <a:schemeClr val="dk1"/>
+            </a:fillRef>
+            <a:effectRef idx="0">
+              <a:schemeClr val="dk1"/>
+            </a:effectRef>
+            <a:fontRef idx="minor">
+              <a:schemeClr val="tx1"/>
+            </a:fontRef>
+          </p:style>
+        </p:cxnSp>
+        <p:grpSp>
+          <p:nvGrpSpPr>
+            <p:cNvPr id="37" name="群組 36">
+              <a:extLst>
+                <a:ext uri="{FF2B5EF4-FFF2-40B4-BE49-F238E27FC236}">
+                  <a16:creationId xmlns:a16="http://schemas.microsoft.com/office/drawing/2014/main" id="{337E383F-271E-4A76-B208-AB256FC0CBB1}"/>
+                </a:ext>
+              </a:extLst>
+            </p:cNvPr>
+            <p:cNvGrpSpPr/>
+            <p:nvPr/>
+          </p:nvGrpSpPr>
+          <p:grpSpPr>
+            <a:xfrm>
+              <a:off x="1309747" y="264088"/>
+              <a:ext cx="7929210" cy="2321632"/>
+              <a:chOff x="2841367" y="25328"/>
+              <a:chExt cx="7929210" cy="2321632"/>
+            </a:xfrm>
+          </p:grpSpPr>
+          <p:sp>
+            <p:nvSpPr>
+              <p:cNvPr id="18" name="矩形 17">
+                <a:extLst>
+                  <a:ext uri="{FF2B5EF4-FFF2-40B4-BE49-F238E27FC236}">
+                    <a16:creationId xmlns:a16="http://schemas.microsoft.com/office/drawing/2014/main" id="{668D2B01-0E48-42DA-9019-09ABB1D82236}"/>
+                  </a:ext>
+                </a:extLst>
+              </p:cNvPr>
+              <p:cNvSpPr/>
+              <p:nvPr/>
+            </p:nvSpPr>
+            <p:spPr>
+              <a:xfrm>
+                <a:off x="2841367" y="93443"/>
+                <a:ext cx="7929210" cy="2253517"/>
+              </a:xfrm>
+              <a:prstGeom prst="rect">
+                <a:avLst/>
+              </a:prstGeom>
+              <a:solidFill>
+                <a:srgbClr val="CDD1DF"/>
+              </a:solidFill>
+              <a:ln>
+                <a:noFill/>
+              </a:ln>
+              <a:effectLst>
+                <a:outerShdw blurRad="50800" dist="38100" dir="2700000" algn="tl" rotWithShape="0">
+                  <a:prstClr val="black">
+                    <a:alpha val="40000"/>
+                  </a:prstClr>
+                </a:outerShdw>
+              </a:effectLst>
+            </p:spPr>
+            <p:style>
+              <a:lnRef idx="2">
+                <a:schemeClr val="accent6">
+                  <a:shade val="50000"/>
+                </a:schemeClr>
+              </a:lnRef>
+              <a:fillRef idx="1">
+                <a:schemeClr val="accent6"/>
+              </a:fillRef>
+              <a:effectRef idx="0">
+                <a:schemeClr val="accent6"/>
+              </a:effectRef>
+              <a:fontRef idx="minor">
+                <a:schemeClr val="lt1"/>
+              </a:fontRef>
+            </p:style>
+            <p:txBody>
+              <a:bodyPr rtlCol="0" anchor="ctr"/>
+              <a:lstStyle/>
+              <a:p>
+                <a:pPr algn="ctr"/>
+                <a:endParaRPr lang="zh-TW" altLang="en-US" dirty="0">
+                  <a:solidFill>
+                    <a:schemeClr val="tx1"/>
+                  </a:solidFill>
+                  <a:latin typeface="Times New Roman" panose="02020603050405020304" pitchFamily="18" charset="0"/>
+                  <a:ea typeface="標楷體" panose="03000509000000000000" pitchFamily="65" charset="-120"/>
+                </a:endParaRPr>
+              </a:p>
+            </p:txBody>
+          </p:sp>
+          <p:sp>
+            <p:nvSpPr>
+              <p:cNvPr id="19" name="文字方塊 18">
+                <a:extLst>
+                  <a:ext uri="{FF2B5EF4-FFF2-40B4-BE49-F238E27FC236}">
+                    <a16:creationId xmlns:a16="http://schemas.microsoft.com/office/drawing/2014/main" id="{003C5DCC-44B2-4B23-92E7-BD723B2EEEF6}"/>
+                  </a:ext>
+                </a:extLst>
+              </p:cNvPr>
+              <p:cNvSpPr txBox="1"/>
+              <p:nvPr/>
+            </p:nvSpPr>
+            <p:spPr>
+              <a:xfrm>
+                <a:off x="2841367" y="25328"/>
+                <a:ext cx="685688" cy="646331"/>
+              </a:xfrm>
+              <a:prstGeom prst="rect">
+                <a:avLst/>
+              </a:prstGeom>
+              <a:noFill/>
+            </p:spPr>
+            <p:txBody>
+              <a:bodyPr wrap="square" rtlCol="0">
+                <a:spAutoFit/>
+              </a:bodyPr>
+              <a:lstStyle/>
+              <a:p>
+                <a:r>
+                  <a:rPr lang="en-US" altLang="zh-TW" b="1" dirty="0">
+                    <a:latin typeface="Times New Roman" panose="02020603050405020304" pitchFamily="18" charset="0"/>
+                    <a:ea typeface="標楷體" panose="03000509000000000000" pitchFamily="65" charset="-120"/>
+                  </a:rPr>
+                  <a:t>mine</a:t>
+                </a:r>
+                <a:endParaRPr lang="zh-TW" altLang="en-US" b="1" dirty="0">
+                  <a:latin typeface="Times New Roman" panose="02020603050405020304" pitchFamily="18" charset="0"/>
+                  <a:ea typeface="標楷體" panose="03000509000000000000" pitchFamily="65" charset="-120"/>
+                </a:endParaRPr>
+              </a:p>
+              <a:p>
+                <a:endParaRPr lang="zh-TW" altLang="en-US" dirty="0"/>
+              </a:p>
+            </p:txBody>
+          </p:sp>
+          <p:grpSp>
+            <p:nvGrpSpPr>
+              <p:cNvPr id="26" name="群組 25">
+                <a:extLst>
+                  <a:ext uri="{FF2B5EF4-FFF2-40B4-BE49-F238E27FC236}">
+                    <a16:creationId xmlns:a16="http://schemas.microsoft.com/office/drawing/2014/main" id="{9CD55743-3A1B-47F3-8396-570ECD970033}"/>
+                  </a:ext>
+                </a:extLst>
+              </p:cNvPr>
+              <p:cNvGrpSpPr/>
+              <p:nvPr/>
+            </p:nvGrpSpPr>
+            <p:grpSpPr>
+              <a:xfrm>
+                <a:off x="2896770" y="429375"/>
+                <a:ext cx="2772545" cy="1414185"/>
+                <a:chOff x="1184302" y="2259108"/>
+                <a:chExt cx="2772545" cy="1414185"/>
+              </a:xfrm>
+            </p:grpSpPr>
+            <p:sp>
+              <p:nvSpPr>
+                <p:cNvPr id="24" name="矩形: 圓角 23">
+                  <a:extLst>
+                    <a:ext uri="{FF2B5EF4-FFF2-40B4-BE49-F238E27FC236}">
+                      <a16:creationId xmlns:a16="http://schemas.microsoft.com/office/drawing/2014/main" id="{8E2D1C18-9F9B-448A-A5DE-B65172E48ABD}"/>
+                    </a:ext>
+                  </a:extLst>
+                </p:cNvPr>
+                <p:cNvSpPr/>
+                <p:nvPr/>
+              </p:nvSpPr>
+              <p:spPr>
+                <a:xfrm>
+                  <a:off x="1184302" y="2259108"/>
+                  <a:ext cx="2710999" cy="1414185"/>
+                </a:xfrm>
+                <a:prstGeom prst="roundRect">
+                  <a:avLst/>
+                </a:prstGeom>
+                <a:solidFill>
+                  <a:srgbClr val="FFFFFF"/>
+                </a:solidFill>
+                <a:ln>
+                  <a:solidFill>
+                    <a:schemeClr val="tx1"/>
+                  </a:solidFill>
+                </a:ln>
+              </p:spPr>
+              <p:style>
+                <a:lnRef idx="2">
+                  <a:schemeClr val="accent1">
+                    <a:shade val="50000"/>
+                  </a:schemeClr>
+                </a:lnRef>
+                <a:fillRef idx="1">
+                  <a:schemeClr val="accent1"/>
+                </a:fillRef>
+                <a:effectRef idx="0">
+                  <a:schemeClr val="accent1"/>
+                </a:effectRef>
+                <a:fontRef idx="minor">
+                  <a:schemeClr val="lt1"/>
+                </a:fontRef>
+              </p:style>
+              <p:txBody>
+                <a:bodyPr rtlCol="0" anchor="ctr"/>
+                <a:lstStyle/>
+                <a:p>
+                  <a:pPr algn="ctr"/>
+                  <a:endParaRPr lang="zh-TW" altLang="en-US" dirty="0"/>
+                </a:p>
+              </p:txBody>
+            </p:sp>
+            <p:sp>
+              <p:nvSpPr>
+                <p:cNvPr id="25" name="文字方塊 24">
+                  <a:extLst>
+                    <a:ext uri="{FF2B5EF4-FFF2-40B4-BE49-F238E27FC236}">
+                      <a16:creationId xmlns:a16="http://schemas.microsoft.com/office/drawing/2014/main" id="{666E178D-4559-4CC7-B002-EA644A01E789}"/>
+                    </a:ext>
+                  </a:extLst>
+                </p:cNvPr>
+                <p:cNvSpPr txBox="1"/>
+                <p:nvPr/>
+              </p:nvSpPr>
+              <p:spPr>
+                <a:xfrm>
+                  <a:off x="1245848" y="2378673"/>
+                  <a:ext cx="2710999" cy="1169551"/>
+                </a:xfrm>
+                <a:prstGeom prst="rect">
+                  <a:avLst/>
+                </a:prstGeom>
+                <a:noFill/>
+              </p:spPr>
+              <p:txBody>
+                <a:bodyPr wrap="none" rtlCol="0">
+                  <a:spAutoFit/>
+                </a:bodyPr>
+                <a:lstStyle/>
+                <a:p>
+                  <a:r>
+                    <a:rPr lang="en-US" altLang="zh-TW" sz="1400" dirty="0"/>
+                    <a:t>header	#</a:t>
+                  </a:r>
+                  <a:r>
+                    <a:rPr lang="zh-TW" altLang="en-US" sz="1400" dirty="0"/>
+                    <a:t>傳入的區塊頭</a:t>
+                  </a:r>
+                  <a:r>
+                    <a:rPr lang="en-US" altLang="zh-TW" sz="1400" dirty="0"/>
+                    <a:t> </a:t>
+                  </a:r>
+                </a:p>
+                <a:p>
+                  <a:r>
+                    <a:rPr lang="en-US" altLang="zh-TW" sz="1400" dirty="0"/>
+                    <a:t>hash</a:t>
+                  </a:r>
+                  <a:r>
+                    <a:rPr lang="zh-TW" altLang="en-US" sz="1400" dirty="0"/>
+                    <a:t> </a:t>
+                  </a:r>
+                  <a:r>
+                    <a:rPr lang="en-US" altLang="zh-TW" sz="1400" dirty="0"/>
+                    <a:t>	#</a:t>
+                  </a:r>
+                  <a:r>
+                    <a:rPr lang="zh-TW" altLang="en-US" sz="1400" dirty="0"/>
+                    <a:t>不包含</a:t>
+                  </a:r>
+                  <a:r>
+                    <a:rPr lang="en-US" altLang="zh-TW" sz="1400" dirty="0"/>
+                    <a:t>nonce</a:t>
+                  </a:r>
+                  <a:r>
+                    <a:rPr lang="zh-TW" altLang="en-US" sz="1400" dirty="0"/>
+                    <a:t>的</a:t>
+                  </a:r>
+                  <a:r>
+                    <a:rPr lang="en-US" altLang="zh-TW" sz="1400" dirty="0"/>
+                    <a:t>hash</a:t>
+                  </a:r>
+                </a:p>
+                <a:p>
+                  <a:r>
+                    <a:rPr lang="en-US" altLang="zh-TW" sz="1400" dirty="0"/>
+                    <a:t>target 	# 2^256/difficulty</a:t>
+                  </a:r>
+                </a:p>
+                <a:p>
+                  <a:r>
+                    <a:rPr lang="en-US" altLang="zh-TW" sz="1400" dirty="0"/>
+                    <a:t>number 	#</a:t>
+                  </a:r>
+                  <a:r>
+                    <a:rPr lang="zh-TW" altLang="en-US" sz="1400" dirty="0"/>
+                    <a:t>區塊編號</a:t>
+                  </a:r>
+                  <a:endParaRPr lang="en-US" altLang="zh-TW" sz="1400" dirty="0"/>
+                </a:p>
+                <a:p>
+                  <a:r>
+                    <a:rPr lang="en-US" altLang="zh-TW" sz="1400" dirty="0"/>
+                    <a:t>dataset</a:t>
+                  </a:r>
+                  <a:r>
+                    <a:rPr lang="zh-TW" altLang="en-US" sz="1400" dirty="0"/>
+                    <a:t> </a:t>
+                  </a:r>
+                  <a:r>
+                    <a:rPr lang="en-US" altLang="zh-TW" sz="1400" dirty="0"/>
+                    <a:t>	#</a:t>
+                  </a:r>
+                  <a:r>
+                    <a:rPr lang="zh-TW" altLang="en-US" sz="1400" dirty="0"/>
+                    <a:t>數據表</a:t>
+                  </a:r>
+                  <a:endParaRPr lang="en-US" altLang="zh-TW" dirty="0"/>
+                </a:p>
+              </p:txBody>
+            </p:sp>
+          </p:grpSp>
+          <p:grpSp>
+            <p:nvGrpSpPr>
+              <p:cNvPr id="36" name="群組 35">
+                <a:extLst>
+                  <a:ext uri="{FF2B5EF4-FFF2-40B4-BE49-F238E27FC236}">
+                    <a16:creationId xmlns:a16="http://schemas.microsoft.com/office/drawing/2014/main" id="{69BD96C1-D9CF-40E3-A676-E5ECECE22DA4}"/>
+                  </a:ext>
+                </a:extLst>
+              </p:cNvPr>
+              <p:cNvGrpSpPr/>
+              <p:nvPr/>
+            </p:nvGrpSpPr>
+            <p:grpSpPr>
+              <a:xfrm>
+                <a:off x="5967123" y="467998"/>
+                <a:ext cx="1679331" cy="1590082"/>
+                <a:chOff x="1063869" y="2198077"/>
+                <a:chExt cx="1925516" cy="1960685"/>
+              </a:xfrm>
+            </p:grpSpPr>
+            <p:sp>
+              <p:nvSpPr>
+                <p:cNvPr id="28" name="橢圓 27">
+                  <a:extLst>
+                    <a:ext uri="{FF2B5EF4-FFF2-40B4-BE49-F238E27FC236}">
+                      <a16:creationId xmlns:a16="http://schemas.microsoft.com/office/drawing/2014/main" id="{FBA3187B-8C63-4722-901E-C4BEC760780B}"/>
+                    </a:ext>
+                  </a:extLst>
+                </p:cNvPr>
+                <p:cNvSpPr/>
+                <p:nvPr/>
+              </p:nvSpPr>
+              <p:spPr>
+                <a:xfrm>
+                  <a:off x="1063869" y="2198077"/>
+                  <a:ext cx="1925516" cy="1960685"/>
+                </a:xfrm>
+                <a:prstGeom prst="ellipse">
+                  <a:avLst/>
+                </a:prstGeom>
+                <a:solidFill>
+                  <a:schemeClr val="bg1"/>
+                </a:solidFill>
+                <a:ln>
+                  <a:solidFill>
+                    <a:schemeClr val="tx1"/>
+                  </a:solidFill>
+                </a:ln>
+              </p:spPr>
+              <p:style>
+                <a:lnRef idx="2">
+                  <a:schemeClr val="accent1">
+                    <a:shade val="50000"/>
+                  </a:schemeClr>
+                </a:lnRef>
+                <a:fillRef idx="1">
+                  <a:schemeClr val="accent1"/>
+                </a:fillRef>
+                <a:effectRef idx="0">
+                  <a:schemeClr val="accent1"/>
+                </a:effectRef>
+                <a:fontRef idx="minor">
+                  <a:schemeClr val="lt1"/>
+                </a:fontRef>
+              </p:style>
+              <p:txBody>
+                <a:bodyPr rtlCol="0" anchor="ctr"/>
+                <a:lstStyle/>
+                <a:p>
+                  <a:pPr algn="ctr"/>
+                  <a:endParaRPr lang="zh-TW" altLang="en-US"/>
+                </a:p>
+              </p:txBody>
+            </p:sp>
+            <p:sp>
+              <p:nvSpPr>
+                <p:cNvPr id="29" name="文字方塊 28">
+                  <a:extLst>
+                    <a:ext uri="{FF2B5EF4-FFF2-40B4-BE49-F238E27FC236}">
+                      <a16:creationId xmlns:a16="http://schemas.microsoft.com/office/drawing/2014/main" id="{63F12387-BFA2-4063-A63E-3455FA468AE9}"/>
+                    </a:ext>
+                  </a:extLst>
+                </p:cNvPr>
+                <p:cNvSpPr txBox="1"/>
+                <p:nvPr/>
+              </p:nvSpPr>
+              <p:spPr>
+                <a:xfrm>
+                  <a:off x="1450583" y="2499267"/>
+                  <a:ext cx="1173085" cy="1480092"/>
+                </a:xfrm>
+                <a:prstGeom prst="rect">
+                  <a:avLst/>
+                </a:prstGeom>
+                <a:noFill/>
+              </p:spPr>
+              <p:txBody>
+                <a:bodyPr wrap="none" rtlCol="0">
+                  <a:spAutoFit/>
+                </a:bodyPr>
+                <a:lstStyle/>
+                <a:p>
+                  <a:pPr algn="ctr"/>
+                  <a:r>
+                    <a:rPr lang="en-US" altLang="zh-TW" dirty="0"/>
+                    <a:t>For</a:t>
+                  </a:r>
+                </a:p>
+                <a:p>
+                  <a:pPr algn="ctr"/>
+                  <a:endParaRPr lang="en-US" altLang="zh-TW" dirty="0"/>
+                </a:p>
+                <a:p>
+                  <a:endParaRPr lang="en-US" altLang="zh-TW" dirty="0"/>
+                </a:p>
+                <a:p>
+                  <a:r>
+                    <a:rPr lang="en-US" altLang="zh-TW" dirty="0"/>
+                    <a:t>Nonce++</a:t>
+                  </a:r>
+                  <a:endParaRPr lang="zh-TW" altLang="en-US" dirty="0"/>
+                </a:p>
+              </p:txBody>
+            </p:sp>
+            <p:cxnSp>
+              <p:nvCxnSpPr>
+                <p:cNvPr id="31" name="直線單箭頭接點 30">
+                  <a:extLst>
+                    <a:ext uri="{FF2B5EF4-FFF2-40B4-BE49-F238E27FC236}">
+                      <a16:creationId xmlns:a16="http://schemas.microsoft.com/office/drawing/2014/main" id="{E155484D-BC26-4102-8BA7-51723FE71189}"/>
+                    </a:ext>
+                  </a:extLst>
+                </p:cNvPr>
+                <p:cNvCxnSpPr>
+                  <a:cxnSpLocks/>
+                </p:cNvCxnSpPr>
+                <p:nvPr/>
+              </p:nvCxnSpPr>
+              <p:spPr>
+                <a:xfrm flipH="1">
+                  <a:off x="2675715" y="3848100"/>
+                  <a:ext cx="54785" cy="58029"/>
+                </a:xfrm>
+                <a:prstGeom prst="straightConnector1">
+                  <a:avLst/>
+                </a:prstGeom>
+                <a:ln>
+                  <a:solidFill>
+                    <a:schemeClr val="tx1"/>
+                  </a:solidFill>
+                  <a:tailEnd type="triangle"/>
+                </a:ln>
+              </p:spPr>
+              <p:style>
+                <a:lnRef idx="1">
+                  <a:schemeClr val="accent1"/>
+                </a:lnRef>
+                <a:fillRef idx="0">
+                  <a:schemeClr val="accent1"/>
+                </a:fillRef>
+                <a:effectRef idx="0">
+                  <a:schemeClr val="accent1"/>
+                </a:effectRef>
+                <a:fontRef idx="minor">
+                  <a:schemeClr val="tx1"/>
+                </a:fontRef>
+              </p:style>
+            </p:cxnSp>
+            <p:cxnSp>
+              <p:nvCxnSpPr>
+                <p:cNvPr id="34" name="直線單箭頭接點 33">
+                  <a:extLst>
+                    <a:ext uri="{FF2B5EF4-FFF2-40B4-BE49-F238E27FC236}">
+                      <a16:creationId xmlns:a16="http://schemas.microsoft.com/office/drawing/2014/main" id="{1F7B75A2-786A-4710-9C9C-2FC3D2F96EFE}"/>
+                    </a:ext>
+                  </a:extLst>
+                </p:cNvPr>
+                <p:cNvCxnSpPr>
+                  <a:cxnSpLocks/>
+                </p:cNvCxnSpPr>
+                <p:nvPr/>
+              </p:nvCxnSpPr>
+              <p:spPr>
+                <a:xfrm flipV="1">
+                  <a:off x="1351045" y="2424798"/>
+                  <a:ext cx="57678" cy="53836"/>
+                </a:xfrm>
+                <a:prstGeom prst="straightConnector1">
+                  <a:avLst/>
+                </a:prstGeom>
+                <a:ln>
+                  <a:solidFill>
+                    <a:schemeClr val="tx1"/>
+                  </a:solidFill>
+                  <a:tailEnd type="triangle"/>
+                </a:ln>
+              </p:spPr>
+              <p:style>
+                <a:lnRef idx="1">
+                  <a:schemeClr val="accent1"/>
+                </a:lnRef>
+                <a:fillRef idx="0">
+                  <a:schemeClr val="accent1"/>
+                </a:fillRef>
+                <a:effectRef idx="0">
+                  <a:schemeClr val="accent1"/>
+                </a:effectRef>
+                <a:fontRef idx="minor">
+                  <a:schemeClr val="tx1"/>
+                </a:fontRef>
+              </p:style>
+            </p:cxnSp>
+          </p:grpSp>
+          <p:sp>
+            <p:nvSpPr>
+              <p:cNvPr id="27" name="矩形 26">
+                <a:extLst>
+                  <a:ext uri="{FF2B5EF4-FFF2-40B4-BE49-F238E27FC236}">
+                    <a16:creationId xmlns:a16="http://schemas.microsoft.com/office/drawing/2014/main" id="{085C953A-317B-4DAB-A4D1-E92D806A5926}"/>
+                  </a:ext>
+                </a:extLst>
+              </p:cNvPr>
+              <p:cNvSpPr/>
+              <p:nvPr/>
+            </p:nvSpPr>
+            <p:spPr>
+              <a:xfrm>
+                <a:off x="5704697" y="1091913"/>
+                <a:ext cx="4485783" cy="373209"/>
+              </a:xfrm>
+              <a:prstGeom prst="rect">
+                <a:avLst/>
+              </a:prstGeom>
+              <a:solidFill>
+                <a:srgbClr val="3A4979"/>
+              </a:solidFill>
+              <a:ln>
+                <a:noFill/>
+              </a:ln>
+              <a:effectLst>
+                <a:outerShdw blurRad="50800" dist="38100" dir="2700000" algn="tl" rotWithShape="0">
+                  <a:prstClr val="black">
+                    <a:alpha val="40000"/>
+                  </a:prstClr>
+                </a:outerShdw>
+              </a:effectLst>
+            </p:spPr>
+            <p:style>
+              <a:lnRef idx="2">
+                <a:schemeClr val="accent6">
+                  <a:shade val="50000"/>
+                </a:schemeClr>
+              </a:lnRef>
+              <a:fillRef idx="1">
+                <a:schemeClr val="accent6"/>
+              </a:fillRef>
+              <a:effectRef idx="0">
+                <a:schemeClr val="accent6"/>
+              </a:effectRef>
+              <a:fontRef idx="minor">
+                <a:schemeClr val="lt1"/>
+              </a:fontRef>
+            </p:style>
+            <p:txBody>
+              <a:bodyPr rtlCol="0" anchor="ctr"/>
+              <a:lstStyle/>
+              <a:p>
+                <a:r>
+                  <a:rPr lang="en-US" altLang="zh-TW" sz="1400" dirty="0">
+                    <a:latin typeface="Times New Roman" panose="02020603050405020304" pitchFamily="18" charset="0"/>
+                    <a:ea typeface="標楷體" panose="03000509000000000000" pitchFamily="65" charset="-120"/>
+                  </a:rPr>
+                  <a:t>digest, result := </a:t>
+                </a:r>
+                <a:r>
+                  <a:rPr lang="en-US" altLang="zh-TW" sz="1400" dirty="0" err="1">
+                    <a:latin typeface="Times New Roman" panose="02020603050405020304" pitchFamily="18" charset="0"/>
+                    <a:ea typeface="標楷體" panose="03000509000000000000" pitchFamily="65" charset="-120"/>
+                  </a:rPr>
+                  <a:t>hashimotoFull</a:t>
+                </a:r>
+                <a:r>
+                  <a:rPr lang="en-US" altLang="zh-TW" sz="1400" dirty="0">
+                    <a:latin typeface="Times New Roman" panose="02020603050405020304" pitchFamily="18" charset="0"/>
+                    <a:ea typeface="標楷體" panose="03000509000000000000" pitchFamily="65" charset="-120"/>
+                  </a:rPr>
+                  <a:t>(</a:t>
+                </a:r>
+                <a:r>
+                  <a:rPr lang="en-US" altLang="zh-TW" sz="1400" dirty="0" err="1">
+                    <a:latin typeface="Times New Roman" panose="02020603050405020304" pitchFamily="18" charset="0"/>
+                    <a:ea typeface="標楷體" panose="03000509000000000000" pitchFamily="65" charset="-120"/>
+                  </a:rPr>
+                  <a:t>dataset.dataset</a:t>
+                </a:r>
+                <a:r>
+                  <a:rPr lang="en-US" altLang="zh-TW" sz="1400" dirty="0">
+                    <a:latin typeface="Times New Roman" panose="02020603050405020304" pitchFamily="18" charset="0"/>
+                    <a:ea typeface="標楷體" panose="03000509000000000000" pitchFamily="65" charset="-120"/>
+                  </a:rPr>
+                  <a:t>, hash, nonce)</a:t>
+                </a:r>
+                <a:endParaRPr lang="zh-TW" altLang="en-US" sz="1400" dirty="0">
+                  <a:latin typeface="Times New Roman" panose="02020603050405020304" pitchFamily="18" charset="0"/>
+                  <a:ea typeface="標楷體" panose="03000509000000000000" pitchFamily="65" charset="-120"/>
+                </a:endParaRPr>
+              </a:p>
+            </p:txBody>
+          </p:sp>
+        </p:grpSp>
+        <p:cxnSp>
+          <p:nvCxnSpPr>
+            <p:cNvPr id="23" name="直線單箭頭接點 22">
+              <a:extLst>
+                <a:ext uri="{FF2B5EF4-FFF2-40B4-BE49-F238E27FC236}">
+                  <a16:creationId xmlns:a16="http://schemas.microsoft.com/office/drawing/2014/main" id="{E8C7E9CC-5BDF-47AE-9315-A7B959232593}"/>
+                </a:ext>
+              </a:extLst>
+            </p:cNvPr>
+            <p:cNvCxnSpPr>
+              <a:cxnSpLocks/>
+            </p:cNvCxnSpPr>
+            <p:nvPr/>
+          </p:nvCxnSpPr>
+          <p:spPr>
+            <a:xfrm>
+              <a:off x="6807749" y="-288067"/>
+              <a:ext cx="2431208" cy="582993"/>
+            </a:xfrm>
+            <a:prstGeom prst="straightConnector1">
+              <a:avLst/>
+            </a:prstGeom>
+            <a:ln w="28575">
+              <a:prstDash val="sysDash"/>
+              <a:tailEnd type="triangle"/>
+            </a:ln>
+          </p:spPr>
+          <p:style>
+            <a:lnRef idx="1">
+              <a:schemeClr val="dk1"/>
+            </a:lnRef>
+            <a:fillRef idx="0">
+              <a:schemeClr val="dk1"/>
+            </a:fillRef>
+            <a:effectRef idx="0">
+              <a:schemeClr val="dk1"/>
+            </a:effectRef>
+            <a:fontRef idx="minor">
+              <a:schemeClr val="tx1"/>
+            </a:fontRef>
+          </p:style>
+        </p:cxnSp>
+        <p:cxnSp>
+          <p:nvCxnSpPr>
+            <p:cNvPr id="48" name="直線單箭頭接點 47">
+              <a:extLst>
+                <a:ext uri="{FF2B5EF4-FFF2-40B4-BE49-F238E27FC236}">
+                  <a16:creationId xmlns:a16="http://schemas.microsoft.com/office/drawing/2014/main" id="{DB5B98E8-92A3-4746-81C1-CE3F08165C1D}"/>
+                </a:ext>
+              </a:extLst>
+            </p:cNvPr>
+            <p:cNvCxnSpPr/>
+            <p:nvPr/>
+          </p:nvCxnSpPr>
+          <p:spPr>
+            <a:xfrm flipH="1">
+              <a:off x="1309746" y="1703882"/>
+              <a:ext cx="2863331" cy="1293669"/>
+            </a:xfrm>
+            <a:prstGeom prst="straightConnector1">
+              <a:avLst/>
+            </a:prstGeom>
+            <a:ln w="28575">
+              <a:solidFill>
+                <a:schemeClr val="tx1"/>
+              </a:solidFill>
+              <a:prstDash val="dash"/>
+              <a:tailEnd type="triangle"/>
+            </a:ln>
+          </p:spPr>
+          <p:style>
+            <a:lnRef idx="1">
+              <a:schemeClr val="accent1"/>
+            </a:lnRef>
+            <a:fillRef idx="0">
+              <a:schemeClr val="accent1"/>
+            </a:fillRef>
+            <a:effectRef idx="0">
+              <a:schemeClr val="accent1"/>
+            </a:effectRef>
+            <a:fontRef idx="minor">
+              <a:schemeClr val="tx1"/>
+            </a:fontRef>
+          </p:style>
+        </p:cxnSp>
+        <p:cxnSp>
+          <p:nvCxnSpPr>
+            <p:cNvPr id="50" name="直線單箭頭接點 49">
+              <a:extLst>
+                <a:ext uri="{FF2B5EF4-FFF2-40B4-BE49-F238E27FC236}">
+                  <a16:creationId xmlns:a16="http://schemas.microsoft.com/office/drawing/2014/main" id="{2E9416EC-95B5-4993-90EC-88370D44F381}"/>
+                </a:ext>
+              </a:extLst>
+            </p:cNvPr>
+            <p:cNvCxnSpPr>
+              <a:cxnSpLocks/>
+            </p:cNvCxnSpPr>
+            <p:nvPr/>
+          </p:nvCxnSpPr>
+          <p:spPr>
+            <a:xfrm>
+              <a:off x="8658860" y="1703882"/>
+              <a:ext cx="580096" cy="1293669"/>
+            </a:xfrm>
+            <a:prstGeom prst="straightConnector1">
+              <a:avLst/>
+            </a:prstGeom>
+            <a:ln w="28575">
+              <a:solidFill>
+                <a:schemeClr val="tx1"/>
+              </a:solidFill>
+              <a:prstDash val="dash"/>
+              <a:tailEnd type="triangle"/>
+            </a:ln>
+          </p:spPr>
+          <p:style>
+            <a:lnRef idx="1">
+              <a:schemeClr val="accent1"/>
+            </a:lnRef>
+            <a:fillRef idx="0">
+              <a:schemeClr val="accent1"/>
+            </a:fillRef>
+            <a:effectRef idx="0">
+              <a:schemeClr val="accent1"/>
+            </a:effectRef>
+            <a:fontRef idx="minor">
+              <a:schemeClr val="tx1"/>
+            </a:fontRef>
+          </p:style>
+        </p:cxnSp>
+        <p:grpSp>
+          <p:nvGrpSpPr>
+            <p:cNvPr id="53" name="群組 52">
+              <a:extLst>
+                <a:ext uri="{FF2B5EF4-FFF2-40B4-BE49-F238E27FC236}">
+                  <a16:creationId xmlns:a16="http://schemas.microsoft.com/office/drawing/2014/main" id="{939BF51B-F465-4578-ABBC-202FE0326364}"/>
+                </a:ext>
+              </a:extLst>
+            </p:cNvPr>
+            <p:cNvGrpSpPr/>
+            <p:nvPr/>
+          </p:nvGrpSpPr>
+          <p:grpSpPr>
+            <a:xfrm>
+              <a:off x="1309746" y="2997551"/>
+              <a:ext cx="7929210" cy="2118009"/>
+              <a:chOff x="2841366" y="300071"/>
+              <a:chExt cx="7929210" cy="2118009"/>
+            </a:xfrm>
+          </p:grpSpPr>
+          <p:sp>
+            <p:nvSpPr>
+              <p:cNvPr id="41" name="矩形 40">
+                <a:extLst>
+                  <a:ext uri="{FF2B5EF4-FFF2-40B4-BE49-F238E27FC236}">
+                    <a16:creationId xmlns:a16="http://schemas.microsoft.com/office/drawing/2014/main" id="{D546AF67-33C0-45A1-80D3-4026AD1694A8}"/>
+                  </a:ext>
+                </a:extLst>
+              </p:cNvPr>
+              <p:cNvSpPr/>
+              <p:nvPr/>
+            </p:nvSpPr>
+            <p:spPr>
+              <a:xfrm>
+                <a:off x="2841366" y="300071"/>
+                <a:ext cx="7929210" cy="2118009"/>
+              </a:xfrm>
+              <a:prstGeom prst="rect">
+                <a:avLst/>
+              </a:prstGeom>
+              <a:solidFill>
+                <a:srgbClr val="CDD1DF"/>
+              </a:solidFill>
+              <a:ln>
+                <a:noFill/>
+              </a:ln>
+              <a:effectLst>
+                <a:outerShdw blurRad="50800" dist="38100" dir="2700000" algn="tl" rotWithShape="0">
+                  <a:prstClr val="black">
+                    <a:alpha val="40000"/>
+                  </a:prstClr>
+                </a:outerShdw>
+              </a:effectLst>
+            </p:spPr>
+            <p:style>
+              <a:lnRef idx="2">
+                <a:schemeClr val="accent6">
+                  <a:shade val="50000"/>
+                </a:schemeClr>
+              </a:lnRef>
+              <a:fillRef idx="1">
+                <a:schemeClr val="accent6"/>
+              </a:fillRef>
+              <a:effectRef idx="0">
+                <a:schemeClr val="accent6"/>
+              </a:effectRef>
+              <a:fontRef idx="minor">
+                <a:schemeClr val="lt1"/>
+              </a:fontRef>
+            </p:style>
+            <p:txBody>
+              <a:bodyPr rtlCol="0" anchor="ctr"/>
+              <a:lstStyle/>
+              <a:p>
+                <a:pPr algn="ctr"/>
+                <a:endParaRPr lang="zh-TW" altLang="en-US" dirty="0">
+                  <a:solidFill>
+                    <a:schemeClr val="tx1"/>
+                  </a:solidFill>
+                  <a:latin typeface="Times New Roman" panose="02020603050405020304" pitchFamily="18" charset="0"/>
+                  <a:ea typeface="標楷體" panose="03000509000000000000" pitchFamily="65" charset="-120"/>
+                </a:endParaRPr>
+              </a:p>
+            </p:txBody>
+          </p:sp>
+          <p:sp>
+            <p:nvSpPr>
+              <p:cNvPr id="42" name="文字方塊 41">
+                <a:extLst>
+                  <a:ext uri="{FF2B5EF4-FFF2-40B4-BE49-F238E27FC236}">
+                    <a16:creationId xmlns:a16="http://schemas.microsoft.com/office/drawing/2014/main" id="{7753923D-ECB8-4868-8BDA-BFB8A8D28CF7}"/>
+                  </a:ext>
+                </a:extLst>
+              </p:cNvPr>
+              <p:cNvSpPr txBox="1"/>
+              <p:nvPr/>
+            </p:nvSpPr>
+            <p:spPr>
+              <a:xfrm>
+                <a:off x="2841366" y="300072"/>
+                <a:ext cx="3965833" cy="646331"/>
+              </a:xfrm>
+              <a:prstGeom prst="rect">
+                <a:avLst/>
+              </a:prstGeom>
+              <a:noFill/>
+            </p:spPr>
+            <p:txBody>
+              <a:bodyPr wrap="square" rtlCol="0">
+                <a:spAutoFit/>
+              </a:bodyPr>
+              <a:lstStyle/>
+              <a:p>
+                <a:r>
+                  <a:rPr lang="en-US" altLang="zh-TW" b="1" dirty="0" err="1">
+                    <a:latin typeface="Times New Roman" panose="02020603050405020304" pitchFamily="18" charset="0"/>
+                    <a:ea typeface="標楷體" panose="03000509000000000000" pitchFamily="65" charset="-120"/>
+                  </a:rPr>
+                  <a:t>hashimotoFull</a:t>
+                </a:r>
+                <a:endParaRPr lang="zh-TW" altLang="en-US" b="1" dirty="0">
+                  <a:latin typeface="Times New Roman" panose="02020603050405020304" pitchFamily="18" charset="0"/>
+                  <a:ea typeface="標楷體" panose="03000509000000000000" pitchFamily="65" charset="-120"/>
+                </a:endParaRPr>
+              </a:p>
+              <a:p>
+                <a:endParaRPr lang="zh-TW" altLang="en-US" dirty="0"/>
+              </a:p>
+            </p:txBody>
+          </p:sp>
+          <p:grpSp>
+            <p:nvGrpSpPr>
+              <p:cNvPr id="45" name="群組 44">
+                <a:extLst>
+                  <a:ext uri="{FF2B5EF4-FFF2-40B4-BE49-F238E27FC236}">
+                    <a16:creationId xmlns:a16="http://schemas.microsoft.com/office/drawing/2014/main" id="{1A100F7E-CF85-4588-AA71-3EA145E939F1}"/>
+                  </a:ext>
+                </a:extLst>
+              </p:cNvPr>
+              <p:cNvGrpSpPr/>
+              <p:nvPr/>
+            </p:nvGrpSpPr>
+            <p:grpSpPr>
+              <a:xfrm>
+                <a:off x="2897356" y="701353"/>
+                <a:ext cx="2952259" cy="1313761"/>
+                <a:chOff x="314960" y="2335268"/>
+                <a:chExt cx="2952259" cy="1313761"/>
+              </a:xfrm>
+            </p:grpSpPr>
+            <p:sp>
+              <p:nvSpPr>
+                <p:cNvPr id="43" name="矩形: 圓角 42">
+                  <a:extLst>
+                    <a:ext uri="{FF2B5EF4-FFF2-40B4-BE49-F238E27FC236}">
+                      <a16:creationId xmlns:a16="http://schemas.microsoft.com/office/drawing/2014/main" id="{3A49E876-4DF4-436D-B502-E8B82805BD8C}"/>
+                    </a:ext>
+                  </a:extLst>
+                </p:cNvPr>
+                <p:cNvSpPr/>
+                <p:nvPr/>
+              </p:nvSpPr>
+              <p:spPr>
+                <a:xfrm>
+                  <a:off x="314960" y="2335268"/>
+                  <a:ext cx="2952258" cy="1313761"/>
+                </a:xfrm>
+                <a:prstGeom prst="roundRect">
+                  <a:avLst/>
+                </a:prstGeom>
+                <a:solidFill>
+                  <a:schemeClr val="bg1"/>
+                </a:solidFill>
+                <a:ln>
+                  <a:solidFill>
+                    <a:schemeClr val="tx1"/>
+                  </a:solidFill>
+                </a:ln>
+              </p:spPr>
+              <p:style>
+                <a:lnRef idx="2">
+                  <a:schemeClr val="accent1">
+                    <a:shade val="50000"/>
+                  </a:schemeClr>
+                </a:lnRef>
+                <a:fillRef idx="1">
+                  <a:schemeClr val="accent1"/>
+                </a:fillRef>
+                <a:effectRef idx="0">
+                  <a:schemeClr val="accent1"/>
+                </a:effectRef>
+                <a:fontRef idx="minor">
+                  <a:schemeClr val="lt1"/>
+                </a:fontRef>
+              </p:style>
+              <p:txBody>
+                <a:bodyPr rtlCol="0" anchor="ctr"/>
+                <a:lstStyle/>
+                <a:p>
+                  <a:pPr algn="ctr"/>
+                  <a:endParaRPr lang="zh-TW" altLang="en-US"/>
+                </a:p>
+              </p:txBody>
+            </p:sp>
+            <p:sp>
+              <p:nvSpPr>
+                <p:cNvPr id="44" name="文字方塊 43">
+                  <a:extLst>
+                    <a:ext uri="{FF2B5EF4-FFF2-40B4-BE49-F238E27FC236}">
+                      <a16:creationId xmlns:a16="http://schemas.microsoft.com/office/drawing/2014/main" id="{791B1765-1064-495D-B994-A718EC9AB96A}"/>
+                    </a:ext>
+                  </a:extLst>
+                </p:cNvPr>
+                <p:cNvSpPr txBox="1"/>
+                <p:nvPr/>
+              </p:nvSpPr>
+              <p:spPr>
+                <a:xfrm>
+                  <a:off x="396240" y="2335268"/>
+                  <a:ext cx="2870979" cy="1231106"/>
+                </a:xfrm>
+                <a:prstGeom prst="rect">
+                  <a:avLst/>
+                </a:prstGeom>
+                <a:noFill/>
+              </p:spPr>
+              <p:txBody>
+                <a:bodyPr wrap="none" rtlCol="0">
+                  <a:spAutoFit/>
+                </a:bodyPr>
+                <a:lstStyle/>
+                <a:p>
+                  <a:r>
+                    <a:rPr lang="en-US" altLang="zh-TW" b="1" dirty="0"/>
+                    <a:t>Lookup</a:t>
+                  </a:r>
+                </a:p>
+                <a:p>
+                  <a:r>
+                    <a:rPr lang="en-US" altLang="zh-TW" sz="1400" dirty="0"/>
+                    <a:t>lookup:=</a:t>
+                  </a:r>
+                  <a:r>
+                    <a:rPr lang="en-US" altLang="zh-TW" sz="1400" dirty="0" err="1"/>
+                    <a:t>func</a:t>
+                  </a:r>
+                  <a:r>
+                    <a:rPr lang="en-US" altLang="zh-TW" sz="1400" dirty="0"/>
+                    <a:t>(index uint32) []uint32{</a:t>
+                  </a:r>
+                </a:p>
+                <a:p>
+                  <a:r>
+                    <a:rPr lang="en-US" altLang="zh-TW" sz="1400" dirty="0"/>
+                    <a:t>    offset:= index * 16</a:t>
+                  </a:r>
+                </a:p>
+                <a:p>
+                  <a:r>
+                    <a:rPr lang="en-US" altLang="zh-TW" sz="1400" dirty="0"/>
+                    <a:t>    return dataset[offset:</a:t>
+                  </a:r>
+                  <a:r>
+                    <a:rPr lang="zh-TW" altLang="en-US" sz="1400" dirty="0"/>
+                    <a:t> </a:t>
+                  </a:r>
+                  <a:r>
+                    <a:rPr lang="en-US" altLang="zh-TW" sz="1400" dirty="0"/>
+                    <a:t>offset + 16]</a:t>
+                  </a:r>
+                </a:p>
+                <a:p>
+                  <a:r>
+                    <a:rPr lang="en-US" altLang="zh-TW" sz="1400" dirty="0"/>
+                    <a:t>}</a:t>
+                  </a:r>
+                  <a:endParaRPr lang="zh-TW" altLang="en-US" sz="1400" dirty="0"/>
+                </a:p>
+              </p:txBody>
+            </p:sp>
+          </p:grpSp>
+          <p:sp>
+            <p:nvSpPr>
+              <p:cNvPr id="46" name="文字方塊 45">
+                <a:extLst>
+                  <a:ext uri="{FF2B5EF4-FFF2-40B4-BE49-F238E27FC236}">
+                    <a16:creationId xmlns:a16="http://schemas.microsoft.com/office/drawing/2014/main" id="{9D043AC6-AA72-42AB-9AA8-73BB1E752D98}"/>
+                  </a:ext>
+                </a:extLst>
+              </p:cNvPr>
+              <p:cNvSpPr txBox="1"/>
+              <p:nvPr/>
+            </p:nvSpPr>
+            <p:spPr>
+              <a:xfrm>
+                <a:off x="2957482" y="2035716"/>
+                <a:ext cx="2961067" cy="307777"/>
+              </a:xfrm>
+              <a:prstGeom prst="rect">
+                <a:avLst/>
+              </a:prstGeom>
+              <a:noFill/>
+            </p:spPr>
+            <p:txBody>
+              <a:bodyPr wrap="none" rtlCol="0">
+                <a:spAutoFit/>
+              </a:bodyPr>
+              <a:lstStyle/>
+              <a:p>
+                <a:r>
+                  <a:rPr lang="en-US" altLang="zh-TW" sz="1400" dirty="0"/>
+                  <a:t>#</a:t>
+                </a:r>
+                <a:r>
+                  <a:rPr lang="zh-TW" altLang="en-US" sz="1400" dirty="0"/>
+                  <a:t>從</a:t>
+                </a:r>
+                <a:r>
+                  <a:rPr lang="en-US" altLang="zh-TW" sz="1400" dirty="0"/>
+                  <a:t>dataset</a:t>
+                </a:r>
+                <a:r>
+                  <a:rPr lang="zh-TW" altLang="en-US" sz="1400" dirty="0"/>
+                  <a:t>中隨機取出數據計算</a:t>
+                </a:r>
+                <a:r>
+                  <a:rPr lang="en-US" altLang="zh-TW" sz="1400" dirty="0"/>
+                  <a:t>hash</a:t>
+                </a:r>
+                <a:endParaRPr lang="zh-TW" altLang="en-US" sz="1400" dirty="0"/>
+              </a:p>
+            </p:txBody>
+          </p:sp>
+          <p:sp>
+            <p:nvSpPr>
+              <p:cNvPr id="51" name="矩形 50">
+                <a:extLst>
+                  <a:ext uri="{FF2B5EF4-FFF2-40B4-BE49-F238E27FC236}">
+                    <a16:creationId xmlns:a16="http://schemas.microsoft.com/office/drawing/2014/main" id="{C8F34312-3680-4931-BACB-1D00A7B7547A}"/>
+                  </a:ext>
+                </a:extLst>
+              </p:cNvPr>
+              <p:cNvSpPr/>
+              <p:nvPr/>
+            </p:nvSpPr>
+            <p:spPr>
+              <a:xfrm>
+                <a:off x="5991855" y="1252826"/>
+                <a:ext cx="4513586" cy="373209"/>
+              </a:xfrm>
+              <a:prstGeom prst="rect">
+                <a:avLst/>
+              </a:prstGeom>
+              <a:solidFill>
+                <a:srgbClr val="3A4979"/>
+              </a:solidFill>
+              <a:ln>
+                <a:noFill/>
+              </a:ln>
+              <a:effectLst>
+                <a:outerShdw blurRad="50800" dist="38100" dir="2700000" algn="tl" rotWithShape="0">
+                  <a:prstClr val="black">
+                    <a:alpha val="40000"/>
+                  </a:prstClr>
+                </a:outerShdw>
+              </a:effectLst>
+            </p:spPr>
+            <p:style>
+              <a:lnRef idx="2">
+                <a:schemeClr val="accent6">
+                  <a:shade val="50000"/>
+                </a:schemeClr>
+              </a:lnRef>
+              <a:fillRef idx="1">
+                <a:schemeClr val="accent6"/>
+              </a:fillRef>
+              <a:effectRef idx="0">
+                <a:schemeClr val="accent6"/>
+              </a:effectRef>
+              <a:fontRef idx="minor">
+                <a:schemeClr val="lt1"/>
+              </a:fontRef>
+            </p:style>
+            <p:txBody>
+              <a:bodyPr rtlCol="0" anchor="ctr"/>
+              <a:lstStyle/>
+              <a:p>
+                <a:r>
+                  <a:rPr lang="en-US" altLang="zh-TW" sz="1400" dirty="0" err="1">
+                    <a:latin typeface="Times New Roman" panose="02020603050405020304" pitchFamily="18" charset="0"/>
+                    <a:ea typeface="標楷體" panose="03000509000000000000" pitchFamily="65" charset="-120"/>
+                  </a:rPr>
+                  <a:t>hashimoto</a:t>
+                </a:r>
+                <a:r>
+                  <a:rPr lang="en-US" altLang="zh-TW" sz="1400" dirty="0">
+                    <a:latin typeface="Times New Roman" panose="02020603050405020304" pitchFamily="18" charset="0"/>
+                    <a:ea typeface="標楷體" panose="03000509000000000000" pitchFamily="65" charset="-120"/>
+                  </a:rPr>
+                  <a:t>(hash, nonce, uint64(</a:t>
+                </a:r>
+                <a:r>
+                  <a:rPr lang="en-US" altLang="zh-TW" sz="1400" dirty="0" err="1">
+                    <a:latin typeface="Times New Roman" panose="02020603050405020304" pitchFamily="18" charset="0"/>
+                    <a:ea typeface="標楷體" panose="03000509000000000000" pitchFamily="65" charset="-120"/>
+                  </a:rPr>
+                  <a:t>len</a:t>
+                </a:r>
+                <a:r>
+                  <a:rPr lang="en-US" altLang="zh-TW" sz="1400" dirty="0">
+                    <a:latin typeface="Times New Roman" panose="02020603050405020304" pitchFamily="18" charset="0"/>
+                    <a:ea typeface="標楷體" panose="03000509000000000000" pitchFamily="65" charset="-120"/>
+                  </a:rPr>
+                  <a:t>(dataset)) </a:t>
+                </a:r>
+                <a:r>
+                  <a:rPr lang="zh-TW" altLang="en-US" sz="1400" dirty="0">
+                    <a:latin typeface="Times New Roman" panose="02020603050405020304" pitchFamily="18" charset="0"/>
+                    <a:ea typeface="標楷體" panose="03000509000000000000" pitchFamily="65" charset="-120"/>
+                  </a:rPr>
+                  <a:t>* </a:t>
+                </a:r>
+                <a:r>
+                  <a:rPr lang="en-US" altLang="zh-TW" sz="1400" dirty="0">
+                    <a:latin typeface="Times New Roman" panose="02020603050405020304" pitchFamily="18" charset="0"/>
+                    <a:ea typeface="標楷體" panose="03000509000000000000" pitchFamily="65" charset="-120"/>
+                  </a:rPr>
+                  <a:t>4, lookup)</a:t>
+                </a:r>
+                <a:endParaRPr lang="zh-TW" altLang="en-US" sz="1400" dirty="0">
+                  <a:latin typeface="Times New Roman" panose="02020603050405020304" pitchFamily="18" charset="0"/>
+                  <a:ea typeface="標楷體" panose="03000509000000000000" pitchFamily="65" charset="-120"/>
+                </a:endParaRPr>
+              </a:p>
+            </p:txBody>
+          </p:sp>
+        </p:grpSp>
+        <p:cxnSp>
+          <p:nvCxnSpPr>
+            <p:cNvPr id="61" name="直線單箭頭接點 60">
+              <a:extLst>
+                <a:ext uri="{FF2B5EF4-FFF2-40B4-BE49-F238E27FC236}">
+                  <a16:creationId xmlns:a16="http://schemas.microsoft.com/office/drawing/2014/main" id="{D001DCF6-3B3D-40EF-A18F-3E609BCEA761}"/>
+                </a:ext>
+              </a:extLst>
+            </p:cNvPr>
+            <p:cNvCxnSpPr/>
+            <p:nvPr/>
+          </p:nvCxnSpPr>
+          <p:spPr>
+            <a:xfrm flipH="1">
+              <a:off x="8676346" y="1525172"/>
+              <a:ext cx="1125220" cy="0"/>
+            </a:xfrm>
+            <a:prstGeom prst="straightConnector1">
+              <a:avLst/>
+            </a:prstGeom>
+            <a:ln w="12700">
+              <a:solidFill>
+                <a:srgbClr val="FF0000"/>
+              </a:solidFill>
+              <a:tailEnd type="triangle"/>
+            </a:ln>
+          </p:spPr>
+          <p:style>
+            <a:lnRef idx="1">
+              <a:schemeClr val="accent1"/>
+            </a:lnRef>
+            <a:fillRef idx="0">
+              <a:schemeClr val="accent1"/>
+            </a:fillRef>
+            <a:effectRef idx="0">
+              <a:schemeClr val="accent1"/>
+            </a:effectRef>
+            <a:fontRef idx="minor">
+              <a:schemeClr val="tx1"/>
+            </a:fontRef>
+          </p:style>
+        </p:cxnSp>
+        <p:cxnSp>
+          <p:nvCxnSpPr>
+            <p:cNvPr id="63" name="直線接點 62">
+              <a:extLst>
+                <a:ext uri="{FF2B5EF4-FFF2-40B4-BE49-F238E27FC236}">
+                  <a16:creationId xmlns:a16="http://schemas.microsoft.com/office/drawing/2014/main" id="{AD49D4E1-C460-419F-BCF7-E6667F81624F}"/>
+                </a:ext>
+              </a:extLst>
+            </p:cNvPr>
+            <p:cNvCxnSpPr/>
+            <p:nvPr/>
+          </p:nvCxnSpPr>
+          <p:spPr>
+            <a:xfrm>
+              <a:off x="9801665" y="1533965"/>
+              <a:ext cx="0" cy="2505807"/>
+            </a:xfrm>
+            <a:prstGeom prst="line">
+              <a:avLst/>
+            </a:prstGeom>
+            <a:ln w="12700">
+              <a:solidFill>
+                <a:srgbClr val="FF0000"/>
+              </a:solidFill>
+            </a:ln>
+          </p:spPr>
+          <p:style>
+            <a:lnRef idx="1">
+              <a:schemeClr val="accent1"/>
+            </a:lnRef>
+            <a:fillRef idx="0">
+              <a:schemeClr val="accent1"/>
+            </a:fillRef>
+            <a:effectRef idx="0">
+              <a:schemeClr val="accent1"/>
+            </a:effectRef>
+            <a:fontRef idx="minor">
+              <a:schemeClr val="tx1"/>
+            </a:fontRef>
+          </p:style>
+        </p:cxnSp>
+        <p:cxnSp>
+          <p:nvCxnSpPr>
+            <p:cNvPr id="65" name="直線接點 64">
+              <a:extLst>
+                <a:ext uri="{FF2B5EF4-FFF2-40B4-BE49-F238E27FC236}">
+                  <a16:creationId xmlns:a16="http://schemas.microsoft.com/office/drawing/2014/main" id="{C0B106BF-3F60-4C0F-AD76-CC2C9AEA78EA}"/>
+                </a:ext>
+              </a:extLst>
+            </p:cNvPr>
+            <p:cNvCxnSpPr/>
+            <p:nvPr/>
+          </p:nvCxnSpPr>
+          <p:spPr>
+            <a:xfrm flipH="1">
+              <a:off x="8973821" y="4048565"/>
+              <a:ext cx="827745" cy="0"/>
+            </a:xfrm>
+            <a:prstGeom prst="line">
+              <a:avLst/>
+            </a:prstGeom>
+            <a:ln w="12700">
+              <a:solidFill>
+                <a:srgbClr val="FF0000"/>
+              </a:solidFill>
+            </a:ln>
+          </p:spPr>
+          <p:style>
+            <a:lnRef idx="1">
+              <a:schemeClr val="accent1"/>
+            </a:lnRef>
+            <a:fillRef idx="0">
+              <a:schemeClr val="accent1"/>
+            </a:fillRef>
+            <a:effectRef idx="0">
+              <a:schemeClr val="accent1"/>
+            </a:effectRef>
+            <a:fontRef idx="minor">
+              <a:schemeClr val="tx1"/>
+            </a:fontRef>
+          </p:style>
+        </p:cxnSp>
+        <p:sp>
+          <p:nvSpPr>
+            <p:cNvPr id="66" name="文字方塊 65">
+              <a:extLst>
+                <a:ext uri="{FF2B5EF4-FFF2-40B4-BE49-F238E27FC236}">
+                  <a16:creationId xmlns:a16="http://schemas.microsoft.com/office/drawing/2014/main" id="{AD6B205F-7035-4748-88AB-278413CBBB8A}"/>
+                </a:ext>
+              </a:extLst>
+            </p:cNvPr>
+            <p:cNvSpPr txBox="1"/>
+            <p:nvPr/>
+          </p:nvSpPr>
+          <p:spPr>
+            <a:xfrm>
+              <a:off x="5492661" y="362508"/>
+              <a:ext cx="3681008" cy="307777"/>
+            </a:xfrm>
+            <a:prstGeom prst="rect">
+              <a:avLst/>
+            </a:prstGeom>
+            <a:noFill/>
+          </p:spPr>
+          <p:txBody>
+            <a:bodyPr wrap="none" rtlCol="0">
+              <a:spAutoFit/>
+            </a:bodyPr>
+            <a:lstStyle/>
+            <a:p>
+              <a:r>
+                <a:rPr lang="en-US" altLang="zh-TW" sz="1400" dirty="0"/>
+                <a:t>If new(big.int).</a:t>
+              </a:r>
+              <a:r>
+                <a:rPr lang="en-US" altLang="zh-TW" sz="1400" dirty="0" err="1"/>
+                <a:t>SetBytes</a:t>
+              </a:r>
+              <a:r>
+                <a:rPr lang="en-US" altLang="zh-TW" sz="1400" dirty="0"/>
+                <a:t>(result).</a:t>
+              </a:r>
+              <a:r>
+                <a:rPr lang="en-US" altLang="zh-TW" sz="1400" dirty="0" err="1"/>
+                <a:t>Cmp</a:t>
+              </a:r>
+              <a:r>
+                <a:rPr lang="en-US" altLang="zh-TW" sz="1400" dirty="0"/>
+                <a:t>(target) &lt;= 0</a:t>
+              </a:r>
+              <a:endParaRPr lang="zh-TW" altLang="en-US" sz="1400" dirty="0"/>
+            </a:p>
+          </p:txBody>
+        </p:sp>
+        <p:cxnSp>
+          <p:nvCxnSpPr>
+            <p:cNvPr id="67" name="直線單箭頭接點 66">
+              <a:extLst>
+                <a:ext uri="{FF2B5EF4-FFF2-40B4-BE49-F238E27FC236}">
+                  <a16:creationId xmlns:a16="http://schemas.microsoft.com/office/drawing/2014/main" id="{98D9575F-667F-4B08-9955-29B82FD5C97D}"/>
+                </a:ext>
+              </a:extLst>
+            </p:cNvPr>
+            <p:cNvCxnSpPr>
+              <a:cxnSpLocks/>
+            </p:cNvCxnSpPr>
+            <p:nvPr/>
+          </p:nvCxnSpPr>
+          <p:spPr>
+            <a:xfrm flipV="1">
+              <a:off x="7502868" y="668135"/>
+              <a:ext cx="0" cy="772188"/>
+            </a:xfrm>
+            <a:prstGeom prst="straightConnector1">
+              <a:avLst/>
+            </a:prstGeom>
+            <a:ln w="12700">
+              <a:solidFill>
+                <a:srgbClr val="FF0000"/>
+              </a:solidFill>
+              <a:tailEnd type="triangle"/>
+            </a:ln>
+          </p:spPr>
+          <p:style>
+            <a:lnRef idx="1">
+              <a:schemeClr val="accent1"/>
+            </a:lnRef>
+            <a:fillRef idx="0">
+              <a:schemeClr val="accent1"/>
+            </a:fillRef>
+            <a:effectRef idx="0">
+              <a:schemeClr val="accent1"/>
+            </a:effectRef>
+            <a:fontRef idx="minor">
+              <a:schemeClr val="tx1"/>
+            </a:fontRef>
+          </p:style>
+        </p:cxnSp>
+        <p:cxnSp>
+          <p:nvCxnSpPr>
+            <p:cNvPr id="70" name="直線單箭頭接點 69">
+              <a:extLst>
+                <a:ext uri="{FF2B5EF4-FFF2-40B4-BE49-F238E27FC236}">
+                  <a16:creationId xmlns:a16="http://schemas.microsoft.com/office/drawing/2014/main" id="{18D3048A-E40A-47A6-B0C3-E70783095B59}"/>
+                </a:ext>
+              </a:extLst>
+            </p:cNvPr>
+            <p:cNvCxnSpPr>
+              <a:cxnSpLocks/>
+            </p:cNvCxnSpPr>
+            <p:nvPr/>
+          </p:nvCxnSpPr>
+          <p:spPr>
+            <a:xfrm flipV="1">
+              <a:off x="6396652" y="114780"/>
+              <a:ext cx="0" cy="298616"/>
+            </a:xfrm>
+            <a:prstGeom prst="straightConnector1">
+              <a:avLst/>
+            </a:prstGeom>
+            <a:ln w="12700">
+              <a:solidFill>
+                <a:srgbClr val="FF0000"/>
+              </a:solidFill>
+              <a:tailEnd type="triangle"/>
+            </a:ln>
+          </p:spPr>
+          <p:style>
+            <a:lnRef idx="1">
+              <a:schemeClr val="accent1"/>
+            </a:lnRef>
+            <a:fillRef idx="0">
+              <a:schemeClr val="accent1"/>
+            </a:fillRef>
+            <a:effectRef idx="0">
+              <a:schemeClr val="accent1"/>
+            </a:effectRef>
+            <a:fontRef idx="minor">
+              <a:schemeClr val="tx1"/>
+            </a:fontRef>
+          </p:style>
+        </p:cxnSp>
+        <p:sp>
+          <p:nvSpPr>
+            <p:cNvPr id="72" name="文字方塊 71">
+              <a:extLst>
+                <a:ext uri="{FF2B5EF4-FFF2-40B4-BE49-F238E27FC236}">
+                  <a16:creationId xmlns:a16="http://schemas.microsoft.com/office/drawing/2014/main" id="{7761E509-C700-4AB6-9F95-A705169DACD9}"/>
+                </a:ext>
+              </a:extLst>
+            </p:cNvPr>
+            <p:cNvSpPr txBox="1"/>
+            <p:nvPr/>
+          </p:nvSpPr>
+          <p:spPr>
+            <a:xfrm>
+              <a:off x="5280951" y="-169978"/>
+              <a:ext cx="1892056" cy="307777"/>
+            </a:xfrm>
+            <a:prstGeom prst="rect">
+              <a:avLst/>
+            </a:prstGeom>
+            <a:noFill/>
+          </p:spPr>
+          <p:txBody>
+            <a:bodyPr wrap="none" rtlCol="0">
+              <a:spAutoFit/>
+            </a:bodyPr>
+            <a:lstStyle/>
+            <a:p>
+              <a:r>
+                <a:rPr lang="en-US" altLang="zh-TW" sz="1400" dirty="0" err="1"/>
+                <a:t>Block.WithSeal</a:t>
+              </a:r>
+              <a:r>
+                <a:rPr lang="en-US" altLang="zh-TW" sz="1400" dirty="0"/>
+                <a:t>(header)</a:t>
+              </a:r>
+              <a:endParaRPr lang="zh-TW" altLang="en-US" sz="1400" dirty="0"/>
+            </a:p>
+          </p:txBody>
+        </p:sp>
+        <p:cxnSp>
+          <p:nvCxnSpPr>
+            <p:cNvPr id="73" name="直線單箭頭接點 72">
+              <a:extLst>
+                <a:ext uri="{FF2B5EF4-FFF2-40B4-BE49-F238E27FC236}">
+                  <a16:creationId xmlns:a16="http://schemas.microsoft.com/office/drawing/2014/main" id="{33E816A9-6AE2-4950-84FC-5FBE794F1556}"/>
+                </a:ext>
+              </a:extLst>
+            </p:cNvPr>
+            <p:cNvCxnSpPr>
+              <a:cxnSpLocks/>
+            </p:cNvCxnSpPr>
+            <p:nvPr/>
+          </p:nvCxnSpPr>
+          <p:spPr>
+            <a:xfrm flipH="1">
+              <a:off x="3184883" y="-314875"/>
+              <a:ext cx="3211769" cy="0"/>
+            </a:xfrm>
+            <a:prstGeom prst="straightConnector1">
+              <a:avLst/>
+            </a:prstGeom>
+            <a:ln w="12700">
+              <a:solidFill>
+                <a:srgbClr val="FF0000"/>
+              </a:solidFill>
+              <a:tailEnd type="triangle"/>
+            </a:ln>
+          </p:spPr>
+          <p:style>
+            <a:lnRef idx="1">
+              <a:schemeClr val="accent1"/>
+            </a:lnRef>
+            <a:fillRef idx="0">
+              <a:schemeClr val="accent1"/>
+            </a:fillRef>
+            <a:effectRef idx="0">
+              <a:schemeClr val="accent1"/>
+            </a:effectRef>
+            <a:fontRef idx="minor">
+              <a:schemeClr val="tx1"/>
+            </a:fontRef>
+          </p:style>
+        </p:cxnSp>
+        <p:cxnSp>
+          <p:nvCxnSpPr>
+            <p:cNvPr id="82" name="直線單箭頭接點 81">
+              <a:extLst>
+                <a:ext uri="{FF2B5EF4-FFF2-40B4-BE49-F238E27FC236}">
+                  <a16:creationId xmlns:a16="http://schemas.microsoft.com/office/drawing/2014/main" id="{5FABA011-FB4F-4631-BB9E-07CAD0C7FF3E}"/>
+                </a:ext>
+              </a:extLst>
+            </p:cNvPr>
+            <p:cNvCxnSpPr/>
+            <p:nvPr/>
+          </p:nvCxnSpPr>
+          <p:spPr>
+            <a:xfrm flipH="1">
+              <a:off x="1309746" y="4323515"/>
+              <a:ext cx="3150489" cy="1164647"/>
+            </a:xfrm>
+            <a:prstGeom prst="straightConnector1">
+              <a:avLst/>
+            </a:prstGeom>
+            <a:ln w="28575">
+              <a:solidFill>
+                <a:schemeClr val="tx1"/>
+              </a:solidFill>
+              <a:prstDash val="dash"/>
+              <a:tailEnd type="triangle"/>
+            </a:ln>
+          </p:spPr>
+          <p:style>
+            <a:lnRef idx="1">
+              <a:schemeClr val="accent1"/>
+            </a:lnRef>
+            <a:fillRef idx="0">
+              <a:schemeClr val="accent1"/>
+            </a:fillRef>
+            <a:effectRef idx="0">
+              <a:schemeClr val="accent1"/>
+            </a:effectRef>
+            <a:fontRef idx="minor">
+              <a:schemeClr val="tx1"/>
+            </a:fontRef>
+          </p:style>
+        </p:cxnSp>
+        <p:cxnSp>
+          <p:nvCxnSpPr>
+            <p:cNvPr id="83" name="直線單箭頭接點 82">
+              <a:extLst>
+                <a:ext uri="{FF2B5EF4-FFF2-40B4-BE49-F238E27FC236}">
+                  <a16:creationId xmlns:a16="http://schemas.microsoft.com/office/drawing/2014/main" id="{D7D95A47-66AE-43A3-BF89-B656FD003F1C}"/>
+                </a:ext>
+              </a:extLst>
+            </p:cNvPr>
+            <p:cNvCxnSpPr>
+              <a:cxnSpLocks/>
+            </p:cNvCxnSpPr>
+            <p:nvPr/>
+          </p:nvCxnSpPr>
+          <p:spPr>
+            <a:xfrm>
+              <a:off x="8948909" y="4332113"/>
+              <a:ext cx="290047" cy="1156049"/>
+            </a:xfrm>
+            <a:prstGeom prst="straightConnector1">
+              <a:avLst/>
+            </a:prstGeom>
+            <a:ln w="28575">
+              <a:solidFill>
+                <a:schemeClr val="tx1"/>
+              </a:solidFill>
+              <a:prstDash val="dash"/>
+              <a:tailEnd type="triangle"/>
+            </a:ln>
+          </p:spPr>
+          <p:style>
+            <a:lnRef idx="1">
+              <a:schemeClr val="accent1"/>
+            </a:lnRef>
+            <a:fillRef idx="0">
+              <a:schemeClr val="accent1"/>
+            </a:fillRef>
+            <a:effectRef idx="0">
+              <a:schemeClr val="accent1"/>
+            </a:effectRef>
+            <a:fontRef idx="minor">
+              <a:schemeClr val="tx1"/>
+            </a:fontRef>
+          </p:style>
+        </p:cxnSp>
+        <p:cxnSp>
+          <p:nvCxnSpPr>
+            <p:cNvPr id="86" name="直線單箭頭接點 85">
+              <a:extLst>
+                <a:ext uri="{FF2B5EF4-FFF2-40B4-BE49-F238E27FC236}">
+                  <a16:creationId xmlns:a16="http://schemas.microsoft.com/office/drawing/2014/main" id="{EFB6A029-7647-4923-82B4-C008A49557F1}"/>
+                </a:ext>
+              </a:extLst>
+            </p:cNvPr>
+            <p:cNvCxnSpPr>
+              <a:cxnSpLocks/>
+            </p:cNvCxnSpPr>
+            <p:nvPr/>
+          </p:nvCxnSpPr>
+          <p:spPr>
+            <a:xfrm flipH="1">
+              <a:off x="8973821" y="4187092"/>
+              <a:ext cx="827745" cy="0"/>
+            </a:xfrm>
+            <a:prstGeom prst="straightConnector1">
+              <a:avLst/>
+            </a:prstGeom>
+            <a:ln w="12700">
+              <a:solidFill>
+                <a:srgbClr val="FF0000"/>
+              </a:solidFill>
+              <a:tailEnd type="triangle"/>
+            </a:ln>
+          </p:spPr>
+          <p:style>
+            <a:lnRef idx="1">
+              <a:schemeClr val="accent1"/>
+            </a:lnRef>
+            <a:fillRef idx="0">
+              <a:schemeClr val="accent1"/>
+            </a:fillRef>
+            <a:effectRef idx="0">
+              <a:schemeClr val="accent1"/>
+            </a:effectRef>
+            <a:fontRef idx="minor">
+              <a:schemeClr val="tx1"/>
+            </a:fontRef>
+          </p:style>
+        </p:cxnSp>
+        <p:cxnSp>
+          <p:nvCxnSpPr>
+            <p:cNvPr id="89" name="直線接點 88">
+              <a:extLst>
+                <a:ext uri="{FF2B5EF4-FFF2-40B4-BE49-F238E27FC236}">
+                  <a16:creationId xmlns:a16="http://schemas.microsoft.com/office/drawing/2014/main" id="{C3117AC2-A162-4A44-9821-254D6F01DD75}"/>
+                </a:ext>
+              </a:extLst>
+            </p:cNvPr>
+            <p:cNvCxnSpPr>
+              <a:cxnSpLocks/>
+            </p:cNvCxnSpPr>
+            <p:nvPr/>
+          </p:nvCxnSpPr>
+          <p:spPr>
+            <a:xfrm>
+              <a:off x="9801566" y="4187092"/>
+              <a:ext cx="0" cy="2642269"/>
+            </a:xfrm>
+            <a:prstGeom prst="line">
+              <a:avLst/>
+            </a:prstGeom>
+            <a:ln w="12700">
+              <a:solidFill>
+                <a:srgbClr val="FF0000"/>
+              </a:solidFill>
+            </a:ln>
+          </p:spPr>
+          <p:style>
+            <a:lnRef idx="1">
+              <a:schemeClr val="accent1"/>
+            </a:lnRef>
+            <a:fillRef idx="0">
+              <a:schemeClr val="accent1"/>
+            </a:fillRef>
+            <a:effectRef idx="0">
+              <a:schemeClr val="accent1"/>
+            </a:effectRef>
+            <a:fontRef idx="minor">
+              <a:schemeClr val="tx1"/>
+            </a:fontRef>
+          </p:style>
+        </p:cxnSp>
+        <p:grpSp>
+          <p:nvGrpSpPr>
+            <p:cNvPr id="95" name="群組 94">
+              <a:extLst>
+                <a:ext uri="{FF2B5EF4-FFF2-40B4-BE49-F238E27FC236}">
+                  <a16:creationId xmlns:a16="http://schemas.microsoft.com/office/drawing/2014/main" id="{5F9A86C8-0C1F-4201-B9E5-86B9F17C03BE}"/>
+                </a:ext>
+              </a:extLst>
+            </p:cNvPr>
+            <p:cNvGrpSpPr/>
+            <p:nvPr/>
+          </p:nvGrpSpPr>
+          <p:grpSpPr>
+            <a:xfrm>
+              <a:off x="1309746" y="5516841"/>
+              <a:ext cx="8491820" cy="2159378"/>
+              <a:chOff x="2841366" y="648484"/>
+              <a:chExt cx="8491820" cy="2159378"/>
+            </a:xfrm>
+          </p:grpSpPr>
+          <p:grpSp>
+            <p:nvGrpSpPr>
+              <p:cNvPr id="56" name="群組 55">
+                <a:extLst>
+                  <a:ext uri="{FF2B5EF4-FFF2-40B4-BE49-F238E27FC236}">
+                    <a16:creationId xmlns:a16="http://schemas.microsoft.com/office/drawing/2014/main" id="{217FB948-500B-4BF2-BB5C-09E1D9AC4CC4}"/>
+                  </a:ext>
+                </a:extLst>
+              </p:cNvPr>
+              <p:cNvGrpSpPr/>
+              <p:nvPr/>
+            </p:nvGrpSpPr>
+            <p:grpSpPr>
+              <a:xfrm>
+                <a:off x="2841366" y="648484"/>
+                <a:ext cx="7929210" cy="2159378"/>
+                <a:chOff x="2841366" y="648484"/>
+                <a:chExt cx="7929210" cy="2159378"/>
+              </a:xfrm>
+            </p:grpSpPr>
+            <p:sp>
+              <p:nvSpPr>
+                <p:cNvPr id="54" name="矩形 53">
+                  <a:extLst>
+                    <a:ext uri="{FF2B5EF4-FFF2-40B4-BE49-F238E27FC236}">
+                      <a16:creationId xmlns:a16="http://schemas.microsoft.com/office/drawing/2014/main" id="{1DDF14AC-FF43-41E7-8C52-C4F52633D101}"/>
+                    </a:ext>
+                  </a:extLst>
+                </p:cNvPr>
+                <p:cNvSpPr/>
+                <p:nvPr/>
+              </p:nvSpPr>
+              <p:spPr>
+                <a:xfrm>
+                  <a:off x="2841366" y="657082"/>
+                  <a:ext cx="7929210" cy="2150780"/>
+                </a:xfrm>
+                <a:prstGeom prst="rect">
+                  <a:avLst/>
+                </a:prstGeom>
+                <a:solidFill>
+                  <a:srgbClr val="CDD1DF"/>
+                </a:solidFill>
+                <a:ln>
+                  <a:noFill/>
+                </a:ln>
+                <a:effectLst>
+                  <a:outerShdw blurRad="50800" dist="38100" dir="2700000" algn="tl" rotWithShape="0">
+                    <a:prstClr val="black">
+                      <a:alpha val="40000"/>
+                    </a:prstClr>
+                  </a:outerShdw>
+                </a:effectLst>
+              </p:spPr>
+              <p:style>
+                <a:lnRef idx="2">
+                  <a:schemeClr val="accent6">
+                    <a:shade val="50000"/>
+                  </a:schemeClr>
+                </a:lnRef>
+                <a:fillRef idx="1">
+                  <a:schemeClr val="accent6"/>
+                </a:fillRef>
+                <a:effectRef idx="0">
+                  <a:schemeClr val="accent6"/>
+                </a:effectRef>
+                <a:fontRef idx="minor">
+                  <a:schemeClr val="lt1"/>
+                </a:fontRef>
+              </p:style>
+              <p:txBody>
+                <a:bodyPr rtlCol="0" anchor="ctr"/>
+                <a:lstStyle/>
+                <a:p>
+                  <a:pPr algn="ctr"/>
+                  <a:endParaRPr lang="zh-TW" altLang="en-US" dirty="0">
+                    <a:solidFill>
+                      <a:schemeClr val="tx1"/>
+                    </a:solidFill>
+                    <a:latin typeface="Times New Roman" panose="02020603050405020304" pitchFamily="18" charset="0"/>
+                    <a:ea typeface="標楷體" panose="03000509000000000000" pitchFamily="65" charset="-120"/>
+                  </a:endParaRPr>
+                </a:p>
+              </p:txBody>
+            </p:sp>
+            <p:sp>
+              <p:nvSpPr>
+                <p:cNvPr id="55" name="文字方塊 54">
+                  <a:extLst>
+                    <a:ext uri="{FF2B5EF4-FFF2-40B4-BE49-F238E27FC236}">
+                      <a16:creationId xmlns:a16="http://schemas.microsoft.com/office/drawing/2014/main" id="{23D2A5CD-23D8-4FAB-8B2A-F9DEB7EAF34C}"/>
+                    </a:ext>
+                  </a:extLst>
+                </p:cNvPr>
+                <p:cNvSpPr txBox="1"/>
+                <p:nvPr/>
+              </p:nvSpPr>
+              <p:spPr>
+                <a:xfrm>
+                  <a:off x="2841366" y="648484"/>
+                  <a:ext cx="4890394" cy="646331"/>
+                </a:xfrm>
+                <a:prstGeom prst="rect">
+                  <a:avLst/>
+                </a:prstGeom>
+                <a:noFill/>
+              </p:spPr>
+              <p:txBody>
+                <a:bodyPr wrap="square" rtlCol="0">
+                  <a:spAutoFit/>
+                </a:bodyPr>
+                <a:lstStyle/>
+                <a:p>
+                  <a:r>
+                    <a:rPr lang="en-US" altLang="zh-TW" b="1" dirty="0" err="1">
+                      <a:latin typeface="Times New Roman" panose="02020603050405020304" pitchFamily="18" charset="0"/>
+                      <a:ea typeface="標楷體" panose="03000509000000000000" pitchFamily="65" charset="-120"/>
+                    </a:rPr>
+                    <a:t>hashimoto</a:t>
+                  </a:r>
+                  <a:r>
+                    <a:rPr lang="en-US" altLang="zh-TW" b="1" dirty="0">
+                      <a:latin typeface="Times New Roman" panose="02020603050405020304" pitchFamily="18" charset="0"/>
+                      <a:ea typeface="標楷體" panose="03000509000000000000" pitchFamily="65" charset="-120"/>
+                    </a:rPr>
+                    <a:t> </a:t>
+                  </a:r>
+                  <a:r>
+                    <a:rPr lang="en-US" altLang="zh-TW" dirty="0">
+                      <a:latin typeface="Times New Roman" panose="02020603050405020304" pitchFamily="18" charset="0"/>
+                      <a:ea typeface="標楷體" panose="03000509000000000000" pitchFamily="65" charset="-120"/>
+                    </a:rPr>
+                    <a:t>#</a:t>
+                  </a:r>
+                  <a:r>
+                    <a:rPr lang="en-US" altLang="zh-TW" dirty="0" err="1">
+                      <a:latin typeface="Times New Roman" panose="02020603050405020304" pitchFamily="18" charset="0"/>
+                      <a:ea typeface="標楷體" panose="03000509000000000000" pitchFamily="65" charset="-120"/>
+                    </a:rPr>
+                    <a:t>ethash</a:t>
+                  </a:r>
+                  <a:r>
+                    <a:rPr lang="zh-TW" altLang="en-US" dirty="0">
+                      <a:latin typeface="Times New Roman" panose="02020603050405020304" pitchFamily="18" charset="0"/>
+                      <a:ea typeface="標楷體" panose="03000509000000000000" pitchFamily="65" charset="-120"/>
+                    </a:rPr>
+                    <a:t>演算法核心</a:t>
+                  </a:r>
+                </a:p>
+                <a:p>
+                  <a:endParaRPr lang="zh-TW" altLang="en-US" dirty="0"/>
+                </a:p>
+              </p:txBody>
+            </p:sp>
+          </p:grpSp>
+          <p:sp>
+            <p:nvSpPr>
+              <p:cNvPr id="79" name="文字方塊 78">
+                <a:extLst>
+                  <a:ext uri="{FF2B5EF4-FFF2-40B4-BE49-F238E27FC236}">
+                    <a16:creationId xmlns:a16="http://schemas.microsoft.com/office/drawing/2014/main" id="{DADDA364-CD32-4167-AF75-821033FD4355}"/>
+                  </a:ext>
+                </a:extLst>
+              </p:cNvPr>
+              <p:cNvSpPr txBox="1"/>
+              <p:nvPr/>
+            </p:nvSpPr>
+            <p:spPr>
+              <a:xfrm>
+                <a:off x="2978636" y="1091455"/>
+                <a:ext cx="7445524" cy="646331"/>
+              </a:xfrm>
+              <a:prstGeom prst="rect">
+                <a:avLst/>
+              </a:prstGeom>
+              <a:noFill/>
+            </p:spPr>
+            <p:txBody>
+              <a:bodyPr wrap="square" rtlCol="0">
+                <a:spAutoFit/>
+              </a:bodyPr>
+              <a:lstStyle/>
+              <a:p>
+                <a:r>
+                  <a:rPr lang="zh-TW" altLang="en-US" dirty="0"/>
+                  <a:t>將從</a:t>
+                </a:r>
+                <a:r>
+                  <a:rPr lang="en-US" altLang="zh-TW" dirty="0"/>
+                  <a:t>Seal</a:t>
+                </a:r>
+                <a:r>
+                  <a:rPr lang="zh-TW" altLang="en-US" dirty="0"/>
+                  <a:t>得到的</a:t>
+                </a:r>
+                <a:r>
+                  <a:rPr lang="en-US" altLang="zh-TW" dirty="0"/>
+                  <a:t>seed</a:t>
+                </a:r>
+                <a:r>
+                  <a:rPr lang="zh-TW" altLang="en-US" dirty="0"/>
+                  <a:t>作</a:t>
+                </a:r>
+                <a:r>
+                  <a:rPr lang="en-US" altLang="zh-TW" dirty="0">
+                    <a:solidFill>
+                      <a:srgbClr val="FF0000"/>
+                    </a:solidFill>
+                  </a:rPr>
+                  <a:t>Keccak512</a:t>
+                </a:r>
+                <a:r>
+                  <a:rPr lang="zh-TW" altLang="en-US" dirty="0"/>
+                  <a:t>運算，在經過一系列的處理後獲得</a:t>
+                </a:r>
+                <a:r>
+                  <a:rPr lang="en-US" altLang="zh-TW" dirty="0"/>
+                  <a:t>digest</a:t>
+                </a:r>
+                <a:r>
+                  <a:rPr lang="zh-TW" altLang="en-US" dirty="0"/>
+                  <a:t>，回傳</a:t>
+                </a:r>
+                <a:r>
+                  <a:rPr lang="en-US" altLang="zh-TW" dirty="0"/>
+                  <a:t>result</a:t>
+                </a:r>
+                <a:endParaRPr lang="zh-TW" altLang="en-US" dirty="0"/>
+              </a:p>
+            </p:txBody>
+          </p:sp>
+          <p:sp>
+            <p:nvSpPr>
+              <p:cNvPr id="80" name="文字方塊 79">
+                <a:extLst>
+                  <a:ext uri="{FF2B5EF4-FFF2-40B4-BE49-F238E27FC236}">
+                    <a16:creationId xmlns:a16="http://schemas.microsoft.com/office/drawing/2014/main" id="{C169A63F-E3FC-4694-8CBE-8B09F9D3DB6B}"/>
+                  </a:ext>
+                </a:extLst>
+              </p:cNvPr>
+              <p:cNvSpPr txBox="1"/>
+              <p:nvPr/>
+            </p:nvSpPr>
+            <p:spPr>
+              <a:xfrm>
+                <a:off x="2957482" y="1813615"/>
+                <a:ext cx="7445524" cy="369332"/>
+              </a:xfrm>
+              <a:prstGeom prst="rect">
+                <a:avLst/>
+              </a:prstGeom>
+              <a:noFill/>
+            </p:spPr>
+            <p:txBody>
+              <a:bodyPr wrap="square" rtlCol="0">
+                <a:spAutoFit/>
+              </a:bodyPr>
+              <a:lstStyle/>
+              <a:p>
+                <a:r>
+                  <a:rPr lang="en-US" altLang="zh-TW" dirty="0"/>
+                  <a:t>result: crypto.</a:t>
+                </a:r>
+                <a:r>
+                  <a:rPr lang="en-US" altLang="zh-TW" dirty="0">
+                    <a:solidFill>
+                      <a:srgbClr val="FF0000"/>
+                    </a:solidFill>
+                  </a:rPr>
+                  <a:t>Keccak256</a:t>
+                </a:r>
+                <a:r>
+                  <a:rPr lang="en-US" altLang="zh-TW" dirty="0"/>
+                  <a:t>(append(seed, digest...))</a:t>
+                </a:r>
+                <a:endParaRPr lang="zh-TW" altLang="en-US" dirty="0"/>
+              </a:p>
+            </p:txBody>
+          </p:sp>
+          <p:cxnSp>
+            <p:nvCxnSpPr>
+              <p:cNvPr id="91" name="直線接點 90">
+                <a:extLst>
+                  <a:ext uri="{FF2B5EF4-FFF2-40B4-BE49-F238E27FC236}">
+                    <a16:creationId xmlns:a16="http://schemas.microsoft.com/office/drawing/2014/main" id="{64DE5ECA-BC36-427C-B420-9276BF78A62F}"/>
+                  </a:ext>
+                </a:extLst>
+              </p:cNvPr>
+              <p:cNvCxnSpPr>
+                <a:cxnSpLocks/>
+              </p:cNvCxnSpPr>
+              <p:nvPr/>
+            </p:nvCxnSpPr>
+            <p:spPr>
+              <a:xfrm flipH="1">
+                <a:off x="7795260" y="1998281"/>
+                <a:ext cx="3537926" cy="0"/>
+              </a:xfrm>
+              <a:prstGeom prst="line">
+                <a:avLst/>
+              </a:prstGeom>
+              <a:ln w="12700">
+                <a:solidFill>
+                  <a:srgbClr val="FF0000"/>
+                </a:solidFill>
+              </a:ln>
+            </p:spPr>
+            <p:style>
+              <a:lnRef idx="1">
+                <a:schemeClr val="accent1"/>
+              </a:lnRef>
+              <a:fillRef idx="0">
+                <a:schemeClr val="accent1"/>
+              </a:fillRef>
+              <a:effectRef idx="0">
+                <a:schemeClr val="accent1"/>
+              </a:effectRef>
+              <a:fontRef idx="minor">
+                <a:schemeClr val="tx1"/>
+              </a:fontRef>
+            </p:style>
+          </p:cxnSp>
+        </p:grpSp>
+        <p:cxnSp>
+          <p:nvCxnSpPr>
+            <p:cNvPr id="99" name="直線接點 98">
+              <a:extLst>
+                <a:ext uri="{FF2B5EF4-FFF2-40B4-BE49-F238E27FC236}">
+                  <a16:creationId xmlns:a16="http://schemas.microsoft.com/office/drawing/2014/main" id="{A77FCB20-E68E-43A3-8CBA-994BADC478A1}"/>
+                </a:ext>
+              </a:extLst>
+            </p:cNvPr>
+            <p:cNvCxnSpPr/>
+            <p:nvPr/>
+          </p:nvCxnSpPr>
+          <p:spPr>
+            <a:xfrm>
+              <a:off x="6396652" y="-325344"/>
+              <a:ext cx="0" cy="157582"/>
+            </a:xfrm>
+            <a:prstGeom prst="line">
+              <a:avLst/>
+            </a:prstGeom>
+            <a:ln w="12700">
+              <a:solidFill>
+                <a:srgbClr val="FF0000"/>
+              </a:solidFill>
+            </a:ln>
+          </p:spPr>
+          <p:style>
+            <a:lnRef idx="1">
+              <a:schemeClr val="accent1"/>
+            </a:lnRef>
+            <a:fillRef idx="0">
+              <a:schemeClr val="accent1"/>
+            </a:fillRef>
+            <a:effectRef idx="0">
+              <a:schemeClr val="accent1"/>
+            </a:effectRef>
+            <a:fontRef idx="minor">
+              <a:schemeClr val="tx1"/>
+            </a:fontRef>
+          </p:style>
+        </p:cxnSp>
+      </p:grpSp>
+    </p:spTree>
+    <p:extLst>
+      <p:ext uri="{BB962C8B-B14F-4D97-AF65-F5344CB8AC3E}">
+        <p14:creationId xmlns:p14="http://schemas.microsoft.com/office/powerpoint/2010/main" val="3075164532"/>
+      </p:ext>
+    </p:extLst>
+  </p:cSld>
+  <p:clrMapOvr>
+    <a:masterClrMapping/>
+  </p:clrMapOvr>
+</p:sld>
+</file>
+
+<file path=ppt/slides/slide11.xml><?xml version="1.0" encoding="utf-8"?>
+<p:sld xmlns:a="http://schemas.openxmlformats.org/drawingml/2006/main" xmlns:r="http://schemas.openxmlformats.org/officeDocument/2006/relationships" xmlns:p="http://schemas.openxmlformats.org/presentationml/2006/main">
+  <p:cSld>
+    <p:spTree>
+      <p:nvGrpSpPr>
+        <p:cNvPr id="1" name=""/>
+        <p:cNvGrpSpPr/>
+        <p:nvPr/>
+      </p:nvGrpSpPr>
+      <p:grpSpPr>
+        <a:xfrm>
+          <a:off x="0" y="0"/>
+          <a:ext cx="0" cy="0"/>
+          <a:chOff x="0" y="0"/>
+          <a:chExt cx="0" cy="0"/>
+        </a:xfrm>
+      </p:grpSpPr>
       <p:sp>
         <p:nvSpPr>
           <p:cNvPr id="3" name="標題 2"/>
@@ -3986,15 +6701,855 @@
           <a:p>
             <a:r>
               <a:rPr lang="zh-TW" altLang="en-US" dirty="0"/>
-              <a:t>問題記錄</a:t>
+              <a:t>專案架構</a:t>
             </a:r>
           </a:p>
         </p:txBody>
       </p:sp>
+      <p:grpSp>
+        <p:nvGrpSpPr>
+          <p:cNvPr id="2" name="群組 1">
+            <a:extLst>
+              <a:ext uri="{FF2B5EF4-FFF2-40B4-BE49-F238E27FC236}">
+                <a16:creationId xmlns:a16="http://schemas.microsoft.com/office/drawing/2014/main" id="{6DF23B87-45B4-4B2A-BC27-41BF8E8D59E4}"/>
+              </a:ext>
+            </a:extLst>
+          </p:cNvPr>
+          <p:cNvGrpSpPr/>
+          <p:nvPr/>
+        </p:nvGrpSpPr>
+        <p:grpSpPr>
+          <a:xfrm>
+            <a:off x="2005123" y="2080648"/>
+            <a:ext cx="7129997" cy="2915211"/>
+            <a:chOff x="2005123" y="2080648"/>
+            <a:chExt cx="7129997" cy="2915211"/>
+          </a:xfrm>
+        </p:grpSpPr>
+        <p:sp>
+          <p:nvSpPr>
+            <p:cNvPr id="4" name="矩形 3">
+              <a:extLst>
+                <a:ext uri="{FF2B5EF4-FFF2-40B4-BE49-F238E27FC236}">
+                  <a16:creationId xmlns:a16="http://schemas.microsoft.com/office/drawing/2014/main" id="{0872DFBE-AEF8-461F-A306-0306773974F0}"/>
+                </a:ext>
+              </a:extLst>
+            </p:cNvPr>
+            <p:cNvSpPr/>
+            <p:nvPr/>
+          </p:nvSpPr>
+          <p:spPr>
+            <a:xfrm>
+              <a:off x="2095426" y="3957949"/>
+              <a:ext cx="7039694" cy="1037910"/>
+            </a:xfrm>
+            <a:prstGeom prst="rect">
+              <a:avLst/>
+            </a:prstGeom>
+            <a:solidFill>
+              <a:schemeClr val="accent6">
+                <a:lumMod val="60000"/>
+                <a:lumOff val="40000"/>
+              </a:schemeClr>
+            </a:solidFill>
+            <a:ln>
+              <a:noFill/>
+            </a:ln>
+            <a:effectLst>
+              <a:outerShdw blurRad="50800" dist="38100" dir="2700000" algn="tl" rotWithShape="0">
+                <a:prstClr val="black">
+                  <a:alpha val="40000"/>
+                </a:prstClr>
+              </a:outerShdw>
+            </a:effectLst>
+          </p:spPr>
+          <p:style>
+            <a:lnRef idx="2">
+              <a:schemeClr val="accent1">
+                <a:shade val="50000"/>
+              </a:schemeClr>
+            </a:lnRef>
+            <a:fillRef idx="1">
+              <a:schemeClr val="accent1"/>
+            </a:fillRef>
+            <a:effectRef idx="0">
+              <a:schemeClr val="accent1"/>
+            </a:effectRef>
+            <a:fontRef idx="minor">
+              <a:schemeClr val="lt1"/>
+            </a:fontRef>
+          </p:style>
+          <p:txBody>
+            <a:bodyPr rtlCol="0" anchor="ctr"/>
+            <a:lstStyle/>
+            <a:p>
+              <a:pPr algn="ctr"/>
+              <a:endParaRPr lang="zh-TW" altLang="en-US">
+                <a:latin typeface="Times New Roman" panose="02020603050405020304" pitchFamily="18" charset="0"/>
+              </a:endParaRPr>
+            </a:p>
+          </p:txBody>
+        </p:sp>
+        <p:sp>
+          <p:nvSpPr>
+            <p:cNvPr id="5" name="矩形 4">
+              <a:extLst>
+                <a:ext uri="{FF2B5EF4-FFF2-40B4-BE49-F238E27FC236}">
+                  <a16:creationId xmlns:a16="http://schemas.microsoft.com/office/drawing/2014/main" id="{175BCC73-BD9E-46A8-9628-0E35435EF447}"/>
+                </a:ext>
+              </a:extLst>
+            </p:cNvPr>
+            <p:cNvSpPr/>
+            <p:nvPr/>
+          </p:nvSpPr>
+          <p:spPr>
+            <a:xfrm>
+              <a:off x="2967363" y="2440106"/>
+              <a:ext cx="6167757" cy="985653"/>
+            </a:xfrm>
+            <a:prstGeom prst="rect">
+              <a:avLst/>
+            </a:prstGeom>
+            <a:solidFill>
+              <a:srgbClr val="CDD1DF"/>
+            </a:solidFill>
+            <a:ln w="38100">
+              <a:noFill/>
+              <a:prstDash val="dash"/>
+            </a:ln>
+          </p:spPr>
+          <p:style>
+            <a:lnRef idx="2">
+              <a:schemeClr val="accent1">
+                <a:shade val="50000"/>
+              </a:schemeClr>
+            </a:lnRef>
+            <a:fillRef idx="1">
+              <a:schemeClr val="accent1"/>
+            </a:fillRef>
+            <a:effectRef idx="0">
+              <a:schemeClr val="accent1"/>
+            </a:effectRef>
+            <a:fontRef idx="minor">
+              <a:schemeClr val="lt1"/>
+            </a:fontRef>
+          </p:style>
+          <p:txBody>
+            <a:bodyPr rtlCol="0" anchor="ctr"/>
+            <a:lstStyle/>
+            <a:p>
+              <a:pPr algn="ctr"/>
+              <a:endParaRPr lang="zh-TW" altLang="en-US">
+                <a:latin typeface="Times New Roman" panose="02020603050405020304" pitchFamily="18" charset="0"/>
+              </a:endParaRPr>
+            </a:p>
+          </p:txBody>
+        </p:sp>
+        <p:sp>
+          <p:nvSpPr>
+            <p:cNvPr id="12" name="矩形 11">
+              <a:extLst>
+                <a:ext uri="{FF2B5EF4-FFF2-40B4-BE49-F238E27FC236}">
+                  <a16:creationId xmlns:a16="http://schemas.microsoft.com/office/drawing/2014/main" id="{8733E06E-5512-4386-B667-27234084ED9B}"/>
+                </a:ext>
+              </a:extLst>
+            </p:cNvPr>
+            <p:cNvSpPr/>
+            <p:nvPr/>
+          </p:nvSpPr>
+          <p:spPr>
+            <a:xfrm>
+              <a:off x="3098308" y="2634168"/>
+              <a:ext cx="1242873" cy="639192"/>
+            </a:xfrm>
+            <a:prstGeom prst="rect">
+              <a:avLst/>
+            </a:prstGeom>
+            <a:solidFill>
+              <a:srgbClr val="3A4979"/>
+            </a:solidFill>
+            <a:ln>
+              <a:noFill/>
+            </a:ln>
+            <a:effectLst>
+              <a:outerShdw blurRad="50800" dist="38100" dir="2700000" algn="tl" rotWithShape="0">
+                <a:prstClr val="black">
+                  <a:alpha val="40000"/>
+                </a:prstClr>
+              </a:outerShdw>
+            </a:effectLst>
+          </p:spPr>
+          <p:style>
+            <a:lnRef idx="2">
+              <a:schemeClr val="accent1">
+                <a:shade val="50000"/>
+              </a:schemeClr>
+            </a:lnRef>
+            <a:fillRef idx="1">
+              <a:schemeClr val="accent1"/>
+            </a:fillRef>
+            <a:effectRef idx="0">
+              <a:schemeClr val="accent1"/>
+            </a:effectRef>
+            <a:fontRef idx="minor">
+              <a:schemeClr val="lt1"/>
+            </a:fontRef>
+          </p:style>
+          <p:txBody>
+            <a:bodyPr rtlCol="0" anchor="ctr"/>
+            <a:lstStyle/>
+            <a:p>
+              <a:pPr algn="ctr"/>
+              <a:r>
+                <a:rPr lang="en-US" altLang="zh-TW" sz="1600" dirty="0">
+                  <a:latin typeface="Times New Roman" panose="02020603050405020304" pitchFamily="18" charset="0"/>
+                </a:rPr>
+                <a:t>Intel</a:t>
+              </a:r>
+              <a:endParaRPr lang="zh-TW" altLang="en-US" sz="1600" dirty="0">
+                <a:latin typeface="Times New Roman" panose="02020603050405020304" pitchFamily="18" charset="0"/>
+              </a:endParaRPr>
+            </a:p>
+          </p:txBody>
+        </p:sp>
+        <p:sp>
+          <p:nvSpPr>
+            <p:cNvPr id="13" name="矩形 12">
+              <a:extLst>
+                <a:ext uri="{FF2B5EF4-FFF2-40B4-BE49-F238E27FC236}">
+                  <a16:creationId xmlns:a16="http://schemas.microsoft.com/office/drawing/2014/main" id="{A201D12C-E037-4B64-9F32-1703EF371E97}"/>
+                </a:ext>
+              </a:extLst>
+            </p:cNvPr>
+            <p:cNvSpPr/>
+            <p:nvPr/>
+          </p:nvSpPr>
+          <p:spPr>
+            <a:xfrm>
+              <a:off x="5542628" y="2634168"/>
+              <a:ext cx="1242873" cy="639192"/>
+            </a:xfrm>
+            <a:prstGeom prst="rect">
+              <a:avLst/>
+            </a:prstGeom>
+            <a:solidFill>
+              <a:srgbClr val="3A4979"/>
+            </a:solidFill>
+            <a:ln>
+              <a:noFill/>
+            </a:ln>
+            <a:effectLst>
+              <a:outerShdw blurRad="50800" dist="38100" dir="2700000" algn="tl" rotWithShape="0">
+                <a:prstClr val="black">
+                  <a:alpha val="40000"/>
+                </a:prstClr>
+              </a:outerShdw>
+            </a:effectLst>
+          </p:spPr>
+          <p:style>
+            <a:lnRef idx="2">
+              <a:schemeClr val="accent1">
+                <a:shade val="50000"/>
+              </a:schemeClr>
+            </a:lnRef>
+            <a:fillRef idx="1">
+              <a:schemeClr val="accent1"/>
+            </a:fillRef>
+            <a:effectRef idx="0">
+              <a:schemeClr val="accent1"/>
+            </a:effectRef>
+            <a:fontRef idx="minor">
+              <a:schemeClr val="lt1"/>
+            </a:fontRef>
+          </p:style>
+          <p:txBody>
+            <a:bodyPr rtlCol="0" anchor="ctr"/>
+            <a:lstStyle/>
+            <a:p>
+              <a:pPr algn="ctr"/>
+              <a:r>
+                <a:rPr lang="en-US" altLang="zh-TW" sz="1600" dirty="0">
+                  <a:latin typeface="Times New Roman" panose="02020603050405020304" pitchFamily="18" charset="0"/>
+                </a:rPr>
+                <a:t>AMD</a:t>
+              </a:r>
+              <a:endParaRPr lang="zh-TW" altLang="en-US" sz="1600" dirty="0">
+                <a:latin typeface="Times New Roman" panose="02020603050405020304" pitchFamily="18" charset="0"/>
+              </a:endParaRPr>
+            </a:p>
+          </p:txBody>
+        </p:sp>
+        <p:sp>
+          <p:nvSpPr>
+            <p:cNvPr id="14" name="矩形 13">
+              <a:extLst>
+                <a:ext uri="{FF2B5EF4-FFF2-40B4-BE49-F238E27FC236}">
+                  <a16:creationId xmlns:a16="http://schemas.microsoft.com/office/drawing/2014/main" id="{DBF05230-0FA4-4A3C-9092-C6818003FD73}"/>
+                </a:ext>
+              </a:extLst>
+            </p:cNvPr>
+            <p:cNvSpPr/>
+            <p:nvPr/>
+          </p:nvSpPr>
+          <p:spPr>
+            <a:xfrm>
+              <a:off x="7691023" y="2634168"/>
+              <a:ext cx="1242873" cy="639192"/>
+            </a:xfrm>
+            <a:prstGeom prst="rect">
+              <a:avLst/>
+            </a:prstGeom>
+            <a:solidFill>
+              <a:srgbClr val="3A4979"/>
+            </a:solidFill>
+            <a:ln>
+              <a:noFill/>
+            </a:ln>
+            <a:effectLst>
+              <a:outerShdw blurRad="50800" dist="38100" dir="2700000" algn="tl" rotWithShape="0">
+                <a:prstClr val="black">
+                  <a:alpha val="40000"/>
+                </a:prstClr>
+              </a:outerShdw>
+            </a:effectLst>
+          </p:spPr>
+          <p:style>
+            <a:lnRef idx="2">
+              <a:schemeClr val="accent1">
+                <a:shade val="50000"/>
+              </a:schemeClr>
+            </a:lnRef>
+            <a:fillRef idx="1">
+              <a:schemeClr val="accent1"/>
+            </a:fillRef>
+            <a:effectRef idx="0">
+              <a:schemeClr val="accent1"/>
+            </a:effectRef>
+            <a:fontRef idx="minor">
+              <a:schemeClr val="lt1"/>
+            </a:fontRef>
+          </p:style>
+          <p:txBody>
+            <a:bodyPr rtlCol="0" anchor="ctr"/>
+            <a:lstStyle/>
+            <a:p>
+              <a:pPr algn="ctr"/>
+              <a:r>
+                <a:rPr lang="en-US" altLang="zh-TW" sz="1600" dirty="0">
+                  <a:latin typeface="Times New Roman" panose="02020603050405020304" pitchFamily="18" charset="0"/>
+                </a:rPr>
+                <a:t>Xilinx</a:t>
+              </a:r>
+              <a:endParaRPr lang="zh-TW" altLang="en-US" sz="1600" dirty="0">
+                <a:latin typeface="Times New Roman" panose="02020603050405020304" pitchFamily="18" charset="0"/>
+              </a:endParaRPr>
+            </a:p>
+          </p:txBody>
+        </p:sp>
+        <p:sp>
+          <p:nvSpPr>
+            <p:cNvPr id="15" name="矩形 14">
+              <a:extLst>
+                <a:ext uri="{FF2B5EF4-FFF2-40B4-BE49-F238E27FC236}">
+                  <a16:creationId xmlns:a16="http://schemas.microsoft.com/office/drawing/2014/main" id="{248DCD8A-77B4-4D66-92D5-AF43AE01B73C}"/>
+                </a:ext>
+              </a:extLst>
+            </p:cNvPr>
+            <p:cNvSpPr/>
+            <p:nvPr/>
+          </p:nvSpPr>
+          <p:spPr>
+            <a:xfrm>
+              <a:off x="2256409" y="4162606"/>
+              <a:ext cx="1242873" cy="639192"/>
+            </a:xfrm>
+            <a:prstGeom prst="rect">
+              <a:avLst/>
+            </a:prstGeom>
+            <a:ln>
+              <a:noFill/>
+            </a:ln>
+            <a:effectLst>
+              <a:outerShdw blurRad="50800" dist="38100" dir="2700000" algn="tl" rotWithShape="0">
+                <a:prstClr val="black">
+                  <a:alpha val="40000"/>
+                </a:prstClr>
+              </a:outerShdw>
+            </a:effectLst>
+          </p:spPr>
+          <p:style>
+            <a:lnRef idx="2">
+              <a:schemeClr val="accent1">
+                <a:shade val="50000"/>
+              </a:schemeClr>
+            </a:lnRef>
+            <a:fillRef idx="1">
+              <a:schemeClr val="accent1"/>
+            </a:fillRef>
+            <a:effectRef idx="0">
+              <a:schemeClr val="accent1"/>
+            </a:effectRef>
+            <a:fontRef idx="minor">
+              <a:schemeClr val="lt1"/>
+            </a:fontRef>
+          </p:style>
+          <p:txBody>
+            <a:bodyPr rtlCol="0" anchor="ctr"/>
+            <a:lstStyle/>
+            <a:p>
+              <a:pPr algn="ctr"/>
+              <a:r>
+                <a:rPr lang="en-US" altLang="zh-TW" sz="1600" dirty="0">
+                  <a:latin typeface="Times New Roman" panose="02020603050405020304" pitchFamily="18" charset="0"/>
+                </a:rPr>
+                <a:t>I7-cpu</a:t>
+              </a:r>
+              <a:endParaRPr lang="zh-TW" altLang="en-US" sz="1600" dirty="0">
+                <a:latin typeface="Times New Roman" panose="02020603050405020304" pitchFamily="18" charset="0"/>
+              </a:endParaRPr>
+            </a:p>
+          </p:txBody>
+        </p:sp>
+        <p:sp>
+          <p:nvSpPr>
+            <p:cNvPr id="16" name="矩形 15">
+              <a:extLst>
+                <a:ext uri="{FF2B5EF4-FFF2-40B4-BE49-F238E27FC236}">
+                  <a16:creationId xmlns:a16="http://schemas.microsoft.com/office/drawing/2014/main" id="{C8B284C7-FE9D-4D0C-B27A-C1D8A6A4AF4D}"/>
+                </a:ext>
+              </a:extLst>
+            </p:cNvPr>
+            <p:cNvSpPr/>
+            <p:nvPr/>
+          </p:nvSpPr>
+          <p:spPr>
+            <a:xfrm>
+              <a:off x="3651682" y="4162606"/>
+              <a:ext cx="1242873" cy="639192"/>
+            </a:xfrm>
+            <a:prstGeom prst="rect">
+              <a:avLst/>
+            </a:prstGeom>
+            <a:ln>
+              <a:noFill/>
+            </a:ln>
+            <a:effectLst>
+              <a:outerShdw blurRad="50800" dist="38100" dir="2700000" algn="tl" rotWithShape="0">
+                <a:prstClr val="black">
+                  <a:alpha val="40000"/>
+                </a:prstClr>
+              </a:outerShdw>
+            </a:effectLst>
+          </p:spPr>
+          <p:style>
+            <a:lnRef idx="2">
+              <a:schemeClr val="accent1">
+                <a:shade val="50000"/>
+              </a:schemeClr>
+            </a:lnRef>
+            <a:fillRef idx="1">
+              <a:schemeClr val="accent1"/>
+            </a:fillRef>
+            <a:effectRef idx="0">
+              <a:schemeClr val="accent1"/>
+            </a:effectRef>
+            <a:fontRef idx="minor">
+              <a:schemeClr val="lt1"/>
+            </a:fontRef>
+          </p:style>
+          <p:txBody>
+            <a:bodyPr rtlCol="0" anchor="ctr"/>
+            <a:lstStyle/>
+            <a:p>
+              <a:pPr algn="ctr"/>
+              <a:r>
+                <a:rPr lang="en-US" altLang="zh-TW" sz="1600" dirty="0">
+                  <a:latin typeface="Times New Roman" panose="02020603050405020304" pitchFamily="18" charset="0"/>
+                </a:rPr>
+                <a:t>RTX3060</a:t>
+              </a:r>
+              <a:endParaRPr lang="zh-TW" altLang="en-US" sz="1600" dirty="0">
+                <a:latin typeface="Times New Roman" panose="02020603050405020304" pitchFamily="18" charset="0"/>
+              </a:endParaRPr>
+            </a:p>
+          </p:txBody>
+        </p:sp>
+        <p:sp>
+          <p:nvSpPr>
+            <p:cNvPr id="17" name="矩形 16">
+              <a:extLst>
+                <a:ext uri="{FF2B5EF4-FFF2-40B4-BE49-F238E27FC236}">
+                  <a16:creationId xmlns:a16="http://schemas.microsoft.com/office/drawing/2014/main" id="{70B2A5FF-83FD-4562-85D8-85F4E484B698}"/>
+                </a:ext>
+              </a:extLst>
+            </p:cNvPr>
+            <p:cNvSpPr/>
+            <p:nvPr/>
+          </p:nvSpPr>
+          <p:spPr>
+            <a:xfrm>
+              <a:off x="5542627" y="4168116"/>
+              <a:ext cx="1242873" cy="639192"/>
+            </a:xfrm>
+            <a:prstGeom prst="rect">
+              <a:avLst/>
+            </a:prstGeom>
+            <a:ln>
+              <a:noFill/>
+            </a:ln>
+            <a:effectLst>
+              <a:outerShdw blurRad="50800" dist="38100" dir="2700000" algn="tl" rotWithShape="0">
+                <a:prstClr val="black">
+                  <a:alpha val="40000"/>
+                </a:prstClr>
+              </a:outerShdw>
+            </a:effectLst>
+          </p:spPr>
+          <p:style>
+            <a:lnRef idx="2">
+              <a:schemeClr val="accent1">
+                <a:shade val="50000"/>
+              </a:schemeClr>
+            </a:lnRef>
+            <a:fillRef idx="1">
+              <a:schemeClr val="accent1"/>
+            </a:fillRef>
+            <a:effectRef idx="0">
+              <a:schemeClr val="accent1"/>
+            </a:effectRef>
+            <a:fontRef idx="minor">
+              <a:schemeClr val="lt1"/>
+            </a:fontRef>
+          </p:style>
+          <p:txBody>
+            <a:bodyPr rtlCol="0" anchor="ctr"/>
+            <a:lstStyle/>
+            <a:p>
+              <a:pPr algn="ctr"/>
+              <a:r>
+                <a:rPr lang="en-US" altLang="zh-TW" sz="1600" dirty="0">
+                  <a:latin typeface="Times New Roman" panose="02020603050405020304" pitchFamily="18" charset="0"/>
+                </a:rPr>
+                <a:t>RX580</a:t>
+              </a:r>
+              <a:endParaRPr lang="zh-TW" altLang="en-US" sz="1600" dirty="0">
+                <a:latin typeface="Times New Roman" panose="02020603050405020304" pitchFamily="18" charset="0"/>
+              </a:endParaRPr>
+            </a:p>
+          </p:txBody>
+        </p:sp>
+        <p:sp>
+          <p:nvSpPr>
+            <p:cNvPr id="18" name="矩形 17">
+              <a:extLst>
+                <a:ext uri="{FF2B5EF4-FFF2-40B4-BE49-F238E27FC236}">
+                  <a16:creationId xmlns:a16="http://schemas.microsoft.com/office/drawing/2014/main" id="{B911E4BD-511E-48B6-AD67-4AF7738E3553}"/>
+                </a:ext>
+              </a:extLst>
+            </p:cNvPr>
+            <p:cNvSpPr/>
+            <p:nvPr/>
+          </p:nvSpPr>
+          <p:spPr>
+            <a:xfrm>
+              <a:off x="7691022" y="4162606"/>
+              <a:ext cx="1242873" cy="639192"/>
+            </a:xfrm>
+            <a:prstGeom prst="rect">
+              <a:avLst/>
+            </a:prstGeom>
+            <a:ln>
+              <a:noFill/>
+            </a:ln>
+            <a:effectLst>
+              <a:outerShdw blurRad="50800" dist="38100" dir="2700000" algn="tl" rotWithShape="0">
+                <a:prstClr val="black">
+                  <a:alpha val="40000"/>
+                </a:prstClr>
+              </a:outerShdw>
+            </a:effectLst>
+          </p:spPr>
+          <p:style>
+            <a:lnRef idx="2">
+              <a:schemeClr val="accent1">
+                <a:shade val="50000"/>
+              </a:schemeClr>
+            </a:lnRef>
+            <a:fillRef idx="1">
+              <a:schemeClr val="accent1"/>
+            </a:fillRef>
+            <a:effectRef idx="0">
+              <a:schemeClr val="accent1"/>
+            </a:effectRef>
+            <a:fontRef idx="minor">
+              <a:schemeClr val="lt1"/>
+            </a:fontRef>
+          </p:style>
+          <p:txBody>
+            <a:bodyPr rtlCol="0" anchor="ctr"/>
+            <a:lstStyle/>
+            <a:p>
+              <a:pPr algn="ctr"/>
+              <a:r>
+                <a:rPr lang="en-US" altLang="zh-TW" sz="1600" dirty="0">
+                  <a:latin typeface="Times New Roman" panose="02020603050405020304" pitchFamily="18" charset="0"/>
+                </a:rPr>
+                <a:t>U50</a:t>
+              </a:r>
+              <a:endParaRPr lang="zh-TW" altLang="en-US" sz="1600" dirty="0">
+                <a:latin typeface="Times New Roman" panose="02020603050405020304" pitchFamily="18" charset="0"/>
+              </a:endParaRPr>
+            </a:p>
+          </p:txBody>
+        </p:sp>
+        <p:cxnSp>
+          <p:nvCxnSpPr>
+            <p:cNvPr id="8" name="直線接點 7">
+              <a:extLst>
+                <a:ext uri="{FF2B5EF4-FFF2-40B4-BE49-F238E27FC236}">
+                  <a16:creationId xmlns:a16="http://schemas.microsoft.com/office/drawing/2014/main" id="{C66E6E81-063E-4B6F-95EC-1B12C8504584}"/>
+                </a:ext>
+              </a:extLst>
+            </p:cNvPr>
+            <p:cNvCxnSpPr>
+              <a:stCxn id="12" idx="2"/>
+              <a:endCxn id="15" idx="0"/>
+            </p:cNvCxnSpPr>
+            <p:nvPr/>
+          </p:nvCxnSpPr>
+          <p:spPr>
+            <a:xfrm flipH="1">
+              <a:off x="2877846" y="3273360"/>
+              <a:ext cx="841899" cy="889246"/>
+            </a:xfrm>
+            <a:prstGeom prst="line">
+              <a:avLst/>
+            </a:prstGeom>
+            <a:ln w="38100"/>
+          </p:spPr>
+          <p:style>
+            <a:lnRef idx="1">
+              <a:schemeClr val="dk1"/>
+            </a:lnRef>
+            <a:fillRef idx="0">
+              <a:schemeClr val="dk1"/>
+            </a:fillRef>
+            <a:effectRef idx="0">
+              <a:schemeClr val="dk1"/>
+            </a:effectRef>
+            <a:fontRef idx="minor">
+              <a:schemeClr val="tx1"/>
+            </a:fontRef>
+          </p:style>
+        </p:cxnSp>
+        <p:cxnSp>
+          <p:nvCxnSpPr>
+            <p:cNvPr id="9" name="直線接點 8">
+              <a:extLst>
+                <a:ext uri="{FF2B5EF4-FFF2-40B4-BE49-F238E27FC236}">
+                  <a16:creationId xmlns:a16="http://schemas.microsoft.com/office/drawing/2014/main" id="{F7254EF6-C1E5-447D-9D57-7AB6C6AE2C32}"/>
+                </a:ext>
+              </a:extLst>
+            </p:cNvPr>
+            <p:cNvCxnSpPr>
+              <a:cxnSpLocks/>
+              <a:stCxn id="12" idx="2"/>
+              <a:endCxn id="16" idx="0"/>
+            </p:cNvCxnSpPr>
+            <p:nvPr/>
+          </p:nvCxnSpPr>
+          <p:spPr>
+            <a:xfrm>
+              <a:off x="3719745" y="3273360"/>
+              <a:ext cx="553374" cy="889246"/>
+            </a:xfrm>
+            <a:prstGeom prst="line">
+              <a:avLst/>
+            </a:prstGeom>
+            <a:ln w="38100"/>
+          </p:spPr>
+          <p:style>
+            <a:lnRef idx="1">
+              <a:schemeClr val="dk1"/>
+            </a:lnRef>
+            <a:fillRef idx="0">
+              <a:schemeClr val="dk1"/>
+            </a:fillRef>
+            <a:effectRef idx="0">
+              <a:schemeClr val="dk1"/>
+            </a:effectRef>
+            <a:fontRef idx="minor">
+              <a:schemeClr val="tx1"/>
+            </a:fontRef>
+          </p:style>
+        </p:cxnSp>
+        <p:cxnSp>
+          <p:nvCxnSpPr>
+            <p:cNvPr id="10" name="直線接點 9">
+              <a:extLst>
+                <a:ext uri="{FF2B5EF4-FFF2-40B4-BE49-F238E27FC236}">
+                  <a16:creationId xmlns:a16="http://schemas.microsoft.com/office/drawing/2014/main" id="{D7D477CD-8945-4087-A0AA-B8DEFC907BC2}"/>
+                </a:ext>
+              </a:extLst>
+            </p:cNvPr>
+            <p:cNvCxnSpPr>
+              <a:cxnSpLocks/>
+              <a:stCxn id="13" idx="2"/>
+              <a:endCxn id="17" idx="0"/>
+            </p:cNvCxnSpPr>
+            <p:nvPr/>
+          </p:nvCxnSpPr>
+          <p:spPr>
+            <a:xfrm flipH="1">
+              <a:off x="6164064" y="3273360"/>
+              <a:ext cx="1" cy="894756"/>
+            </a:xfrm>
+            <a:prstGeom prst="line">
+              <a:avLst/>
+            </a:prstGeom>
+            <a:ln w="38100"/>
+          </p:spPr>
+          <p:style>
+            <a:lnRef idx="1">
+              <a:schemeClr val="dk1"/>
+            </a:lnRef>
+            <a:fillRef idx="0">
+              <a:schemeClr val="dk1"/>
+            </a:fillRef>
+            <a:effectRef idx="0">
+              <a:schemeClr val="dk1"/>
+            </a:effectRef>
+            <a:fontRef idx="minor">
+              <a:schemeClr val="tx1"/>
+            </a:fontRef>
+          </p:style>
+        </p:cxnSp>
+        <p:cxnSp>
+          <p:nvCxnSpPr>
+            <p:cNvPr id="11" name="直線接點 10">
+              <a:extLst>
+                <a:ext uri="{FF2B5EF4-FFF2-40B4-BE49-F238E27FC236}">
+                  <a16:creationId xmlns:a16="http://schemas.microsoft.com/office/drawing/2014/main" id="{0E1139E6-0098-4C52-B228-73618BC957FE}"/>
+                </a:ext>
+              </a:extLst>
+            </p:cNvPr>
+            <p:cNvCxnSpPr>
+              <a:cxnSpLocks/>
+              <a:stCxn id="14" idx="2"/>
+              <a:endCxn id="18" idx="0"/>
+            </p:cNvCxnSpPr>
+            <p:nvPr/>
+          </p:nvCxnSpPr>
+          <p:spPr>
+            <a:xfrm flipH="1">
+              <a:off x="8312459" y="3273360"/>
+              <a:ext cx="1" cy="889246"/>
+            </a:xfrm>
+            <a:prstGeom prst="line">
+              <a:avLst/>
+            </a:prstGeom>
+            <a:ln w="38100"/>
+          </p:spPr>
+          <p:style>
+            <a:lnRef idx="1">
+              <a:schemeClr val="dk1"/>
+            </a:lnRef>
+            <a:fillRef idx="0">
+              <a:schemeClr val="dk1"/>
+            </a:fillRef>
+            <a:effectRef idx="0">
+              <a:schemeClr val="dk1"/>
+            </a:effectRef>
+            <a:fontRef idx="minor">
+              <a:schemeClr val="tx1"/>
+            </a:fontRef>
+          </p:style>
+        </p:cxnSp>
+        <p:sp>
+          <p:nvSpPr>
+            <p:cNvPr id="19" name="文字方塊 18">
+              <a:extLst>
+                <a:ext uri="{FF2B5EF4-FFF2-40B4-BE49-F238E27FC236}">
+                  <a16:creationId xmlns:a16="http://schemas.microsoft.com/office/drawing/2014/main" id="{51EB0651-AD4F-4DA9-9440-048A818042F6}"/>
+                </a:ext>
+              </a:extLst>
+            </p:cNvPr>
+            <p:cNvSpPr txBox="1"/>
+            <p:nvPr/>
+          </p:nvSpPr>
+          <p:spPr>
+            <a:xfrm>
+              <a:off x="2926231" y="2080648"/>
+              <a:ext cx="992579" cy="369332"/>
+            </a:xfrm>
+            <a:prstGeom prst="rect">
+              <a:avLst/>
+            </a:prstGeom>
+            <a:noFill/>
+          </p:spPr>
+          <p:txBody>
+            <a:bodyPr wrap="none" rtlCol="0">
+              <a:spAutoFit/>
+            </a:bodyPr>
+            <a:lstStyle/>
+            <a:p>
+              <a:r>
+                <a:rPr lang="en-US" altLang="zh-TW" dirty="0">
+                  <a:latin typeface="Times New Roman" panose="02020603050405020304" pitchFamily="18" charset="0"/>
+                </a:rPr>
+                <a:t>Platform</a:t>
+              </a:r>
+              <a:endParaRPr lang="zh-TW" altLang="en-US" dirty="0">
+                <a:latin typeface="Times New Roman" panose="02020603050405020304" pitchFamily="18" charset="0"/>
+              </a:endParaRPr>
+            </a:p>
+          </p:txBody>
+        </p:sp>
+        <p:sp>
+          <p:nvSpPr>
+            <p:cNvPr id="20" name="文字方塊 19">
+              <a:extLst>
+                <a:ext uri="{FF2B5EF4-FFF2-40B4-BE49-F238E27FC236}">
+                  <a16:creationId xmlns:a16="http://schemas.microsoft.com/office/drawing/2014/main" id="{0CDC0CC5-D9BF-4184-8B0E-D6B4C2AE9565}"/>
+                </a:ext>
+              </a:extLst>
+            </p:cNvPr>
+            <p:cNvSpPr txBox="1"/>
+            <p:nvPr/>
+          </p:nvSpPr>
+          <p:spPr>
+            <a:xfrm>
+              <a:off x="2005123" y="3632532"/>
+              <a:ext cx="838691" cy="369332"/>
+            </a:xfrm>
+            <a:prstGeom prst="rect">
+              <a:avLst/>
+            </a:prstGeom>
+            <a:noFill/>
+          </p:spPr>
+          <p:txBody>
+            <a:bodyPr wrap="none" rtlCol="0">
+              <a:spAutoFit/>
+            </a:bodyPr>
+            <a:lstStyle/>
+            <a:p>
+              <a:r>
+                <a:rPr lang="en-US" altLang="zh-TW" dirty="0">
+                  <a:latin typeface="Times New Roman" panose="02020603050405020304" pitchFamily="18" charset="0"/>
+                </a:rPr>
+                <a:t>Device</a:t>
+              </a:r>
+              <a:endParaRPr lang="zh-TW" altLang="en-US" dirty="0">
+                <a:latin typeface="Times New Roman" panose="02020603050405020304" pitchFamily="18" charset="0"/>
+              </a:endParaRPr>
+            </a:p>
+          </p:txBody>
+        </p:sp>
+      </p:grpSp>
     </p:spTree>
     <p:extLst>
       <p:ext uri="{BB962C8B-B14F-4D97-AF65-F5344CB8AC3E}">
-        <p14:creationId xmlns:p14="http://schemas.microsoft.com/office/powerpoint/2010/main" val="1109655008"/>
+        <p14:creationId xmlns:p14="http://schemas.microsoft.com/office/powerpoint/2010/main" val="238912979"/>
       </p:ext>
     </p:extLst>
   </p:cSld>
@@ -4004,7 +7559,111 @@
 </p:sld>
 </file>
 
-<file path=ppt/slides/slide11.xml><?xml version="1.0" encoding="utf-8"?>
+<file path=ppt/slides/slide12.xml><?xml version="1.0" encoding="utf-8"?>
+<p:sld xmlns:a="http://schemas.openxmlformats.org/drawingml/2006/main" xmlns:r="http://schemas.openxmlformats.org/officeDocument/2006/relationships" xmlns:p="http://schemas.openxmlformats.org/presentationml/2006/main">
+  <p:cSld>
+    <p:spTree>
+      <p:nvGrpSpPr>
+        <p:cNvPr id="1" name=""/>
+        <p:cNvGrpSpPr/>
+        <p:nvPr/>
+      </p:nvGrpSpPr>
+      <p:grpSpPr>
+        <a:xfrm>
+          <a:off x="0" y="0"/>
+          <a:ext cx="0" cy="0"/>
+          <a:chOff x="0" y="0"/>
+          <a:chExt cx="0" cy="0"/>
+        </a:xfrm>
+      </p:grpSpPr>
+      <p:sp>
+        <p:nvSpPr>
+          <p:cNvPr id="3" name="標題 2"/>
+          <p:cNvSpPr>
+            <a:spLocks noGrp="1"/>
+          </p:cNvSpPr>
+          <p:nvPr>
+            <p:ph type="title"/>
+          </p:nvPr>
+        </p:nvSpPr>
+        <p:spPr/>
+        <p:txBody>
+          <a:bodyPr/>
+          <a:lstStyle/>
+          <a:p>
+            <a:r>
+              <a:rPr lang="zh-TW" altLang="en-US" dirty="0"/>
+              <a:t>專案架構</a:t>
+            </a:r>
+          </a:p>
+        </p:txBody>
+      </p:sp>
+    </p:spTree>
+    <p:extLst>
+      <p:ext uri="{BB962C8B-B14F-4D97-AF65-F5344CB8AC3E}">
+        <p14:creationId xmlns:p14="http://schemas.microsoft.com/office/powerpoint/2010/main" val="1469263305"/>
+      </p:ext>
+    </p:extLst>
+  </p:cSld>
+  <p:clrMapOvr>
+    <a:masterClrMapping/>
+  </p:clrMapOvr>
+</p:sld>
+</file>
+
+<file path=ppt/slides/slide13.xml><?xml version="1.0" encoding="utf-8"?>
+<p:sld xmlns:a="http://schemas.openxmlformats.org/drawingml/2006/main" xmlns:r="http://schemas.openxmlformats.org/officeDocument/2006/relationships" xmlns:p="http://schemas.openxmlformats.org/presentationml/2006/main">
+  <p:cSld>
+    <p:spTree>
+      <p:nvGrpSpPr>
+        <p:cNvPr id="1" name=""/>
+        <p:cNvGrpSpPr/>
+        <p:nvPr/>
+      </p:nvGrpSpPr>
+      <p:grpSpPr>
+        <a:xfrm>
+          <a:off x="0" y="0"/>
+          <a:ext cx="0" cy="0"/>
+          <a:chOff x="0" y="0"/>
+          <a:chExt cx="0" cy="0"/>
+        </a:xfrm>
+      </p:grpSpPr>
+      <p:sp>
+        <p:nvSpPr>
+          <p:cNvPr id="3" name="標題 2"/>
+          <p:cNvSpPr>
+            <a:spLocks noGrp="1"/>
+          </p:cNvSpPr>
+          <p:nvPr>
+            <p:ph type="title"/>
+          </p:nvPr>
+        </p:nvSpPr>
+        <p:spPr/>
+        <p:txBody>
+          <a:bodyPr/>
+          <a:lstStyle/>
+          <a:p>
+            <a:r>
+              <a:rPr lang="zh-TW" altLang="en-US" dirty="0"/>
+              <a:t>專案架構</a:t>
+            </a:r>
+          </a:p>
+        </p:txBody>
+      </p:sp>
+    </p:spTree>
+    <p:extLst>
+      <p:ext uri="{BB962C8B-B14F-4D97-AF65-F5344CB8AC3E}">
+        <p14:creationId xmlns:p14="http://schemas.microsoft.com/office/powerpoint/2010/main" val="3971492039"/>
+      </p:ext>
+    </p:extLst>
+  </p:cSld>
+  <p:clrMapOvr>
+    <a:masterClrMapping/>
+  </p:clrMapOvr>
+</p:sld>
+</file>
+
+<file path=ppt/slides/slide14.xml><?xml version="1.0" encoding="utf-8"?>
 <p:sld xmlns:a="http://schemas.openxmlformats.org/drawingml/2006/main" xmlns:r="http://schemas.openxmlformats.org/officeDocument/2006/relationships" xmlns:p="http://schemas.openxmlformats.org/presentationml/2006/main">
   <p:cSld>
     <p:spTree>
@@ -4057,7 +7716,7 @@
           <a:p>
             <a:r>
               <a:rPr lang="zh-TW" altLang="en-US" dirty="0"/>
-              <a:t>控管記錄</a:t>
+              <a:t>成果展示</a:t>
             </a:r>
           </a:p>
         </p:txBody>
@@ -4065,7 +7724,7 @@
     </p:spTree>
     <p:extLst>
       <p:ext uri="{BB962C8B-B14F-4D97-AF65-F5344CB8AC3E}">
-        <p14:creationId xmlns:p14="http://schemas.microsoft.com/office/powerpoint/2010/main" val="1552342395"/>
+        <p14:creationId xmlns:p14="http://schemas.microsoft.com/office/powerpoint/2010/main" val="2657467023"/>
       </p:ext>
     </p:extLst>
   </p:cSld>
@@ -4075,7 +7734,449 @@
 </p:sld>
 </file>
 
-<file path=ppt/slides/slide12.xml><?xml version="1.0" encoding="utf-8"?>
+<file path=ppt/slides/slide15.xml><?xml version="1.0" encoding="utf-8"?>
+<p:sld xmlns:a="http://schemas.openxmlformats.org/drawingml/2006/main" xmlns:r="http://schemas.openxmlformats.org/officeDocument/2006/relationships" xmlns:p="http://schemas.openxmlformats.org/presentationml/2006/main">
+  <p:cSld>
+    <p:spTree>
+      <p:nvGrpSpPr>
+        <p:cNvPr id="1" name=""/>
+        <p:cNvGrpSpPr/>
+        <p:nvPr/>
+      </p:nvGrpSpPr>
+      <p:grpSpPr>
+        <a:xfrm>
+          <a:off x="0" y="0"/>
+          <a:ext cx="0" cy="0"/>
+          <a:chOff x="0" y="0"/>
+          <a:chExt cx="0" cy="0"/>
+        </a:xfrm>
+      </p:grpSpPr>
+      <p:pic>
+        <p:nvPicPr>
+          <p:cNvPr id="5" name="圖片 4">
+            <a:extLst>
+              <a:ext uri="{FF2B5EF4-FFF2-40B4-BE49-F238E27FC236}">
+                <a16:creationId xmlns:a16="http://schemas.microsoft.com/office/drawing/2014/main" id="{B6F66BC1-7410-470D-AC52-5D6CD7316970}"/>
+              </a:ext>
+            </a:extLst>
+          </p:cNvPr>
+          <p:cNvPicPr>
+            <a:picLocks noChangeAspect="1"/>
+          </p:cNvPicPr>
+          <p:nvPr/>
+        </p:nvPicPr>
+        <p:blipFill rotWithShape="1">
+          <a:blip r:embed="rId2">
+            <a:extLst>
+              <a:ext uri="{28A0092B-C50C-407E-A947-70E740481C1C}">
+                <a14:useLocalDpi xmlns:a14="http://schemas.microsoft.com/office/drawing/2010/main" val="0"/>
+              </a:ext>
+            </a:extLst>
+          </a:blip>
+          <a:srcRect r="7170" b="66194"/>
+          <a:stretch/>
+        </p:blipFill>
+        <p:spPr>
+          <a:xfrm>
+            <a:off x="586596" y="3429000"/>
+            <a:ext cx="11317856" cy="2169915"/>
+          </a:xfrm>
+          <a:prstGeom prst="rect">
+            <a:avLst/>
+          </a:prstGeom>
+        </p:spPr>
+      </p:pic>
+      <p:sp>
+        <p:nvSpPr>
+          <p:cNvPr id="6" name="文字方塊 5">
+            <a:extLst>
+              <a:ext uri="{FF2B5EF4-FFF2-40B4-BE49-F238E27FC236}">
+                <a16:creationId xmlns:a16="http://schemas.microsoft.com/office/drawing/2014/main" id="{8B7426FA-160E-4373-BAB3-27B49AE3A744}"/>
+              </a:ext>
+            </a:extLst>
+          </p:cNvPr>
+          <p:cNvSpPr txBox="1"/>
+          <p:nvPr/>
+        </p:nvSpPr>
+        <p:spPr>
+          <a:xfrm>
+            <a:off x="828136" y="1207521"/>
+            <a:ext cx="8686800" cy="2031325"/>
+          </a:xfrm>
+          <a:prstGeom prst="rect">
+            <a:avLst/>
+          </a:prstGeom>
+          <a:noFill/>
+        </p:spPr>
+        <p:txBody>
+          <a:bodyPr wrap="square" rtlCol="0">
+            <a:spAutoFit/>
+          </a:bodyPr>
+          <a:lstStyle/>
+          <a:p>
+            <a:r>
+              <a:rPr lang="en-US" altLang="zh-TW" dirty="0">
+                <a:latin typeface="Times New Roman" panose="02020603050405020304" pitchFamily="18" charset="0"/>
+              </a:rPr>
+              <a:t>Nodes:</a:t>
+            </a:r>
+          </a:p>
+          <a:p>
+            <a:r>
+              <a:rPr lang="en-US" altLang="zh-TW" dirty="0">
+                <a:latin typeface="Times New Roman" panose="02020603050405020304" pitchFamily="18" charset="0"/>
+              </a:rPr>
+              <a:t>	0xae589e6376f22776332c7c45385479fca7d0f826 </a:t>
+            </a:r>
+            <a:r>
+              <a:rPr lang="en-US" altLang="zh-TW" dirty="0">
+                <a:latin typeface="Times New Roman" panose="02020603050405020304" pitchFamily="18" charset="0"/>
+                <a:sym typeface="Wingdings" panose="05000000000000000000" pitchFamily="2" charset="2"/>
+              </a:rPr>
+              <a:t> </a:t>
+            </a:r>
+            <a:r>
+              <a:rPr lang="en-US" altLang="zh-TW" dirty="0">
+                <a:latin typeface="Times New Roman" panose="02020603050405020304" pitchFamily="18" charset="0"/>
+              </a:rPr>
+              <a:t>9595 Ether</a:t>
+            </a:r>
+          </a:p>
+          <a:p>
+            <a:r>
+              <a:rPr lang="en-US" altLang="zh-TW" dirty="0">
+                <a:latin typeface="Times New Roman" panose="02020603050405020304" pitchFamily="18" charset="0"/>
+              </a:rPr>
+              <a:t>	0xd902e1317f9fc7ebee4ed9bbbc4d8902b75990c0 </a:t>
+            </a:r>
+            <a:r>
+              <a:rPr lang="en-US" altLang="zh-TW" dirty="0">
+                <a:latin typeface="Times New Roman" panose="02020603050405020304" pitchFamily="18" charset="0"/>
+                <a:sym typeface="Wingdings" panose="05000000000000000000" pitchFamily="2" charset="2"/>
+              </a:rPr>
+              <a:t> 50 </a:t>
+            </a:r>
+            <a:r>
+              <a:rPr lang="en-US" altLang="zh-TW" dirty="0">
+                <a:latin typeface="Times New Roman" panose="02020603050405020304" pitchFamily="18" charset="0"/>
+              </a:rPr>
+              <a:t>Ether</a:t>
+            </a:r>
+          </a:p>
+          <a:p>
+            <a:endParaRPr lang="en-US" altLang="zh-TW" dirty="0">
+              <a:latin typeface="Times New Roman" panose="02020603050405020304" pitchFamily="18" charset="0"/>
+            </a:endParaRPr>
+          </a:p>
+          <a:p>
+            <a:r>
+              <a:rPr lang="en-US" altLang="zh-TW" dirty="0">
+                <a:latin typeface="Times New Roman" panose="02020603050405020304" pitchFamily="18" charset="0"/>
+              </a:rPr>
+              <a:t>Clients:</a:t>
+            </a:r>
+          </a:p>
+          <a:p>
+            <a:r>
+              <a:rPr lang="en-US" altLang="zh-TW" dirty="0">
+                <a:latin typeface="Times New Roman" panose="02020603050405020304" pitchFamily="18" charset="0"/>
+              </a:rPr>
+              <a:t>	0x450b70820b8db2c625d201c578f1ac8075f8a19c </a:t>
+            </a:r>
+            <a:r>
+              <a:rPr lang="en-US" altLang="zh-TW" dirty="0">
+                <a:latin typeface="Times New Roman" panose="02020603050405020304" pitchFamily="18" charset="0"/>
+                <a:sym typeface="Wingdings" panose="05000000000000000000" pitchFamily="2" charset="2"/>
+              </a:rPr>
+              <a:t> 51 </a:t>
+            </a:r>
+            <a:r>
+              <a:rPr lang="en-US" altLang="zh-TW" dirty="0">
+                <a:latin typeface="Times New Roman" panose="02020603050405020304" pitchFamily="18" charset="0"/>
+              </a:rPr>
+              <a:t>Ether</a:t>
+            </a:r>
+          </a:p>
+          <a:p>
+            <a:r>
+              <a:rPr lang="en-US" altLang="zh-TW" dirty="0">
+                <a:latin typeface="Times New Roman" panose="02020603050405020304" pitchFamily="18" charset="0"/>
+              </a:rPr>
+              <a:t>	0x71b461fa6f7eb90ea5f3d87fbdc44a622608d4f5 </a:t>
+            </a:r>
+            <a:r>
+              <a:rPr lang="en-US" altLang="zh-TW" dirty="0">
+                <a:latin typeface="Times New Roman" panose="02020603050405020304" pitchFamily="18" charset="0"/>
+                <a:sym typeface="Wingdings" panose="05000000000000000000" pitchFamily="2" charset="2"/>
+              </a:rPr>
+              <a:t> 0 </a:t>
+            </a:r>
+            <a:r>
+              <a:rPr lang="en-US" altLang="zh-TW" dirty="0">
+                <a:latin typeface="Times New Roman" panose="02020603050405020304" pitchFamily="18" charset="0"/>
+              </a:rPr>
+              <a:t>Ether</a:t>
+            </a:r>
+            <a:endParaRPr lang="zh-TW" altLang="en-US" dirty="0">
+              <a:latin typeface="Times New Roman" panose="02020603050405020304" pitchFamily="18" charset="0"/>
+            </a:endParaRPr>
+          </a:p>
+        </p:txBody>
+      </p:sp>
+    </p:spTree>
+    <p:extLst>
+      <p:ext uri="{BB962C8B-B14F-4D97-AF65-F5344CB8AC3E}">
+        <p14:creationId xmlns:p14="http://schemas.microsoft.com/office/powerpoint/2010/main" val="3113891306"/>
+      </p:ext>
+    </p:extLst>
+  </p:cSld>
+  <p:clrMapOvr>
+    <a:masterClrMapping/>
+  </p:clrMapOvr>
+</p:sld>
+</file>
+
+<file path=ppt/slides/slide16.xml><?xml version="1.0" encoding="utf-8"?>
+<p:sld xmlns:a="http://schemas.openxmlformats.org/drawingml/2006/main" xmlns:r="http://schemas.openxmlformats.org/officeDocument/2006/relationships" xmlns:p="http://schemas.openxmlformats.org/presentationml/2006/main">
+  <p:cSld>
+    <p:spTree>
+      <p:nvGrpSpPr>
+        <p:cNvPr id="1" name=""/>
+        <p:cNvGrpSpPr/>
+        <p:nvPr/>
+      </p:nvGrpSpPr>
+      <p:grpSpPr>
+        <a:xfrm>
+          <a:off x="0" y="0"/>
+          <a:ext cx="0" cy="0"/>
+          <a:chOff x="0" y="0"/>
+          <a:chExt cx="0" cy="0"/>
+        </a:xfrm>
+      </p:grpSpPr>
+      <p:pic>
+        <p:nvPicPr>
+          <p:cNvPr id="3" name="圖片 2">
+            <a:extLst>
+              <a:ext uri="{FF2B5EF4-FFF2-40B4-BE49-F238E27FC236}">
+                <a16:creationId xmlns:a16="http://schemas.microsoft.com/office/drawing/2014/main" id="{CCA871F5-0EB9-44EC-9B82-18C61186467D}"/>
+              </a:ext>
+            </a:extLst>
+          </p:cNvPr>
+          <p:cNvPicPr>
+            <a:picLocks noChangeAspect="1"/>
+          </p:cNvPicPr>
+          <p:nvPr/>
+        </p:nvPicPr>
+        <p:blipFill rotWithShape="1">
+          <a:blip r:embed="rId2">
+            <a:extLst>
+              <a:ext uri="{28A0092B-C50C-407E-A947-70E740481C1C}">
+                <a14:useLocalDpi xmlns:a14="http://schemas.microsoft.com/office/drawing/2010/main" val="0"/>
+              </a:ext>
+            </a:extLst>
+          </a:blip>
+          <a:srcRect t="32999" r="8585" b="57459"/>
+          <a:stretch/>
+        </p:blipFill>
+        <p:spPr>
+          <a:xfrm>
+            <a:off x="258792" y="1928004"/>
+            <a:ext cx="11145328" cy="612476"/>
+          </a:xfrm>
+          <a:prstGeom prst="rect">
+            <a:avLst/>
+          </a:prstGeom>
+        </p:spPr>
+      </p:pic>
+      <p:pic>
+        <p:nvPicPr>
+          <p:cNvPr id="5" name="圖片 4">
+            <a:extLst>
+              <a:ext uri="{FF2B5EF4-FFF2-40B4-BE49-F238E27FC236}">
+                <a16:creationId xmlns:a16="http://schemas.microsoft.com/office/drawing/2014/main" id="{7122F859-D467-4409-9014-B4175D428F89}"/>
+              </a:ext>
+            </a:extLst>
+          </p:cNvPr>
+          <p:cNvPicPr>
+            <a:picLocks noChangeAspect="1"/>
+          </p:cNvPicPr>
+          <p:nvPr/>
+        </p:nvPicPr>
+        <p:blipFill rotWithShape="1">
+          <a:blip r:embed="rId2">
+            <a:extLst>
+              <a:ext uri="{28A0092B-C50C-407E-A947-70E740481C1C}">
+                <a14:useLocalDpi xmlns:a14="http://schemas.microsoft.com/office/drawing/2010/main" val="0"/>
+              </a:ext>
+            </a:extLst>
+          </a:blip>
+          <a:srcRect t="62162" b="24130"/>
+          <a:stretch/>
+        </p:blipFill>
+        <p:spPr>
+          <a:xfrm>
+            <a:off x="258792" y="2467157"/>
+            <a:ext cx="12192000" cy="879894"/>
+          </a:xfrm>
+          <a:prstGeom prst="rect">
+            <a:avLst/>
+          </a:prstGeom>
+        </p:spPr>
+      </p:pic>
+      <p:sp>
+        <p:nvSpPr>
+          <p:cNvPr id="6" name="文字方塊 5">
+            <a:extLst>
+              <a:ext uri="{FF2B5EF4-FFF2-40B4-BE49-F238E27FC236}">
+                <a16:creationId xmlns:a16="http://schemas.microsoft.com/office/drawing/2014/main" id="{1E058192-7663-4306-ABF5-CD20FFB8E610}"/>
+              </a:ext>
+            </a:extLst>
+          </p:cNvPr>
+          <p:cNvSpPr txBox="1"/>
+          <p:nvPr/>
+        </p:nvSpPr>
+        <p:spPr>
+          <a:xfrm>
+            <a:off x="567215" y="1328469"/>
+            <a:ext cx="11624785" cy="369332"/>
+          </a:xfrm>
+          <a:prstGeom prst="rect">
+            <a:avLst/>
+          </a:prstGeom>
+          <a:noFill/>
+        </p:spPr>
+        <p:txBody>
+          <a:bodyPr wrap="none" rtlCol="0">
+            <a:spAutoFit/>
+          </a:bodyPr>
+          <a:lstStyle/>
+          <a:p>
+            <a:r>
+              <a:rPr lang="zh-TW" altLang="en-US" dirty="0">
+                <a:latin typeface="標楷體" panose="03000509000000000000" pitchFamily="65" charset="-120"/>
+                <a:ea typeface="標楷體" panose="03000509000000000000" pitchFamily="65" charset="-120"/>
+              </a:rPr>
+              <a:t>轉帳前必須先透過設定的密碼解鎖，這裡我們從</a:t>
+            </a:r>
+            <a:r>
+              <a:rPr lang="en-US" altLang="zh-TW" dirty="0">
+                <a:latin typeface="標楷體" panose="03000509000000000000" pitchFamily="65" charset="-120"/>
+                <a:ea typeface="標楷體" panose="03000509000000000000" pitchFamily="65" charset="-120"/>
+              </a:rPr>
+              <a:t>Client</a:t>
+            </a:r>
+            <a:r>
+              <a:rPr lang="zh-TW" altLang="en-US" dirty="0">
+                <a:latin typeface="標楷體" panose="03000509000000000000" pitchFamily="65" charset="-120"/>
+                <a:ea typeface="標楷體" panose="03000509000000000000" pitchFamily="65" charset="-120"/>
+              </a:rPr>
+              <a:t>第一個帳戶轉</a:t>
+            </a:r>
+            <a:r>
+              <a:rPr lang="en-US" altLang="zh-TW" dirty="0">
+                <a:latin typeface="標楷體" panose="03000509000000000000" pitchFamily="65" charset="-120"/>
+                <a:ea typeface="標楷體" panose="03000509000000000000" pitchFamily="65" charset="-120"/>
+              </a:rPr>
+              <a:t>50</a:t>
+            </a:r>
+            <a:r>
+              <a:rPr lang="zh-TW" altLang="en-US" dirty="0">
+                <a:latin typeface="標楷體" panose="03000509000000000000" pitchFamily="65" charset="-120"/>
+                <a:ea typeface="標楷體" panose="03000509000000000000" pitchFamily="65" charset="-120"/>
+              </a:rPr>
+              <a:t>以太給</a:t>
+            </a:r>
+            <a:r>
+              <a:rPr lang="en-US" altLang="zh-TW" dirty="0">
+                <a:latin typeface="標楷體" panose="03000509000000000000" pitchFamily="65" charset="-120"/>
+                <a:ea typeface="標楷體" panose="03000509000000000000" pitchFamily="65" charset="-120"/>
+              </a:rPr>
+              <a:t>Node</a:t>
+            </a:r>
+            <a:r>
+              <a:rPr lang="zh-TW" altLang="en-US" dirty="0">
+                <a:latin typeface="標楷體" panose="03000509000000000000" pitchFamily="65" charset="-120"/>
+                <a:ea typeface="標楷體" panose="03000509000000000000" pitchFamily="65" charset="-120"/>
+              </a:rPr>
+              <a:t>第二的帳戶，實現跨裝置轉帳</a:t>
+            </a:r>
+          </a:p>
+        </p:txBody>
+      </p:sp>
+    </p:spTree>
+    <p:extLst>
+      <p:ext uri="{BB962C8B-B14F-4D97-AF65-F5344CB8AC3E}">
+        <p14:creationId xmlns:p14="http://schemas.microsoft.com/office/powerpoint/2010/main" val="3416627863"/>
+      </p:ext>
+    </p:extLst>
+  </p:cSld>
+  <p:clrMapOvr>
+    <a:masterClrMapping/>
+  </p:clrMapOvr>
+</p:sld>
+</file>
+
+<file path=ppt/slides/slide17.xml><?xml version="1.0" encoding="utf-8"?>
+<p:sld xmlns:a="http://schemas.openxmlformats.org/drawingml/2006/main" xmlns:r="http://schemas.openxmlformats.org/officeDocument/2006/relationships" xmlns:p="http://schemas.openxmlformats.org/presentationml/2006/main">
+  <p:cSld>
+    <p:spTree>
+      <p:nvGrpSpPr>
+        <p:cNvPr id="1" name=""/>
+        <p:cNvGrpSpPr/>
+        <p:nvPr/>
+      </p:nvGrpSpPr>
+      <p:grpSpPr>
+        <a:xfrm>
+          <a:off x="0" y="0"/>
+          <a:ext cx="0" cy="0"/>
+          <a:chOff x="0" y="0"/>
+          <a:chExt cx="0" cy="0"/>
+        </a:xfrm>
+      </p:grpSpPr>
+    </p:spTree>
+    <p:extLst>
+      <p:ext uri="{BB962C8B-B14F-4D97-AF65-F5344CB8AC3E}">
+        <p14:creationId xmlns:p14="http://schemas.microsoft.com/office/powerpoint/2010/main" val="1892796756"/>
+      </p:ext>
+    </p:extLst>
+  </p:cSld>
+  <p:clrMapOvr>
+    <a:masterClrMapping/>
+  </p:clrMapOvr>
+</p:sld>
+</file>
+
+<file path=ppt/slides/slide18.xml><?xml version="1.0" encoding="utf-8"?>
+<p:sld xmlns:a="http://schemas.openxmlformats.org/drawingml/2006/main" xmlns:r="http://schemas.openxmlformats.org/officeDocument/2006/relationships" xmlns:p="http://schemas.openxmlformats.org/presentationml/2006/main">
+  <p:cSld>
+    <p:spTree>
+      <p:nvGrpSpPr>
+        <p:cNvPr id="1" name=""/>
+        <p:cNvGrpSpPr/>
+        <p:nvPr/>
+      </p:nvGrpSpPr>
+      <p:grpSpPr>
+        <a:xfrm>
+          <a:off x="0" y="0"/>
+          <a:ext cx="0" cy="0"/>
+          <a:chOff x="0" y="0"/>
+          <a:chExt cx="0" cy="0"/>
+        </a:xfrm>
+      </p:grpSpPr>
+    </p:spTree>
+    <p:extLst>
+      <p:ext uri="{BB962C8B-B14F-4D97-AF65-F5344CB8AC3E}">
+        <p14:creationId xmlns:p14="http://schemas.microsoft.com/office/powerpoint/2010/main" val="3537208846"/>
+      </p:ext>
+    </p:extLst>
+  </p:cSld>
+  <p:clrMapOvr>
+    <a:masterClrMapping/>
+  </p:clrMapOvr>
+</p:sld>
+</file>
+
+<file path=ppt/slides/slide19.xml><?xml version="1.0" encoding="utf-8"?>
 <p:sld xmlns:a="http://schemas.openxmlformats.org/drawingml/2006/main" xmlns:r="http://schemas.openxmlformats.org/officeDocument/2006/relationships" xmlns:p="http://schemas.openxmlformats.org/presentationml/2006/main">
   <p:cSld>
     <p:spTree>
@@ -4107,103 +8208,7 @@
           <a:bodyPr/>
           <a:lstStyle/>
           <a:p>
-            <a:r>
-              <a:rPr lang="en-US" altLang="zh-TW" dirty="0">
-                <a:hlinkClick r:id="rId2"/>
-              </a:rPr>
-              <a:t>Ethereum</a:t>
-            </a:r>
-            <a:r>
-              <a:rPr lang="en-US" altLang="zh-TW" dirty="0"/>
-              <a:t>:</a:t>
-            </a:r>
-          </a:p>
-          <a:p>
-            <a:pPr lvl="1"/>
-            <a:r>
-              <a:rPr lang="en-US" altLang="zh-TW" b="1" u="sng" dirty="0">
-                <a:hlinkClick r:id="rId3"/>
-              </a:rPr>
-              <a:t>go-</a:t>
-            </a:r>
-            <a:r>
-              <a:rPr lang="en-US" altLang="zh-TW" b="1" u="sng" dirty="0" err="1">
-                <a:hlinkClick r:id="rId3"/>
-              </a:rPr>
-              <a:t>ethereum</a:t>
-            </a:r>
-            <a:endParaRPr lang="en-US" altLang="zh-TW" dirty="0"/>
-          </a:p>
-          <a:p>
-            <a:pPr lvl="1"/>
-            <a:r>
-              <a:rPr lang="en-US" altLang="zh-TW" b="1" u="sng" dirty="0">
-                <a:hlinkClick r:id="rId4"/>
-              </a:rPr>
-              <a:t>eth-netstats</a:t>
-            </a:r>
-            <a:endParaRPr lang="en-US" altLang="zh-TW" b="1" u="sng" dirty="0"/>
-          </a:p>
-          <a:p>
-            <a:pPr lvl="1"/>
-            <a:r>
-              <a:rPr lang="en-US" altLang="zh-TW" b="1" u="sng" dirty="0">
-                <a:hlinkClick r:id="rId5"/>
-              </a:rPr>
-              <a:t>eth-net-intelligence-</a:t>
-            </a:r>
-            <a:r>
-              <a:rPr lang="en-US" altLang="zh-TW" b="1" u="sng" dirty="0" err="1">
-                <a:hlinkClick r:id="rId5"/>
-              </a:rPr>
-              <a:t>api</a:t>
-            </a:r>
-            <a:endParaRPr lang="en-US" altLang="zh-TW" b="1" u="sng" dirty="0"/>
-          </a:p>
-          <a:p>
-            <a:r>
-              <a:rPr lang="en-US" altLang="zh-TW" dirty="0">
-                <a:hlinkClick r:id="rId6"/>
-              </a:rPr>
-              <a:t>How to build Ethereum Dashboard and to monitor your Ethereum Network Status</a:t>
-            </a:r>
-            <a:endParaRPr lang="en-US" altLang="zh-TW" b="1" u="sng" dirty="0"/>
-          </a:p>
-          <a:p>
-            <a:r>
-              <a:rPr lang="zh-TW" altLang="en-US" dirty="0">
-                <a:hlinkClick r:id="rId7"/>
-              </a:rPr>
-              <a:t>好 </a:t>
-            </a:r>
-            <a:r>
-              <a:rPr lang="en-US" altLang="zh-TW" dirty="0">
-                <a:hlinkClick r:id="rId7"/>
-              </a:rPr>
-              <a:t>pm2, </a:t>
-            </a:r>
-            <a:r>
-              <a:rPr lang="zh-TW" altLang="en-US" dirty="0">
-                <a:hlinkClick r:id="rId7"/>
-              </a:rPr>
-              <a:t>不用嗎？</a:t>
-            </a:r>
-            <a:endParaRPr lang="en-US" altLang="zh-TW" dirty="0"/>
-          </a:p>
-          <a:p>
-            <a:r>
-              <a:rPr lang="en-US" altLang="zh-TW" dirty="0">
-                <a:hlinkClick r:id="rId8"/>
-              </a:rPr>
-              <a:t>What is smart contract</a:t>
-            </a:r>
-            <a:r>
-              <a:rPr lang="en-US" altLang="zh-TW" dirty="0"/>
-              <a:t> </a:t>
-            </a:r>
-          </a:p>
-          <a:p>
-            <a:endParaRPr lang="en-US" altLang="zh-TW" dirty="0"/>
+            <a:endParaRPr lang="zh-TW" altLang="en-US"/>
           </a:p>
         </p:txBody>
       </p:sp>
@@ -4224,7 +8229,7 @@
           <a:p>
             <a:r>
               <a:rPr lang="zh-TW" altLang="en-US" dirty="0"/>
-              <a:t>參考資料</a:t>
+              <a:t>問題記錄</a:t>
             </a:r>
           </a:p>
         </p:txBody>
@@ -4232,78 +8237,7 @@
     </p:spTree>
     <p:extLst>
       <p:ext uri="{BB962C8B-B14F-4D97-AF65-F5344CB8AC3E}">
-        <p14:creationId xmlns:p14="http://schemas.microsoft.com/office/powerpoint/2010/main" val="1969967881"/>
-      </p:ext>
-    </p:extLst>
-  </p:cSld>
-  <p:clrMapOvr>
-    <a:masterClrMapping/>
-  </p:clrMapOvr>
-</p:sld>
-</file>
-
-<file path=ppt/slides/slide13.xml><?xml version="1.0" encoding="utf-8"?>
-<p:sld xmlns:a="http://schemas.openxmlformats.org/drawingml/2006/main" xmlns:r="http://schemas.openxmlformats.org/officeDocument/2006/relationships" xmlns:p="http://schemas.openxmlformats.org/presentationml/2006/main">
-  <p:cSld>
-    <p:spTree>
-      <p:nvGrpSpPr>
-        <p:cNvPr id="1" name=""/>
-        <p:cNvGrpSpPr/>
-        <p:nvPr/>
-      </p:nvGrpSpPr>
-      <p:grpSpPr>
-        <a:xfrm>
-          <a:off x="0" y="0"/>
-          <a:ext cx="0" cy="0"/>
-          <a:chOff x="0" y="0"/>
-          <a:chExt cx="0" cy="0"/>
-        </a:xfrm>
-      </p:grpSpPr>
-      <p:sp>
-        <p:nvSpPr>
-          <p:cNvPr id="2" name="內容版面配置區 1"/>
-          <p:cNvSpPr>
-            <a:spLocks noGrp="1"/>
-          </p:cNvSpPr>
-          <p:nvPr>
-            <p:ph idx="1"/>
-          </p:nvPr>
-        </p:nvSpPr>
-        <p:spPr/>
-        <p:txBody>
-          <a:bodyPr/>
-          <a:lstStyle/>
-          <a:p>
-            <a:endParaRPr lang="zh-TW" altLang="en-US" dirty="0"/>
-          </a:p>
-        </p:txBody>
-      </p:sp>
-      <p:sp>
-        <p:nvSpPr>
-          <p:cNvPr id="3" name="標題 2"/>
-          <p:cNvSpPr>
-            <a:spLocks noGrp="1"/>
-          </p:cNvSpPr>
-          <p:nvPr>
-            <p:ph type="title"/>
-          </p:nvPr>
-        </p:nvSpPr>
-        <p:spPr/>
-        <p:txBody>
-          <a:bodyPr/>
-          <a:lstStyle/>
-          <a:p>
-            <a:r>
-              <a:rPr lang="zh-TW" altLang="en-US" dirty="0"/>
-              <a:t>預計進度</a:t>
-            </a:r>
-          </a:p>
-        </p:txBody>
-      </p:sp>
-    </p:spTree>
-    <p:extLst>
-      <p:ext uri="{BB962C8B-B14F-4D97-AF65-F5344CB8AC3E}">
-        <p14:creationId xmlns:p14="http://schemas.microsoft.com/office/powerpoint/2010/main" val="1709537216"/>
+        <p14:creationId xmlns:p14="http://schemas.microsoft.com/office/powerpoint/2010/main" val="1109655008"/>
       </p:ext>
     </p:extLst>
   </p:cSld>
@@ -4375,6 +8309,327 @@
     <p:extLst>
       <p:ext uri="{BB962C8B-B14F-4D97-AF65-F5344CB8AC3E}">
         <p14:creationId xmlns:p14="http://schemas.microsoft.com/office/powerpoint/2010/main" val="2460776231"/>
+      </p:ext>
+    </p:extLst>
+  </p:cSld>
+  <p:clrMapOvr>
+    <a:masterClrMapping/>
+  </p:clrMapOvr>
+</p:sld>
+</file>
+
+<file path=ppt/slides/slide20.xml><?xml version="1.0" encoding="utf-8"?>
+<p:sld xmlns:a="http://schemas.openxmlformats.org/drawingml/2006/main" xmlns:r="http://schemas.openxmlformats.org/officeDocument/2006/relationships" xmlns:p="http://schemas.openxmlformats.org/presentationml/2006/main">
+  <p:cSld>
+    <p:spTree>
+      <p:nvGrpSpPr>
+        <p:cNvPr id="1" name=""/>
+        <p:cNvGrpSpPr/>
+        <p:nvPr/>
+      </p:nvGrpSpPr>
+      <p:grpSpPr>
+        <a:xfrm>
+          <a:off x="0" y="0"/>
+          <a:ext cx="0" cy="0"/>
+          <a:chOff x="0" y="0"/>
+          <a:chExt cx="0" cy="0"/>
+        </a:xfrm>
+      </p:grpSpPr>
+      <p:sp>
+        <p:nvSpPr>
+          <p:cNvPr id="2" name="內容版面配置區 1"/>
+          <p:cNvSpPr>
+            <a:spLocks noGrp="1"/>
+          </p:cNvSpPr>
+          <p:nvPr>
+            <p:ph idx="1"/>
+          </p:nvPr>
+        </p:nvSpPr>
+        <p:spPr/>
+        <p:txBody>
+          <a:bodyPr/>
+          <a:lstStyle/>
+          <a:p>
+            <a:endParaRPr lang="zh-TW" altLang="en-US"/>
+          </a:p>
+        </p:txBody>
+      </p:sp>
+      <p:sp>
+        <p:nvSpPr>
+          <p:cNvPr id="3" name="標題 2"/>
+          <p:cNvSpPr>
+            <a:spLocks noGrp="1"/>
+          </p:cNvSpPr>
+          <p:nvPr>
+            <p:ph type="title"/>
+          </p:nvPr>
+        </p:nvSpPr>
+        <p:spPr/>
+        <p:txBody>
+          <a:bodyPr/>
+          <a:lstStyle/>
+          <a:p>
+            <a:r>
+              <a:rPr lang="zh-TW" altLang="en-US" dirty="0"/>
+              <a:t>控管記錄</a:t>
+            </a:r>
+          </a:p>
+        </p:txBody>
+      </p:sp>
+    </p:spTree>
+    <p:extLst>
+      <p:ext uri="{BB962C8B-B14F-4D97-AF65-F5344CB8AC3E}">
+        <p14:creationId xmlns:p14="http://schemas.microsoft.com/office/powerpoint/2010/main" val="1552342395"/>
+      </p:ext>
+    </p:extLst>
+  </p:cSld>
+  <p:clrMapOvr>
+    <a:masterClrMapping/>
+  </p:clrMapOvr>
+</p:sld>
+</file>
+
+<file path=ppt/slides/slide21.xml><?xml version="1.0" encoding="utf-8"?>
+<p:sld xmlns:a="http://schemas.openxmlformats.org/drawingml/2006/main" xmlns:r="http://schemas.openxmlformats.org/officeDocument/2006/relationships" xmlns:p="http://schemas.openxmlformats.org/presentationml/2006/main">
+  <p:cSld>
+    <p:spTree>
+      <p:nvGrpSpPr>
+        <p:cNvPr id="1" name=""/>
+        <p:cNvGrpSpPr/>
+        <p:nvPr/>
+      </p:nvGrpSpPr>
+      <p:grpSpPr>
+        <a:xfrm>
+          <a:off x="0" y="0"/>
+          <a:ext cx="0" cy="0"/>
+          <a:chOff x="0" y="0"/>
+          <a:chExt cx="0" cy="0"/>
+        </a:xfrm>
+      </p:grpSpPr>
+      <p:sp>
+        <p:nvSpPr>
+          <p:cNvPr id="2" name="內容版面配置區 1"/>
+          <p:cNvSpPr>
+            <a:spLocks noGrp="1"/>
+          </p:cNvSpPr>
+          <p:nvPr>
+            <p:ph idx="1"/>
+          </p:nvPr>
+        </p:nvSpPr>
+        <p:spPr/>
+        <p:txBody>
+          <a:bodyPr/>
+          <a:lstStyle/>
+          <a:p>
+            <a:r>
+              <a:rPr lang="en-US" altLang="zh-TW" dirty="0">
+                <a:hlinkClick r:id="rId2"/>
+              </a:rPr>
+              <a:t>Ethereum</a:t>
+            </a:r>
+            <a:r>
+              <a:rPr lang="en-US" altLang="zh-TW" dirty="0"/>
+              <a:t>:</a:t>
+            </a:r>
+          </a:p>
+          <a:p>
+            <a:pPr lvl="1"/>
+            <a:r>
+              <a:rPr lang="en-US" altLang="zh-TW" b="1" u="sng" dirty="0">
+                <a:hlinkClick r:id="rId3"/>
+              </a:rPr>
+              <a:t>go-</a:t>
+            </a:r>
+            <a:r>
+              <a:rPr lang="en-US" altLang="zh-TW" b="1" u="sng" dirty="0" err="1">
+                <a:hlinkClick r:id="rId3"/>
+              </a:rPr>
+              <a:t>ethereum</a:t>
+            </a:r>
+            <a:endParaRPr lang="en-US" altLang="zh-TW" dirty="0"/>
+          </a:p>
+          <a:p>
+            <a:pPr lvl="1"/>
+            <a:r>
+              <a:rPr lang="en-US" altLang="zh-TW" b="1" u="sng" dirty="0">
+                <a:hlinkClick r:id="rId4"/>
+              </a:rPr>
+              <a:t>eth-netstats</a:t>
+            </a:r>
+            <a:endParaRPr lang="en-US" altLang="zh-TW" b="1" u="sng" dirty="0"/>
+          </a:p>
+          <a:p>
+            <a:pPr lvl="1"/>
+            <a:r>
+              <a:rPr lang="en-US" altLang="zh-TW" b="1" u="sng" dirty="0">
+                <a:hlinkClick r:id="rId5"/>
+              </a:rPr>
+              <a:t>eth-net-intelligence-</a:t>
+            </a:r>
+            <a:r>
+              <a:rPr lang="en-US" altLang="zh-TW" b="1" u="sng" dirty="0" err="1">
+                <a:hlinkClick r:id="rId5"/>
+              </a:rPr>
+              <a:t>api</a:t>
+            </a:r>
+            <a:endParaRPr lang="en-US" altLang="zh-TW" b="1" u="sng" dirty="0"/>
+          </a:p>
+          <a:p>
+            <a:r>
+              <a:rPr lang="en-US" altLang="zh-TW" dirty="0">
+                <a:hlinkClick r:id="rId6"/>
+              </a:rPr>
+              <a:t>How to build Ethereum Dashboard and to monitor your Ethereum Network Status</a:t>
+            </a:r>
+            <a:endParaRPr lang="en-US" altLang="zh-TW" b="1" u="sng" dirty="0"/>
+          </a:p>
+          <a:p>
+            <a:r>
+              <a:rPr lang="zh-TW" altLang="en-US" dirty="0">
+                <a:hlinkClick r:id="rId7"/>
+              </a:rPr>
+              <a:t>好 </a:t>
+            </a:r>
+            <a:r>
+              <a:rPr lang="en-US" altLang="zh-TW" dirty="0">
+                <a:hlinkClick r:id="rId7"/>
+              </a:rPr>
+              <a:t>pm2, </a:t>
+            </a:r>
+            <a:r>
+              <a:rPr lang="zh-TW" altLang="en-US" dirty="0">
+                <a:hlinkClick r:id="rId7"/>
+              </a:rPr>
+              <a:t>不用嗎？</a:t>
+            </a:r>
+            <a:endParaRPr lang="en-US" altLang="zh-TW" dirty="0"/>
+          </a:p>
+          <a:p>
+            <a:r>
+              <a:rPr lang="en-US" altLang="zh-TW" dirty="0">
+                <a:hlinkClick r:id="rId8"/>
+              </a:rPr>
+              <a:t>What is smart contract</a:t>
+            </a:r>
+            <a:r>
+              <a:rPr lang="en-US" altLang="zh-TW" dirty="0"/>
+              <a:t> </a:t>
+            </a:r>
+          </a:p>
+          <a:p>
+            <a:r>
+              <a:rPr lang="zh-TW" altLang="en-US" dirty="0">
+                <a:hlinkClick r:id="rId8"/>
+              </a:rPr>
+              <a:t>工程師視角：什麼是區塊鏈的 </a:t>
+            </a:r>
+            <a:r>
+              <a:rPr lang="en-US" altLang="zh-TW" dirty="0">
+                <a:hlinkClick r:id="rId8"/>
+              </a:rPr>
+              <a:t>Smart Contract?</a:t>
+            </a:r>
+            <a:endParaRPr lang="en-US" altLang="zh-TW" dirty="0"/>
+          </a:p>
+        </p:txBody>
+      </p:sp>
+      <p:sp>
+        <p:nvSpPr>
+          <p:cNvPr id="3" name="標題 2"/>
+          <p:cNvSpPr>
+            <a:spLocks noGrp="1"/>
+          </p:cNvSpPr>
+          <p:nvPr>
+            <p:ph type="title"/>
+          </p:nvPr>
+        </p:nvSpPr>
+        <p:spPr/>
+        <p:txBody>
+          <a:bodyPr/>
+          <a:lstStyle/>
+          <a:p>
+            <a:r>
+              <a:rPr lang="zh-TW" altLang="en-US" dirty="0"/>
+              <a:t>參考資料</a:t>
+            </a:r>
+          </a:p>
+        </p:txBody>
+      </p:sp>
+    </p:spTree>
+    <p:extLst>
+      <p:ext uri="{BB962C8B-B14F-4D97-AF65-F5344CB8AC3E}">
+        <p14:creationId xmlns:p14="http://schemas.microsoft.com/office/powerpoint/2010/main" val="1969967881"/>
+      </p:ext>
+    </p:extLst>
+  </p:cSld>
+  <p:clrMapOvr>
+    <a:masterClrMapping/>
+  </p:clrMapOvr>
+</p:sld>
+</file>
+
+<file path=ppt/slides/slide22.xml><?xml version="1.0" encoding="utf-8"?>
+<p:sld xmlns:a="http://schemas.openxmlformats.org/drawingml/2006/main" xmlns:r="http://schemas.openxmlformats.org/officeDocument/2006/relationships" xmlns:p="http://schemas.openxmlformats.org/presentationml/2006/main">
+  <p:cSld>
+    <p:spTree>
+      <p:nvGrpSpPr>
+        <p:cNvPr id="1" name=""/>
+        <p:cNvGrpSpPr/>
+        <p:nvPr/>
+      </p:nvGrpSpPr>
+      <p:grpSpPr>
+        <a:xfrm>
+          <a:off x="0" y="0"/>
+          <a:ext cx="0" cy="0"/>
+          <a:chOff x="0" y="0"/>
+          <a:chExt cx="0" cy="0"/>
+        </a:xfrm>
+      </p:grpSpPr>
+      <p:sp>
+        <p:nvSpPr>
+          <p:cNvPr id="2" name="內容版面配置區 1"/>
+          <p:cNvSpPr>
+            <a:spLocks noGrp="1"/>
+          </p:cNvSpPr>
+          <p:nvPr>
+            <p:ph idx="1"/>
+          </p:nvPr>
+        </p:nvSpPr>
+        <p:spPr/>
+        <p:txBody>
+          <a:bodyPr/>
+          <a:lstStyle/>
+          <a:p>
+            <a:endParaRPr lang="zh-TW" altLang="en-US" dirty="0"/>
+          </a:p>
+        </p:txBody>
+      </p:sp>
+      <p:sp>
+        <p:nvSpPr>
+          <p:cNvPr id="3" name="標題 2"/>
+          <p:cNvSpPr>
+            <a:spLocks noGrp="1"/>
+          </p:cNvSpPr>
+          <p:nvPr>
+            <p:ph type="title"/>
+          </p:nvPr>
+        </p:nvSpPr>
+        <p:spPr/>
+        <p:txBody>
+          <a:bodyPr/>
+          <a:lstStyle/>
+          <a:p>
+            <a:r>
+              <a:rPr lang="zh-TW" altLang="en-US" dirty="0"/>
+              <a:t>預計進度</a:t>
+            </a:r>
+          </a:p>
+        </p:txBody>
+      </p:sp>
+    </p:spTree>
+    <p:extLst>
+      <p:ext uri="{BB962C8B-B14F-4D97-AF65-F5344CB8AC3E}">
+        <p14:creationId xmlns:p14="http://schemas.microsoft.com/office/powerpoint/2010/main" val="1709537216"/>
       </p:ext>
     </p:extLst>
   </p:cSld>
@@ -4637,7 +8892,7 @@
           <p:cNvPr id="2" name="群組 1">
             <a:extLst>
               <a:ext uri="{FF2B5EF4-FFF2-40B4-BE49-F238E27FC236}">
-                <a16:creationId xmlns:a16="http://schemas.microsoft.com/office/drawing/2014/main" id="{4AA2EA99-93E4-497E-92E7-C11486C7987A}"/>
+                <a16:creationId xmlns:a16="http://schemas.microsoft.com/office/drawing/2014/main" id="{61E87314-A7E0-4A39-8DF7-7D9C07F90F88}"/>
               </a:ext>
             </a:extLst>
           </p:cNvPr>
@@ -4648,7 +8903,7 @@
           <a:xfrm>
             <a:off x="1581901" y="1439555"/>
             <a:ext cx="9396016" cy="4667817"/>
-            <a:chOff x="1827561" y="1432731"/>
+            <a:chOff x="1581901" y="1439555"/>
             <a:chExt cx="9396016" cy="4667817"/>
           </a:xfrm>
         </p:grpSpPr>
@@ -4666,7 +8921,7 @@
           </p:nvGrpSpPr>
           <p:grpSpPr>
             <a:xfrm>
-              <a:off x="1827561" y="1432731"/>
+              <a:off x="1581901" y="1439555"/>
               <a:ext cx="9317783" cy="4667817"/>
               <a:chOff x="938867" y="1347820"/>
               <a:chExt cx="10228388" cy="2934405"/>
@@ -4787,7 +9042,7 @@
           </p:nvSpPr>
           <p:spPr>
             <a:xfrm>
-              <a:off x="5054536" y="1568744"/>
+              <a:off x="4808876" y="1575568"/>
               <a:ext cx="1787048" cy="4382665"/>
             </a:xfrm>
             <a:prstGeom prst="rect">
@@ -4862,7 +9117,7 @@
           </p:nvGrpSpPr>
           <p:grpSpPr>
             <a:xfrm>
-              <a:off x="1968548" y="1563871"/>
+              <a:off x="1722888" y="1570695"/>
               <a:ext cx="3181620" cy="1314930"/>
               <a:chOff x="2307002" y="1427018"/>
               <a:chExt cx="2379777" cy="777244"/>
@@ -5210,7 +9465,7 @@
           </p:nvGrpSpPr>
           <p:grpSpPr>
             <a:xfrm>
-              <a:off x="1968548" y="3071212"/>
+              <a:off x="1722888" y="3078036"/>
               <a:ext cx="3181620" cy="1314930"/>
               <a:chOff x="2307002" y="1427018"/>
               <a:chExt cx="2379777" cy="777244"/>
@@ -5558,7 +9813,7 @@
           </p:nvGrpSpPr>
           <p:grpSpPr>
             <a:xfrm>
-              <a:off x="1968548" y="4636479"/>
+              <a:off x="1722888" y="4643303"/>
               <a:ext cx="3181620" cy="1314930"/>
               <a:chOff x="2307002" y="1427018"/>
               <a:chExt cx="2379777" cy="777244"/>
@@ -5906,7 +10161,7 @@
           </p:nvGrpSpPr>
           <p:grpSpPr>
             <a:xfrm>
-              <a:off x="10034479" y="1808098"/>
+              <a:off x="9788819" y="1814922"/>
               <a:ext cx="975915" cy="1447057"/>
               <a:chOff x="1976470" y="4240717"/>
               <a:chExt cx="729961" cy="855343"/>
@@ -6393,7 +10648,7 @@
           </p:nvGrpSpPr>
           <p:grpSpPr>
             <a:xfrm>
-              <a:off x="6850269" y="3237986"/>
+              <a:off x="6604609" y="3244810"/>
               <a:ext cx="4373308" cy="2713424"/>
               <a:chOff x="5924473" y="2427846"/>
               <a:chExt cx="3271131" cy="1603882"/>
@@ -7643,12 +11898,12 @@
       </p:grpSpPr>
       <p:sp>
         <p:nvSpPr>
-          <p:cNvPr id="2" name="內容版面配置區 1"/>
+          <p:cNvPr id="3" name="標題 2"/>
           <p:cNvSpPr>
             <a:spLocks noGrp="1"/>
           </p:cNvSpPr>
           <p:nvPr>
-            <p:ph idx="1"/>
+            <p:ph type="title"/>
           </p:nvPr>
         </p:nvSpPr>
         <p:spPr/>
@@ -7656,10 +11911,1013 @@
           <a:bodyPr/>
           <a:lstStyle/>
           <a:p>
-            <a:endParaRPr lang="zh-TW" altLang="en-US" dirty="0"/>
+            <a:r>
+              <a:rPr lang="zh-TW" altLang="en-US" dirty="0"/>
+              <a:t>專案架構</a:t>
+            </a:r>
+            <a:r>
+              <a:rPr lang="en-US" altLang="zh-TW" dirty="0"/>
+              <a:t>-</a:t>
+            </a:r>
+            <a:r>
+              <a:rPr lang="zh-TW" altLang="en-US" dirty="0"/>
+              <a:t>智慧合約</a:t>
+            </a:r>
           </a:p>
         </p:txBody>
       </p:sp>
+      <p:grpSp>
+        <p:nvGrpSpPr>
+          <p:cNvPr id="140" name="群組 139">
+            <a:extLst>
+              <a:ext uri="{FF2B5EF4-FFF2-40B4-BE49-F238E27FC236}">
+                <a16:creationId xmlns:a16="http://schemas.microsoft.com/office/drawing/2014/main" id="{B48E097E-6C85-481F-99AF-A47F2A9E155D}"/>
+              </a:ext>
+            </a:extLst>
+          </p:cNvPr>
+          <p:cNvGrpSpPr/>
+          <p:nvPr/>
+        </p:nvGrpSpPr>
+        <p:grpSpPr>
+          <a:xfrm>
+            <a:off x="1212417" y="1442604"/>
+            <a:ext cx="8683618" cy="4453375"/>
+            <a:chOff x="1212417" y="1442604"/>
+            <a:chExt cx="8683618" cy="4453375"/>
+          </a:xfrm>
+        </p:grpSpPr>
+        <p:grpSp>
+          <p:nvGrpSpPr>
+            <p:cNvPr id="10" name="群組 9">
+              <a:extLst>
+                <a:ext uri="{FF2B5EF4-FFF2-40B4-BE49-F238E27FC236}">
+                  <a16:creationId xmlns:a16="http://schemas.microsoft.com/office/drawing/2014/main" id="{A5D84BE5-A06D-48AC-A089-6334AB840675}"/>
+                </a:ext>
+              </a:extLst>
+            </p:cNvPr>
+            <p:cNvGrpSpPr/>
+            <p:nvPr/>
+          </p:nvGrpSpPr>
+          <p:grpSpPr>
+            <a:xfrm>
+              <a:off x="1212417" y="1442604"/>
+              <a:ext cx="2471951" cy="2098964"/>
+              <a:chOff x="1461798" y="2053938"/>
+              <a:chExt cx="3100965" cy="2305671"/>
+            </a:xfrm>
+          </p:grpSpPr>
+          <p:sp>
+            <p:nvSpPr>
+              <p:cNvPr id="6" name="文字方塊 5">
+                <a:extLst>
+                  <a:ext uri="{FF2B5EF4-FFF2-40B4-BE49-F238E27FC236}">
+                    <a16:creationId xmlns:a16="http://schemas.microsoft.com/office/drawing/2014/main" id="{2F6602BA-C93A-414B-8C27-9629E55F9CE6}"/>
+                  </a:ext>
+                </a:extLst>
+              </p:cNvPr>
+              <p:cNvSpPr txBox="1"/>
+              <p:nvPr/>
+            </p:nvSpPr>
+            <p:spPr>
+              <a:xfrm>
+                <a:off x="1534856" y="3713278"/>
+                <a:ext cx="2954847" cy="646331"/>
+              </a:xfrm>
+              <a:prstGeom prst="rect">
+                <a:avLst/>
+              </a:prstGeom>
+              <a:noFill/>
+            </p:spPr>
+            <p:txBody>
+              <a:bodyPr wrap="square" rtlCol="0">
+                <a:spAutoFit/>
+              </a:bodyPr>
+              <a:lstStyle/>
+              <a:p>
+                <a:pPr algn="ctr"/>
+                <a:r>
+                  <a:rPr lang="en-US" altLang="zh-TW" dirty="0">
+                    <a:latin typeface="Times New Roman" panose="02020603050405020304" pitchFamily="18" charset="0"/>
+                    <a:ea typeface="標楷體" panose="03000509000000000000" pitchFamily="65" charset="-120"/>
+                  </a:rPr>
+                  <a:t>Solidity source code</a:t>
+                </a:r>
+                <a:endParaRPr lang="zh-TW" altLang="en-US" dirty="0">
+                  <a:latin typeface="Times New Roman" panose="02020603050405020304" pitchFamily="18" charset="0"/>
+                  <a:ea typeface="標楷體" panose="03000509000000000000" pitchFamily="65" charset="-120"/>
+                </a:endParaRPr>
+              </a:p>
+              <a:p>
+                <a:endParaRPr lang="zh-TW" altLang="en-US" dirty="0"/>
+              </a:p>
+            </p:txBody>
+          </p:sp>
+          <p:pic>
+            <p:nvPicPr>
+              <p:cNvPr id="9" name="圖片 8">
+                <a:extLst>
+                  <a:ext uri="{FF2B5EF4-FFF2-40B4-BE49-F238E27FC236}">
+                    <a16:creationId xmlns:a16="http://schemas.microsoft.com/office/drawing/2014/main" id="{B4AD6431-9678-4410-8D0D-4F13D166C0E0}"/>
+                  </a:ext>
+                </a:extLst>
+              </p:cNvPr>
+              <p:cNvPicPr>
+                <a:picLocks noChangeAspect="1"/>
+              </p:cNvPicPr>
+              <p:nvPr/>
+            </p:nvPicPr>
+            <p:blipFill>
+              <a:blip r:embed="rId2"/>
+              <a:stretch>
+                <a:fillRect/>
+              </a:stretch>
+            </p:blipFill>
+            <p:spPr>
+              <a:xfrm>
+                <a:off x="1461798" y="2053938"/>
+                <a:ext cx="3100965" cy="1659340"/>
+              </a:xfrm>
+              <a:prstGeom prst="rect">
+                <a:avLst/>
+              </a:prstGeom>
+              <a:effectLst>
+                <a:outerShdw blurRad="50800" dist="38100" dir="2700000" algn="tl" rotWithShape="0">
+                  <a:prstClr val="black">
+                    <a:alpha val="40000"/>
+                  </a:prstClr>
+                </a:outerShdw>
+              </a:effectLst>
+            </p:spPr>
+          </p:pic>
+        </p:grpSp>
+        <p:grpSp>
+          <p:nvGrpSpPr>
+            <p:cNvPr id="126" name="群組 125">
+              <a:extLst>
+                <a:ext uri="{FF2B5EF4-FFF2-40B4-BE49-F238E27FC236}">
+                  <a16:creationId xmlns:a16="http://schemas.microsoft.com/office/drawing/2014/main" id="{FDA39CCB-EA43-420C-B01E-E15AC8CB78EB}"/>
+                </a:ext>
+              </a:extLst>
+            </p:cNvPr>
+            <p:cNvGrpSpPr/>
+            <p:nvPr/>
+          </p:nvGrpSpPr>
+          <p:grpSpPr>
+            <a:xfrm>
+              <a:off x="3857124" y="1681641"/>
+              <a:ext cx="3376553" cy="1032504"/>
+              <a:chOff x="3897745" y="1681641"/>
+              <a:chExt cx="3376553" cy="1032504"/>
+            </a:xfrm>
+          </p:grpSpPr>
+          <p:sp>
+            <p:nvSpPr>
+              <p:cNvPr id="123" name="矩形 122">
+                <a:extLst>
+                  <a:ext uri="{FF2B5EF4-FFF2-40B4-BE49-F238E27FC236}">
+                    <a16:creationId xmlns:a16="http://schemas.microsoft.com/office/drawing/2014/main" id="{B29F798D-019C-4093-82A5-3EE09D8B41E2}"/>
+                  </a:ext>
+                </a:extLst>
+              </p:cNvPr>
+              <p:cNvSpPr/>
+              <p:nvPr/>
+            </p:nvSpPr>
+            <p:spPr>
+              <a:xfrm>
+                <a:off x="4709565" y="1681641"/>
+                <a:ext cx="1762448" cy="1032504"/>
+              </a:xfrm>
+              <a:prstGeom prst="rect">
+                <a:avLst/>
+              </a:prstGeom>
+              <a:effectLst>
+                <a:outerShdw blurRad="50800" dist="38100" dir="2700000" algn="tl" rotWithShape="0">
+                  <a:prstClr val="black">
+                    <a:alpha val="40000"/>
+                  </a:prstClr>
+                </a:outerShdw>
+              </a:effectLst>
+            </p:spPr>
+            <p:style>
+              <a:lnRef idx="2">
+                <a:schemeClr val="accent1">
+                  <a:shade val="50000"/>
+                </a:schemeClr>
+              </a:lnRef>
+              <a:fillRef idx="1">
+                <a:schemeClr val="accent1"/>
+              </a:fillRef>
+              <a:effectRef idx="0">
+                <a:schemeClr val="accent1"/>
+              </a:effectRef>
+              <a:fontRef idx="minor">
+                <a:schemeClr val="lt1"/>
+              </a:fontRef>
+            </p:style>
+            <p:txBody>
+              <a:bodyPr rtlCol="0" anchor="ctr"/>
+              <a:lstStyle/>
+              <a:p>
+                <a:pPr algn="ctr"/>
+                <a:r>
+                  <a:rPr lang="en-US" altLang="zh-TW" dirty="0" err="1"/>
+                  <a:t>Solc</a:t>
+                </a:r>
+                <a:endParaRPr lang="en-US" altLang="zh-TW" dirty="0"/>
+              </a:p>
+              <a:p>
+                <a:pPr algn="ctr"/>
+                <a:r>
+                  <a:rPr lang="en-US" altLang="zh-TW" dirty="0"/>
+                  <a:t>Solidity Compiler</a:t>
+                </a:r>
+                <a:endParaRPr lang="zh-TW" altLang="en-US" dirty="0"/>
+              </a:p>
+            </p:txBody>
+          </p:sp>
+          <p:cxnSp>
+            <p:nvCxnSpPr>
+              <p:cNvPr id="125" name="直線單箭頭接點 124">
+                <a:extLst>
+                  <a:ext uri="{FF2B5EF4-FFF2-40B4-BE49-F238E27FC236}">
+                    <a16:creationId xmlns:a16="http://schemas.microsoft.com/office/drawing/2014/main" id="{EEB63346-FE2D-421F-92EA-7030A43AC8AF}"/>
+                  </a:ext>
+                </a:extLst>
+              </p:cNvPr>
+              <p:cNvCxnSpPr/>
+              <p:nvPr/>
+            </p:nvCxnSpPr>
+            <p:spPr>
+              <a:xfrm>
+                <a:off x="3897745" y="2197893"/>
+                <a:ext cx="674916" cy="0"/>
+              </a:xfrm>
+              <a:prstGeom prst="straightConnector1">
+                <a:avLst/>
+              </a:prstGeom>
+              <a:ln>
+                <a:tailEnd type="triangle"/>
+              </a:ln>
+            </p:spPr>
+            <p:style>
+              <a:lnRef idx="1">
+                <a:schemeClr val="dk1"/>
+              </a:lnRef>
+              <a:fillRef idx="0">
+                <a:schemeClr val="dk1"/>
+              </a:fillRef>
+              <a:effectRef idx="0">
+                <a:schemeClr val="dk1"/>
+              </a:effectRef>
+              <a:fontRef idx="minor">
+                <a:schemeClr val="tx1"/>
+              </a:fontRef>
+            </p:style>
+          </p:cxnSp>
+          <p:cxnSp>
+            <p:nvCxnSpPr>
+              <p:cNvPr id="127" name="直線單箭頭接點 126">
+                <a:extLst>
+                  <a:ext uri="{FF2B5EF4-FFF2-40B4-BE49-F238E27FC236}">
+                    <a16:creationId xmlns:a16="http://schemas.microsoft.com/office/drawing/2014/main" id="{C0ACBE04-AC9B-4D90-867A-2211DEE42B03}"/>
+                  </a:ext>
+                </a:extLst>
+              </p:cNvPr>
+              <p:cNvCxnSpPr/>
+              <p:nvPr/>
+            </p:nvCxnSpPr>
+            <p:spPr>
+              <a:xfrm>
+                <a:off x="6599382" y="2197893"/>
+                <a:ext cx="674916" cy="0"/>
+              </a:xfrm>
+              <a:prstGeom prst="straightConnector1">
+                <a:avLst/>
+              </a:prstGeom>
+              <a:ln>
+                <a:tailEnd type="triangle"/>
+              </a:ln>
+            </p:spPr>
+            <p:style>
+              <a:lnRef idx="1">
+                <a:schemeClr val="dk1"/>
+              </a:lnRef>
+              <a:fillRef idx="0">
+                <a:schemeClr val="dk1"/>
+              </a:fillRef>
+              <a:effectRef idx="0">
+                <a:schemeClr val="dk1"/>
+              </a:effectRef>
+              <a:fontRef idx="minor">
+                <a:schemeClr val="tx1"/>
+              </a:fontRef>
+            </p:style>
+          </p:cxnSp>
+        </p:grpSp>
+        <p:grpSp>
+          <p:nvGrpSpPr>
+            <p:cNvPr id="139" name="群組 138">
+              <a:extLst>
+                <a:ext uri="{FF2B5EF4-FFF2-40B4-BE49-F238E27FC236}">
+                  <a16:creationId xmlns:a16="http://schemas.microsoft.com/office/drawing/2014/main" id="{A71E63F3-12A7-45E9-B115-A84873B76D28}"/>
+                </a:ext>
+              </a:extLst>
+            </p:cNvPr>
+            <p:cNvGrpSpPr/>
+            <p:nvPr/>
+          </p:nvGrpSpPr>
+          <p:grpSpPr>
+            <a:xfrm>
+              <a:off x="5862905" y="1681641"/>
+              <a:ext cx="4033130" cy="4214338"/>
+              <a:chOff x="5862905" y="1681641"/>
+              <a:chExt cx="4033130" cy="4214338"/>
+            </a:xfrm>
+          </p:grpSpPr>
+          <p:grpSp>
+            <p:nvGrpSpPr>
+              <p:cNvPr id="16" name="群組 15">
+                <a:extLst>
+                  <a:ext uri="{FF2B5EF4-FFF2-40B4-BE49-F238E27FC236}">
+                    <a16:creationId xmlns:a16="http://schemas.microsoft.com/office/drawing/2014/main" id="{6C3E19EB-8C86-4EEC-B2EE-F77C043EC516}"/>
+                  </a:ext>
+                </a:extLst>
+              </p:cNvPr>
+              <p:cNvGrpSpPr/>
+              <p:nvPr/>
+            </p:nvGrpSpPr>
+            <p:grpSpPr>
+              <a:xfrm>
+                <a:off x="7361046" y="1681641"/>
+                <a:ext cx="2355472" cy="1469019"/>
+                <a:chOff x="337504" y="4408005"/>
+                <a:chExt cx="2479587" cy="1416329"/>
+              </a:xfrm>
+            </p:grpSpPr>
+            <p:pic>
+              <p:nvPicPr>
+                <p:cNvPr id="14" name="圖片 13">
+                  <a:extLst>
+                    <a:ext uri="{FF2B5EF4-FFF2-40B4-BE49-F238E27FC236}">
+                      <a16:creationId xmlns:a16="http://schemas.microsoft.com/office/drawing/2014/main" id="{72BB0F91-D945-4223-9736-A69A98515CCE}"/>
+                    </a:ext>
+                  </a:extLst>
+                </p:cNvPr>
+                <p:cNvPicPr>
+                  <a:picLocks noChangeAspect="1"/>
+                </p:cNvPicPr>
+                <p:nvPr/>
+              </p:nvPicPr>
+              <p:blipFill>
+                <a:blip r:embed="rId3"/>
+                <a:stretch>
+                  <a:fillRect/>
+                </a:stretch>
+              </p:blipFill>
+              <p:spPr>
+                <a:xfrm>
+                  <a:off x="378116" y="4408005"/>
+                  <a:ext cx="2270957" cy="1066892"/>
+                </a:xfrm>
+                <a:prstGeom prst="rect">
+                  <a:avLst/>
+                </a:prstGeom>
+                <a:effectLst>
+                  <a:outerShdw blurRad="50800" dist="38100" dir="2700000" algn="tl" rotWithShape="0">
+                    <a:prstClr val="black">
+                      <a:alpha val="40000"/>
+                    </a:prstClr>
+                  </a:outerShdw>
+                </a:effectLst>
+              </p:spPr>
+            </p:pic>
+            <p:sp>
+              <p:nvSpPr>
+                <p:cNvPr id="15" name="文字方塊 14">
+                  <a:extLst>
+                    <a:ext uri="{FF2B5EF4-FFF2-40B4-BE49-F238E27FC236}">
+                      <a16:creationId xmlns:a16="http://schemas.microsoft.com/office/drawing/2014/main" id="{D19C261A-D591-4B5C-9D8D-CD4F07362518}"/>
+                    </a:ext>
+                  </a:extLst>
+                </p:cNvPr>
+                <p:cNvSpPr txBox="1"/>
+                <p:nvPr/>
+              </p:nvSpPr>
+              <p:spPr>
+                <a:xfrm>
+                  <a:off x="337504" y="5455002"/>
+                  <a:ext cx="2479587" cy="369332"/>
+                </a:xfrm>
+                <a:prstGeom prst="rect">
+                  <a:avLst/>
+                </a:prstGeom>
+                <a:noFill/>
+              </p:spPr>
+              <p:txBody>
+                <a:bodyPr wrap="square" rtlCol="0">
+                  <a:spAutoFit/>
+                </a:bodyPr>
+                <a:lstStyle/>
+                <a:p>
+                  <a:pPr algn="ctr"/>
+                  <a:r>
+                    <a:rPr lang="en-US" altLang="zh-TW" dirty="0">
+                      <a:latin typeface="Times New Roman" panose="02020603050405020304" pitchFamily="18" charset="0"/>
+                      <a:ea typeface="標楷體" panose="03000509000000000000" pitchFamily="65" charset="-120"/>
+                    </a:rPr>
+                    <a:t>Byte code</a:t>
+                  </a:r>
+                  <a:endParaRPr lang="zh-TW" altLang="en-US" dirty="0"/>
+                </a:p>
+              </p:txBody>
+            </p:sp>
+          </p:grpSp>
+          <p:grpSp>
+            <p:nvGrpSpPr>
+              <p:cNvPr id="138" name="群組 137">
+                <a:extLst>
+                  <a:ext uri="{FF2B5EF4-FFF2-40B4-BE49-F238E27FC236}">
+                    <a16:creationId xmlns:a16="http://schemas.microsoft.com/office/drawing/2014/main" id="{2708A60E-C9A5-4BF7-B4D6-5C42508D285F}"/>
+                  </a:ext>
+                </a:extLst>
+              </p:cNvPr>
+              <p:cNvGrpSpPr/>
+              <p:nvPr/>
+            </p:nvGrpSpPr>
+            <p:grpSpPr>
+              <a:xfrm>
+                <a:off x="5862905" y="3150660"/>
+                <a:ext cx="4033130" cy="2745319"/>
+                <a:chOff x="5862905" y="3150660"/>
+                <a:chExt cx="4033130" cy="2745319"/>
+              </a:xfrm>
+            </p:grpSpPr>
+            <p:grpSp>
+              <p:nvGrpSpPr>
+                <p:cNvPr id="136" name="群組 135">
+                  <a:extLst>
+                    <a:ext uri="{FF2B5EF4-FFF2-40B4-BE49-F238E27FC236}">
+                      <a16:creationId xmlns:a16="http://schemas.microsoft.com/office/drawing/2014/main" id="{0A8A5B06-378B-491F-9CB6-E6827FD03CD0}"/>
+                    </a:ext>
+                  </a:extLst>
+                </p:cNvPr>
+                <p:cNvGrpSpPr/>
+                <p:nvPr/>
+              </p:nvGrpSpPr>
+              <p:grpSpPr>
+                <a:xfrm>
+                  <a:off x="5862905" y="3150660"/>
+                  <a:ext cx="4014396" cy="2183123"/>
+                  <a:chOff x="5668941" y="3065460"/>
+                  <a:chExt cx="4014396" cy="2183123"/>
+                </a:xfrm>
+              </p:grpSpPr>
+              <p:grpSp>
+                <p:nvGrpSpPr>
+                  <p:cNvPr id="132" name="群組 131">
+                    <a:extLst>
+                      <a:ext uri="{FF2B5EF4-FFF2-40B4-BE49-F238E27FC236}">
+                        <a16:creationId xmlns:a16="http://schemas.microsoft.com/office/drawing/2014/main" id="{1C972D39-9ED6-47AE-A24C-1E1EAD5DA618}"/>
+                      </a:ext>
+                    </a:extLst>
+                  </p:cNvPr>
+                  <p:cNvGrpSpPr/>
+                  <p:nvPr/>
+                </p:nvGrpSpPr>
+                <p:grpSpPr>
+                  <a:xfrm>
+                    <a:off x="5668941" y="3535577"/>
+                    <a:ext cx="4014396" cy="1713006"/>
+                    <a:chOff x="5702122" y="3528826"/>
+                    <a:chExt cx="4014396" cy="1713006"/>
+                  </a:xfrm>
+                </p:grpSpPr>
+                <p:grpSp>
+                  <p:nvGrpSpPr>
+                    <p:cNvPr id="130" name="群組 129">
+                      <a:extLst>
+                        <a:ext uri="{FF2B5EF4-FFF2-40B4-BE49-F238E27FC236}">
+                          <a16:creationId xmlns:a16="http://schemas.microsoft.com/office/drawing/2014/main" id="{D3038B59-C1EA-4B8C-ADF1-CAD0A6D78A60}"/>
+                        </a:ext>
+                      </a:extLst>
+                    </p:cNvPr>
+                    <p:cNvGrpSpPr/>
+                    <p:nvPr/>
+                  </p:nvGrpSpPr>
+                  <p:grpSpPr>
+                    <a:xfrm>
+                      <a:off x="5702122" y="3528826"/>
+                      <a:ext cx="4014396" cy="1713006"/>
+                      <a:chOff x="6151912" y="3541568"/>
+                      <a:chExt cx="4014396" cy="1713006"/>
+                    </a:xfrm>
+                  </p:grpSpPr>
+                  <p:sp>
+                    <p:nvSpPr>
+                      <p:cNvPr id="128" name="矩形 127">
+                        <a:extLst>
+                          <a:ext uri="{FF2B5EF4-FFF2-40B4-BE49-F238E27FC236}">
+                            <a16:creationId xmlns:a16="http://schemas.microsoft.com/office/drawing/2014/main" id="{B9B91D4B-58FD-4A8C-8178-07D40C0B28E8}"/>
+                          </a:ext>
+                        </a:extLst>
+                      </p:cNvPr>
+                      <p:cNvSpPr/>
+                      <p:nvPr/>
+                    </p:nvSpPr>
+                    <p:spPr>
+                      <a:xfrm>
+                        <a:off x="6163243" y="3541568"/>
+                        <a:ext cx="4003065" cy="1713006"/>
+                      </a:xfrm>
+                      <a:prstGeom prst="rect">
+                        <a:avLst/>
+                      </a:prstGeom>
+                      <a:solidFill>
+                        <a:srgbClr val="8570DE"/>
+                      </a:solidFill>
+                      <a:ln>
+                        <a:noFill/>
+                      </a:ln>
+                      <a:effectLst>
+                        <a:outerShdw blurRad="50800" dist="38100" dir="2700000" algn="tl" rotWithShape="0">
+                          <a:prstClr val="black">
+                            <a:alpha val="40000"/>
+                          </a:prstClr>
+                        </a:outerShdw>
+                      </a:effectLst>
+                    </p:spPr>
+                    <p:style>
+                      <a:lnRef idx="2">
+                        <a:schemeClr val="accent1">
+                          <a:shade val="50000"/>
+                        </a:schemeClr>
+                      </a:lnRef>
+                      <a:fillRef idx="1">
+                        <a:schemeClr val="accent1"/>
+                      </a:fillRef>
+                      <a:effectRef idx="0">
+                        <a:schemeClr val="accent1"/>
+                      </a:effectRef>
+                      <a:fontRef idx="minor">
+                        <a:schemeClr val="lt1"/>
+                      </a:fontRef>
+                    </p:style>
+                    <p:txBody>
+                      <a:bodyPr rtlCol="0" anchor="ctr"/>
+                      <a:lstStyle/>
+                      <a:p>
+                        <a:pPr algn="ctr"/>
+                        <a:endParaRPr lang="zh-TW" altLang="en-US" dirty="0"/>
+                      </a:p>
+                    </p:txBody>
+                  </p:sp>
+                  <p:sp>
+                    <p:nvSpPr>
+                      <p:cNvPr id="129" name="文字方塊 128">
+                        <a:extLst>
+                          <a:ext uri="{FF2B5EF4-FFF2-40B4-BE49-F238E27FC236}">
+                            <a16:creationId xmlns:a16="http://schemas.microsoft.com/office/drawing/2014/main" id="{7FC5B782-926A-456C-AC91-3037BA43A669}"/>
+                          </a:ext>
+                        </a:extLst>
+                      </p:cNvPr>
+                      <p:cNvSpPr txBox="1"/>
+                      <p:nvPr/>
+                    </p:nvSpPr>
+                    <p:spPr>
+                      <a:xfrm>
+                        <a:off x="6151912" y="3541568"/>
+                        <a:ext cx="1488613" cy="369332"/>
+                      </a:xfrm>
+                      <a:prstGeom prst="rect">
+                        <a:avLst/>
+                      </a:prstGeom>
+                      <a:noFill/>
+                    </p:spPr>
+                    <p:txBody>
+                      <a:bodyPr wrap="none" rtlCol="0">
+                        <a:spAutoFit/>
+                      </a:bodyPr>
+                      <a:lstStyle/>
+                      <a:p>
+                        <a:r>
+                          <a:rPr lang="en-US" altLang="zh-TW" dirty="0">
+                            <a:solidFill>
+                              <a:schemeClr val="bg1"/>
+                            </a:solidFill>
+                          </a:rPr>
+                          <a:t>Ethereum VM</a:t>
+                        </a:r>
+                        <a:endParaRPr lang="zh-TW" altLang="en-US" dirty="0">
+                          <a:solidFill>
+                            <a:schemeClr val="bg1"/>
+                          </a:solidFill>
+                        </a:endParaRPr>
+                      </a:p>
+                    </p:txBody>
+                  </p:sp>
+                </p:grpSp>
+                <p:sp>
+                  <p:nvSpPr>
+                    <p:cNvPr id="131" name="文字方塊 130">
+                      <a:extLst>
+                        <a:ext uri="{FF2B5EF4-FFF2-40B4-BE49-F238E27FC236}">
+                          <a16:creationId xmlns:a16="http://schemas.microsoft.com/office/drawing/2014/main" id="{AA49C049-AF2B-41D7-86BC-6340ED5BA8A7}"/>
+                        </a:ext>
+                      </a:extLst>
+                    </p:cNvPr>
+                    <p:cNvSpPr txBox="1"/>
+                    <p:nvPr/>
+                  </p:nvSpPr>
+                  <p:spPr>
+                    <a:xfrm>
+                      <a:off x="7072894" y="4158426"/>
+                      <a:ext cx="1452898" cy="646331"/>
+                    </a:xfrm>
+                    <a:prstGeom prst="rect">
+                      <a:avLst/>
+                    </a:prstGeom>
+                    <a:noFill/>
+                    <a:ln w="38100">
+                      <a:solidFill>
+                        <a:srgbClr val="FFFFFF"/>
+                      </a:solidFill>
+                    </a:ln>
+                  </p:spPr>
+                  <p:txBody>
+                    <a:bodyPr wrap="none" rtlCol="0">
+                      <a:spAutoFit/>
+                    </a:bodyPr>
+                    <a:lstStyle/>
+                    <a:p>
+                      <a:pPr algn="ctr"/>
+                      <a:r>
+                        <a:rPr lang="en-US" altLang="zh-TW" dirty="0" err="1">
+                          <a:solidFill>
+                            <a:schemeClr val="bg1"/>
+                          </a:solidFill>
+                        </a:rPr>
+                        <a:t>MeetupEvent</a:t>
+                      </a:r>
+                      <a:endParaRPr lang="en-US" altLang="zh-TW" dirty="0">
+                        <a:solidFill>
+                          <a:schemeClr val="bg1"/>
+                        </a:solidFill>
+                      </a:endParaRPr>
+                    </a:p>
+                    <a:p>
+                      <a:pPr algn="ctr"/>
+                      <a:r>
+                        <a:rPr lang="en-US" altLang="zh-TW" dirty="0">
+                          <a:solidFill>
+                            <a:schemeClr val="bg1"/>
+                          </a:solidFill>
+                        </a:rPr>
+                        <a:t>instance</a:t>
+                      </a:r>
+                      <a:endParaRPr lang="zh-TW" altLang="en-US" dirty="0">
+                        <a:solidFill>
+                          <a:schemeClr val="bg1"/>
+                        </a:solidFill>
+                      </a:endParaRPr>
+                    </a:p>
+                  </p:txBody>
+                </p:sp>
+              </p:grpSp>
+              <p:cxnSp>
+                <p:nvCxnSpPr>
+                  <p:cNvPr id="134" name="直線單箭頭接點 133">
+                    <a:extLst>
+                      <a:ext uri="{FF2B5EF4-FFF2-40B4-BE49-F238E27FC236}">
+                        <a16:creationId xmlns:a16="http://schemas.microsoft.com/office/drawing/2014/main" id="{C4CEB0AA-552D-4E4E-A5C7-E72F45E08B1C}"/>
+                      </a:ext>
+                    </a:extLst>
+                  </p:cNvPr>
+                  <p:cNvCxnSpPr>
+                    <a:cxnSpLocks/>
+                  </p:cNvCxnSpPr>
+                  <p:nvPr/>
+                </p:nvCxnSpPr>
+                <p:spPr>
+                  <a:xfrm>
+                    <a:off x="8307873" y="3065460"/>
+                    <a:ext cx="0" cy="839449"/>
+                  </a:xfrm>
+                  <a:prstGeom prst="straightConnector1">
+                    <a:avLst/>
+                  </a:prstGeom>
+                  <a:ln>
+                    <a:tailEnd type="triangle"/>
+                  </a:ln>
+                </p:spPr>
+                <p:style>
+                  <a:lnRef idx="1">
+                    <a:schemeClr val="dk1"/>
+                  </a:lnRef>
+                  <a:fillRef idx="0">
+                    <a:schemeClr val="dk1"/>
+                  </a:fillRef>
+                  <a:effectRef idx="0">
+                    <a:schemeClr val="dk1"/>
+                  </a:effectRef>
+                  <a:fontRef idx="minor">
+                    <a:schemeClr val="tx1"/>
+                  </a:fontRef>
+                </p:style>
+              </p:cxnSp>
+              <p:sp>
+                <p:nvSpPr>
+                  <p:cNvPr id="135" name="文字方塊 134">
+                    <a:extLst>
+                      <a:ext uri="{FF2B5EF4-FFF2-40B4-BE49-F238E27FC236}">
+                        <a16:creationId xmlns:a16="http://schemas.microsoft.com/office/drawing/2014/main" id="{A21E6EF7-9F78-42A3-8F08-E34983448871}"/>
+                      </a:ext>
+                    </a:extLst>
+                  </p:cNvPr>
+                  <p:cNvSpPr txBox="1"/>
+                  <p:nvPr/>
+                </p:nvSpPr>
+                <p:spPr>
+                  <a:xfrm>
+                    <a:off x="8344818" y="3503779"/>
+                    <a:ext cx="821443" cy="369332"/>
+                  </a:xfrm>
+                  <a:prstGeom prst="rect">
+                    <a:avLst/>
+                  </a:prstGeom>
+                  <a:noFill/>
+                </p:spPr>
+                <p:txBody>
+                  <a:bodyPr wrap="none" rtlCol="0">
+                    <a:spAutoFit/>
+                  </a:bodyPr>
+                  <a:lstStyle/>
+                  <a:p>
+                    <a:r>
+                      <a:rPr lang="en-US" altLang="zh-TW" dirty="0">
+                        <a:solidFill>
+                          <a:schemeClr val="bg1"/>
+                        </a:solidFill>
+                      </a:rPr>
+                      <a:t>deploy</a:t>
+                    </a:r>
+                    <a:endParaRPr lang="zh-TW" altLang="en-US" dirty="0">
+                      <a:solidFill>
+                        <a:schemeClr val="bg1"/>
+                      </a:solidFill>
+                    </a:endParaRPr>
+                  </a:p>
+                </p:txBody>
+              </p:sp>
+            </p:grpSp>
+            <p:sp>
+              <p:nvSpPr>
+                <p:cNvPr id="137" name="矩形 136">
+                  <a:extLst>
+                    <a:ext uri="{FF2B5EF4-FFF2-40B4-BE49-F238E27FC236}">
+                      <a16:creationId xmlns:a16="http://schemas.microsoft.com/office/drawing/2014/main" id="{715BA12A-E94C-4731-9A13-76C143408700}"/>
+                    </a:ext>
+                  </a:extLst>
+                </p:cNvPr>
+                <p:cNvSpPr/>
+                <p:nvPr/>
+              </p:nvSpPr>
+              <p:spPr>
+                <a:xfrm>
+                  <a:off x="5862905" y="5412993"/>
+                  <a:ext cx="4033130" cy="482986"/>
+                </a:xfrm>
+                <a:prstGeom prst="rect">
+                  <a:avLst/>
+                </a:prstGeom>
+                <a:solidFill>
+                  <a:srgbClr val="282D3F"/>
+                </a:solidFill>
+                <a:ln>
+                  <a:noFill/>
+                </a:ln>
+                <a:effectLst>
+                  <a:outerShdw blurRad="50800" dist="38100" dir="2700000" algn="tl" rotWithShape="0">
+                    <a:prstClr val="black">
+                      <a:alpha val="40000"/>
+                    </a:prstClr>
+                  </a:outerShdw>
+                </a:effectLst>
+              </p:spPr>
+              <p:style>
+                <a:lnRef idx="2">
+                  <a:schemeClr val="accent3">
+                    <a:shade val="50000"/>
+                  </a:schemeClr>
+                </a:lnRef>
+                <a:fillRef idx="1">
+                  <a:schemeClr val="accent3"/>
+                </a:fillRef>
+                <a:effectRef idx="0">
+                  <a:schemeClr val="accent3"/>
+                </a:effectRef>
+                <a:fontRef idx="minor">
+                  <a:schemeClr val="lt1"/>
+                </a:fontRef>
+              </p:style>
+              <p:txBody>
+                <a:bodyPr rtlCol="0" anchor="ctr"/>
+                <a:lstStyle/>
+                <a:p>
+                  <a:pPr algn="ctr"/>
+                  <a:r>
+                    <a:rPr lang="en-US" altLang="zh-TW" dirty="0">
+                      <a:solidFill>
+                        <a:schemeClr val="bg1"/>
+                      </a:solidFill>
+                      <a:latin typeface="Times New Roman" panose="02020603050405020304" pitchFamily="18" charset="0"/>
+                      <a:ea typeface="標楷體" panose="03000509000000000000" pitchFamily="65" charset="-120"/>
+                    </a:rPr>
+                    <a:t>Ethereum </a:t>
+                  </a:r>
+                  <a:r>
+                    <a:rPr lang="en-US" altLang="zh-TW" dirty="0" err="1">
+                      <a:solidFill>
+                        <a:schemeClr val="bg1"/>
+                      </a:solidFill>
+                      <a:latin typeface="Times New Roman" panose="02020603050405020304" pitchFamily="18" charset="0"/>
+                      <a:ea typeface="標楷體" panose="03000509000000000000" pitchFamily="65" charset="-120"/>
+                    </a:rPr>
+                    <a:t>BlockChain</a:t>
+                  </a:r>
+                  <a:endParaRPr lang="zh-TW" altLang="en-US" dirty="0">
+                    <a:solidFill>
+                      <a:schemeClr val="bg1"/>
+                    </a:solidFill>
+                    <a:latin typeface="Times New Roman" panose="02020603050405020304" pitchFamily="18" charset="0"/>
+                    <a:ea typeface="標楷體" panose="03000509000000000000" pitchFamily="65" charset="-120"/>
+                  </a:endParaRPr>
+                </a:p>
+              </p:txBody>
+            </p:sp>
+          </p:grpSp>
+        </p:grpSp>
+      </p:grpSp>
+    </p:spTree>
+    <p:extLst>
+      <p:ext uri="{BB962C8B-B14F-4D97-AF65-F5344CB8AC3E}">
+        <p14:creationId xmlns:p14="http://schemas.microsoft.com/office/powerpoint/2010/main" val="2798720982"/>
+      </p:ext>
+    </p:extLst>
+  </p:cSld>
+  <p:clrMapOvr>
+    <a:masterClrMapping/>
+  </p:clrMapOvr>
+</p:sld>
+</file>
+
+<file path=ppt/slides/slide8.xml><?xml version="1.0" encoding="utf-8"?>
+<p:sld xmlns:a="http://schemas.openxmlformats.org/drawingml/2006/main" xmlns:r="http://schemas.openxmlformats.org/officeDocument/2006/relationships" xmlns:p="http://schemas.openxmlformats.org/presentationml/2006/main">
+  <p:cSld>
+    <p:spTree>
+      <p:nvGrpSpPr>
+        <p:cNvPr id="1" name=""/>
+        <p:cNvGrpSpPr/>
+        <p:nvPr/>
+      </p:nvGrpSpPr>
+      <p:grpSpPr>
+        <a:xfrm>
+          <a:off x="0" y="0"/>
+          <a:ext cx="0" cy="0"/>
+          <a:chOff x="0" y="0"/>
+          <a:chExt cx="0" cy="0"/>
+        </a:xfrm>
+      </p:grpSpPr>
+      <p:grpSp>
+        <p:nvGrpSpPr>
+          <p:cNvPr id="21" name="群組 20">
+            <a:extLst>
+              <a:ext uri="{FF2B5EF4-FFF2-40B4-BE49-F238E27FC236}">
+                <a16:creationId xmlns:a16="http://schemas.microsoft.com/office/drawing/2014/main" id="{CAB7D1B1-0AC8-4811-966E-4223B9F21EE2}"/>
+              </a:ext>
+            </a:extLst>
+          </p:cNvPr>
+          <p:cNvGrpSpPr/>
+          <p:nvPr/>
+        </p:nvGrpSpPr>
+        <p:grpSpPr>
+          <a:xfrm>
+            <a:off x="2875235" y="1229189"/>
+            <a:ext cx="7441958" cy="3377168"/>
+            <a:chOff x="2840814" y="1220562"/>
+            <a:chExt cx="7881971" cy="5395897"/>
+          </a:xfrm>
+        </p:grpSpPr>
+        <p:sp>
+          <p:nvSpPr>
+            <p:cNvPr id="5" name="矩形 4">
+              <a:extLst>
+                <a:ext uri="{FF2B5EF4-FFF2-40B4-BE49-F238E27FC236}">
+                  <a16:creationId xmlns:a16="http://schemas.microsoft.com/office/drawing/2014/main" id="{0E490471-DDA9-4664-999C-2FB5A4824796}"/>
+                </a:ext>
+              </a:extLst>
+            </p:cNvPr>
+            <p:cNvSpPr/>
+            <p:nvPr/>
+          </p:nvSpPr>
+          <p:spPr>
+            <a:xfrm>
+              <a:off x="2840814" y="1220562"/>
+              <a:ext cx="7881971" cy="5395897"/>
+            </a:xfrm>
+            <a:prstGeom prst="rect">
+              <a:avLst/>
+            </a:prstGeom>
+            <a:solidFill>
+              <a:srgbClr val="CDD1DF"/>
+            </a:solidFill>
+            <a:ln>
+              <a:noFill/>
+            </a:ln>
+            <a:effectLst>
+              <a:outerShdw blurRad="50800" dist="38100" dir="2700000" algn="tl" rotWithShape="0">
+                <a:prstClr val="black">
+                  <a:alpha val="40000"/>
+                </a:prstClr>
+              </a:outerShdw>
+            </a:effectLst>
+          </p:spPr>
+          <p:style>
+            <a:lnRef idx="2">
+              <a:schemeClr val="accent6">
+                <a:shade val="50000"/>
+              </a:schemeClr>
+            </a:lnRef>
+            <a:fillRef idx="1">
+              <a:schemeClr val="accent6"/>
+            </a:fillRef>
+            <a:effectRef idx="0">
+              <a:schemeClr val="accent6"/>
+            </a:effectRef>
+            <a:fontRef idx="minor">
+              <a:schemeClr val="lt1"/>
+            </a:fontRef>
+          </p:style>
+          <p:txBody>
+            <a:bodyPr rtlCol="0" anchor="ctr"/>
+            <a:lstStyle/>
+            <a:p>
+              <a:pPr algn="ctr"/>
+              <a:endParaRPr lang="zh-TW" altLang="en-US" dirty="0">
+                <a:solidFill>
+                  <a:schemeClr val="tx1"/>
+                </a:solidFill>
+                <a:latin typeface="Times New Roman" panose="02020603050405020304" pitchFamily="18" charset="0"/>
+                <a:ea typeface="標楷體" panose="03000509000000000000" pitchFamily="65" charset="-120"/>
+              </a:endParaRPr>
+            </a:p>
+          </p:txBody>
+        </p:sp>
+        <p:sp>
+          <p:nvSpPr>
+            <p:cNvPr id="20" name="文字方塊 19">
+              <a:extLst>
+                <a:ext uri="{FF2B5EF4-FFF2-40B4-BE49-F238E27FC236}">
+                  <a16:creationId xmlns:a16="http://schemas.microsoft.com/office/drawing/2014/main" id="{82E22C24-0902-49EF-A1A3-BFB82B1955B4}"/>
+                </a:ext>
+              </a:extLst>
+            </p:cNvPr>
+            <p:cNvSpPr txBox="1"/>
+            <p:nvPr/>
+          </p:nvSpPr>
+          <p:spPr>
+            <a:xfrm>
+              <a:off x="2875234" y="1220564"/>
+              <a:ext cx="726230" cy="646331"/>
+            </a:xfrm>
+            <a:prstGeom prst="rect">
+              <a:avLst/>
+            </a:prstGeom>
+            <a:noFill/>
+          </p:spPr>
+          <p:txBody>
+            <a:bodyPr wrap="square" rtlCol="0">
+              <a:spAutoFit/>
+            </a:bodyPr>
+            <a:lstStyle/>
+            <a:p>
+              <a:r>
+                <a:rPr lang="en-US" altLang="zh-TW" dirty="0">
+                  <a:latin typeface="Times New Roman" panose="02020603050405020304" pitchFamily="18" charset="0"/>
+                  <a:ea typeface="標楷體" panose="03000509000000000000" pitchFamily="65" charset="-120"/>
+                </a:rPr>
+                <a:t>mine</a:t>
+              </a:r>
+              <a:endParaRPr lang="zh-TW" altLang="en-US" dirty="0">
+                <a:latin typeface="Times New Roman" panose="02020603050405020304" pitchFamily="18" charset="0"/>
+                <a:ea typeface="標楷體" panose="03000509000000000000" pitchFamily="65" charset="-120"/>
+              </a:endParaRPr>
+            </a:p>
+            <a:p>
+              <a:endParaRPr lang="zh-TW" altLang="en-US" dirty="0"/>
+            </a:p>
+          </p:txBody>
+        </p:sp>
+      </p:grpSp>
       <p:sp>
         <p:nvSpPr>
           <p:cNvPr id="3" name="標題 2"/>
@@ -7679,14 +12937,6 @@
               <a:rPr lang="zh-TW" altLang="en-US" dirty="0"/>
               <a:t>專案架構</a:t>
             </a:r>
-            <a:r>
-              <a:rPr lang="en-US" altLang="zh-TW" dirty="0"/>
-              <a:t>-</a:t>
-            </a:r>
-            <a:r>
-              <a:rPr lang="zh-TW" altLang="en-US" dirty="0"/>
-              <a:t>智慧合約</a:t>
-            </a:r>
           </a:p>
         </p:txBody>
       </p:sp>
@@ -7695,7 +12945,7 @@
           <p:cNvPr id="4" name="矩形 3">
             <a:extLst>
               <a:ext uri="{FF2B5EF4-FFF2-40B4-BE49-F238E27FC236}">
-                <a16:creationId xmlns:a16="http://schemas.microsoft.com/office/drawing/2014/main" id="{F0B29F57-5741-4402-936A-6DDAAC0B1F3B}"/>
+                <a16:creationId xmlns:a16="http://schemas.microsoft.com/office/drawing/2014/main" id="{35BA156A-1B81-4E21-9A0A-63A888062DDB}"/>
               </a:ext>
             </a:extLst>
           </p:cNvPr>
@@ -7704,8 +12954,8 @@
         </p:nvSpPr>
         <p:spPr>
           <a:xfrm>
-            <a:off x="1190627" y="2013045"/>
-            <a:ext cx="1327386" cy="986051"/>
+            <a:off x="362639" y="1311289"/>
+            <a:ext cx="1106576" cy="626903"/>
           </a:xfrm>
           <a:prstGeom prst="rect">
             <a:avLst/>
@@ -7753,20 +13003,7 @@
                 <a:latin typeface="Times New Roman" panose="02020603050405020304" pitchFamily="18" charset="0"/>
                 <a:ea typeface="標楷體" panose="03000509000000000000" pitchFamily="65" charset="-120"/>
               </a:rPr>
-              <a:t>Solidity </a:t>
-            </a:r>
-          </a:p>
-          <a:p>
-            <a:pPr algn="ctr"/>
-            <a:r>
-              <a:rPr lang="en-US" altLang="zh-TW" dirty="0">
-                <a:solidFill>
-                  <a:schemeClr val="tx1"/>
-                </a:solidFill>
-                <a:latin typeface="Times New Roman" panose="02020603050405020304" pitchFamily="18" charset="0"/>
-                <a:ea typeface="標楷體" panose="03000509000000000000" pitchFamily="65" charset="-120"/>
-              </a:rPr>
-              <a:t>source code</a:t>
+              <a:t>Seal</a:t>
             </a:r>
             <a:endParaRPr lang="zh-TW" altLang="en-US" dirty="0">
               <a:solidFill>
@@ -7778,77 +13015,231 @@
           </a:p>
         </p:txBody>
       </p:sp>
-    </p:spTree>
-    <p:extLst>
-      <p:ext uri="{BB962C8B-B14F-4D97-AF65-F5344CB8AC3E}">
-        <p14:creationId xmlns:p14="http://schemas.microsoft.com/office/powerpoint/2010/main" val="2798720982"/>
-      </p:ext>
-    </p:extLst>
-  </p:cSld>
-  <p:clrMapOvr>
-    <a:masterClrMapping/>
-  </p:clrMapOvr>
-</p:sld>
-</file>
-
-<file path=ppt/slides/slide8.xml><?xml version="1.0" encoding="utf-8"?>
-<p:sld xmlns:a="http://schemas.openxmlformats.org/drawingml/2006/main" xmlns:r="http://schemas.openxmlformats.org/officeDocument/2006/relationships" xmlns:p="http://schemas.openxmlformats.org/presentationml/2006/main">
-  <p:cSld>
-    <p:spTree>
-      <p:nvGrpSpPr>
-        <p:cNvPr id="1" name=""/>
-        <p:cNvGrpSpPr/>
-        <p:nvPr/>
-      </p:nvGrpSpPr>
-      <p:grpSpPr>
-        <a:xfrm>
-          <a:off x="0" y="0"/>
-          <a:ext cx="0" cy="0"/>
-          <a:chOff x="0" y="0"/>
-          <a:chExt cx="0" cy="0"/>
-        </a:xfrm>
-      </p:grpSpPr>
+      <p:cxnSp>
+        <p:nvCxnSpPr>
+          <p:cNvPr id="7" name="直線單箭頭接點 6">
+            <a:extLst>
+              <a:ext uri="{FF2B5EF4-FFF2-40B4-BE49-F238E27FC236}">
+                <a16:creationId xmlns:a16="http://schemas.microsoft.com/office/drawing/2014/main" id="{6BBDC8F9-FAA7-47D6-86A6-A5E2697CF752}"/>
+              </a:ext>
+            </a:extLst>
+          </p:cNvPr>
+          <p:cNvCxnSpPr>
+            <a:cxnSpLocks/>
+            <a:stCxn id="4" idx="3"/>
+          </p:cNvCxnSpPr>
+          <p:nvPr/>
+        </p:nvCxnSpPr>
+        <p:spPr>
+          <a:xfrm>
+            <a:off x="1469215" y="1624741"/>
+            <a:ext cx="1371599" cy="0"/>
+          </a:xfrm>
+          <a:prstGeom prst="straightConnector1">
+            <a:avLst/>
+          </a:prstGeom>
+          <a:ln>
+            <a:tailEnd type="triangle"/>
+          </a:ln>
+        </p:spPr>
+        <p:style>
+          <a:lnRef idx="1">
+            <a:schemeClr val="dk1"/>
+          </a:lnRef>
+          <a:fillRef idx="0">
+            <a:schemeClr val="dk1"/>
+          </a:fillRef>
+          <a:effectRef idx="0">
+            <a:schemeClr val="dk1"/>
+          </a:effectRef>
+          <a:fontRef idx="minor">
+            <a:schemeClr val="tx1"/>
+          </a:fontRef>
+        </p:style>
+      </p:cxnSp>
       <p:sp>
         <p:nvSpPr>
-          <p:cNvPr id="2" name="內容版面配置區 1"/>
-          <p:cNvSpPr>
-            <a:spLocks noGrp="1"/>
-          </p:cNvSpPr>
-          <p:nvPr>
-            <p:ph idx="1"/>
-          </p:nvPr>
+          <p:cNvPr id="14" name="文字方塊 13">
+            <a:extLst>
+              <a:ext uri="{FF2B5EF4-FFF2-40B4-BE49-F238E27FC236}">
+                <a16:creationId xmlns:a16="http://schemas.microsoft.com/office/drawing/2014/main" id="{F609175B-4EAF-4F75-838D-F4BC397DCAC3}"/>
+              </a:ext>
+            </a:extLst>
+          </p:cNvPr>
+          <p:cNvSpPr txBox="1"/>
+          <p:nvPr/>
         </p:nvSpPr>
-        <p:spPr/>
+        <p:spPr>
+          <a:xfrm>
+            <a:off x="1434795" y="1311289"/>
+            <a:ext cx="1290738" cy="338554"/>
+          </a:xfrm>
+          <a:prstGeom prst="rect">
+            <a:avLst/>
+          </a:prstGeom>
+          <a:noFill/>
+        </p:spPr>
         <p:txBody>
-          <a:bodyPr/>
+          <a:bodyPr wrap="none" rtlCol="0">
+            <a:spAutoFit/>
+          </a:bodyPr>
           <a:lstStyle/>
           <a:p>
-            <a:endParaRPr lang="zh-TW" altLang="en-US"/>
+            <a:r>
+              <a:rPr lang="zh-TW" altLang="en-US" sz="1600" dirty="0">
+                <a:latin typeface="Times New Roman" panose="02020603050405020304" pitchFamily="18" charset="0"/>
+                <a:ea typeface="標楷體" panose="03000509000000000000" pitchFamily="65" charset="-120"/>
+              </a:rPr>
+              <a:t>初始化</a:t>
+            </a:r>
+            <a:r>
+              <a:rPr lang="en-US" altLang="zh-TW" sz="1600" dirty="0">
+                <a:latin typeface="Times New Roman" panose="02020603050405020304" pitchFamily="18" charset="0"/>
+                <a:ea typeface="標楷體" panose="03000509000000000000" pitchFamily="65" charset="-120"/>
+              </a:rPr>
+              <a:t>nonce</a:t>
+            </a:r>
+            <a:endParaRPr lang="zh-TW" altLang="en-US" sz="1600" dirty="0">
+              <a:latin typeface="Times New Roman" panose="02020603050405020304" pitchFamily="18" charset="0"/>
+              <a:ea typeface="標楷體" panose="03000509000000000000" pitchFamily="65" charset="-120"/>
+            </a:endParaRPr>
           </a:p>
         </p:txBody>
       </p:sp>
-      <p:sp>
-        <p:nvSpPr>
-          <p:cNvPr id="3" name="標題 2"/>
-          <p:cNvSpPr>
-            <a:spLocks noGrp="1"/>
-          </p:cNvSpPr>
-          <p:nvPr>
-            <p:ph type="title"/>
-          </p:nvPr>
-        </p:nvSpPr>
-        <p:spPr/>
-        <p:txBody>
-          <a:bodyPr/>
-          <a:lstStyle/>
-          <a:p>
-            <a:r>
-              <a:rPr lang="zh-TW" altLang="en-US" dirty="0"/>
-              <a:t>專案架構</a:t>
-            </a:r>
-          </a:p>
-        </p:txBody>
-      </p:sp>
+      <p:grpSp>
+        <p:nvGrpSpPr>
+          <p:cNvPr id="23" name="群組 22">
+            <a:extLst>
+              <a:ext uri="{FF2B5EF4-FFF2-40B4-BE49-F238E27FC236}">
+                <a16:creationId xmlns:a16="http://schemas.microsoft.com/office/drawing/2014/main" id="{16620BA7-7D95-46EF-BD7C-A26A5937D7DC}"/>
+              </a:ext>
+            </a:extLst>
+          </p:cNvPr>
+          <p:cNvGrpSpPr/>
+          <p:nvPr/>
+        </p:nvGrpSpPr>
+        <p:grpSpPr>
+          <a:xfrm>
+            <a:off x="3487418" y="1557584"/>
+            <a:ext cx="4995436" cy="2550863"/>
+            <a:chOff x="3450864" y="1732308"/>
+            <a:chExt cx="4995436" cy="2550863"/>
+          </a:xfrm>
+        </p:grpSpPr>
+        <p:sp>
+          <p:nvSpPr>
+            <p:cNvPr id="19" name="矩形 18">
+              <a:extLst>
+                <a:ext uri="{FF2B5EF4-FFF2-40B4-BE49-F238E27FC236}">
+                  <a16:creationId xmlns:a16="http://schemas.microsoft.com/office/drawing/2014/main" id="{2550E4D3-6C54-4879-B169-84498D5B493F}"/>
+                </a:ext>
+              </a:extLst>
+            </p:cNvPr>
+            <p:cNvSpPr/>
+            <p:nvPr/>
+          </p:nvSpPr>
+          <p:spPr>
+            <a:xfrm>
+              <a:off x="3450864" y="1755098"/>
+              <a:ext cx="4995436" cy="2528073"/>
+            </a:xfrm>
+            <a:prstGeom prst="rect">
+              <a:avLst/>
+            </a:prstGeom>
+            <a:solidFill>
+              <a:srgbClr val="3A4979"/>
+            </a:solidFill>
+            <a:ln>
+              <a:noFill/>
+            </a:ln>
+            <a:effectLst>
+              <a:outerShdw blurRad="50800" dist="38100" dir="2700000" algn="tl" rotWithShape="0">
+                <a:prstClr val="black">
+                  <a:alpha val="40000"/>
+                </a:prstClr>
+              </a:outerShdw>
+            </a:effectLst>
+          </p:spPr>
+          <p:style>
+            <a:lnRef idx="2">
+              <a:schemeClr val="accent6">
+                <a:shade val="50000"/>
+              </a:schemeClr>
+            </a:lnRef>
+            <a:fillRef idx="1">
+              <a:schemeClr val="accent6"/>
+            </a:fillRef>
+            <a:effectRef idx="0">
+              <a:schemeClr val="accent6"/>
+            </a:effectRef>
+            <a:fontRef idx="minor">
+              <a:schemeClr val="lt1"/>
+            </a:fontRef>
+          </p:style>
+          <p:txBody>
+            <a:bodyPr rtlCol="0" anchor="ctr"/>
+            <a:lstStyle/>
+            <a:p>
+              <a:pPr algn="ctr"/>
+              <a:endParaRPr lang="zh-TW" altLang="en-US" dirty="0">
+                <a:latin typeface="Times New Roman" panose="02020603050405020304" pitchFamily="18" charset="0"/>
+                <a:ea typeface="標楷體" panose="03000509000000000000" pitchFamily="65" charset="-120"/>
+              </a:endParaRPr>
+            </a:p>
+          </p:txBody>
+        </p:sp>
+        <p:sp>
+          <p:nvSpPr>
+            <p:cNvPr id="22" name="文字方塊 21">
+              <a:extLst>
+                <a:ext uri="{FF2B5EF4-FFF2-40B4-BE49-F238E27FC236}">
+                  <a16:creationId xmlns:a16="http://schemas.microsoft.com/office/drawing/2014/main" id="{0E97BD0B-0900-4B56-B21B-2120E3F1BBEA}"/>
+                </a:ext>
+              </a:extLst>
+            </p:cNvPr>
+            <p:cNvSpPr txBox="1"/>
+            <p:nvPr/>
+          </p:nvSpPr>
+          <p:spPr>
+            <a:xfrm>
+              <a:off x="3450864" y="1732308"/>
+              <a:ext cx="1146468" cy="646331"/>
+            </a:xfrm>
+            <a:prstGeom prst="rect">
+              <a:avLst/>
+            </a:prstGeom>
+            <a:noFill/>
+          </p:spPr>
+          <p:txBody>
+            <a:bodyPr wrap="none" rtlCol="0">
+              <a:spAutoFit/>
+            </a:bodyPr>
+            <a:lstStyle/>
+            <a:p>
+              <a:r>
+                <a:rPr lang="en-US" altLang="zh-TW" dirty="0" err="1">
+                  <a:solidFill>
+                    <a:schemeClr val="bg1"/>
+                  </a:solidFill>
+                  <a:latin typeface="Times New Roman" panose="02020603050405020304" pitchFamily="18" charset="0"/>
+                  <a:ea typeface="標楷體" panose="03000509000000000000" pitchFamily="65" charset="-120"/>
+                </a:rPr>
+                <a:t>hashimoto</a:t>
+              </a:r>
+              <a:endParaRPr lang="zh-TW" altLang="en-US" dirty="0">
+                <a:solidFill>
+                  <a:schemeClr val="bg1"/>
+                </a:solidFill>
+                <a:latin typeface="Times New Roman" panose="02020603050405020304" pitchFamily="18" charset="0"/>
+                <a:ea typeface="標楷體" panose="03000509000000000000" pitchFamily="65" charset="-120"/>
+              </a:endParaRPr>
+            </a:p>
+            <a:p>
+              <a:endParaRPr lang="zh-TW" altLang="en-US" dirty="0"/>
+            </a:p>
+          </p:txBody>
+        </p:sp>
+      </p:grpSp>
     </p:spTree>
     <p:extLst>
       <p:ext uri="{BB962C8B-B14F-4D97-AF65-F5344CB8AC3E}">
@@ -7881,25 +13272,6 @@
       </p:grpSpPr>
       <p:sp>
         <p:nvSpPr>
-          <p:cNvPr id="2" name="內容版面配置區 1"/>
-          <p:cNvSpPr>
-            <a:spLocks noGrp="1"/>
-          </p:cNvSpPr>
-          <p:nvPr>
-            <p:ph idx="1"/>
-          </p:nvPr>
-        </p:nvSpPr>
-        <p:spPr/>
-        <p:txBody>
-          <a:bodyPr/>
-          <a:lstStyle/>
-          <a:p>
-            <a:endParaRPr lang="zh-TW" altLang="en-US"/>
-          </a:p>
-        </p:txBody>
-      </p:sp>
-      <p:sp>
-        <p:nvSpPr>
           <p:cNvPr id="3" name="標題 2"/>
           <p:cNvSpPr>
             <a:spLocks noGrp="1"/>
@@ -7915,15 +13287,973 @@
           <a:p>
             <a:r>
               <a:rPr lang="zh-TW" altLang="en-US" dirty="0"/>
-              <a:t>成果展示</a:t>
+              <a:t>專案架構</a:t>
             </a:r>
           </a:p>
         </p:txBody>
       </p:sp>
+      <p:grpSp>
+        <p:nvGrpSpPr>
+          <p:cNvPr id="9" name="群組 8">
+            <a:extLst>
+              <a:ext uri="{FF2B5EF4-FFF2-40B4-BE49-F238E27FC236}">
+                <a16:creationId xmlns:a16="http://schemas.microsoft.com/office/drawing/2014/main" id="{9D7E0A0F-76F9-4E46-BE58-E8D6F50C945F}"/>
+              </a:ext>
+            </a:extLst>
+          </p:cNvPr>
+          <p:cNvGrpSpPr/>
+          <p:nvPr/>
+        </p:nvGrpSpPr>
+        <p:grpSpPr>
+          <a:xfrm>
+            <a:off x="2103272" y="2519174"/>
+            <a:ext cx="6719303" cy="2504947"/>
+            <a:chOff x="2103272" y="2519174"/>
+            <a:chExt cx="6719303" cy="2504947"/>
+          </a:xfrm>
+        </p:grpSpPr>
+        <p:grpSp>
+          <p:nvGrpSpPr>
+            <p:cNvPr id="6" name="群組 5">
+              <a:extLst>
+                <a:ext uri="{FF2B5EF4-FFF2-40B4-BE49-F238E27FC236}">
+                  <a16:creationId xmlns:a16="http://schemas.microsoft.com/office/drawing/2014/main" id="{2F37C883-94BF-41DA-A8CD-A3BF880D7A17}"/>
+                </a:ext>
+              </a:extLst>
+            </p:cNvPr>
+            <p:cNvGrpSpPr/>
+            <p:nvPr/>
+          </p:nvGrpSpPr>
+          <p:grpSpPr>
+            <a:xfrm>
+              <a:off x="2103272" y="2519174"/>
+              <a:ext cx="6719303" cy="2504947"/>
+              <a:chOff x="1838584" y="1848614"/>
+              <a:chExt cx="6719303" cy="2504947"/>
+            </a:xfrm>
+          </p:grpSpPr>
+          <p:sp>
+            <p:nvSpPr>
+              <p:cNvPr id="34" name="矩形 33">
+                <a:extLst>
+                  <a:ext uri="{FF2B5EF4-FFF2-40B4-BE49-F238E27FC236}">
+                    <a16:creationId xmlns:a16="http://schemas.microsoft.com/office/drawing/2014/main" id="{5995379D-6944-4205-8B04-BFEEC3CD5DA6}"/>
+                  </a:ext>
+                </a:extLst>
+              </p:cNvPr>
+              <p:cNvSpPr/>
+              <p:nvPr/>
+            </p:nvSpPr>
+            <p:spPr>
+              <a:xfrm>
+                <a:off x="1838584" y="2198034"/>
+                <a:ext cx="2088628" cy="2155527"/>
+              </a:xfrm>
+              <a:prstGeom prst="rect">
+                <a:avLst/>
+              </a:prstGeom>
+              <a:solidFill>
+                <a:srgbClr val="CDD1DF"/>
+              </a:solidFill>
+              <a:ln>
+                <a:noFill/>
+              </a:ln>
+              <a:effectLst>
+                <a:outerShdw blurRad="50800" dist="38100" dir="2700000" algn="tl" rotWithShape="0">
+                  <a:prstClr val="black">
+                    <a:alpha val="40000"/>
+                  </a:prstClr>
+                </a:outerShdw>
+              </a:effectLst>
+            </p:spPr>
+            <p:style>
+              <a:lnRef idx="2">
+                <a:schemeClr val="accent1">
+                  <a:shade val="50000"/>
+                </a:schemeClr>
+              </a:lnRef>
+              <a:fillRef idx="1">
+                <a:schemeClr val="accent1"/>
+              </a:fillRef>
+              <a:effectRef idx="0">
+                <a:schemeClr val="accent1"/>
+              </a:effectRef>
+              <a:fontRef idx="minor">
+                <a:schemeClr val="lt1"/>
+              </a:fontRef>
+            </p:style>
+            <p:txBody>
+              <a:bodyPr rtlCol="0" anchor="ctr"/>
+              <a:lstStyle/>
+              <a:p>
+                <a:pPr algn="ctr"/>
+                <a:endParaRPr lang="zh-TW" altLang="en-US">
+                  <a:latin typeface="Times New Roman" panose="02020603050405020304" pitchFamily="18" charset="0"/>
+                  <a:ea typeface="微軟正黑體" panose="020B0604030504040204" pitchFamily="34" charset="-120"/>
+                </a:endParaRPr>
+              </a:p>
+            </p:txBody>
+          </p:sp>
+          <p:sp>
+            <p:nvSpPr>
+              <p:cNvPr id="35" name="矩形 34">
+                <a:extLst>
+                  <a:ext uri="{FF2B5EF4-FFF2-40B4-BE49-F238E27FC236}">
+                    <a16:creationId xmlns:a16="http://schemas.microsoft.com/office/drawing/2014/main" id="{32F5F75D-AAAD-4862-8DEF-2E7EFD180A35}"/>
+                  </a:ext>
+                </a:extLst>
+              </p:cNvPr>
+              <p:cNvSpPr/>
+              <p:nvPr/>
+            </p:nvSpPr>
+            <p:spPr>
+              <a:xfrm>
+                <a:off x="1913177" y="2362786"/>
+                <a:ext cx="1939441" cy="439344"/>
+              </a:xfrm>
+              <a:prstGeom prst="rect">
+                <a:avLst/>
+              </a:prstGeom>
+              <a:solidFill>
+                <a:srgbClr val="282D3F"/>
+              </a:solidFill>
+              <a:ln>
+                <a:noFill/>
+              </a:ln>
+              <a:effectLst>
+                <a:outerShdw blurRad="50800" dist="38100" dir="2700000" algn="tl" rotWithShape="0">
+                  <a:prstClr val="black">
+                    <a:alpha val="40000"/>
+                  </a:prstClr>
+                </a:outerShdw>
+              </a:effectLst>
+            </p:spPr>
+            <p:style>
+              <a:lnRef idx="2">
+                <a:schemeClr val="accent1">
+                  <a:shade val="50000"/>
+                </a:schemeClr>
+              </a:lnRef>
+              <a:fillRef idx="1">
+                <a:schemeClr val="accent1"/>
+              </a:fillRef>
+              <a:effectRef idx="0">
+                <a:schemeClr val="accent1"/>
+              </a:effectRef>
+              <a:fontRef idx="minor">
+                <a:schemeClr val="lt1"/>
+              </a:fontRef>
+            </p:style>
+            <p:txBody>
+              <a:bodyPr rtlCol="0" anchor="ctr"/>
+              <a:lstStyle/>
+              <a:p>
+                <a:pPr algn="ctr"/>
+                <a:r>
+                  <a:rPr lang="en-US" altLang="zh-TW" dirty="0">
+                    <a:latin typeface="Times New Roman" panose="02020603050405020304" pitchFamily="18" charset="0"/>
+                    <a:ea typeface="微軟正黑體" panose="020B0604030504040204" pitchFamily="34" charset="-120"/>
+                  </a:rPr>
+                  <a:t>Header</a:t>
+                </a:r>
+                <a:endParaRPr lang="zh-TW" altLang="en-US" dirty="0">
+                  <a:latin typeface="Times New Roman" panose="02020603050405020304" pitchFamily="18" charset="0"/>
+                  <a:ea typeface="微軟正黑體" panose="020B0604030504040204" pitchFamily="34" charset="-120"/>
+                </a:endParaRPr>
+              </a:p>
+            </p:txBody>
+          </p:sp>
+          <p:sp>
+            <p:nvSpPr>
+              <p:cNvPr id="36" name="橢圓 35">
+                <a:extLst>
+                  <a:ext uri="{FF2B5EF4-FFF2-40B4-BE49-F238E27FC236}">
+                    <a16:creationId xmlns:a16="http://schemas.microsoft.com/office/drawing/2014/main" id="{2377B144-56E6-4724-96A4-62A3A9034723}"/>
+                  </a:ext>
+                </a:extLst>
+              </p:cNvPr>
+              <p:cNvSpPr/>
+              <p:nvPr/>
+            </p:nvSpPr>
+            <p:spPr>
+              <a:xfrm>
+                <a:off x="1913177" y="2966884"/>
+                <a:ext cx="1939441" cy="1189887"/>
+              </a:xfrm>
+              <a:prstGeom prst="ellipse">
+                <a:avLst/>
+              </a:prstGeom>
+              <a:solidFill>
+                <a:srgbClr val="282D3F"/>
+              </a:solidFill>
+              <a:ln>
+                <a:noFill/>
+              </a:ln>
+              <a:effectLst>
+                <a:outerShdw blurRad="50800" dist="38100" dir="2700000" algn="tl" rotWithShape="0">
+                  <a:prstClr val="black">
+                    <a:alpha val="40000"/>
+                  </a:prstClr>
+                </a:outerShdw>
+              </a:effectLst>
+            </p:spPr>
+            <p:style>
+              <a:lnRef idx="2">
+                <a:schemeClr val="accent1">
+                  <a:shade val="50000"/>
+                </a:schemeClr>
+              </a:lnRef>
+              <a:fillRef idx="1">
+                <a:schemeClr val="accent1"/>
+              </a:fillRef>
+              <a:effectRef idx="0">
+                <a:schemeClr val="accent1"/>
+              </a:effectRef>
+              <a:fontRef idx="minor">
+                <a:schemeClr val="lt1"/>
+              </a:fontRef>
+            </p:style>
+            <p:txBody>
+              <a:bodyPr rtlCol="0" anchor="ctr"/>
+              <a:lstStyle/>
+              <a:p>
+                <a:pPr algn="ctr"/>
+                <a:r>
+                  <a:rPr lang="en-US" altLang="zh-TW" sz="1600" dirty="0">
+                    <a:latin typeface="Times New Roman" panose="02020603050405020304" pitchFamily="18" charset="0"/>
+                    <a:ea typeface="微軟正黑體" panose="020B0604030504040204" pitchFamily="34" charset="-120"/>
+                  </a:rPr>
+                  <a:t>Transactions</a:t>
+                </a:r>
+                <a:endParaRPr lang="zh-TW" altLang="en-US" sz="1600" dirty="0">
+                  <a:latin typeface="Times New Roman" panose="02020603050405020304" pitchFamily="18" charset="0"/>
+                  <a:ea typeface="微軟正黑體" panose="020B0604030504040204" pitchFamily="34" charset="-120"/>
+                </a:endParaRPr>
+              </a:p>
+            </p:txBody>
+          </p:sp>
+          <p:sp>
+            <p:nvSpPr>
+              <p:cNvPr id="27" name="加號 26">
+                <a:extLst>
+                  <a:ext uri="{FF2B5EF4-FFF2-40B4-BE49-F238E27FC236}">
+                    <a16:creationId xmlns:a16="http://schemas.microsoft.com/office/drawing/2014/main" id="{17BA54EF-AE68-4A59-B325-80359A6B1E59}"/>
+                  </a:ext>
+                </a:extLst>
+              </p:cNvPr>
+              <p:cNvSpPr/>
+              <p:nvPr/>
+            </p:nvSpPr>
+            <p:spPr>
+              <a:xfrm>
+                <a:off x="4014775" y="3005519"/>
+                <a:ext cx="579549" cy="611273"/>
+              </a:xfrm>
+              <a:prstGeom prst="mathPlus">
+                <a:avLst/>
+              </a:prstGeom>
+            </p:spPr>
+            <p:style>
+              <a:lnRef idx="2">
+                <a:schemeClr val="dk1">
+                  <a:shade val="50000"/>
+                </a:schemeClr>
+              </a:lnRef>
+              <a:fillRef idx="1">
+                <a:schemeClr val="dk1"/>
+              </a:fillRef>
+              <a:effectRef idx="0">
+                <a:schemeClr val="dk1"/>
+              </a:effectRef>
+              <a:fontRef idx="minor">
+                <a:schemeClr val="lt1"/>
+              </a:fontRef>
+            </p:style>
+            <p:txBody>
+              <a:bodyPr rtlCol="0" anchor="ctr"/>
+              <a:lstStyle/>
+              <a:p>
+                <a:pPr algn="ctr"/>
+                <a:endParaRPr lang="zh-TW" altLang="en-US" dirty="0">
+                  <a:solidFill>
+                    <a:schemeClr val="tx1"/>
+                  </a:solidFill>
+                  <a:latin typeface="Times New Roman" panose="02020603050405020304" pitchFamily="18" charset="0"/>
+                  <a:ea typeface="微軟正黑體" panose="020B0604030504040204" pitchFamily="34" charset="-120"/>
+                </a:endParaRPr>
+              </a:p>
+            </p:txBody>
+          </p:sp>
+          <p:sp>
+            <p:nvSpPr>
+              <p:cNvPr id="28" name="文字方塊 27">
+                <a:extLst>
+                  <a:ext uri="{FF2B5EF4-FFF2-40B4-BE49-F238E27FC236}">
+                    <a16:creationId xmlns:a16="http://schemas.microsoft.com/office/drawing/2014/main" id="{34C5A39D-DACE-4A4C-B520-770F1F6676DB}"/>
+                  </a:ext>
+                </a:extLst>
+              </p:cNvPr>
+              <p:cNvSpPr txBox="1"/>
+              <p:nvPr/>
+            </p:nvSpPr>
+            <p:spPr>
+              <a:xfrm>
+                <a:off x="4594324" y="3126489"/>
+                <a:ext cx="787395" cy="369332"/>
+              </a:xfrm>
+              <a:prstGeom prst="rect">
+                <a:avLst/>
+              </a:prstGeom>
+              <a:noFill/>
+            </p:spPr>
+            <p:txBody>
+              <a:bodyPr wrap="none" rtlCol="0">
+                <a:spAutoFit/>
+              </a:bodyPr>
+              <a:lstStyle/>
+              <a:p>
+                <a:r>
+                  <a:rPr lang="en-US" altLang="zh-TW" dirty="0">
+                    <a:latin typeface="Times New Roman" panose="02020603050405020304" pitchFamily="18" charset="0"/>
+                    <a:ea typeface="微軟正黑體" panose="020B0604030504040204" pitchFamily="34" charset="-120"/>
+                  </a:rPr>
+                  <a:t>Nonce</a:t>
+                </a:r>
+                <a:endParaRPr lang="zh-TW" altLang="en-US" dirty="0">
+                  <a:latin typeface="Times New Roman" panose="02020603050405020304" pitchFamily="18" charset="0"/>
+                  <a:ea typeface="微軟正黑體" panose="020B0604030504040204" pitchFamily="34" charset="-120"/>
+                </a:endParaRPr>
+              </a:p>
+            </p:txBody>
+          </p:sp>
+          <p:sp>
+            <p:nvSpPr>
+              <p:cNvPr id="29" name="文字方塊 28">
+                <a:extLst>
+                  <a:ext uri="{FF2B5EF4-FFF2-40B4-BE49-F238E27FC236}">
+                    <a16:creationId xmlns:a16="http://schemas.microsoft.com/office/drawing/2014/main" id="{45E8AF34-8B24-4EB8-BE9F-5796CAF30FAC}"/>
+                  </a:ext>
+                </a:extLst>
+              </p:cNvPr>
+              <p:cNvSpPr txBox="1"/>
+              <p:nvPr/>
+            </p:nvSpPr>
+            <p:spPr>
+              <a:xfrm>
+                <a:off x="6169952" y="3146548"/>
+                <a:ext cx="774571" cy="369332"/>
+              </a:xfrm>
+              <a:prstGeom prst="rect">
+                <a:avLst/>
+              </a:prstGeom>
+              <a:noFill/>
+            </p:spPr>
+            <p:txBody>
+              <a:bodyPr wrap="none" rtlCol="0">
+                <a:spAutoFit/>
+              </a:bodyPr>
+              <a:lstStyle/>
+              <a:p>
+                <a:r>
+                  <a:rPr lang="en-US" altLang="zh-TW" dirty="0">
+                    <a:latin typeface="Times New Roman" panose="02020603050405020304" pitchFamily="18" charset="0"/>
+                    <a:ea typeface="微軟正黑體" panose="020B0604030504040204" pitchFamily="34" charset="-120"/>
+                  </a:rPr>
+                  <a:t>Result</a:t>
+                </a:r>
+                <a:endParaRPr lang="zh-TW" altLang="en-US" dirty="0">
+                  <a:latin typeface="Times New Roman" panose="02020603050405020304" pitchFamily="18" charset="0"/>
+                  <a:ea typeface="微軟正黑體" panose="020B0604030504040204" pitchFamily="34" charset="-120"/>
+                </a:endParaRPr>
+              </a:p>
+            </p:txBody>
+          </p:sp>
+          <p:sp>
+            <p:nvSpPr>
+              <p:cNvPr id="30" name="文字方塊 29">
+                <a:extLst>
+                  <a:ext uri="{FF2B5EF4-FFF2-40B4-BE49-F238E27FC236}">
+                    <a16:creationId xmlns:a16="http://schemas.microsoft.com/office/drawing/2014/main" id="{7C24E309-A832-4E7A-B872-6B88387175AC}"/>
+                  </a:ext>
+                </a:extLst>
+              </p:cNvPr>
+              <p:cNvSpPr txBox="1"/>
+              <p:nvPr/>
+            </p:nvSpPr>
+            <p:spPr>
+              <a:xfrm>
+                <a:off x="7911556" y="3146548"/>
+                <a:ext cx="646331" cy="369332"/>
+              </a:xfrm>
+              <a:prstGeom prst="rect">
+                <a:avLst/>
+              </a:prstGeom>
+              <a:noFill/>
+            </p:spPr>
+            <p:txBody>
+              <a:bodyPr wrap="none" rtlCol="0">
+                <a:spAutoFit/>
+              </a:bodyPr>
+              <a:lstStyle/>
+              <a:p>
+                <a:r>
+                  <a:rPr lang="zh-TW" altLang="en-US" dirty="0">
+                    <a:latin typeface="Times New Roman" panose="02020603050405020304" pitchFamily="18" charset="0"/>
+                    <a:ea typeface="微軟正黑體" panose="020B0604030504040204" pitchFamily="34" charset="-120"/>
+                  </a:rPr>
+                  <a:t>出塊</a:t>
+                </a:r>
+              </a:p>
+            </p:txBody>
+          </p:sp>
+          <mc:AlternateContent xmlns:mc="http://schemas.openxmlformats.org/markup-compatibility/2006">
+            <mc:Choice xmlns:a14="http://schemas.microsoft.com/office/drawing/2010/main" Requires="a14">
+              <p:sp>
+                <p:nvSpPr>
+                  <p:cNvPr id="31" name="文字方塊 30">
+                    <a:extLst>
+                      <a:ext uri="{FF2B5EF4-FFF2-40B4-BE49-F238E27FC236}">
+                        <a16:creationId xmlns:a16="http://schemas.microsoft.com/office/drawing/2014/main" id="{911BD974-4060-4C43-ADD8-5CF5CCF9F3AB}"/>
+                      </a:ext>
+                    </a:extLst>
+                  </p:cNvPr>
+                  <p:cNvSpPr txBox="1"/>
+                  <p:nvPr/>
+                </p:nvSpPr>
+                <p:spPr>
+                  <a:xfrm>
+                    <a:off x="7067887" y="2762012"/>
+                    <a:ext cx="525541" cy="553357"/>
+                  </a:xfrm>
+                  <a:prstGeom prst="rect">
+                    <a:avLst/>
+                  </a:prstGeom>
+                  <a:noFill/>
+                </p:spPr>
+                <p:txBody>
+                  <a:bodyPr wrap="square" rtlCol="0">
+                    <a:spAutoFit/>
+                  </a:bodyPr>
+                  <a:lstStyle/>
+                  <a:p>
+                    <a14:m>
+                      <m:oMathPara xmlns:m="http://schemas.openxmlformats.org/officeDocument/2006/math">
+                        <m:oMathParaPr>
+                          <m:jc m:val="centerGroup"/>
+                        </m:oMathParaPr>
+                        <m:oMath xmlns:m="http://schemas.openxmlformats.org/officeDocument/2006/math">
+                          <m:r>
+                            <a:rPr lang="en-US" altLang="zh-TW" sz="1600" i="1" smtClean="0">
+                              <a:latin typeface="Cambria Math" panose="02040503050406030204" pitchFamily="18" charset="0"/>
+                              <a:ea typeface="Cambria Math" panose="02040503050406030204" pitchFamily="18" charset="0"/>
+                            </a:rPr>
+                            <m:t>&lt;</m:t>
+                          </m:r>
+                          <m:f>
+                            <m:fPr>
+                              <m:ctrlPr>
+                                <a:rPr lang="zh-TW" altLang="en-US" sz="1600" dirty="0" smtClean="0">
+                                  <a:latin typeface="Cambria Math" panose="02040503050406030204" pitchFamily="18" charset="0"/>
+                                </a:rPr>
+                              </m:ctrlPr>
+                            </m:fPr>
+                            <m:num>
+                              <m:r>
+                                <a:rPr lang="zh-TW" altLang="en-US" sz="1600" i="1" dirty="0">
+                                  <a:latin typeface="Cambria Math" panose="02040503050406030204" pitchFamily="18" charset="0"/>
+                                </a:rPr>
+                                <m:t>𝑀</m:t>
+                              </m:r>
+                            </m:num>
+                            <m:den>
+                              <m:r>
+                                <a:rPr lang="zh-TW" altLang="en-US" sz="1600" i="1" dirty="0">
+                                  <a:latin typeface="Cambria Math" panose="02040503050406030204" pitchFamily="18" charset="0"/>
+                                </a:rPr>
+                                <m:t>𝑑</m:t>
+                              </m:r>
+                            </m:den>
+                          </m:f>
+                        </m:oMath>
+                      </m:oMathPara>
+                    </a14:m>
+                    <a:endParaRPr lang="zh-TW" altLang="en-US" sz="1600" dirty="0">
+                      <a:latin typeface="Times New Roman" panose="02020603050405020304" pitchFamily="18" charset="0"/>
+                      <a:ea typeface="微軟正黑體" panose="020B0604030504040204" pitchFamily="34" charset="-120"/>
+                    </a:endParaRPr>
+                  </a:p>
+                </p:txBody>
+              </p:sp>
+            </mc:Choice>
+            <mc:Fallback>
+              <p:sp>
+                <p:nvSpPr>
+                  <p:cNvPr id="31" name="文字方塊 30">
+                    <a:extLst>
+                      <a:ext uri="{FF2B5EF4-FFF2-40B4-BE49-F238E27FC236}">
+                        <a16:creationId xmlns:a16="http://schemas.microsoft.com/office/drawing/2014/main" id="{911BD974-4060-4C43-ADD8-5CF5CCF9F3AB}"/>
+                      </a:ext>
+                    </a:extLst>
+                  </p:cNvPr>
+                  <p:cNvSpPr txBox="1">
+                    <a:spLocks noRot="1" noChangeAspect="1" noMove="1" noResize="1" noEditPoints="1" noAdjustHandles="1" noChangeArrowheads="1" noChangeShapeType="1" noTextEdit="1"/>
+                  </p:cNvSpPr>
+                  <p:nvPr/>
+                </p:nvSpPr>
+                <p:spPr>
+                  <a:xfrm>
+                    <a:off x="7067887" y="2762012"/>
+                    <a:ext cx="525541" cy="553357"/>
+                  </a:xfrm>
+                  <a:prstGeom prst="rect">
+                    <a:avLst/>
+                  </a:prstGeom>
+                  <a:blipFill>
+                    <a:blip r:embed="rId2"/>
+                    <a:stretch>
+                      <a:fillRect/>
+                    </a:stretch>
+                  </a:blipFill>
+                </p:spPr>
+                <p:txBody>
+                  <a:bodyPr/>
+                  <a:lstStyle/>
+                  <a:p>
+                    <a:r>
+                      <a:rPr lang="zh-TW" altLang="en-US">
+                        <a:noFill/>
+                      </a:rPr>
+                      <a:t> </a:t>
+                    </a:r>
+                  </a:p>
+                </p:txBody>
+              </p:sp>
+            </mc:Fallback>
+          </mc:AlternateContent>
+          <mc:AlternateContent xmlns:mc="http://schemas.openxmlformats.org/markup-compatibility/2006">
+            <mc:Choice xmlns:a14="http://schemas.microsoft.com/office/drawing/2010/main" Requires="a14">
+              <p:sp>
+                <p:nvSpPr>
+                  <p:cNvPr id="32" name="文字方塊 31">
+                    <a:extLst>
+                      <a:ext uri="{FF2B5EF4-FFF2-40B4-BE49-F238E27FC236}">
+                        <a16:creationId xmlns:a16="http://schemas.microsoft.com/office/drawing/2014/main" id="{B1D07FFF-E1EE-4DA3-A136-2B8E1E307055}"/>
+                      </a:ext>
+                    </a:extLst>
+                  </p:cNvPr>
+                  <p:cNvSpPr txBox="1"/>
+                  <p:nvPr/>
+                </p:nvSpPr>
+                <p:spPr>
+                  <a:xfrm>
+                    <a:off x="5061262" y="3715829"/>
+                    <a:ext cx="1540101" cy="485646"/>
+                  </a:xfrm>
+                  <a:prstGeom prst="rect">
+                    <a:avLst/>
+                  </a:prstGeom>
+                  <a:noFill/>
+                </p:spPr>
+                <p:txBody>
+                  <a:bodyPr wrap="none" rtlCol="0">
+                    <a:spAutoFit/>
+                  </a:bodyPr>
+                  <a:lstStyle/>
+                  <a:p>
+                    <a:pPr algn="ctr"/>
+                    <a14:m>
+                      <m:oMath xmlns:m="http://schemas.openxmlformats.org/officeDocument/2006/math">
+                        <m:r>
+                          <a:rPr lang="en-US" altLang="zh-TW" i="1" smtClean="0">
+                            <a:latin typeface="Cambria Math" panose="02040503050406030204" pitchFamily="18" charset="0"/>
+                            <a:ea typeface="Cambria Math" panose="02040503050406030204" pitchFamily="18" charset="0"/>
+                          </a:rPr>
+                          <m:t>&gt;</m:t>
+                        </m:r>
+                        <m:f>
+                          <m:fPr>
+                            <m:ctrlPr>
+                              <a:rPr lang="zh-TW" altLang="en-US" dirty="0" smtClean="0">
+                                <a:latin typeface="Cambria Math" panose="02040503050406030204" pitchFamily="18" charset="0"/>
+                              </a:rPr>
+                            </m:ctrlPr>
+                          </m:fPr>
+                          <m:num>
+                            <m:r>
+                              <a:rPr lang="zh-TW" altLang="en-US" i="1" dirty="0">
+                                <a:latin typeface="Cambria Math" panose="02040503050406030204" pitchFamily="18" charset="0"/>
+                              </a:rPr>
+                              <m:t>𝑀</m:t>
+                            </m:r>
+                          </m:num>
+                          <m:den>
+                            <m:r>
+                              <a:rPr lang="zh-TW" altLang="en-US" i="1" dirty="0">
+                                <a:latin typeface="Cambria Math" panose="02040503050406030204" pitchFamily="18" charset="0"/>
+                              </a:rPr>
+                              <m:t>𝑑</m:t>
+                            </m:r>
+                          </m:den>
+                        </m:f>
+                      </m:oMath>
+                    </a14:m>
+                    <a:r>
+                      <a:rPr lang="en-US" altLang="zh-TW" dirty="0">
+                        <a:latin typeface="Times New Roman" panose="02020603050405020304" pitchFamily="18" charset="0"/>
+                        <a:ea typeface="微軟正黑體" panose="020B0604030504040204" pitchFamily="34" charset="-120"/>
+                      </a:rPr>
+                      <a:t> </a:t>
+                    </a:r>
+                    <a:r>
+                      <a:rPr lang="en-US" altLang="zh-TW" sz="1400" dirty="0">
+                        <a:latin typeface="Times New Roman" panose="02020603050405020304" pitchFamily="18" charset="0"/>
+                        <a:ea typeface="微軟正黑體" panose="020B0604030504040204" pitchFamily="34" charset="-120"/>
+                        <a:sym typeface="Wingdings" panose="05000000000000000000" pitchFamily="2" charset="2"/>
+                      </a:rPr>
+                      <a:t></a:t>
+                    </a:r>
+                    <a:r>
+                      <a:rPr lang="en-US" altLang="zh-TW" sz="1400" dirty="0">
+                        <a:latin typeface="Times New Roman" panose="02020603050405020304" pitchFamily="18" charset="0"/>
+                        <a:ea typeface="微軟正黑體" panose="020B0604030504040204" pitchFamily="34" charset="-120"/>
+                      </a:rPr>
+                      <a:t> Nonce++</a:t>
+                    </a:r>
+                    <a:endParaRPr lang="zh-TW" altLang="en-US" sz="1400" dirty="0">
+                      <a:latin typeface="Times New Roman" panose="02020603050405020304" pitchFamily="18" charset="0"/>
+                      <a:ea typeface="微軟正黑體" panose="020B0604030504040204" pitchFamily="34" charset="-120"/>
+                    </a:endParaRPr>
+                  </a:p>
+                </p:txBody>
+              </p:sp>
+            </mc:Choice>
+            <mc:Fallback>
+              <p:sp>
+                <p:nvSpPr>
+                  <p:cNvPr id="32" name="文字方塊 31">
+                    <a:extLst>
+                      <a:ext uri="{FF2B5EF4-FFF2-40B4-BE49-F238E27FC236}">
+                        <a16:creationId xmlns:a16="http://schemas.microsoft.com/office/drawing/2014/main" id="{B1D07FFF-E1EE-4DA3-A136-2B8E1E307055}"/>
+                      </a:ext>
+                    </a:extLst>
+                  </p:cNvPr>
+                  <p:cNvSpPr txBox="1">
+                    <a:spLocks noRot="1" noChangeAspect="1" noMove="1" noResize="1" noEditPoints="1" noAdjustHandles="1" noChangeArrowheads="1" noChangeShapeType="1" noTextEdit="1"/>
+                  </p:cNvSpPr>
+                  <p:nvPr/>
+                </p:nvSpPr>
+                <p:spPr>
+                  <a:xfrm>
+                    <a:off x="5061262" y="3715829"/>
+                    <a:ext cx="1540101" cy="485646"/>
+                  </a:xfrm>
+                  <a:prstGeom prst="rect">
+                    <a:avLst/>
+                  </a:prstGeom>
+                  <a:blipFill>
+                    <a:blip r:embed="rId3"/>
+                    <a:stretch>
+                      <a:fillRect b="-2532"/>
+                    </a:stretch>
+                  </a:blipFill>
+                </p:spPr>
+                <p:txBody>
+                  <a:bodyPr/>
+                  <a:lstStyle/>
+                  <a:p>
+                    <a:r>
+                      <a:rPr lang="zh-TW" altLang="en-US">
+                        <a:noFill/>
+                      </a:rPr>
+                      <a:t> </a:t>
+                    </a:r>
+                  </a:p>
+                </p:txBody>
+              </p:sp>
+            </mc:Fallback>
+          </mc:AlternateContent>
+          <p:sp>
+            <p:nvSpPr>
+              <p:cNvPr id="33" name="文字方塊 32">
+                <a:extLst>
+                  <a:ext uri="{FF2B5EF4-FFF2-40B4-BE49-F238E27FC236}">
+                    <a16:creationId xmlns:a16="http://schemas.microsoft.com/office/drawing/2014/main" id="{6CBF4B89-E32D-4401-9C1F-578E9F6AD496}"/>
+                  </a:ext>
+                </a:extLst>
+              </p:cNvPr>
+              <p:cNvSpPr txBox="1"/>
+              <p:nvPr/>
+            </p:nvSpPr>
+            <p:spPr>
+              <a:xfrm>
+                <a:off x="2489199" y="1848614"/>
+                <a:ext cx="736099" cy="369332"/>
+              </a:xfrm>
+              <a:prstGeom prst="rect">
+                <a:avLst/>
+              </a:prstGeom>
+              <a:noFill/>
+            </p:spPr>
+            <p:txBody>
+              <a:bodyPr wrap="none" rtlCol="0">
+                <a:spAutoFit/>
+              </a:bodyPr>
+              <a:lstStyle/>
+              <a:p>
+                <a:r>
+                  <a:rPr lang="en-US" altLang="zh-TW" dirty="0">
+                    <a:latin typeface="Times New Roman" panose="02020603050405020304" pitchFamily="18" charset="0"/>
+                    <a:ea typeface="微軟正黑體" panose="020B0604030504040204" pitchFamily="34" charset="-120"/>
+                  </a:rPr>
+                  <a:t>Block</a:t>
+                </a:r>
+                <a:endParaRPr lang="zh-TW" altLang="en-US" dirty="0">
+                  <a:latin typeface="Times New Roman" panose="02020603050405020304" pitchFamily="18" charset="0"/>
+                  <a:ea typeface="微軟正黑體" panose="020B0604030504040204" pitchFamily="34" charset="-120"/>
+                </a:endParaRPr>
+              </a:p>
+            </p:txBody>
+          </p:sp>
+          <p:sp>
+            <p:nvSpPr>
+              <p:cNvPr id="25" name="箭號: 向右 24">
+                <a:extLst>
+                  <a:ext uri="{FF2B5EF4-FFF2-40B4-BE49-F238E27FC236}">
+                    <a16:creationId xmlns:a16="http://schemas.microsoft.com/office/drawing/2014/main" id="{2E54D88C-198A-4FBD-8B9B-96479B88A771}"/>
+                  </a:ext>
+                </a:extLst>
+              </p:cNvPr>
+              <p:cNvSpPr/>
+              <p:nvPr/>
+            </p:nvSpPr>
+            <p:spPr>
+              <a:xfrm>
+                <a:off x="5382557" y="3146548"/>
+                <a:ext cx="787395" cy="369332"/>
+              </a:xfrm>
+              <a:prstGeom prst="rightArrow">
+                <a:avLst/>
+              </a:prstGeom>
+            </p:spPr>
+            <p:style>
+              <a:lnRef idx="2">
+                <a:schemeClr val="dk1">
+                  <a:shade val="50000"/>
+                </a:schemeClr>
+              </a:lnRef>
+              <a:fillRef idx="1">
+                <a:schemeClr val="dk1"/>
+              </a:fillRef>
+              <a:effectRef idx="0">
+                <a:schemeClr val="dk1"/>
+              </a:effectRef>
+              <a:fontRef idx="minor">
+                <a:schemeClr val="lt1"/>
+              </a:fontRef>
+            </p:style>
+            <p:txBody>
+              <a:bodyPr rtlCol="0" anchor="ctr"/>
+              <a:lstStyle/>
+              <a:p>
+                <a:pPr algn="ctr"/>
+                <a:endParaRPr lang="zh-TW" altLang="en-US">
+                  <a:latin typeface="Times New Roman" panose="02020603050405020304" pitchFamily="18" charset="0"/>
+                  <a:ea typeface="微軟正黑體" panose="020B0604030504040204" pitchFamily="34" charset="-120"/>
+                </a:endParaRPr>
+              </a:p>
+            </p:txBody>
+          </p:sp>
+          <p:cxnSp>
+            <p:nvCxnSpPr>
+              <p:cNvPr id="17" name="直線單箭頭接點 16">
+                <a:extLst>
+                  <a:ext uri="{FF2B5EF4-FFF2-40B4-BE49-F238E27FC236}">
+                    <a16:creationId xmlns:a16="http://schemas.microsoft.com/office/drawing/2014/main" id="{335CAB3A-1D78-4F0A-9090-0CC85BB9439A}"/>
+                  </a:ext>
+                </a:extLst>
+              </p:cNvPr>
+              <p:cNvCxnSpPr>
+                <a:cxnSpLocks/>
+                <a:stCxn id="29" idx="3"/>
+              </p:cNvCxnSpPr>
+              <p:nvPr/>
+            </p:nvCxnSpPr>
+            <p:spPr>
+              <a:xfrm>
+                <a:off x="6944523" y="3331214"/>
+                <a:ext cx="896457" cy="0"/>
+              </a:xfrm>
+              <a:prstGeom prst="straightConnector1">
+                <a:avLst/>
+              </a:prstGeom>
+              <a:ln>
+                <a:tailEnd type="triangle"/>
+              </a:ln>
+            </p:spPr>
+            <p:style>
+              <a:lnRef idx="1">
+                <a:schemeClr val="dk1"/>
+              </a:lnRef>
+              <a:fillRef idx="0">
+                <a:schemeClr val="dk1"/>
+              </a:fillRef>
+              <a:effectRef idx="0">
+                <a:schemeClr val="dk1"/>
+              </a:effectRef>
+              <a:fontRef idx="minor">
+                <a:schemeClr val="tx1"/>
+              </a:fontRef>
+            </p:style>
+          </p:cxnSp>
+          <p:cxnSp>
+            <p:nvCxnSpPr>
+              <p:cNvPr id="18" name="接點: 肘形 17">
+                <a:extLst>
+                  <a:ext uri="{FF2B5EF4-FFF2-40B4-BE49-F238E27FC236}">
+                    <a16:creationId xmlns:a16="http://schemas.microsoft.com/office/drawing/2014/main" id="{5FEA5769-FB1F-4051-8C61-6FE820466F62}"/>
+                  </a:ext>
+                </a:extLst>
+              </p:cNvPr>
+              <p:cNvCxnSpPr>
+                <a:stCxn id="29" idx="2"/>
+                <a:endCxn id="28" idx="2"/>
+              </p:cNvCxnSpPr>
+              <p:nvPr/>
+            </p:nvCxnSpPr>
+            <p:spPr>
+              <a:xfrm rot="5400000" flipH="1">
+                <a:off x="5762600" y="2721243"/>
+                <a:ext cx="20059" cy="1569216"/>
+              </a:xfrm>
+              <a:prstGeom prst="bentConnector3">
+                <a:avLst>
+                  <a:gd name="adj1" fmla="val -1139638"/>
+                </a:avLst>
+              </a:prstGeom>
+              <a:ln>
+                <a:tailEnd type="triangle"/>
+              </a:ln>
+            </p:spPr>
+            <p:style>
+              <a:lnRef idx="1">
+                <a:schemeClr val="dk1"/>
+              </a:lnRef>
+              <a:fillRef idx="0">
+                <a:schemeClr val="dk1"/>
+              </a:fillRef>
+              <a:effectRef idx="0">
+                <a:schemeClr val="dk1"/>
+              </a:effectRef>
+              <a:fontRef idx="minor">
+                <a:schemeClr val="tx1"/>
+              </a:fontRef>
+            </p:style>
+          </p:cxnSp>
+          <p:sp>
+            <p:nvSpPr>
+              <p:cNvPr id="101" name="文字方塊 100">
+                <a:extLst>
+                  <a:ext uri="{FF2B5EF4-FFF2-40B4-BE49-F238E27FC236}">
+                    <a16:creationId xmlns:a16="http://schemas.microsoft.com/office/drawing/2014/main" id="{A9F75813-A117-4BF7-BF5E-3B6F6F3F5959}"/>
+                  </a:ext>
+                </a:extLst>
+              </p:cNvPr>
+              <p:cNvSpPr txBox="1"/>
+              <p:nvPr/>
+            </p:nvSpPr>
+            <p:spPr>
+              <a:xfrm>
+                <a:off x="5281530" y="2845928"/>
+                <a:ext cx="877163" cy="369332"/>
+              </a:xfrm>
+              <a:prstGeom prst="rect">
+                <a:avLst/>
+              </a:prstGeom>
+              <a:noFill/>
+            </p:spPr>
+            <p:txBody>
+              <a:bodyPr wrap="none" rtlCol="0">
+                <a:spAutoFit/>
+              </a:bodyPr>
+              <a:lstStyle/>
+              <a:p>
+                <a:r>
+                  <a:rPr lang="en-US" altLang="zh-TW" dirty="0">
+                    <a:latin typeface="Times New Roman" panose="02020603050405020304" pitchFamily="18" charset="0"/>
+                    <a:ea typeface="微軟正黑體" panose="020B0604030504040204" pitchFamily="34" charset="-120"/>
+                  </a:rPr>
+                  <a:t>Keccak</a:t>
+                </a:r>
+                <a:endParaRPr lang="zh-TW" altLang="en-US" dirty="0">
+                  <a:latin typeface="Times New Roman" panose="02020603050405020304" pitchFamily="18" charset="0"/>
+                  <a:ea typeface="微軟正黑體" panose="020B0604030504040204" pitchFamily="34" charset="-120"/>
+                </a:endParaRPr>
+              </a:p>
+            </p:txBody>
+          </p:sp>
+        </p:grpSp>
+        <p:sp>
+          <p:nvSpPr>
+            <p:cNvPr id="8" name="文字方塊 7">
+              <a:extLst>
+                <a:ext uri="{FF2B5EF4-FFF2-40B4-BE49-F238E27FC236}">
+                  <a16:creationId xmlns:a16="http://schemas.microsoft.com/office/drawing/2014/main" id="{EA720201-127D-4B1C-AE5F-EA4B9D01ECC2}"/>
+                </a:ext>
+              </a:extLst>
+            </p:cNvPr>
+            <p:cNvSpPr txBox="1"/>
+            <p:nvPr/>
+          </p:nvSpPr>
+          <p:spPr>
+            <a:xfrm>
+              <a:off x="6136240" y="2728005"/>
+              <a:ext cx="1262846" cy="646331"/>
+            </a:xfrm>
+            <a:prstGeom prst="rect">
+              <a:avLst/>
+            </a:prstGeom>
+            <a:noFill/>
+          </p:spPr>
+          <p:txBody>
+            <a:bodyPr wrap="none" rtlCol="0">
+              <a:spAutoFit/>
+            </a:bodyPr>
+            <a:lstStyle/>
+            <a:p>
+              <a:r>
+                <a:rPr lang="en-US" altLang="zh-TW" dirty="0"/>
+                <a:t>M:</a:t>
+              </a:r>
+              <a:r>
+                <a:rPr lang="zh-TW" altLang="en-US" dirty="0"/>
+                <a:t> </a:t>
+              </a:r>
+              <a:r>
+                <a:rPr lang="en-US" altLang="zh-TW" dirty="0"/>
+                <a:t>2^256</a:t>
+              </a:r>
+            </a:p>
+            <a:p>
+              <a:r>
+                <a:rPr lang="en-US" altLang="zh-TW" dirty="0"/>
+                <a:t>d:</a:t>
+              </a:r>
+              <a:r>
+                <a:rPr lang="zh-TW" altLang="en-US" dirty="0"/>
+                <a:t> </a:t>
+              </a:r>
+              <a:r>
+                <a:rPr lang="en-US" altLang="zh-TW" dirty="0"/>
+                <a:t>Difficulty</a:t>
+              </a:r>
+            </a:p>
+          </p:txBody>
+        </p:sp>
+      </p:grpSp>
     </p:spTree>
     <p:extLst>
       <p:ext uri="{BB962C8B-B14F-4D97-AF65-F5344CB8AC3E}">
-        <p14:creationId xmlns:p14="http://schemas.microsoft.com/office/powerpoint/2010/main" val="2657467023"/>
+        <p14:creationId xmlns:p14="http://schemas.microsoft.com/office/powerpoint/2010/main" val="3666202635"/>
       </p:ext>
     </p:extLst>
   </p:cSld>

--- a/專題-私有以太坊區塊鏈實作以及其硬體加速方法調查-劉益彤.pptx
+++ b/專題-私有以太坊區塊鏈實作以及其硬體加速方法調查-劉益彤.pptx
@@ -278,7 +278,7 @@
           <a:p>
             <a:fld id="{7829F8E0-05F2-4742-BB97-D2E4F51035C8}" type="datetimeFigureOut">
               <a:rPr lang="zh-TW" altLang="en-US" smtClean="0"/>
-              <a:t>2022/5/2</a:t>
+              <a:t>2022/5/3</a:t>
             </a:fld>
             <a:endParaRPr lang="zh-TW" altLang="en-US"/>
           </a:p>
@@ -443,7 +443,7 @@
           <a:p>
             <a:fld id="{2CB905C5-9D54-40E2-B40C-7996280CAB02}" type="datetimeFigureOut">
               <a:rPr lang="zh-TW" altLang="en-US" smtClean="0"/>
-              <a:t>2022/5/2</a:t>
+              <a:t>2022/5/3</a:t>
             </a:fld>
             <a:endParaRPr lang="zh-TW" altLang="en-US"/>
           </a:p>
@@ -1012,7 +1012,7 @@
           <a:p>
             <a:fld id="{0C0CC965-A63A-473D-BEFB-C8F9714D5269}" type="datetimeFigureOut">
               <a:rPr lang="zh-TW" altLang="en-US" smtClean="0"/>
-              <a:t>2022/5/2</a:t>
+              <a:t>2022/5/3</a:t>
             </a:fld>
             <a:endParaRPr lang="zh-TW" altLang="en-US"/>
           </a:p>
@@ -1180,7 +1180,7 @@
           <a:p>
             <a:fld id="{0C0CC965-A63A-473D-BEFB-C8F9714D5269}" type="datetimeFigureOut">
               <a:rPr lang="zh-TW" altLang="en-US" smtClean="0"/>
-              <a:t>2022/5/2</a:t>
+              <a:t>2022/5/3</a:t>
             </a:fld>
             <a:endParaRPr lang="zh-TW" altLang="en-US"/>
           </a:p>
@@ -1358,7 +1358,7 @@
           <a:p>
             <a:fld id="{0C0CC965-A63A-473D-BEFB-C8F9714D5269}" type="datetimeFigureOut">
               <a:rPr lang="zh-TW" altLang="en-US" smtClean="0"/>
-              <a:t>2022/5/2</a:t>
+              <a:t>2022/5/3</a:t>
             </a:fld>
             <a:endParaRPr lang="zh-TW" altLang="en-US"/>
           </a:p>
@@ -1553,7 +1553,7 @@
           <a:p>
             <a:fld id="{0C0CC965-A63A-473D-BEFB-C8F9714D5269}" type="datetimeFigureOut">
               <a:rPr lang="zh-TW" altLang="en-US" smtClean="0"/>
-              <a:t>2022/5/2</a:t>
+              <a:t>2022/5/3</a:t>
             </a:fld>
             <a:endParaRPr lang="zh-TW" altLang="en-US"/>
           </a:p>
@@ -1798,7 +1798,7 @@
           <a:p>
             <a:fld id="{0C0CC965-A63A-473D-BEFB-C8F9714D5269}" type="datetimeFigureOut">
               <a:rPr lang="zh-TW" altLang="en-US" smtClean="0"/>
-              <a:t>2022/5/2</a:t>
+              <a:t>2022/5/3</a:t>
             </a:fld>
             <a:endParaRPr lang="zh-TW" altLang="en-US"/>
           </a:p>
@@ -2027,7 +2027,7 @@
           <a:p>
             <a:fld id="{0C0CC965-A63A-473D-BEFB-C8F9714D5269}" type="datetimeFigureOut">
               <a:rPr lang="zh-TW" altLang="en-US" smtClean="0"/>
-              <a:t>2022/5/2</a:t>
+              <a:t>2022/5/3</a:t>
             </a:fld>
             <a:endParaRPr lang="zh-TW" altLang="en-US"/>
           </a:p>
@@ -2391,7 +2391,7 @@
           <a:p>
             <a:fld id="{0C0CC965-A63A-473D-BEFB-C8F9714D5269}" type="datetimeFigureOut">
               <a:rPr lang="zh-TW" altLang="en-US" smtClean="0"/>
-              <a:t>2022/5/2</a:t>
+              <a:t>2022/5/3</a:t>
             </a:fld>
             <a:endParaRPr lang="zh-TW" altLang="en-US"/>
           </a:p>
@@ -2508,7 +2508,7 @@
           <a:p>
             <a:fld id="{0C0CC965-A63A-473D-BEFB-C8F9714D5269}" type="datetimeFigureOut">
               <a:rPr lang="zh-TW" altLang="en-US" smtClean="0"/>
-              <a:t>2022/5/2</a:t>
+              <a:t>2022/5/3</a:t>
             </a:fld>
             <a:endParaRPr lang="zh-TW" altLang="en-US"/>
           </a:p>
@@ -2603,7 +2603,7 @@
           <a:p>
             <a:fld id="{0C0CC965-A63A-473D-BEFB-C8F9714D5269}" type="datetimeFigureOut">
               <a:rPr lang="zh-TW" altLang="en-US" smtClean="0"/>
-              <a:t>2022/5/2</a:t>
+              <a:t>2022/5/3</a:t>
             </a:fld>
             <a:endParaRPr lang="zh-TW" altLang="en-US"/>
           </a:p>
@@ -2878,7 +2878,7 @@
           <a:p>
             <a:fld id="{0C0CC965-A63A-473D-BEFB-C8F9714D5269}" type="datetimeFigureOut">
               <a:rPr lang="zh-TW" altLang="en-US" smtClean="0"/>
-              <a:t>2022/5/2</a:t>
+              <a:t>2022/5/3</a:t>
             </a:fld>
             <a:endParaRPr lang="zh-TW" altLang="en-US"/>
           </a:p>
@@ -3130,7 +3130,7 @@
           <a:p>
             <a:fld id="{0C0CC965-A63A-473D-BEFB-C8F9714D5269}" type="datetimeFigureOut">
               <a:rPr lang="zh-TW" altLang="en-US" smtClean="0"/>
-              <a:t>2022/5/2</a:t>
+              <a:t>2022/5/3</a:t>
             </a:fld>
             <a:endParaRPr lang="zh-TW" altLang="en-US"/>
           </a:p>
@@ -3344,7 +3344,7 @@
             <a:fld id="{0C0CC965-A63A-473D-BEFB-C8F9714D5269}" type="datetimeFigureOut">
               <a:rPr lang="zh-TW" altLang="en-US" smtClean="0"/>
               <a:pPr/>
-              <a:t>2022/5/2</a:t>
+              <a:t>2022/5/3</a:t>
             </a:fld>
             <a:endParaRPr lang="zh-TW" altLang="en-US"/>
           </a:p>
@@ -4529,8 +4529,8 @@
           </p:nvCxnSpPr>
           <p:spPr>
             <a:xfrm flipH="1">
-              <a:off x="1309747" y="-288067"/>
-              <a:ext cx="522908" cy="582993"/>
+              <a:off x="1309747" y="-574672"/>
+              <a:ext cx="522905" cy="869598"/>
             </a:xfrm>
             <a:prstGeom prst="straightConnector1">
               <a:avLst/>
@@ -5195,8 +5195,8 @@
           </p:nvCxnSpPr>
           <p:spPr>
             <a:xfrm>
-              <a:off x="6807749" y="-288067"/>
-              <a:ext cx="2431208" cy="582993"/>
+              <a:off x="6807747" y="-574672"/>
+              <a:ext cx="2431210" cy="869598"/>
             </a:xfrm>
             <a:prstGeom prst="straightConnector1">
               <a:avLst/>
@@ -7598,6 +7598,358 @@
           </a:p>
         </p:txBody>
       </p:sp>
+      <p:grpSp>
+        <p:nvGrpSpPr>
+          <p:cNvPr id="11" name="群組 10">
+            <a:extLst>
+              <a:ext uri="{FF2B5EF4-FFF2-40B4-BE49-F238E27FC236}">
+                <a16:creationId xmlns:a16="http://schemas.microsoft.com/office/drawing/2014/main" id="{5737484C-2674-42A4-9949-2F904B0E8B95}"/>
+              </a:ext>
+            </a:extLst>
+          </p:cNvPr>
+          <p:cNvGrpSpPr/>
+          <p:nvPr/>
+        </p:nvGrpSpPr>
+        <p:grpSpPr>
+          <a:xfrm>
+            <a:off x="1516345" y="2428336"/>
+            <a:ext cx="8978286" cy="2001328"/>
+            <a:chOff x="886617" y="2428336"/>
+            <a:chExt cx="8978286" cy="2001328"/>
+          </a:xfrm>
+        </p:grpSpPr>
+        <p:pic>
+          <p:nvPicPr>
+            <p:cNvPr id="1026" name="Picture 2" descr="MetaMask - Blockchain Wallet - Google Play 應用程式">
+              <a:extLst>
+                <a:ext uri="{FF2B5EF4-FFF2-40B4-BE49-F238E27FC236}">
+                  <a16:creationId xmlns:a16="http://schemas.microsoft.com/office/drawing/2014/main" id="{3437D721-F41A-4E75-99C9-D1205D72A53F}"/>
+                </a:ext>
+              </a:extLst>
+            </p:cNvPr>
+            <p:cNvPicPr>
+              <a:picLocks noChangeAspect="1" noChangeArrowheads="1"/>
+            </p:cNvPicPr>
+            <p:nvPr/>
+          </p:nvPicPr>
+          <p:blipFill>
+            <a:blip r:embed="rId2" cstate="print">
+              <a:extLst>
+                <a:ext uri="{28A0092B-C50C-407E-A947-70E740481C1C}">
+                  <a14:useLocalDpi xmlns:a14="http://schemas.microsoft.com/office/drawing/2010/main" val="0"/>
+                </a:ext>
+              </a:extLst>
+            </a:blip>
+            <a:srcRect/>
+            <a:stretch>
+              <a:fillRect/>
+            </a:stretch>
+          </p:blipFill>
+          <p:spPr bwMode="auto">
+            <a:xfrm>
+              <a:off x="4873925" y="2428336"/>
+              <a:ext cx="2001328" cy="2001328"/>
+            </a:xfrm>
+            <a:prstGeom prst="rect">
+              <a:avLst/>
+            </a:prstGeom>
+            <a:noFill/>
+            <a:ln>
+              <a:solidFill>
+                <a:schemeClr val="tx1"/>
+              </a:solidFill>
+            </a:ln>
+            <a:extLst>
+              <a:ext uri="{909E8E84-426E-40DD-AFC4-6F175D3DCCD1}">
+                <a14:hiddenFill xmlns:a14="http://schemas.microsoft.com/office/drawing/2010/main">
+                  <a:solidFill>
+                    <a:srgbClr val="FFFFFF"/>
+                  </a:solidFill>
+                </a14:hiddenFill>
+              </a:ext>
+            </a:extLst>
+          </p:spPr>
+        </p:pic>
+        <p:sp>
+          <p:nvSpPr>
+            <p:cNvPr id="4" name="矩形 3">
+              <a:extLst>
+                <a:ext uri="{FF2B5EF4-FFF2-40B4-BE49-F238E27FC236}">
+                  <a16:creationId xmlns:a16="http://schemas.microsoft.com/office/drawing/2014/main" id="{54E15F3F-5392-492C-B60E-8B3249D6A948}"/>
+                </a:ext>
+              </a:extLst>
+            </p:cNvPr>
+            <p:cNvSpPr/>
+            <p:nvPr/>
+          </p:nvSpPr>
+          <p:spPr>
+            <a:xfrm>
+              <a:off x="8074325" y="2820645"/>
+              <a:ext cx="1790578" cy="1216710"/>
+            </a:xfrm>
+            <a:prstGeom prst="rect">
+              <a:avLst/>
+            </a:prstGeom>
+            <a:solidFill>
+              <a:srgbClr val="3A4979"/>
+            </a:solidFill>
+            <a:ln>
+              <a:noFill/>
+            </a:ln>
+            <a:effectLst>
+              <a:outerShdw blurRad="50800" dist="38100" dir="2700000" algn="tl" rotWithShape="0">
+                <a:prstClr val="black">
+                  <a:alpha val="40000"/>
+                </a:prstClr>
+              </a:outerShdw>
+            </a:effectLst>
+          </p:spPr>
+          <p:style>
+            <a:lnRef idx="2">
+              <a:schemeClr val="accent6">
+                <a:shade val="50000"/>
+              </a:schemeClr>
+            </a:lnRef>
+            <a:fillRef idx="1">
+              <a:schemeClr val="accent6"/>
+            </a:fillRef>
+            <a:effectRef idx="0">
+              <a:schemeClr val="accent6"/>
+            </a:effectRef>
+            <a:fontRef idx="minor">
+              <a:schemeClr val="lt1"/>
+            </a:fontRef>
+          </p:style>
+          <p:txBody>
+            <a:bodyPr rtlCol="0" anchor="ctr"/>
+            <a:lstStyle/>
+            <a:p>
+              <a:pPr algn="ctr"/>
+              <a:r>
+                <a:rPr lang="en-US" altLang="zh-TW" dirty="0">
+                  <a:latin typeface="Times New Roman" panose="02020603050405020304" pitchFamily="18" charset="0"/>
+                  <a:ea typeface="標楷體" panose="03000509000000000000" pitchFamily="65" charset="-120"/>
+                </a:rPr>
+                <a:t>Ethereum</a:t>
+              </a:r>
+            </a:p>
+            <a:p>
+              <a:pPr algn="ctr"/>
+              <a:r>
+                <a:rPr lang="en-US" altLang="zh-TW" dirty="0">
+                  <a:latin typeface="Times New Roman" panose="02020603050405020304" pitchFamily="18" charset="0"/>
+                  <a:ea typeface="標楷體" panose="03000509000000000000" pitchFamily="65" charset="-120"/>
+                </a:rPr>
+                <a:t>Network</a:t>
+              </a:r>
+              <a:endParaRPr lang="zh-TW" altLang="en-US" dirty="0">
+                <a:latin typeface="Times New Roman" panose="02020603050405020304" pitchFamily="18" charset="0"/>
+                <a:ea typeface="標楷體" panose="03000509000000000000" pitchFamily="65" charset="-120"/>
+              </a:endParaRPr>
+            </a:p>
+          </p:txBody>
+        </p:sp>
+        <p:pic>
+          <p:nvPicPr>
+            <p:cNvPr id="5" name="圖片 4">
+              <a:extLst>
+                <a:ext uri="{FF2B5EF4-FFF2-40B4-BE49-F238E27FC236}">
+                  <a16:creationId xmlns:a16="http://schemas.microsoft.com/office/drawing/2014/main" id="{E11859C9-02C2-4CA9-9AFA-FE3586529917}"/>
+                </a:ext>
+              </a:extLst>
+            </p:cNvPr>
+            <p:cNvPicPr>
+              <a:picLocks noChangeAspect="1"/>
+            </p:cNvPicPr>
+            <p:nvPr/>
+          </p:nvPicPr>
+          <p:blipFill>
+            <a:blip r:embed="rId3" cstate="print">
+              <a:extLst>
+                <a:ext uri="{28A0092B-C50C-407E-A947-70E740481C1C}">
+                  <a14:useLocalDpi xmlns:a14="http://schemas.microsoft.com/office/drawing/2010/main" val="0"/>
+                </a:ext>
+              </a:extLst>
+            </a:blip>
+            <a:stretch>
+              <a:fillRect/>
+            </a:stretch>
+          </p:blipFill>
+          <p:spPr>
+            <a:xfrm>
+              <a:off x="886617" y="2670292"/>
+              <a:ext cx="2788236" cy="1586900"/>
+            </a:xfrm>
+            <a:prstGeom prst="rect">
+              <a:avLst/>
+            </a:prstGeom>
+          </p:spPr>
+        </p:pic>
+        <p:cxnSp>
+          <p:nvCxnSpPr>
+            <p:cNvPr id="7" name="直線單箭頭接點 6">
+              <a:extLst>
+                <a:ext uri="{FF2B5EF4-FFF2-40B4-BE49-F238E27FC236}">
+                  <a16:creationId xmlns:a16="http://schemas.microsoft.com/office/drawing/2014/main" id="{78F96F49-B2D8-4DD5-8FE8-D62C5E8183AB}"/>
+                </a:ext>
+              </a:extLst>
+            </p:cNvPr>
+            <p:cNvCxnSpPr>
+              <a:cxnSpLocks/>
+            </p:cNvCxnSpPr>
+            <p:nvPr/>
+          </p:nvCxnSpPr>
+          <p:spPr>
+            <a:xfrm>
+              <a:off x="3743864" y="3079629"/>
+              <a:ext cx="1043797" cy="0"/>
+            </a:xfrm>
+            <a:prstGeom prst="straightConnector1">
+              <a:avLst/>
+            </a:prstGeom>
+            <a:ln w="57150">
+              <a:tailEnd type="triangle"/>
+            </a:ln>
+          </p:spPr>
+          <p:style>
+            <a:lnRef idx="1">
+              <a:schemeClr val="dk1"/>
+            </a:lnRef>
+            <a:fillRef idx="0">
+              <a:schemeClr val="dk1"/>
+            </a:fillRef>
+            <a:effectRef idx="0">
+              <a:schemeClr val="dk1"/>
+            </a:effectRef>
+            <a:fontRef idx="minor">
+              <a:schemeClr val="tx1"/>
+            </a:fontRef>
+          </p:style>
+        </p:cxnSp>
+        <p:cxnSp>
+          <p:nvCxnSpPr>
+            <p:cNvPr id="9" name="直線單箭頭接點 8">
+              <a:extLst>
+                <a:ext uri="{FF2B5EF4-FFF2-40B4-BE49-F238E27FC236}">
+                  <a16:creationId xmlns:a16="http://schemas.microsoft.com/office/drawing/2014/main" id="{54F3418A-96D6-46F3-8413-0F25FCB5B225}"/>
+                </a:ext>
+              </a:extLst>
+            </p:cNvPr>
+            <p:cNvCxnSpPr>
+              <a:cxnSpLocks/>
+            </p:cNvCxnSpPr>
+            <p:nvPr/>
+          </p:nvCxnSpPr>
+          <p:spPr>
+            <a:xfrm>
+              <a:off x="6978770" y="3042247"/>
+              <a:ext cx="1015041" cy="0"/>
+            </a:xfrm>
+            <a:prstGeom prst="straightConnector1">
+              <a:avLst/>
+            </a:prstGeom>
+            <a:ln w="57150">
+              <a:tailEnd type="triangle"/>
+            </a:ln>
+          </p:spPr>
+          <p:style>
+            <a:lnRef idx="1">
+              <a:schemeClr val="dk1"/>
+            </a:lnRef>
+            <a:fillRef idx="0">
+              <a:schemeClr val="dk1"/>
+            </a:fillRef>
+            <a:effectRef idx="0">
+              <a:schemeClr val="dk1"/>
+            </a:effectRef>
+            <a:fontRef idx="minor">
+              <a:schemeClr val="tx1"/>
+            </a:fontRef>
+          </p:style>
+        </p:cxnSp>
+        <p:cxnSp>
+          <p:nvCxnSpPr>
+            <p:cNvPr id="10" name="直線單箭頭接點 9">
+              <a:extLst>
+                <a:ext uri="{FF2B5EF4-FFF2-40B4-BE49-F238E27FC236}">
+                  <a16:creationId xmlns:a16="http://schemas.microsoft.com/office/drawing/2014/main" id="{8429A462-88B1-44FE-85BB-AD773313229C}"/>
+                </a:ext>
+              </a:extLst>
+            </p:cNvPr>
+            <p:cNvCxnSpPr>
+              <a:cxnSpLocks/>
+            </p:cNvCxnSpPr>
+            <p:nvPr/>
+          </p:nvCxnSpPr>
+          <p:spPr>
+            <a:xfrm flipH="1">
+              <a:off x="3743865" y="3876134"/>
+              <a:ext cx="974784" cy="0"/>
+            </a:xfrm>
+            <a:prstGeom prst="straightConnector1">
+              <a:avLst/>
+            </a:prstGeom>
+            <a:ln w="57150">
+              <a:tailEnd type="triangle"/>
+            </a:ln>
+          </p:spPr>
+          <p:style>
+            <a:lnRef idx="1">
+              <a:schemeClr val="dk1"/>
+            </a:lnRef>
+            <a:fillRef idx="0">
+              <a:schemeClr val="dk1"/>
+            </a:fillRef>
+            <a:effectRef idx="0">
+              <a:schemeClr val="dk1"/>
+            </a:effectRef>
+            <a:fontRef idx="minor">
+              <a:schemeClr val="tx1"/>
+            </a:fontRef>
+          </p:style>
+        </p:cxnSp>
+        <p:cxnSp>
+          <p:nvCxnSpPr>
+            <p:cNvPr id="13" name="直線單箭頭接點 12">
+              <a:extLst>
+                <a:ext uri="{FF2B5EF4-FFF2-40B4-BE49-F238E27FC236}">
+                  <a16:creationId xmlns:a16="http://schemas.microsoft.com/office/drawing/2014/main" id="{4DC8740B-7F12-43DF-82A7-C7AF075B3B3D}"/>
+                </a:ext>
+              </a:extLst>
+            </p:cNvPr>
+            <p:cNvCxnSpPr>
+              <a:cxnSpLocks/>
+            </p:cNvCxnSpPr>
+            <p:nvPr/>
+          </p:nvCxnSpPr>
+          <p:spPr>
+            <a:xfrm flipH="1">
+              <a:off x="6978770" y="3867506"/>
+              <a:ext cx="980536" cy="0"/>
+            </a:xfrm>
+            <a:prstGeom prst="straightConnector1">
+              <a:avLst/>
+            </a:prstGeom>
+            <a:ln w="57150">
+              <a:tailEnd type="triangle"/>
+            </a:ln>
+          </p:spPr>
+          <p:style>
+            <a:lnRef idx="1">
+              <a:schemeClr val="dk1"/>
+            </a:lnRef>
+            <a:fillRef idx="0">
+              <a:schemeClr val="dk1"/>
+            </a:fillRef>
+            <a:effectRef idx="0">
+              <a:schemeClr val="dk1"/>
+            </a:effectRef>
+            <a:fontRef idx="minor">
+              <a:schemeClr val="tx1"/>
+            </a:fontRef>
+          </p:style>
+        </p:cxnSp>
+      </p:grpSp>
     </p:spTree>
     <p:extLst>
       <p:ext uri="{BB962C8B-B14F-4D97-AF65-F5344CB8AC3E}">
@@ -13706,8 +14058,8 @@
               </a:p>
             </p:txBody>
           </p:sp>
-          <mc:AlternateContent xmlns:mc="http://schemas.openxmlformats.org/markup-compatibility/2006">
-            <mc:Choice xmlns:a14="http://schemas.microsoft.com/office/drawing/2010/main" Requires="a14">
+          <mc:AlternateContent xmlns:mc="http://schemas.openxmlformats.org/markup-compatibility/2006" xmlns:a14="http://schemas.microsoft.com/office/drawing/2010/main">
+            <mc:Choice Requires="a14">
               <p:sp>
                 <p:nvSpPr>
                   <p:cNvPr id="31" name="文字方塊 30">
@@ -13736,6 +14088,7 @@
                   </a:bodyPr>
                   <a:lstStyle/>
                   <a:p>
+                    <a:pPr/>
                     <a14:m>
                       <m:oMathPara xmlns:m="http://schemas.openxmlformats.org/officeDocument/2006/math">
                         <m:oMathParaPr>
@@ -13752,7 +14105,7 @@
                           <m:f>
                             <m:fPr>
                               <m:ctrlPr>
-                                <a:rPr lang="zh-TW" altLang="en-US" sz="1600" dirty="0" smtClean="0">
+                                <a:rPr lang="zh-TW" altLang="en-US" sz="1600" i="1" dirty="0" smtClean="0">
                                   <a:latin typeface="Cambria Math" panose="02040503050406030204" pitchFamily="18" charset="0"/>
                                 </a:rPr>
                               </m:ctrlPr>
@@ -13785,7 +14138,7 @@
                 </p:txBody>
               </p:sp>
             </mc:Choice>
-            <mc:Fallback>
+            <mc:Fallback xmlns="">
               <p:sp>
                 <p:nvSpPr>
                   <p:cNvPr id="31" name="文字方塊 30">
@@ -13830,8 +14183,8 @@
               </p:sp>
             </mc:Fallback>
           </mc:AlternateContent>
-          <mc:AlternateContent xmlns:mc="http://schemas.openxmlformats.org/markup-compatibility/2006">
-            <mc:Choice xmlns:a14="http://schemas.microsoft.com/office/drawing/2010/main" Requires="a14">
+          <mc:AlternateContent xmlns:mc="http://schemas.openxmlformats.org/markup-compatibility/2006" xmlns:a14="http://schemas.microsoft.com/office/drawing/2010/main">
+            <mc:Choice Requires="a14">
               <p:sp>
                 <p:nvSpPr>
                   <p:cNvPr id="32" name="文字方塊 31">
@@ -13873,7 +14226,7 @@
                         <m:f>
                           <m:fPr>
                             <m:ctrlPr>
-                              <a:rPr lang="zh-TW" altLang="en-US" dirty="0" smtClean="0">
+                              <a:rPr lang="zh-TW" altLang="en-US" i="1" dirty="0" smtClean="0">
                                 <a:latin typeface="Cambria Math" panose="02040503050406030204" pitchFamily="18" charset="0"/>
                               </a:rPr>
                             </m:ctrlPr>
@@ -13927,7 +14280,7 @@
                 </p:txBody>
               </p:sp>
             </mc:Choice>
-            <mc:Fallback>
+            <mc:Fallback xmlns="">
               <p:sp>
                 <p:nvSpPr>
                   <p:cNvPr id="32" name="文字方塊 31">

--- a/專題-私有以太坊區塊鏈實作以及其硬體加速方法調查-劉益彤.pptx
+++ b/專題-私有以太坊區塊鏈實作以及其硬體加速方法調查-劉益彤.pptx
@@ -5,10 +5,10 @@
     <p:sldMasterId id="2147483648" r:id="rId1"/>
   </p:sldMasterIdLst>
   <p:notesMasterIdLst>
-    <p:notesMasterId r:id="rId24"/>
+    <p:notesMasterId r:id="rId26"/>
   </p:notesMasterIdLst>
   <p:handoutMasterIdLst>
-    <p:handoutMasterId r:id="rId25"/>
+    <p:handoutMasterId r:id="rId27"/>
   </p:handoutMasterIdLst>
   <p:sldIdLst>
     <p:sldId id="259" r:id="rId2"/>
@@ -20,19 +20,21 @@
     <p:sldId id="273" r:id="rId8"/>
     <p:sldId id="275" r:id="rId9"/>
     <p:sldId id="283" r:id="rId10"/>
-    <p:sldId id="284" r:id="rId11"/>
-    <p:sldId id="285" r:id="rId12"/>
-    <p:sldId id="286" r:id="rId13"/>
-    <p:sldId id="287" r:id="rId14"/>
-    <p:sldId id="266" r:id="rId15"/>
-    <p:sldId id="279" r:id="rId16"/>
-    <p:sldId id="280" r:id="rId17"/>
-    <p:sldId id="281" r:id="rId18"/>
-    <p:sldId id="282" r:id="rId19"/>
-    <p:sldId id="278" r:id="rId20"/>
-    <p:sldId id="277" r:id="rId21"/>
-    <p:sldId id="276" r:id="rId22"/>
-    <p:sldId id="268" r:id="rId23"/>
+    <p:sldId id="289" r:id="rId11"/>
+    <p:sldId id="288" r:id="rId12"/>
+    <p:sldId id="284" r:id="rId13"/>
+    <p:sldId id="285" r:id="rId14"/>
+    <p:sldId id="286" r:id="rId15"/>
+    <p:sldId id="287" r:id="rId16"/>
+    <p:sldId id="266" r:id="rId17"/>
+    <p:sldId id="279" r:id="rId18"/>
+    <p:sldId id="280" r:id="rId19"/>
+    <p:sldId id="281" r:id="rId20"/>
+    <p:sldId id="282" r:id="rId21"/>
+    <p:sldId id="278" r:id="rId22"/>
+    <p:sldId id="277" r:id="rId23"/>
+    <p:sldId id="276" r:id="rId24"/>
+    <p:sldId id="268" r:id="rId25"/>
   </p:sldIdLst>
   <p:sldSz cx="12192000" cy="6858000"/>
   <p:notesSz cx="6858000" cy="9144000"/>
@@ -149,6 +151,8 @@
             <p14:sldId id="273"/>
             <p14:sldId id="275"/>
             <p14:sldId id="283"/>
+            <p14:sldId id="289"/>
+            <p14:sldId id="288"/>
             <p14:sldId id="284"/>
             <p14:sldId id="285"/>
             <p14:sldId id="286"/>
@@ -859,7 +863,7 @@
           <a:p>
             <a:fld id="{EF8A6B0B-A5FB-4629-B823-69B1A9EB3A43}" type="slidenum">
               <a:rPr lang="zh-TW" altLang="en-US" smtClean="0"/>
-              <a:t>22</a:t>
+              <a:t>24</a:t>
             </a:fld>
             <a:endParaRPr lang="zh-TW" altLang="en-US"/>
           </a:p>
@@ -3968,6 +3972,1669 @@
           <a:chExt cx="0" cy="0"/>
         </a:xfrm>
       </p:grpSpPr>
+      <p:sp>
+        <p:nvSpPr>
+          <p:cNvPr id="3" name="標題 2"/>
+          <p:cNvSpPr>
+            <a:spLocks noGrp="1"/>
+          </p:cNvSpPr>
+          <p:nvPr>
+            <p:ph type="title"/>
+          </p:nvPr>
+        </p:nvSpPr>
+        <p:spPr>
+          <a:xfrm>
+            <a:off x="838200" y="365125"/>
+            <a:ext cx="10515600" cy="720000"/>
+          </a:xfrm>
+        </p:spPr>
+        <p:txBody>
+          <a:bodyPr/>
+          <a:lstStyle/>
+          <a:p>
+            <a:r>
+              <a:rPr lang="zh-TW" altLang="en-US" dirty="0"/>
+              <a:t>專案架構</a:t>
+            </a:r>
+          </a:p>
+        </p:txBody>
+      </p:sp>
+      <p:grpSp>
+        <p:nvGrpSpPr>
+          <p:cNvPr id="59" name="群組 58">
+            <a:extLst>
+              <a:ext uri="{FF2B5EF4-FFF2-40B4-BE49-F238E27FC236}">
+                <a16:creationId xmlns:a16="http://schemas.microsoft.com/office/drawing/2014/main" id="{983524A2-2B62-4B3D-8007-CDFEA97E7364}"/>
+              </a:ext>
+            </a:extLst>
+          </p:cNvPr>
+          <p:cNvGrpSpPr/>
+          <p:nvPr/>
+        </p:nvGrpSpPr>
+        <p:grpSpPr>
+          <a:xfrm>
+            <a:off x="4185573" y="2019302"/>
+            <a:ext cx="2088628" cy="2504947"/>
+            <a:chOff x="2072792" y="2001014"/>
+            <a:chExt cx="2088628" cy="2504947"/>
+          </a:xfrm>
+        </p:grpSpPr>
+        <p:sp>
+          <p:nvSpPr>
+            <p:cNvPr id="60" name="矩形 59">
+              <a:extLst>
+                <a:ext uri="{FF2B5EF4-FFF2-40B4-BE49-F238E27FC236}">
+                  <a16:creationId xmlns:a16="http://schemas.microsoft.com/office/drawing/2014/main" id="{451A8124-EA68-42AD-84ED-4BEA4AF4E751}"/>
+                </a:ext>
+              </a:extLst>
+            </p:cNvPr>
+            <p:cNvSpPr/>
+            <p:nvPr/>
+          </p:nvSpPr>
+          <p:spPr>
+            <a:xfrm>
+              <a:off x="2072792" y="2350434"/>
+              <a:ext cx="2088628" cy="2155527"/>
+            </a:xfrm>
+            <a:prstGeom prst="rect">
+              <a:avLst/>
+            </a:prstGeom>
+            <a:solidFill>
+              <a:srgbClr val="CDD1DF"/>
+            </a:solidFill>
+            <a:ln>
+              <a:noFill/>
+            </a:ln>
+            <a:effectLst>
+              <a:outerShdw blurRad="50800" dist="38100" dir="2700000" algn="tl" rotWithShape="0">
+                <a:prstClr val="black">
+                  <a:alpha val="40000"/>
+                </a:prstClr>
+              </a:outerShdw>
+            </a:effectLst>
+          </p:spPr>
+          <p:style>
+            <a:lnRef idx="2">
+              <a:schemeClr val="accent1">
+                <a:shade val="50000"/>
+              </a:schemeClr>
+            </a:lnRef>
+            <a:fillRef idx="1">
+              <a:schemeClr val="accent1"/>
+            </a:fillRef>
+            <a:effectRef idx="0">
+              <a:schemeClr val="accent1"/>
+            </a:effectRef>
+            <a:fontRef idx="minor">
+              <a:schemeClr val="lt1"/>
+            </a:fontRef>
+          </p:style>
+          <p:txBody>
+            <a:bodyPr rtlCol="0" anchor="ctr"/>
+            <a:lstStyle/>
+            <a:p>
+              <a:pPr algn="ctr"/>
+              <a:endParaRPr lang="zh-TW" altLang="en-US">
+                <a:latin typeface="Times New Roman" panose="02020603050405020304" pitchFamily="18" charset="0"/>
+                <a:ea typeface="微軟正黑體" panose="020B0604030504040204" pitchFamily="34" charset="-120"/>
+              </a:endParaRPr>
+            </a:p>
+          </p:txBody>
+        </p:sp>
+        <p:sp>
+          <p:nvSpPr>
+            <p:cNvPr id="62" name="矩形 61">
+              <a:extLst>
+                <a:ext uri="{FF2B5EF4-FFF2-40B4-BE49-F238E27FC236}">
+                  <a16:creationId xmlns:a16="http://schemas.microsoft.com/office/drawing/2014/main" id="{38F90205-AF55-49CF-8DFD-491936B1AF75}"/>
+                </a:ext>
+              </a:extLst>
+            </p:cNvPr>
+            <p:cNvSpPr/>
+            <p:nvPr/>
+          </p:nvSpPr>
+          <p:spPr>
+            <a:xfrm>
+              <a:off x="2147385" y="2515186"/>
+              <a:ext cx="1939441" cy="439344"/>
+            </a:xfrm>
+            <a:prstGeom prst="rect">
+              <a:avLst/>
+            </a:prstGeom>
+            <a:solidFill>
+              <a:srgbClr val="282D3F"/>
+            </a:solidFill>
+            <a:ln>
+              <a:noFill/>
+            </a:ln>
+            <a:effectLst>
+              <a:outerShdw blurRad="50800" dist="38100" dir="2700000" algn="tl" rotWithShape="0">
+                <a:prstClr val="black">
+                  <a:alpha val="40000"/>
+                </a:prstClr>
+              </a:outerShdw>
+            </a:effectLst>
+          </p:spPr>
+          <p:style>
+            <a:lnRef idx="2">
+              <a:schemeClr val="accent1">
+                <a:shade val="50000"/>
+              </a:schemeClr>
+            </a:lnRef>
+            <a:fillRef idx="1">
+              <a:schemeClr val="accent1"/>
+            </a:fillRef>
+            <a:effectRef idx="0">
+              <a:schemeClr val="accent1"/>
+            </a:effectRef>
+            <a:fontRef idx="minor">
+              <a:schemeClr val="lt1"/>
+            </a:fontRef>
+          </p:style>
+          <p:txBody>
+            <a:bodyPr rtlCol="0" anchor="ctr"/>
+            <a:lstStyle/>
+            <a:p>
+              <a:pPr algn="ctr"/>
+              <a:r>
+                <a:rPr lang="en-US" altLang="zh-TW" dirty="0">
+                  <a:latin typeface="Times New Roman" panose="02020603050405020304" pitchFamily="18" charset="0"/>
+                  <a:ea typeface="微軟正黑體" panose="020B0604030504040204" pitchFamily="34" charset="-120"/>
+                </a:rPr>
+                <a:t>Header</a:t>
+              </a:r>
+              <a:endParaRPr lang="zh-TW" altLang="en-US" dirty="0">
+                <a:latin typeface="Times New Roman" panose="02020603050405020304" pitchFamily="18" charset="0"/>
+                <a:ea typeface="微軟正黑體" panose="020B0604030504040204" pitchFamily="34" charset="-120"/>
+              </a:endParaRPr>
+            </a:p>
+          </p:txBody>
+        </p:sp>
+        <p:sp>
+          <p:nvSpPr>
+            <p:cNvPr id="63" name="橢圓 62">
+              <a:extLst>
+                <a:ext uri="{FF2B5EF4-FFF2-40B4-BE49-F238E27FC236}">
+                  <a16:creationId xmlns:a16="http://schemas.microsoft.com/office/drawing/2014/main" id="{E126DAC3-954C-4629-8885-64CDC74FBBD9}"/>
+                </a:ext>
+              </a:extLst>
+            </p:cNvPr>
+            <p:cNvSpPr/>
+            <p:nvPr/>
+          </p:nvSpPr>
+          <p:spPr>
+            <a:xfrm>
+              <a:off x="2147385" y="3119284"/>
+              <a:ext cx="1939441" cy="1189887"/>
+            </a:xfrm>
+            <a:prstGeom prst="ellipse">
+              <a:avLst/>
+            </a:prstGeom>
+            <a:solidFill>
+              <a:srgbClr val="282D3F"/>
+            </a:solidFill>
+            <a:ln>
+              <a:noFill/>
+            </a:ln>
+            <a:effectLst>
+              <a:outerShdw blurRad="50800" dist="38100" dir="2700000" algn="tl" rotWithShape="0">
+                <a:prstClr val="black">
+                  <a:alpha val="40000"/>
+                </a:prstClr>
+              </a:outerShdw>
+            </a:effectLst>
+          </p:spPr>
+          <p:style>
+            <a:lnRef idx="2">
+              <a:schemeClr val="accent1">
+                <a:shade val="50000"/>
+              </a:schemeClr>
+            </a:lnRef>
+            <a:fillRef idx="1">
+              <a:schemeClr val="accent1"/>
+            </a:fillRef>
+            <a:effectRef idx="0">
+              <a:schemeClr val="accent1"/>
+            </a:effectRef>
+            <a:fontRef idx="minor">
+              <a:schemeClr val="lt1"/>
+            </a:fontRef>
+          </p:style>
+          <p:txBody>
+            <a:bodyPr rtlCol="0" anchor="ctr"/>
+            <a:lstStyle/>
+            <a:p>
+              <a:pPr algn="ctr"/>
+              <a:r>
+                <a:rPr lang="en-US" altLang="zh-TW" sz="1600" dirty="0">
+                  <a:latin typeface="Times New Roman" panose="02020603050405020304" pitchFamily="18" charset="0"/>
+                  <a:ea typeface="微軟正黑體" panose="020B0604030504040204" pitchFamily="34" charset="-120"/>
+                </a:rPr>
+                <a:t>Transactions</a:t>
+              </a:r>
+              <a:endParaRPr lang="zh-TW" altLang="en-US" sz="1600" dirty="0">
+                <a:latin typeface="Times New Roman" panose="02020603050405020304" pitchFamily="18" charset="0"/>
+                <a:ea typeface="微軟正黑體" panose="020B0604030504040204" pitchFamily="34" charset="-120"/>
+              </a:endParaRPr>
+            </a:p>
+          </p:txBody>
+        </p:sp>
+        <p:sp>
+          <p:nvSpPr>
+            <p:cNvPr id="65" name="文字方塊 64">
+              <a:extLst>
+                <a:ext uri="{FF2B5EF4-FFF2-40B4-BE49-F238E27FC236}">
+                  <a16:creationId xmlns:a16="http://schemas.microsoft.com/office/drawing/2014/main" id="{A50FAB4F-0ED3-4597-9596-DAA0C7B065CC}"/>
+                </a:ext>
+              </a:extLst>
+            </p:cNvPr>
+            <p:cNvSpPr txBox="1"/>
+            <p:nvPr/>
+          </p:nvSpPr>
+          <p:spPr>
+            <a:xfrm>
+              <a:off x="2723407" y="2001014"/>
+              <a:ext cx="966931" cy="369332"/>
+            </a:xfrm>
+            <a:prstGeom prst="rect">
+              <a:avLst/>
+            </a:prstGeom>
+            <a:noFill/>
+          </p:spPr>
+          <p:txBody>
+            <a:bodyPr wrap="none" rtlCol="0">
+              <a:spAutoFit/>
+            </a:bodyPr>
+            <a:lstStyle/>
+            <a:p>
+              <a:r>
+                <a:rPr lang="en-US" altLang="zh-TW" dirty="0">
+                  <a:latin typeface="Times New Roman" panose="02020603050405020304" pitchFamily="18" charset="0"/>
+                  <a:ea typeface="微軟正黑體" panose="020B0604030504040204" pitchFamily="34" charset="-120"/>
+                </a:rPr>
+                <a:t>Block02</a:t>
+              </a:r>
+              <a:endParaRPr lang="zh-TW" altLang="en-US" dirty="0">
+                <a:latin typeface="Times New Roman" panose="02020603050405020304" pitchFamily="18" charset="0"/>
+                <a:ea typeface="微軟正黑體" panose="020B0604030504040204" pitchFamily="34" charset="-120"/>
+              </a:endParaRPr>
+            </a:p>
+          </p:txBody>
+        </p:sp>
+      </p:grpSp>
+      <p:grpSp>
+        <p:nvGrpSpPr>
+          <p:cNvPr id="66" name="群組 65">
+            <a:extLst>
+              <a:ext uri="{FF2B5EF4-FFF2-40B4-BE49-F238E27FC236}">
+                <a16:creationId xmlns:a16="http://schemas.microsoft.com/office/drawing/2014/main" id="{C3CC5782-188D-4C86-9A28-638FC70CAEBC}"/>
+              </a:ext>
+            </a:extLst>
+          </p:cNvPr>
+          <p:cNvGrpSpPr/>
+          <p:nvPr/>
+        </p:nvGrpSpPr>
+        <p:grpSpPr>
+          <a:xfrm>
+            <a:off x="1688744" y="2019302"/>
+            <a:ext cx="2088628" cy="2504947"/>
+            <a:chOff x="2072792" y="2001014"/>
+            <a:chExt cx="2088628" cy="2504947"/>
+          </a:xfrm>
+        </p:grpSpPr>
+        <p:sp>
+          <p:nvSpPr>
+            <p:cNvPr id="68" name="矩形 67">
+              <a:extLst>
+                <a:ext uri="{FF2B5EF4-FFF2-40B4-BE49-F238E27FC236}">
+                  <a16:creationId xmlns:a16="http://schemas.microsoft.com/office/drawing/2014/main" id="{355005FF-82F4-4FF1-8610-A11435E9AFB0}"/>
+                </a:ext>
+              </a:extLst>
+            </p:cNvPr>
+            <p:cNvSpPr/>
+            <p:nvPr/>
+          </p:nvSpPr>
+          <p:spPr>
+            <a:xfrm>
+              <a:off x="2072792" y="2350434"/>
+              <a:ext cx="2088628" cy="2155527"/>
+            </a:xfrm>
+            <a:prstGeom prst="rect">
+              <a:avLst/>
+            </a:prstGeom>
+            <a:solidFill>
+              <a:srgbClr val="CDD1DF"/>
+            </a:solidFill>
+            <a:ln>
+              <a:noFill/>
+            </a:ln>
+            <a:effectLst>
+              <a:outerShdw blurRad="50800" dist="38100" dir="2700000" algn="tl" rotWithShape="0">
+                <a:prstClr val="black">
+                  <a:alpha val="40000"/>
+                </a:prstClr>
+              </a:outerShdw>
+            </a:effectLst>
+          </p:spPr>
+          <p:style>
+            <a:lnRef idx="2">
+              <a:schemeClr val="accent1">
+                <a:shade val="50000"/>
+              </a:schemeClr>
+            </a:lnRef>
+            <a:fillRef idx="1">
+              <a:schemeClr val="accent1"/>
+            </a:fillRef>
+            <a:effectRef idx="0">
+              <a:schemeClr val="accent1"/>
+            </a:effectRef>
+            <a:fontRef idx="minor">
+              <a:schemeClr val="lt1"/>
+            </a:fontRef>
+          </p:style>
+          <p:txBody>
+            <a:bodyPr rtlCol="0" anchor="ctr"/>
+            <a:lstStyle/>
+            <a:p>
+              <a:pPr algn="ctr"/>
+              <a:endParaRPr lang="zh-TW" altLang="en-US">
+                <a:latin typeface="Times New Roman" panose="02020603050405020304" pitchFamily="18" charset="0"/>
+                <a:ea typeface="微軟正黑體" panose="020B0604030504040204" pitchFamily="34" charset="-120"/>
+              </a:endParaRPr>
+            </a:p>
+          </p:txBody>
+        </p:sp>
+        <p:sp>
+          <p:nvSpPr>
+            <p:cNvPr id="69" name="矩形 68">
+              <a:extLst>
+                <a:ext uri="{FF2B5EF4-FFF2-40B4-BE49-F238E27FC236}">
+                  <a16:creationId xmlns:a16="http://schemas.microsoft.com/office/drawing/2014/main" id="{D098D7D8-658D-4CD1-B3C4-16C6B80B52FE}"/>
+                </a:ext>
+              </a:extLst>
+            </p:cNvPr>
+            <p:cNvSpPr/>
+            <p:nvPr/>
+          </p:nvSpPr>
+          <p:spPr>
+            <a:xfrm>
+              <a:off x="2147385" y="2515186"/>
+              <a:ext cx="1939441" cy="439344"/>
+            </a:xfrm>
+            <a:prstGeom prst="rect">
+              <a:avLst/>
+            </a:prstGeom>
+            <a:solidFill>
+              <a:srgbClr val="282D3F"/>
+            </a:solidFill>
+            <a:ln>
+              <a:noFill/>
+            </a:ln>
+            <a:effectLst>
+              <a:outerShdw blurRad="50800" dist="38100" dir="2700000" algn="tl" rotWithShape="0">
+                <a:prstClr val="black">
+                  <a:alpha val="40000"/>
+                </a:prstClr>
+              </a:outerShdw>
+            </a:effectLst>
+          </p:spPr>
+          <p:style>
+            <a:lnRef idx="2">
+              <a:schemeClr val="accent1">
+                <a:shade val="50000"/>
+              </a:schemeClr>
+            </a:lnRef>
+            <a:fillRef idx="1">
+              <a:schemeClr val="accent1"/>
+            </a:fillRef>
+            <a:effectRef idx="0">
+              <a:schemeClr val="accent1"/>
+            </a:effectRef>
+            <a:fontRef idx="minor">
+              <a:schemeClr val="lt1"/>
+            </a:fontRef>
+          </p:style>
+          <p:txBody>
+            <a:bodyPr rtlCol="0" anchor="ctr"/>
+            <a:lstStyle/>
+            <a:p>
+              <a:pPr algn="ctr"/>
+              <a:r>
+                <a:rPr lang="en-US" altLang="zh-TW" dirty="0">
+                  <a:latin typeface="Times New Roman" panose="02020603050405020304" pitchFamily="18" charset="0"/>
+                  <a:ea typeface="微軟正黑體" panose="020B0604030504040204" pitchFamily="34" charset="-120"/>
+                </a:rPr>
+                <a:t>Header</a:t>
+              </a:r>
+              <a:endParaRPr lang="zh-TW" altLang="en-US" dirty="0">
+                <a:latin typeface="Times New Roman" panose="02020603050405020304" pitchFamily="18" charset="0"/>
+                <a:ea typeface="微軟正黑體" panose="020B0604030504040204" pitchFamily="34" charset="-120"/>
+              </a:endParaRPr>
+            </a:p>
+          </p:txBody>
+        </p:sp>
+        <p:sp>
+          <p:nvSpPr>
+            <p:cNvPr id="71" name="橢圓 70">
+              <a:extLst>
+                <a:ext uri="{FF2B5EF4-FFF2-40B4-BE49-F238E27FC236}">
+                  <a16:creationId xmlns:a16="http://schemas.microsoft.com/office/drawing/2014/main" id="{E694D5AF-4D09-424E-A265-691941DF064E}"/>
+                </a:ext>
+              </a:extLst>
+            </p:cNvPr>
+            <p:cNvSpPr/>
+            <p:nvPr/>
+          </p:nvSpPr>
+          <p:spPr>
+            <a:xfrm>
+              <a:off x="2147385" y="3119284"/>
+              <a:ext cx="1939441" cy="1189887"/>
+            </a:xfrm>
+            <a:prstGeom prst="ellipse">
+              <a:avLst/>
+            </a:prstGeom>
+            <a:solidFill>
+              <a:srgbClr val="282D3F"/>
+            </a:solidFill>
+            <a:ln>
+              <a:noFill/>
+            </a:ln>
+            <a:effectLst>
+              <a:outerShdw blurRad="50800" dist="38100" dir="2700000" algn="tl" rotWithShape="0">
+                <a:prstClr val="black">
+                  <a:alpha val="40000"/>
+                </a:prstClr>
+              </a:outerShdw>
+            </a:effectLst>
+          </p:spPr>
+          <p:style>
+            <a:lnRef idx="2">
+              <a:schemeClr val="accent1">
+                <a:shade val="50000"/>
+              </a:schemeClr>
+            </a:lnRef>
+            <a:fillRef idx="1">
+              <a:schemeClr val="accent1"/>
+            </a:fillRef>
+            <a:effectRef idx="0">
+              <a:schemeClr val="accent1"/>
+            </a:effectRef>
+            <a:fontRef idx="minor">
+              <a:schemeClr val="lt1"/>
+            </a:fontRef>
+          </p:style>
+          <p:txBody>
+            <a:bodyPr rtlCol="0" anchor="ctr"/>
+            <a:lstStyle/>
+            <a:p>
+              <a:pPr algn="ctr"/>
+              <a:r>
+                <a:rPr lang="en-US" altLang="zh-TW" sz="1600" dirty="0">
+                  <a:latin typeface="Times New Roman" panose="02020603050405020304" pitchFamily="18" charset="0"/>
+                  <a:ea typeface="微軟正黑體" panose="020B0604030504040204" pitchFamily="34" charset="-120"/>
+                </a:rPr>
+                <a:t>Transactions</a:t>
+              </a:r>
+              <a:endParaRPr lang="zh-TW" altLang="en-US" sz="1600" dirty="0">
+                <a:latin typeface="Times New Roman" panose="02020603050405020304" pitchFamily="18" charset="0"/>
+                <a:ea typeface="微軟正黑體" panose="020B0604030504040204" pitchFamily="34" charset="-120"/>
+              </a:endParaRPr>
+            </a:p>
+          </p:txBody>
+        </p:sp>
+        <p:sp>
+          <p:nvSpPr>
+            <p:cNvPr id="72" name="文字方塊 71">
+              <a:extLst>
+                <a:ext uri="{FF2B5EF4-FFF2-40B4-BE49-F238E27FC236}">
+                  <a16:creationId xmlns:a16="http://schemas.microsoft.com/office/drawing/2014/main" id="{74601EB6-4FE2-4150-AA5D-B78A3D341E69}"/>
+                </a:ext>
+              </a:extLst>
+            </p:cNvPr>
+            <p:cNvSpPr txBox="1"/>
+            <p:nvPr/>
+          </p:nvSpPr>
+          <p:spPr>
+            <a:xfrm>
+              <a:off x="2723407" y="2001014"/>
+              <a:ext cx="966931" cy="369332"/>
+            </a:xfrm>
+            <a:prstGeom prst="rect">
+              <a:avLst/>
+            </a:prstGeom>
+            <a:noFill/>
+          </p:spPr>
+          <p:txBody>
+            <a:bodyPr wrap="none" rtlCol="0">
+              <a:spAutoFit/>
+            </a:bodyPr>
+            <a:lstStyle/>
+            <a:p>
+              <a:r>
+                <a:rPr lang="en-US" altLang="zh-TW" dirty="0">
+                  <a:latin typeface="Times New Roman" panose="02020603050405020304" pitchFamily="18" charset="0"/>
+                  <a:ea typeface="微軟正黑體" panose="020B0604030504040204" pitchFamily="34" charset="-120"/>
+                </a:rPr>
+                <a:t>Block01</a:t>
+              </a:r>
+              <a:endParaRPr lang="zh-TW" altLang="en-US" dirty="0">
+                <a:latin typeface="Times New Roman" panose="02020603050405020304" pitchFamily="18" charset="0"/>
+                <a:ea typeface="微軟正黑體" panose="020B0604030504040204" pitchFamily="34" charset="-120"/>
+              </a:endParaRPr>
+            </a:p>
+          </p:txBody>
+        </p:sp>
+      </p:grpSp>
+      <p:grpSp>
+        <p:nvGrpSpPr>
+          <p:cNvPr id="74" name="群組 73">
+            <a:extLst>
+              <a:ext uri="{FF2B5EF4-FFF2-40B4-BE49-F238E27FC236}">
+                <a16:creationId xmlns:a16="http://schemas.microsoft.com/office/drawing/2014/main" id="{3EBFC4C1-DBAF-4614-BC0F-68DB5E84E1A6}"/>
+              </a:ext>
+            </a:extLst>
+          </p:cNvPr>
+          <p:cNvGrpSpPr/>
+          <p:nvPr/>
+        </p:nvGrpSpPr>
+        <p:grpSpPr>
+          <a:xfrm>
+            <a:off x="6682402" y="2019302"/>
+            <a:ext cx="2088628" cy="2504947"/>
+            <a:chOff x="2072792" y="2001014"/>
+            <a:chExt cx="2088628" cy="2504947"/>
+          </a:xfrm>
+        </p:grpSpPr>
+        <p:sp>
+          <p:nvSpPr>
+            <p:cNvPr id="75" name="矩形 74">
+              <a:extLst>
+                <a:ext uri="{FF2B5EF4-FFF2-40B4-BE49-F238E27FC236}">
+                  <a16:creationId xmlns:a16="http://schemas.microsoft.com/office/drawing/2014/main" id="{C077E341-201D-4585-BA9D-70B53AEB3221}"/>
+                </a:ext>
+              </a:extLst>
+            </p:cNvPr>
+            <p:cNvSpPr/>
+            <p:nvPr/>
+          </p:nvSpPr>
+          <p:spPr>
+            <a:xfrm>
+              <a:off x="2072792" y="2350434"/>
+              <a:ext cx="2088628" cy="2155527"/>
+            </a:xfrm>
+            <a:prstGeom prst="rect">
+              <a:avLst/>
+            </a:prstGeom>
+            <a:solidFill>
+              <a:srgbClr val="CDD1DF"/>
+            </a:solidFill>
+            <a:ln>
+              <a:noFill/>
+            </a:ln>
+            <a:effectLst>
+              <a:outerShdw blurRad="50800" dist="38100" dir="2700000" algn="tl" rotWithShape="0">
+                <a:prstClr val="black">
+                  <a:alpha val="40000"/>
+                </a:prstClr>
+              </a:outerShdw>
+            </a:effectLst>
+          </p:spPr>
+          <p:style>
+            <a:lnRef idx="2">
+              <a:schemeClr val="accent1">
+                <a:shade val="50000"/>
+              </a:schemeClr>
+            </a:lnRef>
+            <a:fillRef idx="1">
+              <a:schemeClr val="accent1"/>
+            </a:fillRef>
+            <a:effectRef idx="0">
+              <a:schemeClr val="accent1"/>
+            </a:effectRef>
+            <a:fontRef idx="minor">
+              <a:schemeClr val="lt1"/>
+            </a:fontRef>
+          </p:style>
+          <p:txBody>
+            <a:bodyPr rtlCol="0" anchor="ctr"/>
+            <a:lstStyle/>
+            <a:p>
+              <a:pPr algn="ctr"/>
+              <a:endParaRPr lang="zh-TW" altLang="en-US">
+                <a:latin typeface="Times New Roman" panose="02020603050405020304" pitchFamily="18" charset="0"/>
+                <a:ea typeface="微軟正黑體" panose="020B0604030504040204" pitchFamily="34" charset="-120"/>
+              </a:endParaRPr>
+            </a:p>
+          </p:txBody>
+        </p:sp>
+        <p:sp>
+          <p:nvSpPr>
+            <p:cNvPr id="77" name="矩形 76">
+              <a:extLst>
+                <a:ext uri="{FF2B5EF4-FFF2-40B4-BE49-F238E27FC236}">
+                  <a16:creationId xmlns:a16="http://schemas.microsoft.com/office/drawing/2014/main" id="{81F15AAD-A434-4B93-8F5E-B9ABDBE4EA2A}"/>
+                </a:ext>
+              </a:extLst>
+            </p:cNvPr>
+            <p:cNvSpPr/>
+            <p:nvPr/>
+          </p:nvSpPr>
+          <p:spPr>
+            <a:xfrm>
+              <a:off x="2147385" y="2515186"/>
+              <a:ext cx="1939441" cy="439344"/>
+            </a:xfrm>
+            <a:prstGeom prst="rect">
+              <a:avLst/>
+            </a:prstGeom>
+            <a:solidFill>
+              <a:srgbClr val="282D3F"/>
+            </a:solidFill>
+            <a:ln>
+              <a:noFill/>
+            </a:ln>
+            <a:effectLst>
+              <a:outerShdw blurRad="50800" dist="38100" dir="2700000" algn="tl" rotWithShape="0">
+                <a:prstClr val="black">
+                  <a:alpha val="40000"/>
+                </a:prstClr>
+              </a:outerShdw>
+            </a:effectLst>
+          </p:spPr>
+          <p:style>
+            <a:lnRef idx="2">
+              <a:schemeClr val="accent1">
+                <a:shade val="50000"/>
+              </a:schemeClr>
+            </a:lnRef>
+            <a:fillRef idx="1">
+              <a:schemeClr val="accent1"/>
+            </a:fillRef>
+            <a:effectRef idx="0">
+              <a:schemeClr val="accent1"/>
+            </a:effectRef>
+            <a:fontRef idx="minor">
+              <a:schemeClr val="lt1"/>
+            </a:fontRef>
+          </p:style>
+          <p:txBody>
+            <a:bodyPr rtlCol="0" anchor="ctr"/>
+            <a:lstStyle/>
+            <a:p>
+              <a:pPr algn="ctr"/>
+              <a:r>
+                <a:rPr lang="en-US" altLang="zh-TW" dirty="0">
+                  <a:latin typeface="Times New Roman" panose="02020603050405020304" pitchFamily="18" charset="0"/>
+                  <a:ea typeface="微軟正黑體" panose="020B0604030504040204" pitchFamily="34" charset="-120"/>
+                </a:rPr>
+                <a:t>Header</a:t>
+              </a:r>
+              <a:endParaRPr lang="zh-TW" altLang="en-US" dirty="0">
+                <a:latin typeface="Times New Roman" panose="02020603050405020304" pitchFamily="18" charset="0"/>
+                <a:ea typeface="微軟正黑體" panose="020B0604030504040204" pitchFamily="34" charset="-120"/>
+              </a:endParaRPr>
+            </a:p>
+          </p:txBody>
+        </p:sp>
+        <p:sp>
+          <p:nvSpPr>
+            <p:cNvPr id="78" name="橢圓 77">
+              <a:extLst>
+                <a:ext uri="{FF2B5EF4-FFF2-40B4-BE49-F238E27FC236}">
+                  <a16:creationId xmlns:a16="http://schemas.microsoft.com/office/drawing/2014/main" id="{6419B5BC-32C5-42FC-A9BB-0D1D96F6276F}"/>
+                </a:ext>
+              </a:extLst>
+            </p:cNvPr>
+            <p:cNvSpPr/>
+            <p:nvPr/>
+          </p:nvSpPr>
+          <p:spPr>
+            <a:xfrm>
+              <a:off x="2147385" y="3119284"/>
+              <a:ext cx="1939441" cy="1189887"/>
+            </a:xfrm>
+            <a:prstGeom prst="ellipse">
+              <a:avLst/>
+            </a:prstGeom>
+            <a:solidFill>
+              <a:srgbClr val="282D3F"/>
+            </a:solidFill>
+            <a:ln>
+              <a:noFill/>
+            </a:ln>
+            <a:effectLst>
+              <a:outerShdw blurRad="50800" dist="38100" dir="2700000" algn="tl" rotWithShape="0">
+                <a:prstClr val="black">
+                  <a:alpha val="40000"/>
+                </a:prstClr>
+              </a:outerShdw>
+            </a:effectLst>
+          </p:spPr>
+          <p:style>
+            <a:lnRef idx="2">
+              <a:schemeClr val="accent1">
+                <a:shade val="50000"/>
+              </a:schemeClr>
+            </a:lnRef>
+            <a:fillRef idx="1">
+              <a:schemeClr val="accent1"/>
+            </a:fillRef>
+            <a:effectRef idx="0">
+              <a:schemeClr val="accent1"/>
+            </a:effectRef>
+            <a:fontRef idx="minor">
+              <a:schemeClr val="lt1"/>
+            </a:fontRef>
+          </p:style>
+          <p:txBody>
+            <a:bodyPr rtlCol="0" anchor="ctr"/>
+            <a:lstStyle/>
+            <a:p>
+              <a:pPr algn="ctr"/>
+              <a:r>
+                <a:rPr lang="en-US" altLang="zh-TW" sz="1600" dirty="0">
+                  <a:latin typeface="Times New Roman" panose="02020603050405020304" pitchFamily="18" charset="0"/>
+                  <a:ea typeface="微軟正黑體" panose="020B0604030504040204" pitchFamily="34" charset="-120"/>
+                </a:rPr>
+                <a:t>Transactions</a:t>
+              </a:r>
+              <a:endParaRPr lang="zh-TW" altLang="en-US" sz="1600" dirty="0">
+                <a:latin typeface="Times New Roman" panose="02020603050405020304" pitchFamily="18" charset="0"/>
+                <a:ea typeface="微軟正黑體" panose="020B0604030504040204" pitchFamily="34" charset="-120"/>
+              </a:endParaRPr>
+            </a:p>
+          </p:txBody>
+        </p:sp>
+        <p:sp>
+          <p:nvSpPr>
+            <p:cNvPr id="80" name="文字方塊 79">
+              <a:extLst>
+                <a:ext uri="{FF2B5EF4-FFF2-40B4-BE49-F238E27FC236}">
+                  <a16:creationId xmlns:a16="http://schemas.microsoft.com/office/drawing/2014/main" id="{D1CBCF35-F7AF-49CB-960D-E1F60C654F29}"/>
+                </a:ext>
+              </a:extLst>
+            </p:cNvPr>
+            <p:cNvSpPr txBox="1"/>
+            <p:nvPr/>
+          </p:nvSpPr>
+          <p:spPr>
+            <a:xfrm>
+              <a:off x="2723407" y="2001014"/>
+              <a:ext cx="966931" cy="369332"/>
+            </a:xfrm>
+            <a:prstGeom prst="rect">
+              <a:avLst/>
+            </a:prstGeom>
+            <a:noFill/>
+          </p:spPr>
+          <p:txBody>
+            <a:bodyPr wrap="none" rtlCol="0">
+              <a:spAutoFit/>
+            </a:bodyPr>
+            <a:lstStyle/>
+            <a:p>
+              <a:r>
+                <a:rPr lang="en-US" altLang="zh-TW" dirty="0">
+                  <a:latin typeface="Times New Roman" panose="02020603050405020304" pitchFamily="18" charset="0"/>
+                  <a:ea typeface="微軟正黑體" panose="020B0604030504040204" pitchFamily="34" charset="-120"/>
+                </a:rPr>
+                <a:t>Block03</a:t>
+              </a:r>
+              <a:endParaRPr lang="zh-TW" altLang="en-US" dirty="0">
+                <a:latin typeface="Times New Roman" panose="02020603050405020304" pitchFamily="18" charset="0"/>
+                <a:ea typeface="微軟正黑體" panose="020B0604030504040204" pitchFamily="34" charset="-120"/>
+              </a:endParaRPr>
+            </a:p>
+          </p:txBody>
+        </p:sp>
+      </p:grpSp>
+    </p:spTree>
+    <p:extLst>
+      <p:ext uri="{BB962C8B-B14F-4D97-AF65-F5344CB8AC3E}">
+        <p14:creationId xmlns:p14="http://schemas.microsoft.com/office/powerpoint/2010/main" val="61458344"/>
+      </p:ext>
+    </p:extLst>
+  </p:cSld>
+  <p:clrMapOvr>
+    <a:masterClrMapping/>
+  </p:clrMapOvr>
+</p:sld>
+</file>
+
+<file path=ppt/slides/slide11.xml><?xml version="1.0" encoding="utf-8"?>
+<p:sld xmlns:a="http://schemas.openxmlformats.org/drawingml/2006/main" xmlns:r="http://schemas.openxmlformats.org/officeDocument/2006/relationships" xmlns:p="http://schemas.openxmlformats.org/presentationml/2006/main">
+  <p:cSld>
+    <p:spTree>
+      <p:nvGrpSpPr>
+        <p:cNvPr id="1" name=""/>
+        <p:cNvGrpSpPr/>
+        <p:nvPr/>
+      </p:nvGrpSpPr>
+      <p:grpSpPr>
+        <a:xfrm>
+          <a:off x="0" y="0"/>
+          <a:ext cx="0" cy="0"/>
+          <a:chOff x="0" y="0"/>
+          <a:chExt cx="0" cy="0"/>
+        </a:xfrm>
+      </p:grpSpPr>
+      <p:sp>
+        <p:nvSpPr>
+          <p:cNvPr id="3" name="標題 2"/>
+          <p:cNvSpPr>
+            <a:spLocks noGrp="1"/>
+          </p:cNvSpPr>
+          <p:nvPr>
+            <p:ph type="title"/>
+          </p:nvPr>
+        </p:nvSpPr>
+        <p:spPr/>
+        <p:txBody>
+          <a:bodyPr/>
+          <a:lstStyle/>
+          <a:p>
+            <a:r>
+              <a:rPr lang="zh-TW" altLang="en-US" dirty="0"/>
+              <a:t>專案架構</a:t>
+            </a:r>
+          </a:p>
+        </p:txBody>
+      </p:sp>
+      <p:grpSp>
+        <p:nvGrpSpPr>
+          <p:cNvPr id="5" name="群組 4">
+            <a:extLst>
+              <a:ext uri="{FF2B5EF4-FFF2-40B4-BE49-F238E27FC236}">
+                <a16:creationId xmlns:a16="http://schemas.microsoft.com/office/drawing/2014/main" id="{382B9A69-1AB8-4832-87D3-39A8A63703BD}"/>
+              </a:ext>
+            </a:extLst>
+          </p:cNvPr>
+          <p:cNvGrpSpPr/>
+          <p:nvPr/>
+        </p:nvGrpSpPr>
+        <p:grpSpPr>
+          <a:xfrm>
+            <a:off x="2003883" y="2209845"/>
+            <a:ext cx="6788212" cy="2144030"/>
+            <a:chOff x="2003883" y="2209845"/>
+            <a:chExt cx="6788212" cy="2144030"/>
+          </a:xfrm>
+        </p:grpSpPr>
+        <p:sp>
+          <p:nvSpPr>
+            <p:cNvPr id="27" name="加號 26">
+              <a:extLst>
+                <a:ext uri="{FF2B5EF4-FFF2-40B4-BE49-F238E27FC236}">
+                  <a16:creationId xmlns:a16="http://schemas.microsoft.com/office/drawing/2014/main" id="{17BA54EF-AE68-4A59-B325-80359A6B1E59}"/>
+                </a:ext>
+              </a:extLst>
+            </p:cNvPr>
+            <p:cNvSpPr/>
+            <p:nvPr/>
+          </p:nvSpPr>
+          <p:spPr>
+            <a:xfrm>
+              <a:off x="4248983" y="3157919"/>
+              <a:ext cx="579549" cy="611273"/>
+            </a:xfrm>
+            <a:prstGeom prst="mathPlus">
+              <a:avLst/>
+            </a:prstGeom>
+          </p:spPr>
+          <p:style>
+            <a:lnRef idx="2">
+              <a:schemeClr val="dk1">
+                <a:shade val="50000"/>
+              </a:schemeClr>
+            </a:lnRef>
+            <a:fillRef idx="1">
+              <a:schemeClr val="dk1"/>
+            </a:fillRef>
+            <a:effectRef idx="0">
+              <a:schemeClr val="dk1"/>
+            </a:effectRef>
+            <a:fontRef idx="minor">
+              <a:schemeClr val="lt1"/>
+            </a:fontRef>
+          </p:style>
+          <p:txBody>
+            <a:bodyPr rtlCol="0" anchor="ctr"/>
+            <a:lstStyle/>
+            <a:p>
+              <a:pPr algn="ctr"/>
+              <a:endParaRPr lang="zh-TW" altLang="en-US" dirty="0">
+                <a:solidFill>
+                  <a:schemeClr val="tx1"/>
+                </a:solidFill>
+                <a:latin typeface="Times New Roman" panose="02020603050405020304" pitchFamily="18" charset="0"/>
+                <a:ea typeface="微軟正黑體" panose="020B0604030504040204" pitchFamily="34" charset="-120"/>
+              </a:endParaRPr>
+            </a:p>
+          </p:txBody>
+        </p:sp>
+        <p:sp>
+          <p:nvSpPr>
+            <p:cNvPr id="28" name="文字方塊 27">
+              <a:extLst>
+                <a:ext uri="{FF2B5EF4-FFF2-40B4-BE49-F238E27FC236}">
+                  <a16:creationId xmlns:a16="http://schemas.microsoft.com/office/drawing/2014/main" id="{34C5A39D-DACE-4A4C-B520-770F1F6676DB}"/>
+                </a:ext>
+              </a:extLst>
+            </p:cNvPr>
+            <p:cNvSpPr txBox="1"/>
+            <p:nvPr/>
+          </p:nvSpPr>
+          <p:spPr>
+            <a:xfrm>
+              <a:off x="4828532" y="3278889"/>
+              <a:ext cx="787395" cy="369332"/>
+            </a:xfrm>
+            <a:prstGeom prst="rect">
+              <a:avLst/>
+            </a:prstGeom>
+            <a:noFill/>
+          </p:spPr>
+          <p:txBody>
+            <a:bodyPr wrap="none" rtlCol="0">
+              <a:spAutoFit/>
+            </a:bodyPr>
+            <a:lstStyle/>
+            <a:p>
+              <a:r>
+                <a:rPr lang="en-US" altLang="zh-TW" dirty="0">
+                  <a:latin typeface="Times New Roman" panose="02020603050405020304" pitchFamily="18" charset="0"/>
+                  <a:ea typeface="微軟正黑體" panose="020B0604030504040204" pitchFamily="34" charset="-120"/>
+                </a:rPr>
+                <a:t>Nonce</a:t>
+              </a:r>
+              <a:endParaRPr lang="zh-TW" altLang="en-US" dirty="0">
+                <a:latin typeface="Times New Roman" panose="02020603050405020304" pitchFamily="18" charset="0"/>
+                <a:ea typeface="微軟正黑體" panose="020B0604030504040204" pitchFamily="34" charset="-120"/>
+              </a:endParaRPr>
+            </a:p>
+          </p:txBody>
+        </p:sp>
+        <p:sp>
+          <p:nvSpPr>
+            <p:cNvPr id="29" name="文字方塊 28">
+              <a:extLst>
+                <a:ext uri="{FF2B5EF4-FFF2-40B4-BE49-F238E27FC236}">
+                  <a16:creationId xmlns:a16="http://schemas.microsoft.com/office/drawing/2014/main" id="{45E8AF34-8B24-4EB8-BE9F-5796CAF30FAC}"/>
+                </a:ext>
+              </a:extLst>
+            </p:cNvPr>
+            <p:cNvSpPr txBox="1"/>
+            <p:nvPr/>
+          </p:nvSpPr>
+          <p:spPr>
+            <a:xfrm>
+              <a:off x="6404160" y="3298948"/>
+              <a:ext cx="774571" cy="369332"/>
+            </a:xfrm>
+            <a:prstGeom prst="rect">
+              <a:avLst/>
+            </a:prstGeom>
+            <a:noFill/>
+          </p:spPr>
+          <p:txBody>
+            <a:bodyPr wrap="none" rtlCol="0">
+              <a:spAutoFit/>
+            </a:bodyPr>
+            <a:lstStyle/>
+            <a:p>
+              <a:r>
+                <a:rPr lang="en-US" altLang="zh-TW" dirty="0">
+                  <a:latin typeface="Times New Roman" panose="02020603050405020304" pitchFamily="18" charset="0"/>
+                  <a:ea typeface="微軟正黑體" panose="020B0604030504040204" pitchFamily="34" charset="-120"/>
+                </a:rPr>
+                <a:t>Result</a:t>
+              </a:r>
+              <a:endParaRPr lang="zh-TW" altLang="en-US" dirty="0">
+                <a:latin typeface="Times New Roman" panose="02020603050405020304" pitchFamily="18" charset="0"/>
+                <a:ea typeface="微軟正黑體" panose="020B0604030504040204" pitchFamily="34" charset="-120"/>
+              </a:endParaRPr>
+            </a:p>
+          </p:txBody>
+        </p:sp>
+        <p:sp>
+          <p:nvSpPr>
+            <p:cNvPr id="30" name="文字方塊 29">
+              <a:extLst>
+                <a:ext uri="{FF2B5EF4-FFF2-40B4-BE49-F238E27FC236}">
+                  <a16:creationId xmlns:a16="http://schemas.microsoft.com/office/drawing/2014/main" id="{7C24E309-A832-4E7A-B872-6B88387175AC}"/>
+                </a:ext>
+              </a:extLst>
+            </p:cNvPr>
+            <p:cNvSpPr txBox="1"/>
+            <p:nvPr/>
+          </p:nvSpPr>
+          <p:spPr>
+            <a:xfrm>
+              <a:off x="8145764" y="3298948"/>
+              <a:ext cx="646331" cy="369332"/>
+            </a:xfrm>
+            <a:prstGeom prst="rect">
+              <a:avLst/>
+            </a:prstGeom>
+            <a:noFill/>
+          </p:spPr>
+          <p:txBody>
+            <a:bodyPr wrap="none" rtlCol="0">
+              <a:spAutoFit/>
+            </a:bodyPr>
+            <a:lstStyle/>
+            <a:p>
+              <a:r>
+                <a:rPr lang="zh-TW" altLang="en-US" dirty="0">
+                  <a:latin typeface="Times New Roman" panose="02020603050405020304" pitchFamily="18" charset="0"/>
+                  <a:ea typeface="微軟正黑體" panose="020B0604030504040204" pitchFamily="34" charset="-120"/>
+                </a:rPr>
+                <a:t>出塊</a:t>
+              </a:r>
+            </a:p>
+          </p:txBody>
+        </p:sp>
+        <mc:AlternateContent xmlns:mc="http://schemas.openxmlformats.org/markup-compatibility/2006">
+          <mc:Choice xmlns:a14="http://schemas.microsoft.com/office/drawing/2010/main" Requires="a14">
+            <p:sp>
+              <p:nvSpPr>
+                <p:cNvPr id="31" name="文字方塊 30">
+                  <a:extLst>
+                    <a:ext uri="{FF2B5EF4-FFF2-40B4-BE49-F238E27FC236}">
+                      <a16:creationId xmlns:a16="http://schemas.microsoft.com/office/drawing/2014/main" id="{911BD974-4060-4C43-ADD8-5CF5CCF9F3AB}"/>
+                    </a:ext>
+                  </a:extLst>
+                </p:cNvPr>
+                <p:cNvSpPr txBox="1"/>
+                <p:nvPr/>
+              </p:nvSpPr>
+              <p:spPr>
+                <a:xfrm>
+                  <a:off x="7302095" y="2914412"/>
+                  <a:ext cx="525541" cy="553357"/>
+                </a:xfrm>
+                <a:prstGeom prst="rect">
+                  <a:avLst/>
+                </a:prstGeom>
+                <a:noFill/>
+              </p:spPr>
+              <p:txBody>
+                <a:bodyPr wrap="square" rtlCol="0">
+                  <a:spAutoFit/>
+                </a:bodyPr>
+                <a:lstStyle/>
+                <a:p>
+                  <a:pPr/>
+                  <a14:m>
+                    <m:oMathPara xmlns:m="http://schemas.openxmlformats.org/officeDocument/2006/math">
+                      <m:oMathParaPr>
+                        <m:jc m:val="centerGroup"/>
+                      </m:oMathParaPr>
+                      <m:oMath xmlns:m="http://schemas.openxmlformats.org/officeDocument/2006/math">
+                        <m:r>
+                          <a:rPr lang="en-US" altLang="zh-TW" sz="1600" i="1" smtClean="0">
+                            <a:latin typeface="Cambria Math" panose="02040503050406030204" pitchFamily="18" charset="0"/>
+                            <a:ea typeface="Cambria Math" panose="02040503050406030204" pitchFamily="18" charset="0"/>
+                          </a:rPr>
+                          <m:t>&lt;</m:t>
+                        </m:r>
+                        <m:f>
+                          <m:fPr>
+                            <m:ctrlPr>
+                              <a:rPr lang="zh-TW" altLang="en-US" sz="1600" i="1" dirty="0" smtClean="0">
+                                <a:latin typeface="Cambria Math" panose="02040503050406030204" pitchFamily="18" charset="0"/>
+                              </a:rPr>
+                            </m:ctrlPr>
+                          </m:fPr>
+                          <m:num>
+                            <m:r>
+                              <a:rPr lang="zh-TW" altLang="en-US" sz="1600" i="1" dirty="0">
+                                <a:latin typeface="Cambria Math" panose="02040503050406030204" pitchFamily="18" charset="0"/>
+                              </a:rPr>
+                              <m:t>𝑀</m:t>
+                            </m:r>
+                          </m:num>
+                          <m:den>
+                            <m:r>
+                              <a:rPr lang="zh-TW" altLang="en-US" sz="1600" i="1" dirty="0">
+                                <a:latin typeface="Cambria Math" panose="02040503050406030204" pitchFamily="18" charset="0"/>
+                              </a:rPr>
+                              <m:t>𝑑</m:t>
+                            </m:r>
+                          </m:den>
+                        </m:f>
+                      </m:oMath>
+                    </m:oMathPara>
+                  </a14:m>
+                  <a:endParaRPr lang="zh-TW" altLang="en-US" sz="1600" dirty="0">
+                    <a:latin typeface="Times New Roman" panose="02020603050405020304" pitchFamily="18" charset="0"/>
+                    <a:ea typeface="微軟正黑體" panose="020B0604030504040204" pitchFamily="34" charset="-120"/>
+                  </a:endParaRPr>
+                </a:p>
+              </p:txBody>
+            </p:sp>
+          </mc:Choice>
+          <mc:Fallback>
+            <p:sp>
+              <p:nvSpPr>
+                <p:cNvPr id="31" name="文字方塊 30">
+                  <a:extLst>
+                    <a:ext uri="{FF2B5EF4-FFF2-40B4-BE49-F238E27FC236}">
+                      <a16:creationId xmlns:a16="http://schemas.microsoft.com/office/drawing/2014/main" id="{911BD974-4060-4C43-ADD8-5CF5CCF9F3AB}"/>
+                    </a:ext>
+                  </a:extLst>
+                </p:cNvPr>
+                <p:cNvSpPr txBox="1">
+                  <a:spLocks noRot="1" noChangeAspect="1" noMove="1" noResize="1" noEditPoints="1" noAdjustHandles="1" noChangeArrowheads="1" noChangeShapeType="1" noTextEdit="1"/>
+                </p:cNvSpPr>
+                <p:nvPr/>
+              </p:nvSpPr>
+              <p:spPr>
+                <a:xfrm>
+                  <a:off x="7302095" y="2914412"/>
+                  <a:ext cx="525541" cy="553357"/>
+                </a:xfrm>
+                <a:prstGeom prst="rect">
+                  <a:avLst/>
+                </a:prstGeom>
+                <a:blipFill>
+                  <a:blip r:embed="rId2"/>
+                  <a:stretch>
+                    <a:fillRect/>
+                  </a:stretch>
+                </a:blipFill>
+              </p:spPr>
+              <p:txBody>
+                <a:bodyPr/>
+                <a:lstStyle/>
+                <a:p>
+                  <a:r>
+                    <a:rPr lang="zh-TW" altLang="en-US">
+                      <a:noFill/>
+                    </a:rPr>
+                    <a:t> </a:t>
+                  </a:r>
+                </a:p>
+              </p:txBody>
+            </p:sp>
+          </mc:Fallback>
+        </mc:AlternateContent>
+        <mc:AlternateContent xmlns:mc="http://schemas.openxmlformats.org/markup-compatibility/2006">
+          <mc:Choice xmlns:a14="http://schemas.microsoft.com/office/drawing/2010/main" Requires="a14">
+            <p:sp>
+              <p:nvSpPr>
+                <p:cNvPr id="32" name="文字方塊 31">
+                  <a:extLst>
+                    <a:ext uri="{FF2B5EF4-FFF2-40B4-BE49-F238E27FC236}">
+                      <a16:creationId xmlns:a16="http://schemas.microsoft.com/office/drawing/2014/main" id="{B1D07FFF-E1EE-4DA3-A136-2B8E1E307055}"/>
+                    </a:ext>
+                  </a:extLst>
+                </p:cNvPr>
+                <p:cNvSpPr txBox="1"/>
+                <p:nvPr/>
+              </p:nvSpPr>
+              <p:spPr>
+                <a:xfrm>
+                  <a:off x="5295470" y="3868229"/>
+                  <a:ext cx="1540101" cy="485646"/>
+                </a:xfrm>
+                <a:prstGeom prst="rect">
+                  <a:avLst/>
+                </a:prstGeom>
+                <a:noFill/>
+              </p:spPr>
+              <p:txBody>
+                <a:bodyPr wrap="none" rtlCol="0">
+                  <a:spAutoFit/>
+                </a:bodyPr>
+                <a:lstStyle/>
+                <a:p>
+                  <a:pPr algn="ctr"/>
+                  <a14:m>
+                    <m:oMath xmlns:m="http://schemas.openxmlformats.org/officeDocument/2006/math">
+                      <m:r>
+                        <a:rPr lang="en-US" altLang="zh-TW" i="1" smtClean="0">
+                          <a:latin typeface="Cambria Math" panose="02040503050406030204" pitchFamily="18" charset="0"/>
+                          <a:ea typeface="Cambria Math" panose="02040503050406030204" pitchFamily="18" charset="0"/>
+                        </a:rPr>
+                        <m:t>&gt;</m:t>
+                      </m:r>
+                      <m:f>
+                        <m:fPr>
+                          <m:ctrlPr>
+                            <a:rPr lang="zh-TW" altLang="en-US" i="1" dirty="0" smtClean="0">
+                              <a:latin typeface="Cambria Math" panose="02040503050406030204" pitchFamily="18" charset="0"/>
+                            </a:rPr>
+                          </m:ctrlPr>
+                        </m:fPr>
+                        <m:num>
+                          <m:r>
+                            <a:rPr lang="zh-TW" altLang="en-US" i="1" dirty="0">
+                              <a:latin typeface="Cambria Math" panose="02040503050406030204" pitchFamily="18" charset="0"/>
+                            </a:rPr>
+                            <m:t>𝑀</m:t>
+                          </m:r>
+                        </m:num>
+                        <m:den>
+                          <m:r>
+                            <a:rPr lang="zh-TW" altLang="en-US" i="1" dirty="0">
+                              <a:latin typeface="Cambria Math" panose="02040503050406030204" pitchFamily="18" charset="0"/>
+                            </a:rPr>
+                            <m:t>𝑑</m:t>
+                          </m:r>
+                        </m:den>
+                      </m:f>
+                    </m:oMath>
+                  </a14:m>
+                  <a:r>
+                    <a:rPr lang="en-US" altLang="zh-TW" dirty="0">
+                      <a:latin typeface="Times New Roman" panose="02020603050405020304" pitchFamily="18" charset="0"/>
+                      <a:ea typeface="微軟正黑體" panose="020B0604030504040204" pitchFamily="34" charset="-120"/>
+                    </a:rPr>
+                    <a:t> </a:t>
+                  </a:r>
+                  <a:r>
+                    <a:rPr lang="en-US" altLang="zh-TW" sz="1400" dirty="0">
+                      <a:latin typeface="Times New Roman" panose="02020603050405020304" pitchFamily="18" charset="0"/>
+                      <a:ea typeface="微軟正黑體" panose="020B0604030504040204" pitchFamily="34" charset="-120"/>
+                      <a:sym typeface="Wingdings" panose="05000000000000000000" pitchFamily="2" charset="2"/>
+                    </a:rPr>
+                    <a:t></a:t>
+                  </a:r>
+                  <a:r>
+                    <a:rPr lang="en-US" altLang="zh-TW" sz="1400" dirty="0">
+                      <a:latin typeface="Times New Roman" panose="02020603050405020304" pitchFamily="18" charset="0"/>
+                      <a:ea typeface="微軟正黑體" panose="020B0604030504040204" pitchFamily="34" charset="-120"/>
+                    </a:rPr>
+                    <a:t> Nonce++</a:t>
+                  </a:r>
+                  <a:endParaRPr lang="zh-TW" altLang="en-US" sz="1400" dirty="0">
+                    <a:latin typeface="Times New Roman" panose="02020603050405020304" pitchFamily="18" charset="0"/>
+                    <a:ea typeface="微軟正黑體" panose="020B0604030504040204" pitchFamily="34" charset="-120"/>
+                  </a:endParaRPr>
+                </a:p>
+              </p:txBody>
+            </p:sp>
+          </mc:Choice>
+          <mc:Fallback>
+            <p:sp>
+              <p:nvSpPr>
+                <p:cNvPr id="32" name="文字方塊 31">
+                  <a:extLst>
+                    <a:ext uri="{FF2B5EF4-FFF2-40B4-BE49-F238E27FC236}">
+                      <a16:creationId xmlns:a16="http://schemas.microsoft.com/office/drawing/2014/main" id="{B1D07FFF-E1EE-4DA3-A136-2B8E1E307055}"/>
+                    </a:ext>
+                  </a:extLst>
+                </p:cNvPr>
+                <p:cNvSpPr txBox="1">
+                  <a:spLocks noRot="1" noChangeAspect="1" noMove="1" noResize="1" noEditPoints="1" noAdjustHandles="1" noChangeArrowheads="1" noChangeShapeType="1" noTextEdit="1"/>
+                </p:cNvSpPr>
+                <p:nvPr/>
+              </p:nvSpPr>
+              <p:spPr>
+                <a:xfrm>
+                  <a:off x="5295470" y="3868229"/>
+                  <a:ext cx="1540101" cy="485646"/>
+                </a:xfrm>
+                <a:prstGeom prst="rect">
+                  <a:avLst/>
+                </a:prstGeom>
+                <a:blipFill>
+                  <a:blip r:embed="rId3"/>
+                  <a:stretch>
+                    <a:fillRect b="-2532"/>
+                  </a:stretch>
+                </a:blipFill>
+              </p:spPr>
+              <p:txBody>
+                <a:bodyPr/>
+                <a:lstStyle/>
+                <a:p>
+                  <a:r>
+                    <a:rPr lang="zh-TW" altLang="en-US">
+                      <a:noFill/>
+                    </a:rPr>
+                    <a:t> </a:t>
+                  </a:r>
+                </a:p>
+              </p:txBody>
+            </p:sp>
+          </mc:Fallback>
+        </mc:AlternateContent>
+        <p:sp>
+          <p:nvSpPr>
+            <p:cNvPr id="25" name="箭號: 向右 24">
+              <a:extLst>
+                <a:ext uri="{FF2B5EF4-FFF2-40B4-BE49-F238E27FC236}">
+                  <a16:creationId xmlns:a16="http://schemas.microsoft.com/office/drawing/2014/main" id="{2E54D88C-198A-4FBD-8B9B-96479B88A771}"/>
+                </a:ext>
+              </a:extLst>
+            </p:cNvPr>
+            <p:cNvSpPr/>
+            <p:nvPr/>
+          </p:nvSpPr>
+          <p:spPr>
+            <a:xfrm>
+              <a:off x="5616765" y="3298948"/>
+              <a:ext cx="787395" cy="369332"/>
+            </a:xfrm>
+            <a:prstGeom prst="rightArrow">
+              <a:avLst/>
+            </a:prstGeom>
+          </p:spPr>
+          <p:style>
+            <a:lnRef idx="2">
+              <a:schemeClr val="dk1">
+                <a:shade val="50000"/>
+              </a:schemeClr>
+            </a:lnRef>
+            <a:fillRef idx="1">
+              <a:schemeClr val="dk1"/>
+            </a:fillRef>
+            <a:effectRef idx="0">
+              <a:schemeClr val="dk1"/>
+            </a:effectRef>
+            <a:fontRef idx="minor">
+              <a:schemeClr val="lt1"/>
+            </a:fontRef>
+          </p:style>
+          <p:txBody>
+            <a:bodyPr rtlCol="0" anchor="ctr"/>
+            <a:lstStyle/>
+            <a:p>
+              <a:pPr algn="ctr"/>
+              <a:endParaRPr lang="zh-TW" altLang="en-US">
+                <a:latin typeface="Times New Roman" panose="02020603050405020304" pitchFamily="18" charset="0"/>
+                <a:ea typeface="微軟正黑體" panose="020B0604030504040204" pitchFamily="34" charset="-120"/>
+              </a:endParaRPr>
+            </a:p>
+          </p:txBody>
+        </p:sp>
+        <p:cxnSp>
+          <p:nvCxnSpPr>
+            <p:cNvPr id="17" name="直線單箭頭接點 16">
+              <a:extLst>
+                <a:ext uri="{FF2B5EF4-FFF2-40B4-BE49-F238E27FC236}">
+                  <a16:creationId xmlns:a16="http://schemas.microsoft.com/office/drawing/2014/main" id="{335CAB3A-1D78-4F0A-9090-0CC85BB9439A}"/>
+                </a:ext>
+              </a:extLst>
+            </p:cNvPr>
+            <p:cNvCxnSpPr>
+              <a:cxnSpLocks/>
+              <a:stCxn id="29" idx="3"/>
+            </p:cNvCxnSpPr>
+            <p:nvPr/>
+          </p:nvCxnSpPr>
+          <p:spPr>
+            <a:xfrm>
+              <a:off x="7178731" y="3483614"/>
+              <a:ext cx="896457" cy="0"/>
+            </a:xfrm>
+            <a:prstGeom prst="straightConnector1">
+              <a:avLst/>
+            </a:prstGeom>
+            <a:ln>
+              <a:tailEnd type="triangle"/>
+            </a:ln>
+          </p:spPr>
+          <p:style>
+            <a:lnRef idx="1">
+              <a:schemeClr val="dk1"/>
+            </a:lnRef>
+            <a:fillRef idx="0">
+              <a:schemeClr val="dk1"/>
+            </a:fillRef>
+            <a:effectRef idx="0">
+              <a:schemeClr val="dk1"/>
+            </a:effectRef>
+            <a:fontRef idx="minor">
+              <a:schemeClr val="tx1"/>
+            </a:fontRef>
+          </p:style>
+        </p:cxnSp>
+        <p:cxnSp>
+          <p:nvCxnSpPr>
+            <p:cNvPr id="18" name="接點: 肘形 17">
+              <a:extLst>
+                <a:ext uri="{FF2B5EF4-FFF2-40B4-BE49-F238E27FC236}">
+                  <a16:creationId xmlns:a16="http://schemas.microsoft.com/office/drawing/2014/main" id="{5FEA5769-FB1F-4051-8C61-6FE820466F62}"/>
+                </a:ext>
+              </a:extLst>
+            </p:cNvPr>
+            <p:cNvCxnSpPr>
+              <a:stCxn id="29" idx="2"/>
+              <a:endCxn id="28" idx="2"/>
+            </p:cNvCxnSpPr>
+            <p:nvPr/>
+          </p:nvCxnSpPr>
+          <p:spPr>
+            <a:xfrm rot="5400000" flipH="1">
+              <a:off x="5996808" y="2873643"/>
+              <a:ext cx="20059" cy="1569216"/>
+            </a:xfrm>
+            <a:prstGeom prst="bentConnector3">
+              <a:avLst>
+                <a:gd name="adj1" fmla="val -1139638"/>
+              </a:avLst>
+            </a:prstGeom>
+            <a:ln>
+              <a:tailEnd type="triangle"/>
+            </a:ln>
+          </p:spPr>
+          <p:style>
+            <a:lnRef idx="1">
+              <a:schemeClr val="dk1"/>
+            </a:lnRef>
+            <a:fillRef idx="0">
+              <a:schemeClr val="dk1"/>
+            </a:fillRef>
+            <a:effectRef idx="0">
+              <a:schemeClr val="dk1"/>
+            </a:effectRef>
+            <a:fontRef idx="minor">
+              <a:schemeClr val="tx1"/>
+            </a:fontRef>
+          </p:style>
+        </p:cxnSp>
+        <p:sp>
+          <p:nvSpPr>
+            <p:cNvPr id="101" name="文字方塊 100">
+              <a:extLst>
+                <a:ext uri="{FF2B5EF4-FFF2-40B4-BE49-F238E27FC236}">
+                  <a16:creationId xmlns:a16="http://schemas.microsoft.com/office/drawing/2014/main" id="{A9F75813-A117-4BF7-BF5E-3B6F6F3F5959}"/>
+                </a:ext>
+              </a:extLst>
+            </p:cNvPr>
+            <p:cNvSpPr txBox="1"/>
+            <p:nvPr/>
+          </p:nvSpPr>
+          <p:spPr>
+            <a:xfrm>
+              <a:off x="5515738" y="2998328"/>
+              <a:ext cx="877163" cy="369332"/>
+            </a:xfrm>
+            <a:prstGeom prst="rect">
+              <a:avLst/>
+            </a:prstGeom>
+            <a:noFill/>
+          </p:spPr>
+          <p:txBody>
+            <a:bodyPr wrap="none" rtlCol="0">
+              <a:spAutoFit/>
+            </a:bodyPr>
+            <a:lstStyle/>
+            <a:p>
+              <a:r>
+                <a:rPr lang="en-US" altLang="zh-TW" dirty="0">
+                  <a:latin typeface="Times New Roman" panose="02020603050405020304" pitchFamily="18" charset="0"/>
+                  <a:ea typeface="微軟正黑體" panose="020B0604030504040204" pitchFamily="34" charset="-120"/>
+                </a:rPr>
+                <a:t>Keccak</a:t>
+              </a:r>
+              <a:endParaRPr lang="zh-TW" altLang="en-US" dirty="0">
+                <a:latin typeface="Times New Roman" panose="02020603050405020304" pitchFamily="18" charset="0"/>
+                <a:ea typeface="微軟正黑體" panose="020B0604030504040204" pitchFamily="34" charset="-120"/>
+              </a:endParaRPr>
+            </a:p>
+          </p:txBody>
+        </p:sp>
+        <p:sp>
+          <p:nvSpPr>
+            <p:cNvPr id="8" name="文字方塊 7">
+              <a:extLst>
+                <a:ext uri="{FF2B5EF4-FFF2-40B4-BE49-F238E27FC236}">
+                  <a16:creationId xmlns:a16="http://schemas.microsoft.com/office/drawing/2014/main" id="{EA720201-127D-4B1C-AE5F-EA4B9D01ECC2}"/>
+                </a:ext>
+              </a:extLst>
+            </p:cNvPr>
+            <p:cNvSpPr txBox="1"/>
+            <p:nvPr/>
+          </p:nvSpPr>
+          <p:spPr>
+            <a:xfrm>
+              <a:off x="6105760" y="2209845"/>
+              <a:ext cx="1262846" cy="646331"/>
+            </a:xfrm>
+            <a:prstGeom prst="rect">
+              <a:avLst/>
+            </a:prstGeom>
+            <a:noFill/>
+          </p:spPr>
+          <p:txBody>
+            <a:bodyPr wrap="none" rtlCol="0">
+              <a:spAutoFit/>
+            </a:bodyPr>
+            <a:lstStyle/>
+            <a:p>
+              <a:r>
+                <a:rPr lang="en-US" altLang="zh-TW" dirty="0"/>
+                <a:t>M:</a:t>
+              </a:r>
+              <a:r>
+                <a:rPr lang="zh-TW" altLang="en-US" dirty="0"/>
+                <a:t> </a:t>
+              </a:r>
+              <a:r>
+                <a:rPr lang="en-US" altLang="zh-TW" dirty="0"/>
+                <a:t>2^256</a:t>
+              </a:r>
+            </a:p>
+            <a:p>
+              <a:r>
+                <a:rPr lang="en-US" altLang="zh-TW" dirty="0"/>
+                <a:t>d:</a:t>
+              </a:r>
+              <a:r>
+                <a:rPr lang="zh-TW" altLang="en-US" dirty="0"/>
+                <a:t> </a:t>
+              </a:r>
+              <a:r>
+                <a:rPr lang="en-US" altLang="zh-TW" dirty="0"/>
+                <a:t>Difficulty</a:t>
+              </a:r>
+            </a:p>
+          </p:txBody>
+        </p:sp>
+        <p:sp>
+          <p:nvSpPr>
+            <p:cNvPr id="21" name="矩形 20">
+              <a:extLst>
+                <a:ext uri="{FF2B5EF4-FFF2-40B4-BE49-F238E27FC236}">
+                  <a16:creationId xmlns:a16="http://schemas.microsoft.com/office/drawing/2014/main" id="{B4666883-71CE-4B2B-A114-FC95E1410041}"/>
+                </a:ext>
+              </a:extLst>
+            </p:cNvPr>
+            <p:cNvSpPr/>
+            <p:nvPr/>
+          </p:nvSpPr>
+          <p:spPr>
+            <a:xfrm>
+              <a:off x="2003883" y="3157919"/>
+              <a:ext cx="2055722" cy="698594"/>
+            </a:xfrm>
+            <a:prstGeom prst="rect">
+              <a:avLst/>
+            </a:prstGeom>
+            <a:solidFill>
+              <a:srgbClr val="282D3F"/>
+            </a:solidFill>
+            <a:ln>
+              <a:noFill/>
+            </a:ln>
+            <a:effectLst>
+              <a:outerShdw blurRad="50800" dist="38100" dir="2700000" algn="tl" rotWithShape="0">
+                <a:prstClr val="black">
+                  <a:alpha val="40000"/>
+                </a:prstClr>
+              </a:outerShdw>
+            </a:effectLst>
+          </p:spPr>
+          <p:style>
+            <a:lnRef idx="2">
+              <a:schemeClr val="accent1">
+                <a:shade val="50000"/>
+              </a:schemeClr>
+            </a:lnRef>
+            <a:fillRef idx="1">
+              <a:schemeClr val="accent1"/>
+            </a:fillRef>
+            <a:effectRef idx="0">
+              <a:schemeClr val="accent1"/>
+            </a:effectRef>
+            <a:fontRef idx="minor">
+              <a:schemeClr val="lt1"/>
+            </a:fontRef>
+          </p:style>
+          <p:txBody>
+            <a:bodyPr rtlCol="0" anchor="ctr"/>
+            <a:lstStyle/>
+            <a:p>
+              <a:pPr algn="ctr"/>
+              <a:r>
+                <a:rPr lang="en-US" altLang="zh-TW" dirty="0">
+                  <a:latin typeface="Times New Roman" panose="02020603050405020304" pitchFamily="18" charset="0"/>
+                  <a:ea typeface="微軟正黑體" panose="020B0604030504040204" pitchFamily="34" charset="-120"/>
+                </a:rPr>
+                <a:t>Header</a:t>
+              </a:r>
+              <a:endParaRPr lang="zh-TW" altLang="en-US" dirty="0">
+                <a:latin typeface="Times New Roman" panose="02020603050405020304" pitchFamily="18" charset="0"/>
+                <a:ea typeface="微軟正黑體" panose="020B0604030504040204" pitchFamily="34" charset="-120"/>
+              </a:endParaRPr>
+            </a:p>
+          </p:txBody>
+        </p:sp>
+      </p:grpSp>
+    </p:spTree>
+    <p:extLst>
+      <p:ext uri="{BB962C8B-B14F-4D97-AF65-F5344CB8AC3E}">
+        <p14:creationId xmlns:p14="http://schemas.microsoft.com/office/powerpoint/2010/main" val="1678592809"/>
+      </p:ext>
+    </p:extLst>
+  </p:cSld>
+  <p:clrMapOvr>
+    <a:masterClrMapping/>
+  </p:clrMapOvr>
+</p:sld>
+</file>
+
+<file path=ppt/slides/slide12.xml><?xml version="1.0" encoding="utf-8"?>
+<p:sld xmlns:a="http://schemas.openxmlformats.org/drawingml/2006/main" xmlns:r="http://schemas.openxmlformats.org/officeDocument/2006/relationships" xmlns:p="http://schemas.openxmlformats.org/presentationml/2006/main">
+  <p:cSld>
+    <p:spTree>
+      <p:nvGrpSpPr>
+        <p:cNvPr id="1" name=""/>
+        <p:cNvGrpSpPr/>
+        <p:nvPr/>
+      </p:nvGrpSpPr>
+      <p:grpSpPr>
+        <a:xfrm>
+          <a:off x="0" y="0"/>
+          <a:ext cx="0" cy="0"/>
+          <a:chOff x="0" y="0"/>
+          <a:chExt cx="0" cy="0"/>
+        </a:xfrm>
+      </p:grpSpPr>
       <p:grpSp>
         <p:nvGrpSpPr>
           <p:cNvPr id="100" name="群組 99">
@@ -6667,7 +8334,7 @@
 </p:sld>
 </file>
 
-<file path=ppt/slides/slide11.xml><?xml version="1.0" encoding="utf-8"?>
+<file path=ppt/slides/slide13.xml><?xml version="1.0" encoding="utf-8"?>
 <p:sld xmlns:a="http://schemas.openxmlformats.org/drawingml/2006/main" xmlns:r="http://schemas.openxmlformats.org/officeDocument/2006/relationships" xmlns:p="http://schemas.openxmlformats.org/presentationml/2006/main">
   <p:cSld>
     <p:spTree>
@@ -7559,7 +9226,7 @@
 </p:sld>
 </file>
 
-<file path=ppt/slides/slide12.xml><?xml version="1.0" encoding="utf-8"?>
+<file path=ppt/slides/slide14.xml><?xml version="1.0" encoding="utf-8"?>
 <p:sld xmlns:a="http://schemas.openxmlformats.org/drawingml/2006/main" xmlns:r="http://schemas.openxmlformats.org/officeDocument/2006/relationships" xmlns:p="http://schemas.openxmlformats.org/presentationml/2006/main">
   <p:cSld>
     <p:spTree>
@@ -7963,7 +9630,7 @@
 </p:sld>
 </file>
 
-<file path=ppt/slides/slide13.xml><?xml version="1.0" encoding="utf-8"?>
+<file path=ppt/slides/slide15.xml><?xml version="1.0" encoding="utf-8"?>
 <p:sld xmlns:a="http://schemas.openxmlformats.org/drawingml/2006/main" xmlns:r="http://schemas.openxmlformats.org/officeDocument/2006/relationships" xmlns:p="http://schemas.openxmlformats.org/presentationml/2006/main">
   <p:cSld>
     <p:spTree>
@@ -8015,7 +9682,7 @@
 </p:sld>
 </file>
 
-<file path=ppt/slides/slide14.xml><?xml version="1.0" encoding="utf-8"?>
+<file path=ppt/slides/slide16.xml><?xml version="1.0" encoding="utf-8"?>
 <p:sld xmlns:a="http://schemas.openxmlformats.org/drawingml/2006/main" xmlns:r="http://schemas.openxmlformats.org/officeDocument/2006/relationships" xmlns:p="http://schemas.openxmlformats.org/presentationml/2006/main">
   <p:cSld>
     <p:spTree>
@@ -8086,7 +9753,7 @@
 </p:sld>
 </file>
 
-<file path=ppt/slides/slide15.xml><?xml version="1.0" encoding="utf-8"?>
+<file path=ppt/slides/slide17.xml><?xml version="1.0" encoding="utf-8"?>
 <p:sld xmlns:a="http://schemas.openxmlformats.org/drawingml/2006/main" xmlns:r="http://schemas.openxmlformats.org/officeDocument/2006/relationships" xmlns:p="http://schemas.openxmlformats.org/presentationml/2006/main">
   <p:cSld>
     <p:spTree>
@@ -8288,7 +9955,7 @@
 </p:sld>
 </file>
 
-<file path=ppt/slides/slide16.xml><?xml version="1.0" encoding="utf-8"?>
+<file path=ppt/slides/slide18.xml><?xml version="1.0" encoding="utf-8"?>
 <p:sld xmlns:a="http://schemas.openxmlformats.org/drawingml/2006/main" xmlns:r="http://schemas.openxmlformats.org/officeDocument/2006/relationships" xmlns:p="http://schemas.openxmlformats.org/presentationml/2006/main">
   <p:cSld>
     <p:spTree>
@@ -8468,7 +10135,7 @@
 </p:sld>
 </file>
 
-<file path=ppt/slides/slide17.xml><?xml version="1.0" encoding="utf-8"?>
+<file path=ppt/slides/slide19.xml><?xml version="1.0" encoding="utf-8"?>
 <p:sld xmlns:a="http://schemas.openxmlformats.org/drawingml/2006/main" xmlns:r="http://schemas.openxmlformats.org/officeDocument/2006/relationships" xmlns:p="http://schemas.openxmlformats.org/presentationml/2006/main">
   <p:cSld>
     <p:spTree>
@@ -8489,107 +10156,6 @@
     <p:extLst>
       <p:ext uri="{BB962C8B-B14F-4D97-AF65-F5344CB8AC3E}">
         <p14:creationId xmlns:p14="http://schemas.microsoft.com/office/powerpoint/2010/main" val="1892796756"/>
-      </p:ext>
-    </p:extLst>
-  </p:cSld>
-  <p:clrMapOvr>
-    <a:masterClrMapping/>
-  </p:clrMapOvr>
-</p:sld>
-</file>
-
-<file path=ppt/slides/slide18.xml><?xml version="1.0" encoding="utf-8"?>
-<p:sld xmlns:a="http://schemas.openxmlformats.org/drawingml/2006/main" xmlns:r="http://schemas.openxmlformats.org/officeDocument/2006/relationships" xmlns:p="http://schemas.openxmlformats.org/presentationml/2006/main">
-  <p:cSld>
-    <p:spTree>
-      <p:nvGrpSpPr>
-        <p:cNvPr id="1" name=""/>
-        <p:cNvGrpSpPr/>
-        <p:nvPr/>
-      </p:nvGrpSpPr>
-      <p:grpSpPr>
-        <a:xfrm>
-          <a:off x="0" y="0"/>
-          <a:ext cx="0" cy="0"/>
-          <a:chOff x="0" y="0"/>
-          <a:chExt cx="0" cy="0"/>
-        </a:xfrm>
-      </p:grpSpPr>
-    </p:spTree>
-    <p:extLst>
-      <p:ext uri="{BB962C8B-B14F-4D97-AF65-F5344CB8AC3E}">
-        <p14:creationId xmlns:p14="http://schemas.microsoft.com/office/powerpoint/2010/main" val="3537208846"/>
-      </p:ext>
-    </p:extLst>
-  </p:cSld>
-  <p:clrMapOvr>
-    <a:masterClrMapping/>
-  </p:clrMapOvr>
-</p:sld>
-</file>
-
-<file path=ppt/slides/slide19.xml><?xml version="1.0" encoding="utf-8"?>
-<p:sld xmlns:a="http://schemas.openxmlformats.org/drawingml/2006/main" xmlns:r="http://schemas.openxmlformats.org/officeDocument/2006/relationships" xmlns:p="http://schemas.openxmlformats.org/presentationml/2006/main">
-  <p:cSld>
-    <p:spTree>
-      <p:nvGrpSpPr>
-        <p:cNvPr id="1" name=""/>
-        <p:cNvGrpSpPr/>
-        <p:nvPr/>
-      </p:nvGrpSpPr>
-      <p:grpSpPr>
-        <a:xfrm>
-          <a:off x="0" y="0"/>
-          <a:ext cx="0" cy="0"/>
-          <a:chOff x="0" y="0"/>
-          <a:chExt cx="0" cy="0"/>
-        </a:xfrm>
-      </p:grpSpPr>
-      <p:sp>
-        <p:nvSpPr>
-          <p:cNvPr id="2" name="內容版面配置區 1"/>
-          <p:cNvSpPr>
-            <a:spLocks noGrp="1"/>
-          </p:cNvSpPr>
-          <p:nvPr>
-            <p:ph idx="1"/>
-          </p:nvPr>
-        </p:nvSpPr>
-        <p:spPr/>
-        <p:txBody>
-          <a:bodyPr/>
-          <a:lstStyle/>
-          <a:p>
-            <a:endParaRPr lang="zh-TW" altLang="en-US"/>
-          </a:p>
-        </p:txBody>
-      </p:sp>
-      <p:sp>
-        <p:nvSpPr>
-          <p:cNvPr id="3" name="標題 2"/>
-          <p:cNvSpPr>
-            <a:spLocks noGrp="1"/>
-          </p:cNvSpPr>
-          <p:nvPr>
-            <p:ph type="title"/>
-          </p:nvPr>
-        </p:nvSpPr>
-        <p:spPr/>
-        <p:txBody>
-          <a:bodyPr/>
-          <a:lstStyle/>
-          <a:p>
-            <a:r>
-              <a:rPr lang="zh-TW" altLang="en-US" dirty="0"/>
-              <a:t>問題記錄</a:t>
-            </a:r>
-          </a:p>
-        </p:txBody>
-      </p:sp>
-    </p:spTree>
-    <p:extLst>
-      <p:ext uri="{BB962C8B-B14F-4D97-AF65-F5344CB8AC3E}">
-        <p14:creationId xmlns:p14="http://schemas.microsoft.com/office/powerpoint/2010/main" val="1109655008"/>
       </p:ext>
     </p:extLst>
   </p:cSld>
@@ -8687,6 +10253,107 @@
           <a:chExt cx="0" cy="0"/>
         </a:xfrm>
       </p:grpSpPr>
+    </p:spTree>
+    <p:extLst>
+      <p:ext uri="{BB962C8B-B14F-4D97-AF65-F5344CB8AC3E}">
+        <p14:creationId xmlns:p14="http://schemas.microsoft.com/office/powerpoint/2010/main" val="3537208846"/>
+      </p:ext>
+    </p:extLst>
+  </p:cSld>
+  <p:clrMapOvr>
+    <a:masterClrMapping/>
+  </p:clrMapOvr>
+</p:sld>
+</file>
+
+<file path=ppt/slides/slide21.xml><?xml version="1.0" encoding="utf-8"?>
+<p:sld xmlns:a="http://schemas.openxmlformats.org/drawingml/2006/main" xmlns:r="http://schemas.openxmlformats.org/officeDocument/2006/relationships" xmlns:p="http://schemas.openxmlformats.org/presentationml/2006/main">
+  <p:cSld>
+    <p:spTree>
+      <p:nvGrpSpPr>
+        <p:cNvPr id="1" name=""/>
+        <p:cNvGrpSpPr/>
+        <p:nvPr/>
+      </p:nvGrpSpPr>
+      <p:grpSpPr>
+        <a:xfrm>
+          <a:off x="0" y="0"/>
+          <a:ext cx="0" cy="0"/>
+          <a:chOff x="0" y="0"/>
+          <a:chExt cx="0" cy="0"/>
+        </a:xfrm>
+      </p:grpSpPr>
+      <p:sp>
+        <p:nvSpPr>
+          <p:cNvPr id="2" name="內容版面配置區 1"/>
+          <p:cNvSpPr>
+            <a:spLocks noGrp="1"/>
+          </p:cNvSpPr>
+          <p:nvPr>
+            <p:ph idx="1"/>
+          </p:nvPr>
+        </p:nvSpPr>
+        <p:spPr/>
+        <p:txBody>
+          <a:bodyPr/>
+          <a:lstStyle/>
+          <a:p>
+            <a:endParaRPr lang="zh-TW" altLang="en-US"/>
+          </a:p>
+        </p:txBody>
+      </p:sp>
+      <p:sp>
+        <p:nvSpPr>
+          <p:cNvPr id="3" name="標題 2"/>
+          <p:cNvSpPr>
+            <a:spLocks noGrp="1"/>
+          </p:cNvSpPr>
+          <p:nvPr>
+            <p:ph type="title"/>
+          </p:nvPr>
+        </p:nvSpPr>
+        <p:spPr/>
+        <p:txBody>
+          <a:bodyPr/>
+          <a:lstStyle/>
+          <a:p>
+            <a:r>
+              <a:rPr lang="zh-TW" altLang="en-US" dirty="0"/>
+              <a:t>問題記錄</a:t>
+            </a:r>
+          </a:p>
+        </p:txBody>
+      </p:sp>
+    </p:spTree>
+    <p:extLst>
+      <p:ext uri="{BB962C8B-B14F-4D97-AF65-F5344CB8AC3E}">
+        <p14:creationId xmlns:p14="http://schemas.microsoft.com/office/powerpoint/2010/main" val="1109655008"/>
+      </p:ext>
+    </p:extLst>
+  </p:cSld>
+  <p:clrMapOvr>
+    <a:masterClrMapping/>
+  </p:clrMapOvr>
+</p:sld>
+</file>
+
+<file path=ppt/slides/slide22.xml><?xml version="1.0" encoding="utf-8"?>
+<p:sld xmlns:a="http://schemas.openxmlformats.org/drawingml/2006/main" xmlns:r="http://schemas.openxmlformats.org/officeDocument/2006/relationships" xmlns:p="http://schemas.openxmlformats.org/presentationml/2006/main">
+  <p:cSld>
+    <p:spTree>
+      <p:nvGrpSpPr>
+        <p:cNvPr id="1" name=""/>
+        <p:cNvGrpSpPr/>
+        <p:nvPr/>
+      </p:nvGrpSpPr>
+      <p:grpSpPr>
+        <a:xfrm>
+          <a:off x="0" y="0"/>
+          <a:ext cx="0" cy="0"/>
+          <a:chOff x="0" y="0"/>
+          <a:chExt cx="0" cy="0"/>
+        </a:xfrm>
+      </p:grpSpPr>
       <p:sp>
         <p:nvSpPr>
           <p:cNvPr id="2" name="內容版面配置區 1"/>
@@ -8741,7 +10408,7 @@
 </p:sld>
 </file>
 
-<file path=ppt/slides/slide21.xml><?xml version="1.0" encoding="utf-8"?>
+<file path=ppt/slides/slide23.xml><?xml version="1.0" encoding="utf-8"?>
 <p:sld xmlns:a="http://schemas.openxmlformats.org/drawingml/2006/main" xmlns:r="http://schemas.openxmlformats.org/officeDocument/2006/relationships" xmlns:p="http://schemas.openxmlformats.org/presentationml/2006/main">
   <p:cSld>
     <p:spTree>
@@ -8883,6 +10550,39 @@
             </a:r>
             <a:endParaRPr lang="en-US" altLang="zh-TW" dirty="0"/>
           </a:p>
+          <a:p>
+            <a:endParaRPr lang="en-US" altLang="zh-TW" dirty="0"/>
+          </a:p>
+          <a:p>
+            <a:r>
+              <a:rPr lang="en-US" altLang="zh-TW" b="1" dirty="0"/>
+              <a:t>Day13|</a:t>
+            </a:r>
+            <a:r>
+              <a:rPr lang="zh-TW" altLang="en-US" b="1" dirty="0"/>
+              <a:t>密碼學初探</a:t>
+            </a:r>
+            <a:r>
+              <a:rPr lang="en-US" altLang="zh-TW" b="1" dirty="0"/>
+              <a:t>(6)</a:t>
+            </a:r>
+            <a:r>
+              <a:rPr lang="zh-TW" altLang="en-US" b="1" dirty="0"/>
+              <a:t>：</a:t>
+            </a:r>
+            <a:r>
+              <a:rPr lang="en-US" altLang="zh-TW" b="1" dirty="0"/>
+              <a:t>Merkle Tree</a:t>
+            </a:r>
+            <a:r>
+              <a:rPr lang="zh-TW" altLang="en-US" b="1" dirty="0"/>
+              <a:t> </a:t>
+            </a:r>
+            <a:r>
+              <a:rPr lang="en-US" altLang="zh-TW" dirty="0"/>
+              <a:t>https://ithelp.ithome.com.tw/articles/10215108</a:t>
+            </a:r>
+          </a:p>
         </p:txBody>
       </p:sp>
       <p:sp>
@@ -8920,7 +10620,7 @@
 </p:sld>
 </file>
 
-<file path=ppt/slides/slide22.xml><?xml version="1.0" encoding="utf-8"?>
+<file path=ppt/slides/slide24.xml><?xml version="1.0" encoding="utf-8"?>
 <p:sld xmlns:a="http://schemas.openxmlformats.org/drawingml/2006/main" xmlns:r="http://schemas.openxmlformats.org/officeDocument/2006/relationships" xmlns:p="http://schemas.openxmlformats.org/presentationml/2006/main">
   <p:cSld>
     <p:spTree>
@@ -13632,7 +15332,12 @@
             <p:ph type="title"/>
           </p:nvPr>
         </p:nvSpPr>
-        <p:spPr/>
+        <p:spPr>
+          <a:xfrm>
+            <a:off x="838200" y="365125"/>
+            <a:ext cx="10515600" cy="720000"/>
+          </a:xfrm>
+        </p:spPr>
         <p:txBody>
           <a:bodyPr/>
           <a:lstStyle/>
@@ -13646,10 +15351,10 @@
       </p:sp>
       <p:grpSp>
         <p:nvGrpSpPr>
-          <p:cNvPr id="9" name="群組 8">
+          <p:cNvPr id="8" name="群組 7">
             <a:extLst>
               <a:ext uri="{FF2B5EF4-FFF2-40B4-BE49-F238E27FC236}">
-                <a16:creationId xmlns:a16="http://schemas.microsoft.com/office/drawing/2014/main" id="{9D7E0A0F-76F9-4E46-BE58-E8D6F50C945F}"/>
+                <a16:creationId xmlns:a16="http://schemas.microsoft.com/office/drawing/2014/main" id="{69DC24A0-658C-475A-B444-D507DD94D4E7}"/>
               </a:ext>
             </a:extLst>
           </p:cNvPr>
@@ -13658,18 +15363,18 @@
         </p:nvGrpSpPr>
         <p:grpSpPr>
           <a:xfrm>
-            <a:off x="2103272" y="2519174"/>
-            <a:ext cx="6719303" cy="2504947"/>
-            <a:chOff x="2103272" y="2519174"/>
-            <a:chExt cx="6719303" cy="2504947"/>
+            <a:off x="1085465" y="1394096"/>
+            <a:ext cx="9112863" cy="4500736"/>
+            <a:chOff x="1085465" y="1394096"/>
+            <a:chExt cx="9112863" cy="4500736"/>
           </a:xfrm>
         </p:grpSpPr>
         <p:grpSp>
           <p:nvGrpSpPr>
-            <p:cNvPr id="6" name="群組 5">
+            <p:cNvPr id="133" name="群組 132">
               <a:extLst>
                 <a:ext uri="{FF2B5EF4-FFF2-40B4-BE49-F238E27FC236}">
-                  <a16:creationId xmlns:a16="http://schemas.microsoft.com/office/drawing/2014/main" id="{2F37C883-94BF-41DA-A8CD-A3BF880D7A17}"/>
+                  <a16:creationId xmlns:a16="http://schemas.microsoft.com/office/drawing/2014/main" id="{F5B90D74-41B8-453B-ADF9-BE663180F681}"/>
                 </a:ext>
               </a:extLst>
             </p:cNvPr>
@@ -13678,10 +15383,10 @@
           </p:nvGrpSpPr>
           <p:grpSpPr>
             <a:xfrm>
-              <a:off x="2103272" y="2519174"/>
-              <a:ext cx="6719303" cy="2504947"/>
-              <a:chOff x="1838584" y="1848614"/>
-              <a:chExt cx="6719303" cy="2504947"/>
+              <a:off x="3334513" y="1402016"/>
+              <a:ext cx="4591398" cy="4492816"/>
+              <a:chOff x="775443" y="682688"/>
+              <a:chExt cx="3876918" cy="4425224"/>
             </a:xfrm>
           </p:grpSpPr>
           <p:sp>
@@ -13698,8 +15403,8 @@
             </p:nvSpPr>
             <p:spPr>
               <a:xfrm>
-                <a:off x="1838584" y="2198034"/>
-                <a:ext cx="2088628" cy="2155527"/>
+                <a:off x="836415" y="969264"/>
+                <a:ext cx="3815946" cy="4138648"/>
               </a:xfrm>
               <a:prstGeom prst="rect">
                 <a:avLst/>
@@ -13760,7 +15465,2474 @@
             </p:nvSpPr>
             <p:spPr>
               <a:xfrm>
-                <a:off x="1913177" y="2362786"/>
+                <a:off x="911006" y="1051908"/>
+                <a:ext cx="3662105" cy="974378"/>
+              </a:xfrm>
+              <a:prstGeom prst="rect">
+                <a:avLst/>
+              </a:prstGeom>
+              <a:solidFill>
+                <a:srgbClr val="282D3F"/>
+              </a:solidFill>
+              <a:ln>
+                <a:noFill/>
+              </a:ln>
+              <a:effectLst>
+                <a:outerShdw blurRad="50800" dist="38100" dir="2700000" algn="tl" rotWithShape="0">
+                  <a:prstClr val="black">
+                    <a:alpha val="40000"/>
+                  </a:prstClr>
+                </a:outerShdw>
+              </a:effectLst>
+            </p:spPr>
+            <p:style>
+              <a:lnRef idx="2">
+                <a:schemeClr val="accent1">
+                  <a:shade val="50000"/>
+                </a:schemeClr>
+              </a:lnRef>
+              <a:fillRef idx="1">
+                <a:schemeClr val="accent1"/>
+              </a:fillRef>
+              <a:effectRef idx="0">
+                <a:schemeClr val="accent1"/>
+              </a:effectRef>
+              <a:fontRef idx="minor">
+                <a:schemeClr val="lt1"/>
+              </a:fontRef>
+            </p:style>
+            <p:txBody>
+              <a:bodyPr rtlCol="0" anchor="ctr"/>
+              <a:lstStyle/>
+              <a:p>
+                <a:pPr algn="ctr"/>
+                <a:endParaRPr lang="zh-TW" altLang="en-US" dirty="0">
+                  <a:latin typeface="Times New Roman" panose="02020603050405020304" pitchFamily="18" charset="0"/>
+                  <a:ea typeface="微軟正黑體" panose="020B0604030504040204" pitchFamily="34" charset="-120"/>
+                </a:endParaRPr>
+              </a:p>
+            </p:txBody>
+          </p:sp>
+          <p:sp>
+            <p:nvSpPr>
+              <p:cNvPr id="33" name="文字方塊 32">
+                <a:extLst>
+                  <a:ext uri="{FF2B5EF4-FFF2-40B4-BE49-F238E27FC236}">
+                    <a16:creationId xmlns:a16="http://schemas.microsoft.com/office/drawing/2014/main" id="{6CBF4B89-E32D-4401-9C1F-578E9F6AD496}"/>
+                  </a:ext>
+                </a:extLst>
+              </p:cNvPr>
+              <p:cNvSpPr txBox="1"/>
+              <p:nvPr/>
+            </p:nvSpPr>
+            <p:spPr>
+              <a:xfrm>
+                <a:off x="775443" y="682688"/>
+                <a:ext cx="916628" cy="333461"/>
+              </a:xfrm>
+              <a:prstGeom prst="rect">
+                <a:avLst/>
+              </a:prstGeom>
+              <a:noFill/>
+            </p:spPr>
+            <p:txBody>
+              <a:bodyPr wrap="none" rtlCol="0">
+                <a:spAutoFit/>
+              </a:bodyPr>
+              <a:lstStyle/>
+              <a:p>
+                <a:r>
+                  <a:rPr lang="en-US" altLang="zh-TW" sz="1600" dirty="0">
+                    <a:latin typeface="Times New Roman" panose="02020603050405020304" pitchFamily="18" charset="0"/>
+                    <a:ea typeface="微軟正黑體" panose="020B0604030504040204" pitchFamily="34" charset="-120"/>
+                  </a:rPr>
+                  <a:t>Block1982</a:t>
+                </a:r>
+                <a:endParaRPr lang="zh-TW" altLang="en-US" dirty="0">
+                  <a:latin typeface="Times New Roman" panose="02020603050405020304" pitchFamily="18" charset="0"/>
+                  <a:ea typeface="微軟正黑體" panose="020B0604030504040204" pitchFamily="34" charset="-120"/>
+                </a:endParaRPr>
+              </a:p>
+            </p:txBody>
+          </p:sp>
+          <p:sp>
+            <p:nvSpPr>
+              <p:cNvPr id="2" name="矩形 1">
+                <a:extLst>
+                  <a:ext uri="{FF2B5EF4-FFF2-40B4-BE49-F238E27FC236}">
+                    <a16:creationId xmlns:a16="http://schemas.microsoft.com/office/drawing/2014/main" id="{7AEA7224-6ADB-4FC7-B77C-3F7A0E3629BC}"/>
+                  </a:ext>
+                </a:extLst>
+              </p:cNvPr>
+              <p:cNvSpPr/>
+              <p:nvPr/>
+            </p:nvSpPr>
+            <p:spPr>
+              <a:xfrm>
+                <a:off x="911007" y="2145790"/>
+                <a:ext cx="3662105" cy="2889501"/>
+              </a:xfrm>
+              <a:prstGeom prst="rect">
+                <a:avLst/>
+              </a:prstGeom>
+              <a:solidFill>
+                <a:schemeClr val="bg1"/>
+              </a:solidFill>
+              <a:ln>
+                <a:noFill/>
+              </a:ln>
+            </p:spPr>
+            <p:style>
+              <a:lnRef idx="2">
+                <a:schemeClr val="accent1">
+                  <a:shade val="50000"/>
+                </a:schemeClr>
+              </a:lnRef>
+              <a:fillRef idx="1">
+                <a:schemeClr val="accent1"/>
+              </a:fillRef>
+              <a:effectRef idx="0">
+                <a:schemeClr val="accent1"/>
+              </a:effectRef>
+              <a:fontRef idx="minor">
+                <a:schemeClr val="lt1"/>
+              </a:fontRef>
+            </p:style>
+            <p:txBody>
+              <a:bodyPr rtlCol="0" anchor="ctr"/>
+              <a:lstStyle/>
+              <a:p>
+                <a:pPr algn="ctr"/>
+                <a:endParaRPr lang="zh-TW" altLang="en-US">
+                  <a:latin typeface="Times New Roman" panose="02020603050405020304" pitchFamily="18" charset="0"/>
+                  <a:ea typeface="微軟正黑體" panose="020B0604030504040204" pitchFamily="34" charset="-120"/>
+                </a:endParaRPr>
+              </a:p>
+            </p:txBody>
+          </p:sp>
+          <p:grpSp>
+            <p:nvGrpSpPr>
+              <p:cNvPr id="91" name="群組 90">
+                <a:extLst>
+                  <a:ext uri="{FF2B5EF4-FFF2-40B4-BE49-F238E27FC236}">
+                    <a16:creationId xmlns:a16="http://schemas.microsoft.com/office/drawing/2014/main" id="{01597C4B-5108-4F64-BCD6-265E3B058A29}"/>
+                  </a:ext>
+                </a:extLst>
+              </p:cNvPr>
+              <p:cNvGrpSpPr/>
+              <p:nvPr/>
+            </p:nvGrpSpPr>
+            <p:grpSpPr>
+              <a:xfrm>
+                <a:off x="994688" y="1130591"/>
+                <a:ext cx="3465812" cy="3714236"/>
+                <a:chOff x="7436220" y="139145"/>
+                <a:chExt cx="4466600" cy="4730247"/>
+              </a:xfrm>
+            </p:grpSpPr>
+            <p:sp>
+              <p:nvSpPr>
+                <p:cNvPr id="4" name="矩形 3">
+                  <a:extLst>
+                    <a:ext uri="{FF2B5EF4-FFF2-40B4-BE49-F238E27FC236}">
+                      <a16:creationId xmlns:a16="http://schemas.microsoft.com/office/drawing/2014/main" id="{0046A12A-571F-4405-AA0D-D4CB101BA173}"/>
+                    </a:ext>
+                  </a:extLst>
+                </p:cNvPr>
+                <p:cNvSpPr/>
+                <p:nvPr/>
+              </p:nvSpPr>
+              <p:spPr>
+                <a:xfrm>
+                  <a:off x="9873430" y="1552154"/>
+                  <a:ext cx="865151" cy="451105"/>
+                </a:xfrm>
+                <a:prstGeom prst="rect">
+                  <a:avLst/>
+                </a:prstGeom>
+              </p:spPr>
+              <p:style>
+                <a:lnRef idx="2">
+                  <a:schemeClr val="accent1">
+                    <a:shade val="50000"/>
+                  </a:schemeClr>
+                </a:lnRef>
+                <a:fillRef idx="1">
+                  <a:schemeClr val="accent1"/>
+                </a:fillRef>
+                <a:effectRef idx="0">
+                  <a:schemeClr val="accent1"/>
+                </a:effectRef>
+                <a:fontRef idx="minor">
+                  <a:schemeClr val="lt1"/>
+                </a:fontRef>
+              </p:style>
+              <p:txBody>
+                <a:bodyPr rtlCol="0" anchor="ctr"/>
+                <a:lstStyle/>
+                <a:p>
+                  <a:pPr algn="ctr"/>
+                  <a:r>
+                    <a:rPr lang="en-US" altLang="zh-TW" sz="1050" dirty="0">
+                      <a:latin typeface="Times New Roman" panose="02020603050405020304" pitchFamily="18" charset="0"/>
+                      <a:ea typeface="微軟正黑體" panose="020B0604030504040204" pitchFamily="34" charset="-120"/>
+                    </a:rPr>
+                    <a:t>Hash1-6</a:t>
+                  </a:r>
+                  <a:endParaRPr lang="zh-TW" altLang="en-US" sz="1050" dirty="0">
+                    <a:latin typeface="Times New Roman" panose="02020603050405020304" pitchFamily="18" charset="0"/>
+                    <a:ea typeface="微軟正黑體" panose="020B0604030504040204" pitchFamily="34" charset="-120"/>
+                  </a:endParaRPr>
+                </a:p>
+              </p:txBody>
+            </p:sp>
+            <p:sp>
+              <p:nvSpPr>
+                <p:cNvPr id="23" name="矩形 22">
+                  <a:extLst>
+                    <a:ext uri="{FF2B5EF4-FFF2-40B4-BE49-F238E27FC236}">
+                      <a16:creationId xmlns:a16="http://schemas.microsoft.com/office/drawing/2014/main" id="{19C58561-F866-4D28-B929-37925B1EE0AA}"/>
+                    </a:ext>
+                  </a:extLst>
+                </p:cNvPr>
+                <p:cNvSpPr/>
+                <p:nvPr/>
+              </p:nvSpPr>
+              <p:spPr>
+                <a:xfrm>
+                  <a:off x="8509206" y="2336175"/>
+                  <a:ext cx="1093308" cy="451105"/>
+                </a:xfrm>
+                <a:prstGeom prst="rect">
+                  <a:avLst/>
+                </a:prstGeom>
+              </p:spPr>
+              <p:style>
+                <a:lnRef idx="2">
+                  <a:schemeClr val="accent1">
+                    <a:shade val="50000"/>
+                  </a:schemeClr>
+                </a:lnRef>
+                <a:fillRef idx="1">
+                  <a:schemeClr val="accent1"/>
+                </a:fillRef>
+                <a:effectRef idx="0">
+                  <a:schemeClr val="accent1"/>
+                </a:effectRef>
+                <a:fontRef idx="minor">
+                  <a:schemeClr val="lt1"/>
+                </a:fontRef>
+              </p:style>
+              <p:txBody>
+                <a:bodyPr rtlCol="0" anchor="ctr"/>
+                <a:lstStyle/>
+                <a:p>
+                  <a:pPr algn="ctr"/>
+                  <a:r>
+                    <a:rPr lang="en-US" altLang="zh-TW" sz="1050" dirty="0">
+                      <a:latin typeface="Times New Roman" panose="02020603050405020304" pitchFamily="18" charset="0"/>
+                      <a:ea typeface="微軟正黑體" panose="020B0604030504040204" pitchFamily="34" charset="-120"/>
+                    </a:rPr>
+                    <a:t>Hash1234</a:t>
+                  </a:r>
+                  <a:endParaRPr lang="zh-TW" altLang="en-US" sz="1050" dirty="0">
+                    <a:latin typeface="Times New Roman" panose="02020603050405020304" pitchFamily="18" charset="0"/>
+                    <a:ea typeface="微軟正黑體" panose="020B0604030504040204" pitchFamily="34" charset="-120"/>
+                  </a:endParaRPr>
+                </a:p>
+              </p:txBody>
+            </p:sp>
+            <p:sp>
+              <p:nvSpPr>
+                <p:cNvPr id="26" name="矩形 25">
+                  <a:extLst>
+                    <a:ext uri="{FF2B5EF4-FFF2-40B4-BE49-F238E27FC236}">
+                      <a16:creationId xmlns:a16="http://schemas.microsoft.com/office/drawing/2014/main" id="{721A91AA-A5A9-4729-B066-665B63BF3924}"/>
+                    </a:ext>
+                  </a:extLst>
+                </p:cNvPr>
+                <p:cNvSpPr/>
+                <p:nvPr/>
+              </p:nvSpPr>
+              <p:spPr>
+                <a:xfrm>
+                  <a:off x="10842733" y="2977896"/>
+                  <a:ext cx="788817" cy="451105"/>
+                </a:xfrm>
+                <a:prstGeom prst="rect">
+                  <a:avLst/>
+                </a:prstGeom>
+              </p:spPr>
+              <p:style>
+                <a:lnRef idx="2">
+                  <a:schemeClr val="accent1">
+                    <a:shade val="50000"/>
+                  </a:schemeClr>
+                </a:lnRef>
+                <a:fillRef idx="1">
+                  <a:schemeClr val="accent1"/>
+                </a:fillRef>
+                <a:effectRef idx="0">
+                  <a:schemeClr val="accent1"/>
+                </a:effectRef>
+                <a:fontRef idx="minor">
+                  <a:schemeClr val="lt1"/>
+                </a:fontRef>
+              </p:style>
+              <p:txBody>
+                <a:bodyPr rtlCol="0" anchor="ctr"/>
+                <a:lstStyle/>
+                <a:p>
+                  <a:pPr algn="ctr"/>
+                  <a:r>
+                    <a:rPr lang="en-US" altLang="zh-TW" sz="1050" dirty="0">
+                      <a:latin typeface="Times New Roman" panose="02020603050405020304" pitchFamily="18" charset="0"/>
+                      <a:ea typeface="微軟正黑體" panose="020B0604030504040204" pitchFamily="34" charset="-120"/>
+                    </a:rPr>
+                    <a:t>Hash56</a:t>
+                  </a:r>
+                  <a:endParaRPr lang="zh-TW" altLang="en-US" sz="1050" dirty="0">
+                    <a:latin typeface="Times New Roman" panose="02020603050405020304" pitchFamily="18" charset="0"/>
+                    <a:ea typeface="微軟正黑體" panose="020B0604030504040204" pitchFamily="34" charset="-120"/>
+                  </a:endParaRPr>
+                </a:p>
+              </p:txBody>
+            </p:sp>
+            <p:sp>
+              <p:nvSpPr>
+                <p:cNvPr id="38" name="矩形 37">
+                  <a:extLst>
+                    <a:ext uri="{FF2B5EF4-FFF2-40B4-BE49-F238E27FC236}">
+                      <a16:creationId xmlns:a16="http://schemas.microsoft.com/office/drawing/2014/main" id="{A249E248-9175-46A5-8340-BD1884D0F2F4}"/>
+                    </a:ext>
+                  </a:extLst>
+                </p:cNvPr>
+                <p:cNvSpPr/>
+                <p:nvPr/>
+              </p:nvSpPr>
+              <p:spPr>
+                <a:xfrm>
+                  <a:off x="7878958" y="2992160"/>
+                  <a:ext cx="805129" cy="451105"/>
+                </a:xfrm>
+                <a:prstGeom prst="rect">
+                  <a:avLst/>
+                </a:prstGeom>
+              </p:spPr>
+              <p:style>
+                <a:lnRef idx="2">
+                  <a:schemeClr val="accent1">
+                    <a:shade val="50000"/>
+                  </a:schemeClr>
+                </a:lnRef>
+                <a:fillRef idx="1">
+                  <a:schemeClr val="accent1"/>
+                </a:fillRef>
+                <a:effectRef idx="0">
+                  <a:schemeClr val="accent1"/>
+                </a:effectRef>
+                <a:fontRef idx="minor">
+                  <a:schemeClr val="lt1"/>
+                </a:fontRef>
+              </p:style>
+              <p:txBody>
+                <a:bodyPr rtlCol="0" anchor="ctr"/>
+                <a:lstStyle/>
+                <a:p>
+                  <a:pPr algn="ctr"/>
+                  <a:r>
+                    <a:rPr lang="en-US" altLang="zh-TW" sz="1050" dirty="0">
+                      <a:latin typeface="Times New Roman" panose="02020603050405020304" pitchFamily="18" charset="0"/>
+                      <a:ea typeface="微軟正黑體" panose="020B0604030504040204" pitchFamily="34" charset="-120"/>
+                    </a:rPr>
+                    <a:t>Hash12</a:t>
+                  </a:r>
+                  <a:endParaRPr lang="zh-TW" altLang="en-US" sz="1050" dirty="0">
+                    <a:latin typeface="Times New Roman" panose="02020603050405020304" pitchFamily="18" charset="0"/>
+                    <a:ea typeface="微軟正黑體" panose="020B0604030504040204" pitchFamily="34" charset="-120"/>
+                  </a:endParaRPr>
+                </a:p>
+              </p:txBody>
+            </p:sp>
+            <p:sp>
+              <p:nvSpPr>
+                <p:cNvPr id="39" name="矩形 38">
+                  <a:extLst>
+                    <a:ext uri="{FF2B5EF4-FFF2-40B4-BE49-F238E27FC236}">
+                      <a16:creationId xmlns:a16="http://schemas.microsoft.com/office/drawing/2014/main" id="{D1B1B0C0-765B-422B-BA85-A61D243CE70D}"/>
+                    </a:ext>
+                  </a:extLst>
+                </p:cNvPr>
+                <p:cNvSpPr/>
+                <p:nvPr/>
+              </p:nvSpPr>
+              <p:spPr>
+                <a:xfrm>
+                  <a:off x="9273228" y="2983439"/>
+                  <a:ext cx="805129" cy="451105"/>
+                </a:xfrm>
+                <a:prstGeom prst="rect">
+                  <a:avLst/>
+                </a:prstGeom>
+              </p:spPr>
+              <p:style>
+                <a:lnRef idx="2">
+                  <a:schemeClr val="accent1">
+                    <a:shade val="50000"/>
+                  </a:schemeClr>
+                </a:lnRef>
+                <a:fillRef idx="1">
+                  <a:schemeClr val="accent1"/>
+                </a:fillRef>
+                <a:effectRef idx="0">
+                  <a:schemeClr val="accent1"/>
+                </a:effectRef>
+                <a:fontRef idx="minor">
+                  <a:schemeClr val="lt1"/>
+                </a:fontRef>
+              </p:style>
+              <p:txBody>
+                <a:bodyPr rtlCol="0" anchor="ctr"/>
+                <a:lstStyle/>
+                <a:p>
+                  <a:pPr algn="ctr"/>
+                  <a:r>
+                    <a:rPr lang="en-US" altLang="zh-TW" sz="1050" dirty="0">
+                      <a:latin typeface="Times New Roman" panose="02020603050405020304" pitchFamily="18" charset="0"/>
+                      <a:ea typeface="微軟正黑體" panose="020B0604030504040204" pitchFamily="34" charset="-120"/>
+                    </a:rPr>
+                    <a:t>Hash34</a:t>
+                  </a:r>
+                  <a:endParaRPr lang="zh-TW" altLang="en-US" sz="1050" dirty="0">
+                    <a:latin typeface="Times New Roman" panose="02020603050405020304" pitchFamily="18" charset="0"/>
+                    <a:ea typeface="微軟正黑體" panose="020B0604030504040204" pitchFamily="34" charset="-120"/>
+                  </a:endParaRPr>
+                </a:p>
+              </p:txBody>
+            </p:sp>
+            <p:sp>
+              <p:nvSpPr>
+                <p:cNvPr id="40" name="矩形 39">
+                  <a:extLst>
+                    <a:ext uri="{FF2B5EF4-FFF2-40B4-BE49-F238E27FC236}">
+                      <a16:creationId xmlns:a16="http://schemas.microsoft.com/office/drawing/2014/main" id="{EABB7AA4-8839-4EA4-A636-BFCA94D5DA55}"/>
+                    </a:ext>
+                  </a:extLst>
+                </p:cNvPr>
+                <p:cNvSpPr/>
+                <p:nvPr/>
+              </p:nvSpPr>
+              <p:spPr>
+                <a:xfrm>
+                  <a:off x="8242324" y="3668817"/>
+                  <a:ext cx="585216" cy="451104"/>
+                </a:xfrm>
+                <a:prstGeom prst="rect">
+                  <a:avLst/>
+                </a:prstGeom>
+              </p:spPr>
+              <p:style>
+                <a:lnRef idx="2">
+                  <a:schemeClr val="accent1">
+                    <a:shade val="50000"/>
+                  </a:schemeClr>
+                </a:lnRef>
+                <a:fillRef idx="1">
+                  <a:schemeClr val="accent1"/>
+                </a:fillRef>
+                <a:effectRef idx="0">
+                  <a:schemeClr val="accent1"/>
+                </a:effectRef>
+                <a:fontRef idx="minor">
+                  <a:schemeClr val="lt1"/>
+                </a:fontRef>
+              </p:style>
+              <p:txBody>
+                <a:bodyPr rtlCol="0" anchor="ctr"/>
+                <a:lstStyle/>
+                <a:p>
+                  <a:pPr algn="ctr"/>
+                  <a:r>
+                    <a:rPr lang="en-US" altLang="zh-TW" sz="1050" dirty="0">
+                      <a:latin typeface="Times New Roman" panose="02020603050405020304" pitchFamily="18" charset="0"/>
+                      <a:ea typeface="微軟正黑體" panose="020B0604030504040204" pitchFamily="34" charset="-120"/>
+                    </a:rPr>
+                    <a:t>Hash2</a:t>
+                  </a:r>
+                  <a:endParaRPr lang="zh-TW" altLang="en-US" sz="1050" dirty="0">
+                    <a:latin typeface="Times New Roman" panose="02020603050405020304" pitchFamily="18" charset="0"/>
+                    <a:ea typeface="微軟正黑體" panose="020B0604030504040204" pitchFamily="34" charset="-120"/>
+                  </a:endParaRPr>
+                </a:p>
+              </p:txBody>
+            </p:sp>
+            <p:sp>
+              <p:nvSpPr>
+                <p:cNvPr id="41" name="矩形 40">
+                  <a:extLst>
+                    <a:ext uri="{FF2B5EF4-FFF2-40B4-BE49-F238E27FC236}">
+                      <a16:creationId xmlns:a16="http://schemas.microsoft.com/office/drawing/2014/main" id="{F9C61E7F-BC48-4821-92DD-9CFC5870E120}"/>
+                    </a:ext>
+                  </a:extLst>
+                </p:cNvPr>
+                <p:cNvSpPr/>
+                <p:nvPr/>
+              </p:nvSpPr>
+              <p:spPr>
+                <a:xfrm>
+                  <a:off x="7473504" y="3689653"/>
+                  <a:ext cx="574167" cy="451105"/>
+                </a:xfrm>
+                <a:prstGeom prst="rect">
+                  <a:avLst/>
+                </a:prstGeom>
+              </p:spPr>
+              <p:style>
+                <a:lnRef idx="2">
+                  <a:schemeClr val="accent1">
+                    <a:shade val="50000"/>
+                  </a:schemeClr>
+                </a:lnRef>
+                <a:fillRef idx="1">
+                  <a:schemeClr val="accent1"/>
+                </a:fillRef>
+                <a:effectRef idx="0">
+                  <a:schemeClr val="accent1"/>
+                </a:effectRef>
+                <a:fontRef idx="minor">
+                  <a:schemeClr val="lt1"/>
+                </a:fontRef>
+              </p:style>
+              <p:txBody>
+                <a:bodyPr rtlCol="0" anchor="ctr"/>
+                <a:lstStyle/>
+                <a:p>
+                  <a:pPr algn="ctr"/>
+                  <a:r>
+                    <a:rPr lang="en-US" altLang="zh-TW" sz="1050" dirty="0">
+                      <a:latin typeface="Times New Roman" panose="02020603050405020304" pitchFamily="18" charset="0"/>
+                      <a:ea typeface="微軟正黑體" panose="020B0604030504040204" pitchFamily="34" charset="-120"/>
+                    </a:rPr>
+                    <a:t>Hash1</a:t>
+                  </a:r>
+                  <a:endParaRPr lang="zh-TW" altLang="en-US" sz="1050" dirty="0">
+                    <a:latin typeface="Times New Roman" panose="02020603050405020304" pitchFamily="18" charset="0"/>
+                    <a:ea typeface="微軟正黑體" panose="020B0604030504040204" pitchFamily="34" charset="-120"/>
+                  </a:endParaRPr>
+                </a:p>
+              </p:txBody>
+            </p:sp>
+            <p:sp>
+              <p:nvSpPr>
+                <p:cNvPr id="42" name="矩形 41">
+                  <a:extLst>
+                    <a:ext uri="{FF2B5EF4-FFF2-40B4-BE49-F238E27FC236}">
+                      <a16:creationId xmlns:a16="http://schemas.microsoft.com/office/drawing/2014/main" id="{F73D57B8-AF45-4AF9-B8CC-D646F89AC331}"/>
+                    </a:ext>
+                  </a:extLst>
+                </p:cNvPr>
+                <p:cNvSpPr/>
+                <p:nvPr/>
+              </p:nvSpPr>
+              <p:spPr>
+                <a:xfrm>
+                  <a:off x="9010926" y="3677713"/>
+                  <a:ext cx="585216" cy="451104"/>
+                </a:xfrm>
+                <a:prstGeom prst="rect">
+                  <a:avLst/>
+                </a:prstGeom>
+              </p:spPr>
+              <p:style>
+                <a:lnRef idx="2">
+                  <a:schemeClr val="accent1">
+                    <a:shade val="50000"/>
+                  </a:schemeClr>
+                </a:lnRef>
+                <a:fillRef idx="1">
+                  <a:schemeClr val="accent1"/>
+                </a:fillRef>
+                <a:effectRef idx="0">
+                  <a:schemeClr val="accent1"/>
+                </a:effectRef>
+                <a:fontRef idx="minor">
+                  <a:schemeClr val="lt1"/>
+                </a:fontRef>
+              </p:style>
+              <p:txBody>
+                <a:bodyPr rtlCol="0" anchor="ctr"/>
+                <a:lstStyle/>
+                <a:p>
+                  <a:pPr algn="ctr"/>
+                  <a:r>
+                    <a:rPr lang="en-US" altLang="zh-TW" sz="1050" dirty="0">
+                      <a:latin typeface="Times New Roman" panose="02020603050405020304" pitchFamily="18" charset="0"/>
+                      <a:ea typeface="微軟正黑體" panose="020B0604030504040204" pitchFamily="34" charset="-120"/>
+                    </a:rPr>
+                    <a:t>Hash3</a:t>
+                  </a:r>
+                  <a:endParaRPr lang="zh-TW" altLang="en-US" sz="1050" dirty="0">
+                    <a:latin typeface="Times New Roman" panose="02020603050405020304" pitchFamily="18" charset="0"/>
+                    <a:ea typeface="微軟正黑體" panose="020B0604030504040204" pitchFamily="34" charset="-120"/>
+                  </a:endParaRPr>
+                </a:p>
+              </p:txBody>
+            </p:sp>
+            <p:sp>
+              <p:nvSpPr>
+                <p:cNvPr id="43" name="矩形 42">
+                  <a:extLst>
+                    <a:ext uri="{FF2B5EF4-FFF2-40B4-BE49-F238E27FC236}">
+                      <a16:creationId xmlns:a16="http://schemas.microsoft.com/office/drawing/2014/main" id="{7A0375F0-6CD6-456F-8CA2-BAE95770E0E6}"/>
+                    </a:ext>
+                  </a:extLst>
+                </p:cNvPr>
+                <p:cNvSpPr/>
+                <p:nvPr/>
+              </p:nvSpPr>
+              <p:spPr>
+                <a:xfrm>
+                  <a:off x="11312632" y="3677713"/>
+                  <a:ext cx="585216" cy="451104"/>
+                </a:xfrm>
+                <a:prstGeom prst="rect">
+                  <a:avLst/>
+                </a:prstGeom>
+              </p:spPr>
+              <p:style>
+                <a:lnRef idx="2">
+                  <a:schemeClr val="accent1">
+                    <a:shade val="50000"/>
+                  </a:schemeClr>
+                </a:lnRef>
+                <a:fillRef idx="1">
+                  <a:schemeClr val="accent1"/>
+                </a:fillRef>
+                <a:effectRef idx="0">
+                  <a:schemeClr val="accent1"/>
+                </a:effectRef>
+                <a:fontRef idx="minor">
+                  <a:schemeClr val="lt1"/>
+                </a:fontRef>
+              </p:style>
+              <p:txBody>
+                <a:bodyPr rtlCol="0" anchor="ctr"/>
+                <a:lstStyle/>
+                <a:p>
+                  <a:pPr algn="ctr"/>
+                  <a:r>
+                    <a:rPr lang="en-US" altLang="zh-TW" sz="1050" dirty="0">
+                      <a:latin typeface="Times New Roman" panose="02020603050405020304" pitchFamily="18" charset="0"/>
+                      <a:ea typeface="微軟正黑體" panose="020B0604030504040204" pitchFamily="34" charset="-120"/>
+                    </a:rPr>
+                    <a:t>Hash6</a:t>
+                  </a:r>
+                  <a:endParaRPr lang="zh-TW" altLang="en-US" sz="1050" dirty="0">
+                    <a:latin typeface="Times New Roman" panose="02020603050405020304" pitchFamily="18" charset="0"/>
+                    <a:ea typeface="微軟正黑體" panose="020B0604030504040204" pitchFamily="34" charset="-120"/>
+                  </a:endParaRPr>
+                </a:p>
+              </p:txBody>
+            </p:sp>
+            <p:sp>
+              <p:nvSpPr>
+                <p:cNvPr id="44" name="矩形 43">
+                  <a:extLst>
+                    <a:ext uri="{FF2B5EF4-FFF2-40B4-BE49-F238E27FC236}">
+                      <a16:creationId xmlns:a16="http://schemas.microsoft.com/office/drawing/2014/main" id="{22463897-5DAE-4B6B-9178-61B7740E6E18}"/>
+                    </a:ext>
+                  </a:extLst>
+                </p:cNvPr>
+                <p:cNvSpPr/>
+                <p:nvPr/>
+              </p:nvSpPr>
+              <p:spPr>
+                <a:xfrm>
+                  <a:off x="9777478" y="3680672"/>
+                  <a:ext cx="585216" cy="451104"/>
+                </a:xfrm>
+                <a:prstGeom prst="rect">
+                  <a:avLst/>
+                </a:prstGeom>
+              </p:spPr>
+              <p:style>
+                <a:lnRef idx="2">
+                  <a:schemeClr val="accent1">
+                    <a:shade val="50000"/>
+                  </a:schemeClr>
+                </a:lnRef>
+                <a:fillRef idx="1">
+                  <a:schemeClr val="accent1"/>
+                </a:fillRef>
+                <a:effectRef idx="0">
+                  <a:schemeClr val="accent1"/>
+                </a:effectRef>
+                <a:fontRef idx="minor">
+                  <a:schemeClr val="lt1"/>
+                </a:fontRef>
+              </p:style>
+              <p:txBody>
+                <a:bodyPr rtlCol="0" anchor="ctr"/>
+                <a:lstStyle/>
+                <a:p>
+                  <a:pPr algn="ctr"/>
+                  <a:r>
+                    <a:rPr lang="en-US" altLang="zh-TW" sz="1050" dirty="0">
+                      <a:latin typeface="Times New Roman" panose="02020603050405020304" pitchFamily="18" charset="0"/>
+                      <a:ea typeface="微軟正黑體" panose="020B0604030504040204" pitchFamily="34" charset="-120"/>
+                    </a:rPr>
+                    <a:t>Hash4</a:t>
+                  </a:r>
+                  <a:endParaRPr lang="zh-TW" altLang="en-US" sz="1050" dirty="0">
+                    <a:latin typeface="Times New Roman" panose="02020603050405020304" pitchFamily="18" charset="0"/>
+                    <a:ea typeface="微軟正黑體" panose="020B0604030504040204" pitchFamily="34" charset="-120"/>
+                  </a:endParaRPr>
+                </a:p>
+              </p:txBody>
+            </p:sp>
+            <p:sp>
+              <p:nvSpPr>
+                <p:cNvPr id="45" name="矩形 44">
+                  <a:extLst>
+                    <a:ext uri="{FF2B5EF4-FFF2-40B4-BE49-F238E27FC236}">
+                      <a16:creationId xmlns:a16="http://schemas.microsoft.com/office/drawing/2014/main" id="{11363524-7B3B-4381-A145-DF097CAAA12C}"/>
+                    </a:ext>
+                  </a:extLst>
+                </p:cNvPr>
+                <p:cNvSpPr/>
+                <p:nvPr/>
+              </p:nvSpPr>
+              <p:spPr>
+                <a:xfrm>
+                  <a:off x="10550126" y="3668817"/>
+                  <a:ext cx="585216" cy="451104"/>
+                </a:xfrm>
+                <a:prstGeom prst="rect">
+                  <a:avLst/>
+                </a:prstGeom>
+              </p:spPr>
+              <p:style>
+                <a:lnRef idx="2">
+                  <a:schemeClr val="accent1">
+                    <a:shade val="50000"/>
+                  </a:schemeClr>
+                </a:lnRef>
+                <a:fillRef idx="1">
+                  <a:schemeClr val="accent1"/>
+                </a:fillRef>
+                <a:effectRef idx="0">
+                  <a:schemeClr val="accent1"/>
+                </a:effectRef>
+                <a:fontRef idx="minor">
+                  <a:schemeClr val="lt1"/>
+                </a:fontRef>
+              </p:style>
+              <p:txBody>
+                <a:bodyPr rtlCol="0" anchor="ctr"/>
+                <a:lstStyle/>
+                <a:p>
+                  <a:pPr algn="ctr"/>
+                  <a:r>
+                    <a:rPr lang="en-US" altLang="zh-TW" sz="1050" dirty="0">
+                      <a:latin typeface="Times New Roman" panose="02020603050405020304" pitchFamily="18" charset="0"/>
+                      <a:ea typeface="微軟正黑體" panose="020B0604030504040204" pitchFamily="34" charset="-120"/>
+                    </a:rPr>
+                    <a:t>Hash5</a:t>
+                  </a:r>
+                  <a:endParaRPr lang="zh-TW" altLang="en-US" sz="1050" dirty="0">
+                    <a:latin typeface="Times New Roman" panose="02020603050405020304" pitchFamily="18" charset="0"/>
+                    <a:ea typeface="微軟正黑體" panose="020B0604030504040204" pitchFamily="34" charset="-120"/>
+                  </a:endParaRPr>
+                </a:p>
+              </p:txBody>
+            </p:sp>
+            <p:sp>
+              <p:nvSpPr>
+                <p:cNvPr id="46" name="矩形 45">
+                  <a:extLst>
+                    <a:ext uri="{FF2B5EF4-FFF2-40B4-BE49-F238E27FC236}">
+                      <a16:creationId xmlns:a16="http://schemas.microsoft.com/office/drawing/2014/main" id="{42B33FD9-6653-4CBB-8703-E58E45F339E6}"/>
+                    </a:ext>
+                  </a:extLst>
+                </p:cNvPr>
+                <p:cNvSpPr/>
+                <p:nvPr/>
+              </p:nvSpPr>
+              <p:spPr>
+                <a:xfrm>
+                  <a:off x="7473504" y="4418288"/>
+                  <a:ext cx="585216" cy="451104"/>
+                </a:xfrm>
+                <a:prstGeom prst="rect">
+                  <a:avLst/>
+                </a:prstGeom>
+              </p:spPr>
+              <p:style>
+                <a:lnRef idx="2">
+                  <a:schemeClr val="accent1">
+                    <a:shade val="50000"/>
+                  </a:schemeClr>
+                </a:lnRef>
+                <a:fillRef idx="1">
+                  <a:schemeClr val="accent1"/>
+                </a:fillRef>
+                <a:effectRef idx="0">
+                  <a:schemeClr val="accent1"/>
+                </a:effectRef>
+                <a:fontRef idx="minor">
+                  <a:schemeClr val="lt1"/>
+                </a:fontRef>
+              </p:style>
+              <p:txBody>
+                <a:bodyPr rtlCol="0" anchor="ctr"/>
+                <a:lstStyle/>
+                <a:p>
+                  <a:pPr algn="ctr"/>
+                  <a:r>
+                    <a:rPr lang="zh-TW" altLang="en-US" sz="1050" dirty="0">
+                      <a:latin typeface="Times New Roman" panose="02020603050405020304" pitchFamily="18" charset="0"/>
+                      <a:ea typeface="微軟正黑體" panose="020B0604030504040204" pitchFamily="34" charset="-120"/>
+                    </a:rPr>
+                    <a:t>交易</a:t>
+                  </a:r>
+                  <a:r>
+                    <a:rPr lang="en-US" altLang="zh-TW" sz="1050" dirty="0">
+                      <a:latin typeface="Times New Roman" panose="02020603050405020304" pitchFamily="18" charset="0"/>
+                      <a:ea typeface="微軟正黑體" panose="020B0604030504040204" pitchFamily="34" charset="-120"/>
+                    </a:rPr>
+                    <a:t>1</a:t>
+                  </a:r>
+                  <a:endParaRPr lang="zh-TW" altLang="en-US" sz="1050" dirty="0">
+                    <a:latin typeface="Times New Roman" panose="02020603050405020304" pitchFamily="18" charset="0"/>
+                    <a:ea typeface="微軟正黑體" panose="020B0604030504040204" pitchFamily="34" charset="-120"/>
+                  </a:endParaRPr>
+                </a:p>
+              </p:txBody>
+            </p:sp>
+            <p:sp>
+              <p:nvSpPr>
+                <p:cNvPr id="47" name="矩形 46">
+                  <a:extLst>
+                    <a:ext uri="{FF2B5EF4-FFF2-40B4-BE49-F238E27FC236}">
+                      <a16:creationId xmlns:a16="http://schemas.microsoft.com/office/drawing/2014/main" id="{1BB3C6FB-2BF8-487F-B6DD-00AD4178A386}"/>
+                    </a:ext>
+                  </a:extLst>
+                </p:cNvPr>
+                <p:cNvSpPr/>
+                <p:nvPr/>
+              </p:nvSpPr>
+              <p:spPr>
+                <a:xfrm>
+                  <a:off x="8242324" y="4418288"/>
+                  <a:ext cx="585216" cy="451104"/>
+                </a:xfrm>
+                <a:prstGeom prst="rect">
+                  <a:avLst/>
+                </a:prstGeom>
+              </p:spPr>
+              <p:style>
+                <a:lnRef idx="2">
+                  <a:schemeClr val="accent1">
+                    <a:shade val="50000"/>
+                  </a:schemeClr>
+                </a:lnRef>
+                <a:fillRef idx="1">
+                  <a:schemeClr val="accent1"/>
+                </a:fillRef>
+                <a:effectRef idx="0">
+                  <a:schemeClr val="accent1"/>
+                </a:effectRef>
+                <a:fontRef idx="minor">
+                  <a:schemeClr val="lt1"/>
+                </a:fontRef>
+              </p:style>
+              <p:txBody>
+                <a:bodyPr rtlCol="0" anchor="ctr"/>
+                <a:lstStyle/>
+                <a:p>
+                  <a:pPr algn="ctr"/>
+                  <a:r>
+                    <a:rPr lang="zh-TW" altLang="en-US" sz="1050" dirty="0">
+                      <a:latin typeface="Times New Roman" panose="02020603050405020304" pitchFamily="18" charset="0"/>
+                      <a:ea typeface="微軟正黑體" panose="020B0604030504040204" pitchFamily="34" charset="-120"/>
+                    </a:rPr>
+                    <a:t>交易</a:t>
+                  </a:r>
+                  <a:r>
+                    <a:rPr lang="en-US" altLang="zh-TW" sz="1050" dirty="0">
+                      <a:latin typeface="Times New Roman" panose="02020603050405020304" pitchFamily="18" charset="0"/>
+                      <a:ea typeface="微軟正黑體" panose="020B0604030504040204" pitchFamily="34" charset="-120"/>
+                    </a:rPr>
+                    <a:t>2</a:t>
+                  </a:r>
+                  <a:endParaRPr lang="zh-TW" altLang="en-US" sz="1050" dirty="0">
+                    <a:latin typeface="Times New Roman" panose="02020603050405020304" pitchFamily="18" charset="0"/>
+                    <a:ea typeface="微軟正黑體" panose="020B0604030504040204" pitchFamily="34" charset="-120"/>
+                  </a:endParaRPr>
+                </a:p>
+              </p:txBody>
+            </p:sp>
+            <p:sp>
+              <p:nvSpPr>
+                <p:cNvPr id="48" name="矩形 47">
+                  <a:extLst>
+                    <a:ext uri="{FF2B5EF4-FFF2-40B4-BE49-F238E27FC236}">
+                      <a16:creationId xmlns:a16="http://schemas.microsoft.com/office/drawing/2014/main" id="{81DF072D-992D-41E0-ADFF-C3441F02CBF5}"/>
+                    </a:ext>
+                  </a:extLst>
+                </p:cNvPr>
+                <p:cNvSpPr/>
+                <p:nvPr/>
+              </p:nvSpPr>
+              <p:spPr>
+                <a:xfrm>
+                  <a:off x="9011144" y="4418288"/>
+                  <a:ext cx="585216" cy="451104"/>
+                </a:xfrm>
+                <a:prstGeom prst="rect">
+                  <a:avLst/>
+                </a:prstGeom>
+              </p:spPr>
+              <p:style>
+                <a:lnRef idx="2">
+                  <a:schemeClr val="accent1">
+                    <a:shade val="50000"/>
+                  </a:schemeClr>
+                </a:lnRef>
+                <a:fillRef idx="1">
+                  <a:schemeClr val="accent1"/>
+                </a:fillRef>
+                <a:effectRef idx="0">
+                  <a:schemeClr val="accent1"/>
+                </a:effectRef>
+                <a:fontRef idx="minor">
+                  <a:schemeClr val="lt1"/>
+                </a:fontRef>
+              </p:style>
+              <p:txBody>
+                <a:bodyPr rtlCol="0" anchor="ctr"/>
+                <a:lstStyle/>
+                <a:p>
+                  <a:pPr algn="ctr"/>
+                  <a:r>
+                    <a:rPr lang="zh-TW" altLang="en-US" sz="1050" dirty="0">
+                      <a:latin typeface="Times New Roman" panose="02020603050405020304" pitchFamily="18" charset="0"/>
+                      <a:ea typeface="微軟正黑體" panose="020B0604030504040204" pitchFamily="34" charset="-120"/>
+                    </a:rPr>
+                    <a:t>交易</a:t>
+                  </a:r>
+                  <a:r>
+                    <a:rPr lang="en-US" altLang="zh-TW" sz="1050" dirty="0">
+                      <a:latin typeface="Times New Roman" panose="02020603050405020304" pitchFamily="18" charset="0"/>
+                      <a:ea typeface="微軟正黑體" panose="020B0604030504040204" pitchFamily="34" charset="-120"/>
+                    </a:rPr>
+                    <a:t>3</a:t>
+                  </a:r>
+                  <a:endParaRPr lang="zh-TW" altLang="en-US" sz="1050" dirty="0">
+                    <a:latin typeface="Times New Roman" panose="02020603050405020304" pitchFamily="18" charset="0"/>
+                    <a:ea typeface="微軟正黑體" panose="020B0604030504040204" pitchFamily="34" charset="-120"/>
+                  </a:endParaRPr>
+                </a:p>
+              </p:txBody>
+            </p:sp>
+            <p:sp>
+              <p:nvSpPr>
+                <p:cNvPr id="49" name="矩形 48">
+                  <a:extLst>
+                    <a:ext uri="{FF2B5EF4-FFF2-40B4-BE49-F238E27FC236}">
+                      <a16:creationId xmlns:a16="http://schemas.microsoft.com/office/drawing/2014/main" id="{62C235F0-A52C-41D1-933B-22DFD3DBB423}"/>
+                    </a:ext>
+                  </a:extLst>
+                </p:cNvPr>
+                <p:cNvSpPr/>
+                <p:nvPr/>
+              </p:nvSpPr>
+              <p:spPr>
+                <a:xfrm>
+                  <a:off x="9779964" y="4418288"/>
+                  <a:ext cx="585216" cy="451104"/>
+                </a:xfrm>
+                <a:prstGeom prst="rect">
+                  <a:avLst/>
+                </a:prstGeom>
+              </p:spPr>
+              <p:style>
+                <a:lnRef idx="2">
+                  <a:schemeClr val="accent1">
+                    <a:shade val="50000"/>
+                  </a:schemeClr>
+                </a:lnRef>
+                <a:fillRef idx="1">
+                  <a:schemeClr val="accent1"/>
+                </a:fillRef>
+                <a:effectRef idx="0">
+                  <a:schemeClr val="accent1"/>
+                </a:effectRef>
+                <a:fontRef idx="minor">
+                  <a:schemeClr val="lt1"/>
+                </a:fontRef>
+              </p:style>
+              <p:txBody>
+                <a:bodyPr rtlCol="0" anchor="ctr"/>
+                <a:lstStyle/>
+                <a:p>
+                  <a:pPr algn="ctr"/>
+                  <a:r>
+                    <a:rPr lang="zh-TW" altLang="en-US" sz="1050" dirty="0">
+                      <a:latin typeface="Times New Roman" panose="02020603050405020304" pitchFamily="18" charset="0"/>
+                      <a:ea typeface="微軟正黑體" panose="020B0604030504040204" pitchFamily="34" charset="-120"/>
+                    </a:rPr>
+                    <a:t>交易</a:t>
+                  </a:r>
+                  <a:r>
+                    <a:rPr lang="en-US" altLang="zh-TW" sz="1050" dirty="0">
+                      <a:latin typeface="Times New Roman" panose="02020603050405020304" pitchFamily="18" charset="0"/>
+                      <a:ea typeface="微軟正黑體" panose="020B0604030504040204" pitchFamily="34" charset="-120"/>
+                    </a:rPr>
+                    <a:t>4</a:t>
+                  </a:r>
+                  <a:endParaRPr lang="zh-TW" altLang="en-US" sz="1050" dirty="0">
+                    <a:latin typeface="Times New Roman" panose="02020603050405020304" pitchFamily="18" charset="0"/>
+                    <a:ea typeface="微軟正黑體" panose="020B0604030504040204" pitchFamily="34" charset="-120"/>
+                  </a:endParaRPr>
+                </a:p>
+              </p:txBody>
+            </p:sp>
+            <p:sp>
+              <p:nvSpPr>
+                <p:cNvPr id="50" name="矩形 49">
+                  <a:extLst>
+                    <a:ext uri="{FF2B5EF4-FFF2-40B4-BE49-F238E27FC236}">
+                      <a16:creationId xmlns:a16="http://schemas.microsoft.com/office/drawing/2014/main" id="{7C91ED11-F967-4A39-AC6E-08015FE2BC63}"/>
+                    </a:ext>
+                  </a:extLst>
+                </p:cNvPr>
+                <p:cNvSpPr/>
+                <p:nvPr/>
+              </p:nvSpPr>
+              <p:spPr>
+                <a:xfrm>
+                  <a:off x="10548784" y="4418288"/>
+                  <a:ext cx="585216" cy="451104"/>
+                </a:xfrm>
+                <a:prstGeom prst="rect">
+                  <a:avLst/>
+                </a:prstGeom>
+              </p:spPr>
+              <p:style>
+                <a:lnRef idx="2">
+                  <a:schemeClr val="accent1">
+                    <a:shade val="50000"/>
+                  </a:schemeClr>
+                </a:lnRef>
+                <a:fillRef idx="1">
+                  <a:schemeClr val="accent1"/>
+                </a:fillRef>
+                <a:effectRef idx="0">
+                  <a:schemeClr val="accent1"/>
+                </a:effectRef>
+                <a:fontRef idx="minor">
+                  <a:schemeClr val="lt1"/>
+                </a:fontRef>
+              </p:style>
+              <p:txBody>
+                <a:bodyPr rtlCol="0" anchor="ctr"/>
+                <a:lstStyle/>
+                <a:p>
+                  <a:pPr algn="ctr"/>
+                  <a:r>
+                    <a:rPr lang="zh-TW" altLang="en-US" sz="1050" dirty="0">
+                      <a:latin typeface="Times New Roman" panose="02020603050405020304" pitchFamily="18" charset="0"/>
+                      <a:ea typeface="微軟正黑體" panose="020B0604030504040204" pitchFamily="34" charset="-120"/>
+                    </a:rPr>
+                    <a:t>交易</a:t>
+                  </a:r>
+                  <a:r>
+                    <a:rPr lang="en-US" altLang="zh-TW" sz="1050" dirty="0">
+                      <a:latin typeface="Times New Roman" panose="02020603050405020304" pitchFamily="18" charset="0"/>
+                      <a:ea typeface="微軟正黑體" panose="020B0604030504040204" pitchFamily="34" charset="-120"/>
+                    </a:rPr>
+                    <a:t>5</a:t>
+                  </a:r>
+                  <a:endParaRPr lang="zh-TW" altLang="en-US" sz="1050" dirty="0">
+                    <a:latin typeface="Times New Roman" panose="02020603050405020304" pitchFamily="18" charset="0"/>
+                    <a:ea typeface="微軟正黑體" panose="020B0604030504040204" pitchFamily="34" charset="-120"/>
+                  </a:endParaRPr>
+                </a:p>
+              </p:txBody>
+            </p:sp>
+            <p:sp>
+              <p:nvSpPr>
+                <p:cNvPr id="51" name="矩形 50">
+                  <a:extLst>
+                    <a:ext uri="{FF2B5EF4-FFF2-40B4-BE49-F238E27FC236}">
+                      <a16:creationId xmlns:a16="http://schemas.microsoft.com/office/drawing/2014/main" id="{054934D9-3AEE-4608-9245-BFA514DE732C}"/>
+                    </a:ext>
+                  </a:extLst>
+                </p:cNvPr>
+                <p:cNvSpPr/>
+                <p:nvPr/>
+              </p:nvSpPr>
+              <p:spPr>
+                <a:xfrm>
+                  <a:off x="11317604" y="4418288"/>
+                  <a:ext cx="585216" cy="451104"/>
+                </a:xfrm>
+                <a:prstGeom prst="rect">
+                  <a:avLst/>
+                </a:prstGeom>
+              </p:spPr>
+              <p:style>
+                <a:lnRef idx="2">
+                  <a:schemeClr val="accent1">
+                    <a:shade val="50000"/>
+                  </a:schemeClr>
+                </a:lnRef>
+                <a:fillRef idx="1">
+                  <a:schemeClr val="accent1"/>
+                </a:fillRef>
+                <a:effectRef idx="0">
+                  <a:schemeClr val="accent1"/>
+                </a:effectRef>
+                <a:fontRef idx="minor">
+                  <a:schemeClr val="lt1"/>
+                </a:fontRef>
+              </p:style>
+              <p:txBody>
+                <a:bodyPr rtlCol="0" anchor="ctr"/>
+                <a:lstStyle/>
+                <a:p>
+                  <a:pPr algn="ctr"/>
+                  <a:r>
+                    <a:rPr lang="zh-TW" altLang="en-US" sz="1050" dirty="0">
+                      <a:latin typeface="Times New Roman" panose="02020603050405020304" pitchFamily="18" charset="0"/>
+                      <a:ea typeface="微軟正黑體" panose="020B0604030504040204" pitchFamily="34" charset="-120"/>
+                    </a:rPr>
+                    <a:t>交易</a:t>
+                  </a:r>
+                  <a:r>
+                    <a:rPr lang="en-US" altLang="zh-TW" sz="1050" dirty="0">
+                      <a:latin typeface="Times New Roman" panose="02020603050405020304" pitchFamily="18" charset="0"/>
+                      <a:ea typeface="微軟正黑體" panose="020B0604030504040204" pitchFamily="34" charset="-120"/>
+                    </a:rPr>
+                    <a:t>6</a:t>
+                  </a:r>
+                  <a:endParaRPr lang="zh-TW" altLang="en-US" sz="1050" dirty="0">
+                    <a:latin typeface="Times New Roman" panose="02020603050405020304" pitchFamily="18" charset="0"/>
+                    <a:ea typeface="微軟正黑體" panose="020B0604030504040204" pitchFamily="34" charset="-120"/>
+                  </a:endParaRPr>
+                </a:p>
+              </p:txBody>
+            </p:sp>
+            <p:cxnSp>
+              <p:nvCxnSpPr>
+                <p:cNvPr id="10" name="直線接點 9">
+                  <a:extLst>
+                    <a:ext uri="{FF2B5EF4-FFF2-40B4-BE49-F238E27FC236}">
+                      <a16:creationId xmlns:a16="http://schemas.microsoft.com/office/drawing/2014/main" id="{BF23AC0E-87A1-4B3F-B9D3-8A65F7658F9B}"/>
+                    </a:ext>
+                  </a:extLst>
+                </p:cNvPr>
+                <p:cNvCxnSpPr>
+                  <a:cxnSpLocks/>
+                  <a:stCxn id="41" idx="2"/>
+                  <a:endCxn id="46" idx="0"/>
+                </p:cNvCxnSpPr>
+                <p:nvPr/>
+              </p:nvCxnSpPr>
+              <p:spPr>
+                <a:xfrm>
+                  <a:off x="7760588" y="4140758"/>
+                  <a:ext cx="5524" cy="277529"/>
+                </a:xfrm>
+                <a:prstGeom prst="line">
+                  <a:avLst/>
+                </a:prstGeom>
+                <a:ln w="28575"/>
+              </p:spPr>
+              <p:style>
+                <a:lnRef idx="1">
+                  <a:schemeClr val="dk1"/>
+                </a:lnRef>
+                <a:fillRef idx="0">
+                  <a:schemeClr val="dk1"/>
+                </a:fillRef>
+                <a:effectRef idx="0">
+                  <a:schemeClr val="dk1"/>
+                </a:effectRef>
+                <a:fontRef idx="minor">
+                  <a:schemeClr val="tx1"/>
+                </a:fontRef>
+              </p:style>
+            </p:cxnSp>
+            <p:cxnSp>
+              <p:nvCxnSpPr>
+                <p:cNvPr id="52" name="直線接點 51">
+                  <a:extLst>
+                    <a:ext uri="{FF2B5EF4-FFF2-40B4-BE49-F238E27FC236}">
+                      <a16:creationId xmlns:a16="http://schemas.microsoft.com/office/drawing/2014/main" id="{DAC278AA-62F7-47BB-B072-CED10E0D41E4}"/>
+                    </a:ext>
+                  </a:extLst>
+                </p:cNvPr>
+                <p:cNvCxnSpPr>
+                  <a:cxnSpLocks/>
+                  <a:stCxn id="40" idx="2"/>
+                  <a:endCxn id="47" idx="0"/>
+                </p:cNvCxnSpPr>
+                <p:nvPr/>
+              </p:nvCxnSpPr>
+              <p:spPr>
+                <a:xfrm>
+                  <a:off x="8534932" y="4119921"/>
+                  <a:ext cx="0" cy="298367"/>
+                </a:xfrm>
+                <a:prstGeom prst="line">
+                  <a:avLst/>
+                </a:prstGeom>
+                <a:ln w="28575"/>
+              </p:spPr>
+              <p:style>
+                <a:lnRef idx="1">
+                  <a:schemeClr val="dk1"/>
+                </a:lnRef>
+                <a:fillRef idx="0">
+                  <a:schemeClr val="dk1"/>
+                </a:fillRef>
+                <a:effectRef idx="0">
+                  <a:schemeClr val="dk1"/>
+                </a:effectRef>
+                <a:fontRef idx="minor">
+                  <a:schemeClr val="tx1"/>
+                </a:fontRef>
+              </p:style>
+            </p:cxnSp>
+            <p:cxnSp>
+              <p:nvCxnSpPr>
+                <p:cNvPr id="53" name="直線接點 52">
+                  <a:extLst>
+                    <a:ext uri="{FF2B5EF4-FFF2-40B4-BE49-F238E27FC236}">
+                      <a16:creationId xmlns:a16="http://schemas.microsoft.com/office/drawing/2014/main" id="{F2506CEC-5A7C-4EE2-A847-B1B8B8B2F7DE}"/>
+                    </a:ext>
+                  </a:extLst>
+                </p:cNvPr>
+                <p:cNvCxnSpPr>
+                  <a:cxnSpLocks/>
+                  <a:stCxn id="42" idx="2"/>
+                  <a:endCxn id="48" idx="0"/>
+                </p:cNvCxnSpPr>
+                <p:nvPr/>
+              </p:nvCxnSpPr>
+              <p:spPr>
+                <a:xfrm>
+                  <a:off x="9303534" y="4128817"/>
+                  <a:ext cx="218" cy="289471"/>
+                </a:xfrm>
+                <a:prstGeom prst="line">
+                  <a:avLst/>
+                </a:prstGeom>
+                <a:ln w="28575"/>
+              </p:spPr>
+              <p:style>
+                <a:lnRef idx="1">
+                  <a:schemeClr val="dk1"/>
+                </a:lnRef>
+                <a:fillRef idx="0">
+                  <a:schemeClr val="dk1"/>
+                </a:fillRef>
+                <a:effectRef idx="0">
+                  <a:schemeClr val="dk1"/>
+                </a:effectRef>
+                <a:fontRef idx="minor">
+                  <a:schemeClr val="tx1"/>
+                </a:fontRef>
+              </p:style>
+            </p:cxnSp>
+            <p:cxnSp>
+              <p:nvCxnSpPr>
+                <p:cNvPr id="54" name="直線接點 53">
+                  <a:extLst>
+                    <a:ext uri="{FF2B5EF4-FFF2-40B4-BE49-F238E27FC236}">
+                      <a16:creationId xmlns:a16="http://schemas.microsoft.com/office/drawing/2014/main" id="{5E2C2E4D-BC1F-4CDF-923A-B95AA463EDB8}"/>
+                    </a:ext>
+                  </a:extLst>
+                </p:cNvPr>
+                <p:cNvCxnSpPr>
+                  <a:cxnSpLocks/>
+                  <a:stCxn id="44" idx="2"/>
+                  <a:endCxn id="49" idx="0"/>
+                </p:cNvCxnSpPr>
+                <p:nvPr/>
+              </p:nvCxnSpPr>
+              <p:spPr>
+                <a:xfrm>
+                  <a:off x="10070086" y="4131776"/>
+                  <a:ext cx="2486" cy="286512"/>
+                </a:xfrm>
+                <a:prstGeom prst="line">
+                  <a:avLst/>
+                </a:prstGeom>
+                <a:ln w="28575"/>
+              </p:spPr>
+              <p:style>
+                <a:lnRef idx="1">
+                  <a:schemeClr val="dk1"/>
+                </a:lnRef>
+                <a:fillRef idx="0">
+                  <a:schemeClr val="dk1"/>
+                </a:fillRef>
+                <a:effectRef idx="0">
+                  <a:schemeClr val="dk1"/>
+                </a:effectRef>
+                <a:fontRef idx="minor">
+                  <a:schemeClr val="tx1"/>
+                </a:fontRef>
+              </p:style>
+            </p:cxnSp>
+            <p:cxnSp>
+              <p:nvCxnSpPr>
+                <p:cNvPr id="56" name="直線接點 55">
+                  <a:extLst>
+                    <a:ext uri="{FF2B5EF4-FFF2-40B4-BE49-F238E27FC236}">
+                      <a16:creationId xmlns:a16="http://schemas.microsoft.com/office/drawing/2014/main" id="{71D112FE-C97A-449F-84AC-2824FFAD5730}"/>
+                    </a:ext>
+                  </a:extLst>
+                </p:cNvPr>
+                <p:cNvCxnSpPr>
+                  <a:cxnSpLocks/>
+                  <a:stCxn id="45" idx="2"/>
+                  <a:endCxn id="50" idx="0"/>
+                </p:cNvCxnSpPr>
+                <p:nvPr/>
+              </p:nvCxnSpPr>
+              <p:spPr>
+                <a:xfrm flipH="1">
+                  <a:off x="10841392" y="4119921"/>
+                  <a:ext cx="1342" cy="298367"/>
+                </a:xfrm>
+                <a:prstGeom prst="line">
+                  <a:avLst/>
+                </a:prstGeom>
+                <a:ln w="28575"/>
+              </p:spPr>
+              <p:style>
+                <a:lnRef idx="1">
+                  <a:schemeClr val="dk1"/>
+                </a:lnRef>
+                <a:fillRef idx="0">
+                  <a:schemeClr val="dk1"/>
+                </a:fillRef>
+                <a:effectRef idx="0">
+                  <a:schemeClr val="dk1"/>
+                </a:effectRef>
+                <a:fontRef idx="minor">
+                  <a:schemeClr val="tx1"/>
+                </a:fontRef>
+              </p:style>
+            </p:cxnSp>
+            <p:cxnSp>
+              <p:nvCxnSpPr>
+                <p:cNvPr id="58" name="直線接點 57">
+                  <a:extLst>
+                    <a:ext uri="{FF2B5EF4-FFF2-40B4-BE49-F238E27FC236}">
+                      <a16:creationId xmlns:a16="http://schemas.microsoft.com/office/drawing/2014/main" id="{66D9FEDF-B9C8-4BAF-972F-0B27DBDC1E8B}"/>
+                    </a:ext>
+                  </a:extLst>
+                </p:cNvPr>
+                <p:cNvCxnSpPr>
+                  <a:cxnSpLocks/>
+                  <a:stCxn id="43" idx="2"/>
+                  <a:endCxn id="51" idx="0"/>
+                </p:cNvCxnSpPr>
+                <p:nvPr/>
+              </p:nvCxnSpPr>
+              <p:spPr>
+                <a:xfrm>
+                  <a:off x="11605240" y="4128817"/>
+                  <a:ext cx="4972" cy="289471"/>
+                </a:xfrm>
+                <a:prstGeom prst="line">
+                  <a:avLst/>
+                </a:prstGeom>
+                <a:ln w="28575"/>
+              </p:spPr>
+              <p:style>
+                <a:lnRef idx="1">
+                  <a:schemeClr val="dk1"/>
+                </a:lnRef>
+                <a:fillRef idx="0">
+                  <a:schemeClr val="dk1"/>
+                </a:fillRef>
+                <a:effectRef idx="0">
+                  <a:schemeClr val="dk1"/>
+                </a:effectRef>
+                <a:fontRef idx="minor">
+                  <a:schemeClr val="tx1"/>
+                </a:fontRef>
+              </p:style>
+            </p:cxnSp>
+            <p:cxnSp>
+              <p:nvCxnSpPr>
+                <p:cNvPr id="61" name="直線接點 60">
+                  <a:extLst>
+                    <a:ext uri="{FF2B5EF4-FFF2-40B4-BE49-F238E27FC236}">
+                      <a16:creationId xmlns:a16="http://schemas.microsoft.com/office/drawing/2014/main" id="{B8875F8C-70A8-4457-A3AA-4F8ED4C09B45}"/>
+                    </a:ext>
+                  </a:extLst>
+                </p:cNvPr>
+                <p:cNvCxnSpPr>
+                  <a:cxnSpLocks/>
+                  <a:stCxn id="38" idx="2"/>
+                  <a:endCxn id="41" idx="0"/>
+                </p:cNvCxnSpPr>
+                <p:nvPr/>
+              </p:nvCxnSpPr>
+              <p:spPr>
+                <a:xfrm flipH="1">
+                  <a:off x="7760588" y="3443265"/>
+                  <a:ext cx="520935" cy="246389"/>
+                </a:xfrm>
+                <a:prstGeom prst="line">
+                  <a:avLst/>
+                </a:prstGeom>
+                <a:ln w="28575"/>
+              </p:spPr>
+              <p:style>
+                <a:lnRef idx="1">
+                  <a:schemeClr val="dk1"/>
+                </a:lnRef>
+                <a:fillRef idx="0">
+                  <a:schemeClr val="dk1"/>
+                </a:fillRef>
+                <a:effectRef idx="0">
+                  <a:schemeClr val="dk1"/>
+                </a:effectRef>
+                <a:fontRef idx="minor">
+                  <a:schemeClr val="tx1"/>
+                </a:fontRef>
+              </p:style>
+            </p:cxnSp>
+            <p:cxnSp>
+              <p:nvCxnSpPr>
+                <p:cNvPr id="64" name="直線接點 63">
+                  <a:extLst>
+                    <a:ext uri="{FF2B5EF4-FFF2-40B4-BE49-F238E27FC236}">
+                      <a16:creationId xmlns:a16="http://schemas.microsoft.com/office/drawing/2014/main" id="{D5A13CE0-34CF-4D08-914D-9F31AB0AD9A0}"/>
+                    </a:ext>
+                  </a:extLst>
+                </p:cNvPr>
+                <p:cNvCxnSpPr>
+                  <a:cxnSpLocks/>
+                  <a:stCxn id="38" idx="2"/>
+                  <a:endCxn id="40" idx="0"/>
+                </p:cNvCxnSpPr>
+                <p:nvPr/>
+              </p:nvCxnSpPr>
+              <p:spPr>
+                <a:xfrm>
+                  <a:off x="8281523" y="3443265"/>
+                  <a:ext cx="253409" cy="225552"/>
+                </a:xfrm>
+                <a:prstGeom prst="line">
+                  <a:avLst/>
+                </a:prstGeom>
+                <a:ln w="28575"/>
+              </p:spPr>
+              <p:style>
+                <a:lnRef idx="1">
+                  <a:schemeClr val="dk1"/>
+                </a:lnRef>
+                <a:fillRef idx="0">
+                  <a:schemeClr val="dk1"/>
+                </a:fillRef>
+                <a:effectRef idx="0">
+                  <a:schemeClr val="dk1"/>
+                </a:effectRef>
+                <a:fontRef idx="minor">
+                  <a:schemeClr val="tx1"/>
+                </a:fontRef>
+              </p:style>
+            </p:cxnSp>
+            <p:cxnSp>
+              <p:nvCxnSpPr>
+                <p:cNvPr id="67" name="直線接點 66">
+                  <a:extLst>
+                    <a:ext uri="{FF2B5EF4-FFF2-40B4-BE49-F238E27FC236}">
+                      <a16:creationId xmlns:a16="http://schemas.microsoft.com/office/drawing/2014/main" id="{729F9791-8E6B-4115-9ECA-EDD337FECBFF}"/>
+                    </a:ext>
+                  </a:extLst>
+                </p:cNvPr>
+                <p:cNvCxnSpPr>
+                  <a:cxnSpLocks/>
+                  <a:stCxn id="39" idx="2"/>
+                  <a:endCxn id="42" idx="0"/>
+                </p:cNvCxnSpPr>
+                <p:nvPr/>
+              </p:nvCxnSpPr>
+              <p:spPr>
+                <a:xfrm flipH="1">
+                  <a:off x="9303533" y="3434543"/>
+                  <a:ext cx="372260" cy="243169"/>
+                </a:xfrm>
+                <a:prstGeom prst="line">
+                  <a:avLst/>
+                </a:prstGeom>
+                <a:ln w="28575"/>
+              </p:spPr>
+              <p:style>
+                <a:lnRef idx="1">
+                  <a:schemeClr val="dk1"/>
+                </a:lnRef>
+                <a:fillRef idx="0">
+                  <a:schemeClr val="dk1"/>
+                </a:fillRef>
+                <a:effectRef idx="0">
+                  <a:schemeClr val="dk1"/>
+                </a:effectRef>
+                <a:fontRef idx="minor">
+                  <a:schemeClr val="tx1"/>
+                </a:fontRef>
+              </p:style>
+            </p:cxnSp>
+            <p:cxnSp>
+              <p:nvCxnSpPr>
+                <p:cNvPr id="70" name="直線接點 69">
+                  <a:extLst>
+                    <a:ext uri="{FF2B5EF4-FFF2-40B4-BE49-F238E27FC236}">
+                      <a16:creationId xmlns:a16="http://schemas.microsoft.com/office/drawing/2014/main" id="{C9CDDBB5-EB14-48DB-94D4-93404D888ADB}"/>
+                    </a:ext>
+                  </a:extLst>
+                </p:cNvPr>
+                <p:cNvCxnSpPr>
+                  <a:cxnSpLocks/>
+                  <a:stCxn id="39" idx="2"/>
+                  <a:endCxn id="44" idx="0"/>
+                </p:cNvCxnSpPr>
+                <p:nvPr/>
+              </p:nvCxnSpPr>
+              <p:spPr>
+                <a:xfrm>
+                  <a:off x="9675793" y="3434543"/>
+                  <a:ext cx="394292" cy="246129"/>
+                </a:xfrm>
+                <a:prstGeom prst="line">
+                  <a:avLst/>
+                </a:prstGeom>
+                <a:ln w="28575"/>
+              </p:spPr>
+              <p:style>
+                <a:lnRef idx="1">
+                  <a:schemeClr val="dk1"/>
+                </a:lnRef>
+                <a:fillRef idx="0">
+                  <a:schemeClr val="dk1"/>
+                </a:fillRef>
+                <a:effectRef idx="0">
+                  <a:schemeClr val="dk1"/>
+                </a:effectRef>
+                <a:fontRef idx="minor">
+                  <a:schemeClr val="tx1"/>
+                </a:fontRef>
+              </p:style>
+            </p:cxnSp>
+            <p:cxnSp>
+              <p:nvCxnSpPr>
+                <p:cNvPr id="73" name="直線接點 72">
+                  <a:extLst>
+                    <a:ext uri="{FF2B5EF4-FFF2-40B4-BE49-F238E27FC236}">
+                      <a16:creationId xmlns:a16="http://schemas.microsoft.com/office/drawing/2014/main" id="{4A2CF8FB-846E-4D39-9962-F8BBEA28C08D}"/>
+                    </a:ext>
+                  </a:extLst>
+                </p:cNvPr>
+                <p:cNvCxnSpPr>
+                  <a:cxnSpLocks/>
+                  <a:stCxn id="26" idx="2"/>
+                  <a:endCxn id="45" idx="0"/>
+                </p:cNvCxnSpPr>
+                <p:nvPr/>
+              </p:nvCxnSpPr>
+              <p:spPr>
+                <a:xfrm flipH="1">
+                  <a:off x="10842733" y="3429001"/>
+                  <a:ext cx="394408" cy="239816"/>
+                </a:xfrm>
+                <a:prstGeom prst="line">
+                  <a:avLst/>
+                </a:prstGeom>
+                <a:ln w="28575"/>
+              </p:spPr>
+              <p:style>
+                <a:lnRef idx="1">
+                  <a:schemeClr val="dk1"/>
+                </a:lnRef>
+                <a:fillRef idx="0">
+                  <a:schemeClr val="dk1"/>
+                </a:fillRef>
+                <a:effectRef idx="0">
+                  <a:schemeClr val="dk1"/>
+                </a:effectRef>
+                <a:fontRef idx="minor">
+                  <a:schemeClr val="tx1"/>
+                </a:fontRef>
+              </p:style>
+            </p:cxnSp>
+            <p:cxnSp>
+              <p:nvCxnSpPr>
+                <p:cNvPr id="76" name="直線接點 75">
+                  <a:extLst>
+                    <a:ext uri="{FF2B5EF4-FFF2-40B4-BE49-F238E27FC236}">
+                      <a16:creationId xmlns:a16="http://schemas.microsoft.com/office/drawing/2014/main" id="{221E23D6-6011-4F58-8ACC-26B077E7F60D}"/>
+                    </a:ext>
+                  </a:extLst>
+                </p:cNvPr>
+                <p:cNvCxnSpPr>
+                  <a:cxnSpLocks/>
+                  <a:stCxn id="26" idx="2"/>
+                  <a:endCxn id="43" idx="0"/>
+                </p:cNvCxnSpPr>
+                <p:nvPr/>
+              </p:nvCxnSpPr>
+              <p:spPr>
+                <a:xfrm>
+                  <a:off x="11237142" y="3429001"/>
+                  <a:ext cx="368098" cy="248712"/>
+                </a:xfrm>
+                <a:prstGeom prst="line">
+                  <a:avLst/>
+                </a:prstGeom>
+                <a:ln w="28575"/>
+              </p:spPr>
+              <p:style>
+                <a:lnRef idx="1">
+                  <a:schemeClr val="dk1"/>
+                </a:lnRef>
+                <a:fillRef idx="0">
+                  <a:schemeClr val="dk1"/>
+                </a:fillRef>
+                <a:effectRef idx="0">
+                  <a:schemeClr val="dk1"/>
+                </a:effectRef>
+                <a:fontRef idx="minor">
+                  <a:schemeClr val="tx1"/>
+                </a:fontRef>
+              </p:style>
+            </p:cxnSp>
+            <p:cxnSp>
+              <p:nvCxnSpPr>
+                <p:cNvPr id="79" name="直線接點 78">
+                  <a:extLst>
+                    <a:ext uri="{FF2B5EF4-FFF2-40B4-BE49-F238E27FC236}">
+                      <a16:creationId xmlns:a16="http://schemas.microsoft.com/office/drawing/2014/main" id="{F24F655E-E055-415B-90A1-2BE4A9D67CCD}"/>
+                    </a:ext>
+                  </a:extLst>
+                </p:cNvPr>
+                <p:cNvCxnSpPr>
+                  <a:cxnSpLocks/>
+                  <a:stCxn id="23" idx="2"/>
+                  <a:endCxn id="38" idx="0"/>
+                </p:cNvCxnSpPr>
+                <p:nvPr/>
+              </p:nvCxnSpPr>
+              <p:spPr>
+                <a:xfrm flipH="1">
+                  <a:off x="8281523" y="2787280"/>
+                  <a:ext cx="774337" cy="204880"/>
+                </a:xfrm>
+                <a:prstGeom prst="line">
+                  <a:avLst/>
+                </a:prstGeom>
+                <a:ln w="28575"/>
+              </p:spPr>
+              <p:style>
+                <a:lnRef idx="1">
+                  <a:schemeClr val="dk1"/>
+                </a:lnRef>
+                <a:fillRef idx="0">
+                  <a:schemeClr val="dk1"/>
+                </a:fillRef>
+                <a:effectRef idx="0">
+                  <a:schemeClr val="dk1"/>
+                </a:effectRef>
+                <a:fontRef idx="minor">
+                  <a:schemeClr val="tx1"/>
+                </a:fontRef>
+              </p:style>
+            </p:cxnSp>
+            <p:cxnSp>
+              <p:nvCxnSpPr>
+                <p:cNvPr id="82" name="直線接點 81">
+                  <a:extLst>
+                    <a:ext uri="{FF2B5EF4-FFF2-40B4-BE49-F238E27FC236}">
+                      <a16:creationId xmlns:a16="http://schemas.microsoft.com/office/drawing/2014/main" id="{44C08B36-BEA0-4993-8046-31CEF97C21BD}"/>
+                    </a:ext>
+                  </a:extLst>
+                </p:cNvPr>
+                <p:cNvCxnSpPr>
+                  <a:cxnSpLocks/>
+                  <a:stCxn id="23" idx="2"/>
+                  <a:endCxn id="39" idx="0"/>
+                </p:cNvCxnSpPr>
+                <p:nvPr/>
+              </p:nvCxnSpPr>
+              <p:spPr>
+                <a:xfrm>
+                  <a:off x="9055861" y="2787280"/>
+                  <a:ext cx="619932" cy="196159"/>
+                </a:xfrm>
+                <a:prstGeom prst="line">
+                  <a:avLst/>
+                </a:prstGeom>
+                <a:ln w="28575"/>
+              </p:spPr>
+              <p:style>
+                <a:lnRef idx="1">
+                  <a:schemeClr val="dk1"/>
+                </a:lnRef>
+                <a:fillRef idx="0">
+                  <a:schemeClr val="dk1"/>
+                </a:fillRef>
+                <a:effectRef idx="0">
+                  <a:schemeClr val="dk1"/>
+                </a:effectRef>
+                <a:fontRef idx="minor">
+                  <a:schemeClr val="tx1"/>
+                </a:fontRef>
+              </p:style>
+            </p:cxnSp>
+            <p:cxnSp>
+              <p:nvCxnSpPr>
+                <p:cNvPr id="85" name="直線接點 84">
+                  <a:extLst>
+                    <a:ext uri="{FF2B5EF4-FFF2-40B4-BE49-F238E27FC236}">
+                      <a16:creationId xmlns:a16="http://schemas.microsoft.com/office/drawing/2014/main" id="{31F1D133-F062-4DB3-A046-1E71372D8DC6}"/>
+                    </a:ext>
+                  </a:extLst>
+                </p:cNvPr>
+                <p:cNvCxnSpPr>
+                  <a:cxnSpLocks/>
+                  <a:stCxn id="4" idx="2"/>
+                  <a:endCxn id="26" idx="0"/>
+                </p:cNvCxnSpPr>
+                <p:nvPr/>
+              </p:nvCxnSpPr>
+              <p:spPr>
+                <a:xfrm>
+                  <a:off x="10306006" y="2003258"/>
+                  <a:ext cx="931136" cy="974638"/>
+                </a:xfrm>
+                <a:prstGeom prst="line">
+                  <a:avLst/>
+                </a:prstGeom>
+                <a:ln w="28575"/>
+              </p:spPr>
+              <p:style>
+                <a:lnRef idx="1">
+                  <a:schemeClr val="dk1"/>
+                </a:lnRef>
+                <a:fillRef idx="0">
+                  <a:schemeClr val="dk1"/>
+                </a:fillRef>
+                <a:effectRef idx="0">
+                  <a:schemeClr val="dk1"/>
+                </a:effectRef>
+                <a:fontRef idx="minor">
+                  <a:schemeClr val="tx1"/>
+                </a:fontRef>
+              </p:style>
+            </p:cxnSp>
+            <p:cxnSp>
+              <p:nvCxnSpPr>
+                <p:cNvPr id="89" name="直線接點 88">
+                  <a:extLst>
+                    <a:ext uri="{FF2B5EF4-FFF2-40B4-BE49-F238E27FC236}">
+                      <a16:creationId xmlns:a16="http://schemas.microsoft.com/office/drawing/2014/main" id="{7919388C-05A7-43F8-BE08-4676A54C8565}"/>
+                    </a:ext>
+                  </a:extLst>
+                </p:cNvPr>
+                <p:cNvCxnSpPr>
+                  <a:cxnSpLocks/>
+                  <a:stCxn id="4" idx="2"/>
+                  <a:endCxn id="23" idx="0"/>
+                </p:cNvCxnSpPr>
+                <p:nvPr/>
+              </p:nvCxnSpPr>
+              <p:spPr>
+                <a:xfrm flipH="1">
+                  <a:off x="9055861" y="2003258"/>
+                  <a:ext cx="1250145" cy="332917"/>
+                </a:xfrm>
+                <a:prstGeom prst="line">
+                  <a:avLst/>
+                </a:prstGeom>
+                <a:ln w="28575"/>
+              </p:spPr>
+              <p:style>
+                <a:lnRef idx="1">
+                  <a:schemeClr val="dk1"/>
+                </a:lnRef>
+                <a:fillRef idx="0">
+                  <a:schemeClr val="dk1"/>
+                </a:fillRef>
+                <a:effectRef idx="0">
+                  <a:schemeClr val="dk1"/>
+                </a:effectRef>
+                <a:fontRef idx="minor">
+                  <a:schemeClr val="tx1"/>
+                </a:fontRef>
+              </p:style>
+            </p:cxnSp>
+            <p:sp>
+              <p:nvSpPr>
+                <p:cNvPr id="119" name="矩形 118">
+                  <a:extLst>
+                    <a:ext uri="{FF2B5EF4-FFF2-40B4-BE49-F238E27FC236}">
+                      <a16:creationId xmlns:a16="http://schemas.microsoft.com/office/drawing/2014/main" id="{6F7F2238-9F7F-48C3-A967-8D2EF309DC34}"/>
+                    </a:ext>
+                  </a:extLst>
+                </p:cNvPr>
+                <p:cNvSpPr/>
+                <p:nvPr/>
+              </p:nvSpPr>
+              <p:spPr>
+                <a:xfrm>
+                  <a:off x="9873429" y="736321"/>
+                  <a:ext cx="865151" cy="451105"/>
+                </a:xfrm>
+                <a:prstGeom prst="rect">
+                  <a:avLst/>
+                </a:prstGeom>
+              </p:spPr>
+              <p:style>
+                <a:lnRef idx="2">
+                  <a:schemeClr val="accent1">
+                    <a:shade val="50000"/>
+                  </a:schemeClr>
+                </a:lnRef>
+                <a:fillRef idx="1">
+                  <a:schemeClr val="accent1"/>
+                </a:fillRef>
+                <a:effectRef idx="0">
+                  <a:schemeClr val="accent1"/>
+                </a:effectRef>
+                <a:fontRef idx="minor">
+                  <a:schemeClr val="lt1"/>
+                </a:fontRef>
+              </p:style>
+              <p:txBody>
+                <a:bodyPr rtlCol="0" anchor="ctr"/>
+                <a:lstStyle/>
+                <a:p>
+                  <a:pPr algn="ctr"/>
+                  <a:r>
+                    <a:rPr lang="en-US" altLang="zh-TW" sz="1050" dirty="0">
+                      <a:latin typeface="Times New Roman" panose="02020603050405020304" pitchFamily="18" charset="0"/>
+                      <a:ea typeface="微軟正黑體" panose="020B0604030504040204" pitchFamily="34" charset="-120"/>
+                    </a:rPr>
+                    <a:t>Merkle root</a:t>
+                  </a:r>
+                  <a:endParaRPr lang="zh-TW" altLang="en-US" sz="1050" dirty="0">
+                    <a:latin typeface="Times New Roman" panose="02020603050405020304" pitchFamily="18" charset="0"/>
+                    <a:ea typeface="微軟正黑體" panose="020B0604030504040204" pitchFamily="34" charset="-120"/>
+                  </a:endParaRPr>
+                </a:p>
+              </p:txBody>
+            </p:sp>
+            <p:sp>
+              <p:nvSpPr>
+                <p:cNvPr id="125" name="矩形 124">
+                  <a:extLst>
+                    <a:ext uri="{FF2B5EF4-FFF2-40B4-BE49-F238E27FC236}">
+                      <a16:creationId xmlns:a16="http://schemas.microsoft.com/office/drawing/2014/main" id="{532AC5CE-8D4A-4BE0-A722-A4AE736F8893}"/>
+                    </a:ext>
+                  </a:extLst>
+                </p:cNvPr>
+                <p:cNvSpPr/>
+                <p:nvPr/>
+              </p:nvSpPr>
+              <p:spPr>
+                <a:xfrm>
+                  <a:off x="7436220" y="721030"/>
+                  <a:ext cx="865151" cy="451105"/>
+                </a:xfrm>
+                <a:prstGeom prst="rect">
+                  <a:avLst/>
+                </a:prstGeom>
+              </p:spPr>
+              <p:style>
+                <a:lnRef idx="2">
+                  <a:schemeClr val="accent1">
+                    <a:shade val="50000"/>
+                  </a:schemeClr>
+                </a:lnRef>
+                <a:fillRef idx="1">
+                  <a:schemeClr val="accent1"/>
+                </a:fillRef>
+                <a:effectRef idx="0">
+                  <a:schemeClr val="accent1"/>
+                </a:effectRef>
+                <a:fontRef idx="minor">
+                  <a:schemeClr val="lt1"/>
+                </a:fontRef>
+              </p:style>
+              <p:txBody>
+                <a:bodyPr rtlCol="0" anchor="ctr"/>
+                <a:lstStyle/>
+                <a:p>
+                  <a:pPr algn="ctr"/>
+                  <a:r>
+                    <a:rPr lang="en-US" altLang="zh-TW" sz="1050" dirty="0">
+                      <a:latin typeface="Times New Roman" panose="02020603050405020304" pitchFamily="18" charset="0"/>
+                      <a:ea typeface="微軟正黑體" panose="020B0604030504040204" pitchFamily="34" charset="-120"/>
+                    </a:rPr>
+                    <a:t>Parent</a:t>
+                  </a:r>
+                </a:p>
+                <a:p>
+                  <a:pPr algn="ctr"/>
+                  <a:r>
+                    <a:rPr lang="en-US" altLang="zh-TW" sz="1050" dirty="0">
+                      <a:latin typeface="Times New Roman" panose="02020603050405020304" pitchFamily="18" charset="0"/>
+                      <a:ea typeface="微軟正黑體" panose="020B0604030504040204" pitchFamily="34" charset="-120"/>
+                    </a:rPr>
+                    <a:t>hash</a:t>
+                  </a:r>
+                  <a:endParaRPr lang="zh-TW" altLang="en-US" sz="1050" dirty="0">
+                    <a:latin typeface="Times New Roman" panose="02020603050405020304" pitchFamily="18" charset="0"/>
+                    <a:ea typeface="微軟正黑體" panose="020B0604030504040204" pitchFamily="34" charset="-120"/>
+                  </a:endParaRPr>
+                </a:p>
+              </p:txBody>
+            </p:sp>
+            <p:sp>
+              <p:nvSpPr>
+                <p:cNvPr id="127" name="矩形 126">
+                  <a:extLst>
+                    <a:ext uri="{FF2B5EF4-FFF2-40B4-BE49-F238E27FC236}">
+                      <a16:creationId xmlns:a16="http://schemas.microsoft.com/office/drawing/2014/main" id="{FC3C191A-21D9-4DA1-B207-834EF6A27980}"/>
+                    </a:ext>
+                  </a:extLst>
+                </p:cNvPr>
+                <p:cNvSpPr/>
+                <p:nvPr/>
+              </p:nvSpPr>
+              <p:spPr>
+                <a:xfrm>
+                  <a:off x="8656328" y="717367"/>
+                  <a:ext cx="865151" cy="451105"/>
+                </a:xfrm>
+                <a:prstGeom prst="rect">
+                  <a:avLst/>
+                </a:prstGeom>
+              </p:spPr>
+              <p:style>
+                <a:lnRef idx="2">
+                  <a:schemeClr val="accent1">
+                    <a:shade val="50000"/>
+                  </a:schemeClr>
+                </a:lnRef>
+                <a:fillRef idx="1">
+                  <a:schemeClr val="accent1"/>
+                </a:fillRef>
+                <a:effectRef idx="0">
+                  <a:schemeClr val="accent1"/>
+                </a:effectRef>
+                <a:fontRef idx="minor">
+                  <a:schemeClr val="lt1"/>
+                </a:fontRef>
+              </p:style>
+              <p:txBody>
+                <a:bodyPr rtlCol="0" anchor="ctr"/>
+                <a:lstStyle/>
+                <a:p>
+                  <a:pPr algn="ctr"/>
+                  <a:r>
+                    <a:rPr lang="en-US" altLang="zh-TW" sz="1050" dirty="0">
+                      <a:latin typeface="Times New Roman" panose="02020603050405020304" pitchFamily="18" charset="0"/>
+                      <a:ea typeface="微軟正黑體" panose="020B0604030504040204" pitchFamily="34" charset="-120"/>
+                    </a:rPr>
+                    <a:t>Time</a:t>
+                  </a:r>
+                  <a:endParaRPr lang="zh-TW" altLang="en-US" sz="1050" dirty="0">
+                    <a:latin typeface="Times New Roman" panose="02020603050405020304" pitchFamily="18" charset="0"/>
+                    <a:ea typeface="微軟正黑體" panose="020B0604030504040204" pitchFamily="34" charset="-120"/>
+                  </a:endParaRPr>
+                </a:p>
+              </p:txBody>
+            </p:sp>
+            <p:sp>
+              <p:nvSpPr>
+                <p:cNvPr id="129" name="矩形 128">
+                  <a:extLst>
+                    <a:ext uri="{FF2B5EF4-FFF2-40B4-BE49-F238E27FC236}">
+                      <a16:creationId xmlns:a16="http://schemas.microsoft.com/office/drawing/2014/main" id="{8D0BBDAD-392B-4B3E-BB7D-DE6ACF5C35E7}"/>
+                    </a:ext>
+                  </a:extLst>
+                </p:cNvPr>
+                <p:cNvSpPr/>
+                <p:nvPr/>
+              </p:nvSpPr>
+              <p:spPr>
+                <a:xfrm>
+                  <a:off x="11037669" y="722240"/>
+                  <a:ext cx="865151" cy="451105"/>
+                </a:xfrm>
+                <a:prstGeom prst="rect">
+                  <a:avLst/>
+                </a:prstGeom>
+              </p:spPr>
+              <p:style>
+                <a:lnRef idx="2">
+                  <a:schemeClr val="accent1">
+                    <a:shade val="50000"/>
+                  </a:schemeClr>
+                </a:lnRef>
+                <a:fillRef idx="1">
+                  <a:schemeClr val="accent1"/>
+                </a:fillRef>
+                <a:effectRef idx="0">
+                  <a:schemeClr val="accent1"/>
+                </a:effectRef>
+                <a:fontRef idx="minor">
+                  <a:schemeClr val="lt1"/>
+                </a:fontRef>
+              </p:style>
+              <p:txBody>
+                <a:bodyPr rtlCol="0" anchor="ctr"/>
+                <a:lstStyle/>
+                <a:p>
+                  <a:pPr algn="ctr"/>
+                  <a:r>
+                    <a:rPr lang="en-US" altLang="zh-TW" sz="1050" dirty="0">
+                      <a:latin typeface="Times New Roman" panose="02020603050405020304" pitchFamily="18" charset="0"/>
+                      <a:ea typeface="微軟正黑體" panose="020B0604030504040204" pitchFamily="34" charset="-120"/>
+                    </a:rPr>
+                    <a:t>Difficulty</a:t>
+                  </a:r>
+                  <a:endParaRPr lang="zh-TW" altLang="en-US" sz="1050" dirty="0">
+                    <a:latin typeface="Times New Roman" panose="02020603050405020304" pitchFamily="18" charset="0"/>
+                    <a:ea typeface="微軟正黑體" panose="020B0604030504040204" pitchFamily="34" charset="-120"/>
+                  </a:endParaRPr>
+                </a:p>
+              </p:txBody>
+            </p:sp>
+            <p:sp>
+              <p:nvSpPr>
+                <p:cNvPr id="130" name="矩形 129">
+                  <a:extLst>
+                    <a:ext uri="{FF2B5EF4-FFF2-40B4-BE49-F238E27FC236}">
+                      <a16:creationId xmlns:a16="http://schemas.microsoft.com/office/drawing/2014/main" id="{5706A69C-87D3-48A0-AE72-1A2C384C7AE3}"/>
+                    </a:ext>
+                  </a:extLst>
+                </p:cNvPr>
+                <p:cNvSpPr/>
+                <p:nvPr/>
+              </p:nvSpPr>
+              <p:spPr>
+                <a:xfrm>
+                  <a:off x="8656328" y="139145"/>
+                  <a:ext cx="865151" cy="451105"/>
+                </a:xfrm>
+                <a:prstGeom prst="rect">
+                  <a:avLst/>
+                </a:prstGeom>
+              </p:spPr>
+              <p:style>
+                <a:lnRef idx="2">
+                  <a:schemeClr val="accent1">
+                    <a:shade val="50000"/>
+                  </a:schemeClr>
+                </a:lnRef>
+                <a:fillRef idx="1">
+                  <a:schemeClr val="accent1"/>
+                </a:fillRef>
+                <a:effectRef idx="0">
+                  <a:schemeClr val="accent1"/>
+                </a:effectRef>
+                <a:fontRef idx="minor">
+                  <a:schemeClr val="lt1"/>
+                </a:fontRef>
+              </p:style>
+              <p:txBody>
+                <a:bodyPr rtlCol="0" anchor="ctr"/>
+                <a:lstStyle/>
+                <a:p>
+                  <a:pPr algn="ctr"/>
+                  <a:r>
+                    <a:rPr lang="en-US" altLang="zh-TW" sz="1050" dirty="0">
+                      <a:latin typeface="Times New Roman" panose="02020603050405020304" pitchFamily="18" charset="0"/>
+                      <a:ea typeface="微軟正黑體" panose="020B0604030504040204" pitchFamily="34" charset="-120"/>
+                    </a:rPr>
+                    <a:t>Block </a:t>
+                  </a:r>
+                </a:p>
+                <a:p>
+                  <a:pPr algn="ctr"/>
+                  <a:r>
+                    <a:rPr lang="en-US" altLang="zh-TW" sz="1050" dirty="0">
+                      <a:latin typeface="Times New Roman" panose="02020603050405020304" pitchFamily="18" charset="0"/>
+                      <a:ea typeface="微軟正黑體" panose="020B0604030504040204" pitchFamily="34" charset="-120"/>
+                    </a:rPr>
+                    <a:t>number</a:t>
+                  </a:r>
+                  <a:endParaRPr lang="zh-TW" altLang="en-US" sz="1050" dirty="0">
+                    <a:latin typeface="Times New Roman" panose="02020603050405020304" pitchFamily="18" charset="0"/>
+                    <a:ea typeface="微軟正黑體" panose="020B0604030504040204" pitchFamily="34" charset="-120"/>
+                  </a:endParaRPr>
+                </a:p>
+              </p:txBody>
+            </p:sp>
+            <p:sp>
+              <p:nvSpPr>
+                <p:cNvPr id="131" name="矩形 130">
+                  <a:extLst>
+                    <a:ext uri="{FF2B5EF4-FFF2-40B4-BE49-F238E27FC236}">
+                      <a16:creationId xmlns:a16="http://schemas.microsoft.com/office/drawing/2014/main" id="{BAE82BD4-8F86-4CDA-8B64-51A892BA3432}"/>
+                    </a:ext>
+                  </a:extLst>
+                </p:cNvPr>
+                <p:cNvSpPr/>
+                <p:nvPr/>
+              </p:nvSpPr>
+              <p:spPr>
+                <a:xfrm>
+                  <a:off x="9869204" y="145667"/>
+                  <a:ext cx="865151" cy="451105"/>
+                </a:xfrm>
+                <a:prstGeom prst="rect">
+                  <a:avLst/>
+                </a:prstGeom>
+              </p:spPr>
+              <p:style>
+                <a:lnRef idx="2">
+                  <a:schemeClr val="accent1">
+                    <a:shade val="50000"/>
+                  </a:schemeClr>
+                </a:lnRef>
+                <a:fillRef idx="1">
+                  <a:schemeClr val="accent1"/>
+                </a:fillRef>
+                <a:effectRef idx="0">
+                  <a:schemeClr val="accent1"/>
+                </a:effectRef>
+                <a:fontRef idx="minor">
+                  <a:schemeClr val="lt1"/>
+                </a:fontRef>
+              </p:style>
+              <p:txBody>
+                <a:bodyPr rtlCol="0" anchor="ctr"/>
+                <a:lstStyle/>
+                <a:p>
+                  <a:pPr algn="ctr"/>
+                  <a:r>
+                    <a:rPr lang="en-US" altLang="zh-TW" sz="1050" dirty="0">
+                      <a:latin typeface="Times New Roman" panose="02020603050405020304" pitchFamily="18" charset="0"/>
+                      <a:ea typeface="微軟正黑體" panose="020B0604030504040204" pitchFamily="34" charset="-120"/>
+                    </a:rPr>
+                    <a:t>Nonce</a:t>
+                  </a:r>
+                  <a:endParaRPr lang="zh-TW" altLang="en-US" sz="1050" dirty="0">
+                    <a:latin typeface="Times New Roman" panose="02020603050405020304" pitchFamily="18" charset="0"/>
+                    <a:ea typeface="微軟正黑體" panose="020B0604030504040204" pitchFamily="34" charset="-120"/>
+                  </a:endParaRPr>
+                </a:p>
+              </p:txBody>
+            </p:sp>
+            <p:sp>
+              <p:nvSpPr>
+                <p:cNvPr id="132" name="矩形 131">
+                  <a:extLst>
+                    <a:ext uri="{FF2B5EF4-FFF2-40B4-BE49-F238E27FC236}">
+                      <a16:creationId xmlns:a16="http://schemas.microsoft.com/office/drawing/2014/main" id="{0F7590B3-5CBF-4153-9194-0A86B6A17F99}"/>
+                    </a:ext>
+                  </a:extLst>
+                </p:cNvPr>
+                <p:cNvSpPr/>
+                <p:nvPr/>
+              </p:nvSpPr>
+              <p:spPr>
+                <a:xfrm>
+                  <a:off x="11037669" y="139145"/>
+                  <a:ext cx="865151" cy="451105"/>
+                </a:xfrm>
+                <a:prstGeom prst="rect">
+                  <a:avLst/>
+                </a:prstGeom>
+              </p:spPr>
+              <p:style>
+                <a:lnRef idx="2">
+                  <a:schemeClr val="accent1">
+                    <a:shade val="50000"/>
+                  </a:schemeClr>
+                </a:lnRef>
+                <a:fillRef idx="1">
+                  <a:schemeClr val="accent1"/>
+                </a:fillRef>
+                <a:effectRef idx="0">
+                  <a:schemeClr val="accent1"/>
+                </a:effectRef>
+                <a:fontRef idx="minor">
+                  <a:schemeClr val="lt1"/>
+                </a:fontRef>
+              </p:style>
+              <p:txBody>
+                <a:bodyPr rtlCol="0" anchor="ctr"/>
+                <a:lstStyle/>
+                <a:p>
+                  <a:pPr algn="ctr"/>
+                  <a:r>
+                    <a:rPr lang="en-US" altLang="zh-TW" sz="1050" dirty="0">
+                      <a:latin typeface="Times New Roman" panose="02020603050405020304" pitchFamily="18" charset="0"/>
+                      <a:ea typeface="微軟正黑體" panose="020B0604030504040204" pitchFamily="34" charset="-120"/>
+                    </a:rPr>
+                    <a:t>Gas</a:t>
+                  </a:r>
+                  <a:endParaRPr lang="zh-TW" altLang="en-US" sz="1050" dirty="0">
+                    <a:latin typeface="Times New Roman" panose="02020603050405020304" pitchFamily="18" charset="0"/>
+                    <a:ea typeface="微軟正黑體" panose="020B0604030504040204" pitchFamily="34" charset="-120"/>
+                  </a:endParaRPr>
+                </a:p>
+              </p:txBody>
+            </p:sp>
+          </p:grpSp>
+          <p:sp>
+            <p:nvSpPr>
+              <p:cNvPr id="120" name="文字方塊 119">
+                <a:extLst>
+                  <a:ext uri="{FF2B5EF4-FFF2-40B4-BE49-F238E27FC236}">
+                    <a16:creationId xmlns:a16="http://schemas.microsoft.com/office/drawing/2014/main" id="{966501E6-775E-4A49-B48D-763D07F5D2BD}"/>
+                  </a:ext>
+                </a:extLst>
+              </p:cNvPr>
+              <p:cNvSpPr txBox="1"/>
+              <p:nvPr/>
+            </p:nvSpPr>
+            <p:spPr>
+              <a:xfrm>
+                <a:off x="866876" y="1014079"/>
+                <a:ext cx="960384" cy="615553"/>
+              </a:xfrm>
+              <a:prstGeom prst="rect">
+                <a:avLst/>
+              </a:prstGeom>
+              <a:noFill/>
+            </p:spPr>
+            <p:txBody>
+              <a:bodyPr wrap="square" rtlCol="0">
+                <a:spAutoFit/>
+              </a:bodyPr>
+              <a:lstStyle/>
+              <a:p>
+                <a:r>
+                  <a:rPr lang="en-US" altLang="zh-TW" sz="1600" dirty="0">
+                    <a:solidFill>
+                      <a:srgbClr val="FFFFFF"/>
+                    </a:solidFill>
+                    <a:latin typeface="Times New Roman" panose="02020603050405020304" pitchFamily="18" charset="0"/>
+                    <a:ea typeface="微軟正黑體" panose="020B0604030504040204" pitchFamily="34" charset="-120"/>
+                  </a:rPr>
+                  <a:t>Header</a:t>
+                </a:r>
+                <a:endParaRPr lang="zh-TW" altLang="en-US" dirty="0">
+                  <a:solidFill>
+                    <a:srgbClr val="FFFFFF"/>
+                  </a:solidFill>
+                  <a:latin typeface="Times New Roman" panose="02020603050405020304" pitchFamily="18" charset="0"/>
+                  <a:ea typeface="微軟正黑體" panose="020B0604030504040204" pitchFamily="34" charset="-120"/>
+                </a:endParaRPr>
+              </a:p>
+              <a:p>
+                <a:endParaRPr lang="zh-TW" altLang="en-US" dirty="0">
+                  <a:latin typeface="Times New Roman" panose="02020603050405020304" pitchFamily="18" charset="0"/>
+                  <a:ea typeface="微軟正黑體" panose="020B0604030504040204" pitchFamily="34" charset="-120"/>
+                </a:endParaRPr>
+              </a:p>
+            </p:txBody>
+          </p:sp>
+          <p:cxnSp>
+            <p:nvCxnSpPr>
+              <p:cNvPr id="122" name="直線單箭頭接點 121">
+                <a:extLst>
+                  <a:ext uri="{FF2B5EF4-FFF2-40B4-BE49-F238E27FC236}">
+                    <a16:creationId xmlns:a16="http://schemas.microsoft.com/office/drawing/2014/main" id="{B443C05D-404D-4CDA-A25D-E18D67F56513}"/>
+                  </a:ext>
+                </a:extLst>
+              </p:cNvPr>
+              <p:cNvCxnSpPr>
+                <a:cxnSpLocks/>
+                <a:stCxn id="4" idx="0"/>
+                <a:endCxn id="119" idx="2"/>
+              </p:cNvCxnSpPr>
+              <p:nvPr/>
+            </p:nvCxnSpPr>
+            <p:spPr>
+              <a:xfrm flipV="1">
+                <a:off x="3221468" y="1953713"/>
+                <a:ext cx="0" cy="286388"/>
+              </a:xfrm>
+              <a:prstGeom prst="straightConnector1">
+                <a:avLst/>
+              </a:prstGeom>
+              <a:ln w="28575">
+                <a:solidFill>
+                  <a:srgbClr val="FF0000"/>
+                </a:solidFill>
+                <a:tailEnd type="triangle"/>
+              </a:ln>
+            </p:spPr>
+            <p:style>
+              <a:lnRef idx="1">
+                <a:schemeClr val="dk1"/>
+              </a:lnRef>
+              <a:fillRef idx="0">
+                <a:schemeClr val="dk1"/>
+              </a:fillRef>
+              <a:effectRef idx="0">
+                <a:schemeClr val="dk1"/>
+              </a:effectRef>
+              <a:fontRef idx="minor">
+                <a:schemeClr val="tx1"/>
+              </a:fontRef>
+            </p:style>
+          </p:cxnSp>
+          <p:sp>
+            <p:nvSpPr>
+              <p:cNvPr id="124" name="文字方塊 123">
+                <a:extLst>
+                  <a:ext uri="{FF2B5EF4-FFF2-40B4-BE49-F238E27FC236}">
+                    <a16:creationId xmlns:a16="http://schemas.microsoft.com/office/drawing/2014/main" id="{15AB483A-8A4C-4F98-B738-66E75434066B}"/>
+                  </a:ext>
+                </a:extLst>
+              </p:cNvPr>
+              <p:cNvSpPr txBox="1"/>
+              <p:nvPr/>
+            </p:nvSpPr>
+            <p:spPr>
+              <a:xfrm>
+                <a:off x="850392" y="2095698"/>
+                <a:ext cx="1228991" cy="338554"/>
+              </a:xfrm>
+              <a:prstGeom prst="rect">
+                <a:avLst/>
+              </a:prstGeom>
+              <a:noFill/>
+            </p:spPr>
+            <p:txBody>
+              <a:bodyPr wrap="none" rtlCol="0">
+                <a:spAutoFit/>
+              </a:bodyPr>
+              <a:lstStyle/>
+              <a:p>
+                <a:r>
+                  <a:rPr lang="en-US" altLang="zh-TW" sz="1600" dirty="0">
+                    <a:latin typeface="Times New Roman" panose="02020603050405020304" pitchFamily="18" charset="0"/>
+                    <a:ea typeface="微軟正黑體" panose="020B0604030504040204" pitchFamily="34" charset="-120"/>
+                  </a:rPr>
+                  <a:t>Transactions</a:t>
+                </a:r>
+                <a:endParaRPr lang="zh-TW" altLang="en-US" dirty="0">
+                  <a:latin typeface="Times New Roman" panose="02020603050405020304" pitchFamily="18" charset="0"/>
+                  <a:ea typeface="微軟正黑體" panose="020B0604030504040204" pitchFamily="34" charset="-120"/>
+                </a:endParaRPr>
+              </a:p>
+            </p:txBody>
+          </p:sp>
+        </p:grpSp>
+        <p:grpSp>
+          <p:nvGrpSpPr>
+            <p:cNvPr id="57" name="群組 56">
+              <a:extLst>
+                <a:ext uri="{FF2B5EF4-FFF2-40B4-BE49-F238E27FC236}">
+                  <a16:creationId xmlns:a16="http://schemas.microsoft.com/office/drawing/2014/main" id="{AC023765-8F4F-4D61-901B-B5298A6B9A62}"/>
+                </a:ext>
+              </a:extLst>
+            </p:cNvPr>
+            <p:cNvGrpSpPr/>
+            <p:nvPr/>
+          </p:nvGrpSpPr>
+          <p:grpSpPr>
+            <a:xfrm>
+              <a:off x="1085465" y="1394096"/>
+              <a:ext cx="2139053" cy="2462982"/>
+              <a:chOff x="2022367" y="2042979"/>
+              <a:chExt cx="2139053" cy="2462982"/>
+            </a:xfrm>
+          </p:grpSpPr>
+          <p:sp>
+            <p:nvSpPr>
+              <p:cNvPr id="59" name="矩形 58">
+                <a:extLst>
+                  <a:ext uri="{FF2B5EF4-FFF2-40B4-BE49-F238E27FC236}">
+                    <a16:creationId xmlns:a16="http://schemas.microsoft.com/office/drawing/2014/main" id="{290B8380-0795-4D3A-B6AA-DA90260244C9}"/>
+                  </a:ext>
+                </a:extLst>
+              </p:cNvPr>
+              <p:cNvSpPr/>
+              <p:nvPr/>
+            </p:nvSpPr>
+            <p:spPr>
+              <a:xfrm>
+                <a:off x="2072792" y="2350434"/>
+                <a:ext cx="2088628" cy="2155527"/>
+              </a:xfrm>
+              <a:prstGeom prst="rect">
+                <a:avLst/>
+              </a:prstGeom>
+              <a:solidFill>
+                <a:srgbClr val="CDD1DF"/>
+              </a:solidFill>
+              <a:ln>
+                <a:noFill/>
+              </a:ln>
+              <a:effectLst>
+                <a:outerShdw blurRad="50800" dist="38100" dir="2700000" algn="tl" rotWithShape="0">
+                  <a:prstClr val="black">
+                    <a:alpha val="40000"/>
+                  </a:prstClr>
+                </a:outerShdw>
+              </a:effectLst>
+            </p:spPr>
+            <p:style>
+              <a:lnRef idx="2">
+                <a:schemeClr val="accent1">
+                  <a:shade val="50000"/>
+                </a:schemeClr>
+              </a:lnRef>
+              <a:fillRef idx="1">
+                <a:schemeClr val="accent1"/>
+              </a:fillRef>
+              <a:effectRef idx="0">
+                <a:schemeClr val="accent1"/>
+              </a:effectRef>
+              <a:fontRef idx="minor">
+                <a:schemeClr val="lt1"/>
+              </a:fontRef>
+            </p:style>
+            <p:txBody>
+              <a:bodyPr rtlCol="0" anchor="ctr"/>
+              <a:lstStyle/>
+              <a:p>
+                <a:pPr algn="ctr"/>
+                <a:endParaRPr lang="zh-TW" altLang="en-US">
+                  <a:latin typeface="Times New Roman" panose="02020603050405020304" pitchFamily="18" charset="0"/>
+                  <a:ea typeface="微軟正黑體" panose="020B0604030504040204" pitchFamily="34" charset="-120"/>
+                </a:endParaRPr>
+              </a:p>
+            </p:txBody>
+          </p:sp>
+          <p:sp>
+            <p:nvSpPr>
+              <p:cNvPr id="60" name="矩形 59">
+                <a:extLst>
+                  <a:ext uri="{FF2B5EF4-FFF2-40B4-BE49-F238E27FC236}">
+                    <a16:creationId xmlns:a16="http://schemas.microsoft.com/office/drawing/2014/main" id="{80D668D9-4330-4615-A62F-DCB7A349453B}"/>
+                  </a:ext>
+                </a:extLst>
+              </p:cNvPr>
+              <p:cNvSpPr/>
+              <p:nvPr/>
+            </p:nvSpPr>
+            <p:spPr>
+              <a:xfrm>
+                <a:off x="2147385" y="2515186"/>
                 <a:ext cx="1939441" cy="439344"/>
               </a:xfrm>
               <a:prstGeom prst="rect">
@@ -13817,10 +17989,10 @@
           </p:sp>
           <p:sp>
             <p:nvSpPr>
-              <p:cNvPr id="36" name="橢圓 35">
+              <p:cNvPr id="62" name="橢圓 61">
                 <a:extLst>
                   <a:ext uri="{FF2B5EF4-FFF2-40B4-BE49-F238E27FC236}">
-                    <a16:creationId xmlns:a16="http://schemas.microsoft.com/office/drawing/2014/main" id="{2377B144-56E6-4724-96A4-62A3A9034723}"/>
+                    <a16:creationId xmlns:a16="http://schemas.microsoft.com/office/drawing/2014/main" id="{6DD864B2-C0C0-400C-A865-D6D5529915E2}"/>
                   </a:ext>
                 </a:extLst>
               </p:cNvPr>
@@ -13829,7 +18001,7 @@
             </p:nvSpPr>
             <p:spPr>
               <a:xfrm>
-                <a:off x="1913177" y="2966884"/>
+                <a:off x="2147385" y="3119284"/>
                 <a:ext cx="1939441" cy="1189887"/>
               </a:xfrm>
               <a:prstGeom prst="ellipse">
@@ -13886,62 +18058,10 @@
           </p:sp>
           <p:sp>
             <p:nvSpPr>
-              <p:cNvPr id="27" name="加號 26">
+              <p:cNvPr id="63" name="文字方塊 62">
                 <a:extLst>
                   <a:ext uri="{FF2B5EF4-FFF2-40B4-BE49-F238E27FC236}">
-                    <a16:creationId xmlns:a16="http://schemas.microsoft.com/office/drawing/2014/main" id="{17BA54EF-AE68-4A59-B325-80359A6B1E59}"/>
-                  </a:ext>
-                </a:extLst>
-              </p:cNvPr>
-              <p:cNvSpPr/>
-              <p:nvPr/>
-            </p:nvSpPr>
-            <p:spPr>
-              <a:xfrm>
-                <a:off x="4014775" y="3005519"/>
-                <a:ext cx="579549" cy="611273"/>
-              </a:xfrm>
-              <a:prstGeom prst="mathPlus">
-                <a:avLst/>
-              </a:prstGeom>
-            </p:spPr>
-            <p:style>
-              <a:lnRef idx="2">
-                <a:schemeClr val="dk1">
-                  <a:shade val="50000"/>
-                </a:schemeClr>
-              </a:lnRef>
-              <a:fillRef idx="1">
-                <a:schemeClr val="dk1"/>
-              </a:fillRef>
-              <a:effectRef idx="0">
-                <a:schemeClr val="dk1"/>
-              </a:effectRef>
-              <a:fontRef idx="minor">
-                <a:schemeClr val="lt1"/>
-              </a:fontRef>
-            </p:style>
-            <p:txBody>
-              <a:bodyPr rtlCol="0" anchor="ctr"/>
-              <a:lstStyle/>
-              <a:p>
-                <a:pPr algn="ctr"/>
-                <a:endParaRPr lang="zh-TW" altLang="en-US" dirty="0">
-                  <a:solidFill>
-                    <a:schemeClr val="tx1"/>
-                  </a:solidFill>
-                  <a:latin typeface="Times New Roman" panose="02020603050405020304" pitchFamily="18" charset="0"/>
-                  <a:ea typeface="微軟正黑體" panose="020B0604030504040204" pitchFamily="34" charset="-120"/>
-                </a:endParaRPr>
-              </a:p>
-            </p:txBody>
-          </p:sp>
-          <p:sp>
-            <p:nvSpPr>
-              <p:cNvPr id="28" name="文字方塊 27">
-                <a:extLst>
-                  <a:ext uri="{FF2B5EF4-FFF2-40B4-BE49-F238E27FC236}">
-                    <a16:creationId xmlns:a16="http://schemas.microsoft.com/office/drawing/2014/main" id="{34C5A39D-DACE-4A4C-B520-770F1F6676DB}"/>
+                    <a16:creationId xmlns:a16="http://schemas.microsoft.com/office/drawing/2014/main" id="{95C4EBE6-64D8-4F5F-A948-8AE539E09C4F}"/>
                   </a:ext>
                 </a:extLst>
               </p:cNvPr>
@@ -13950,8 +18070,8 @@
             </p:nvSpPr>
             <p:spPr>
               <a:xfrm>
-                <a:off x="4594324" y="3126489"/>
-                <a:ext cx="787395" cy="369332"/>
+                <a:off x="2022367" y="2042979"/>
+                <a:ext cx="1085554" cy="338554"/>
               </a:xfrm>
               <a:prstGeom prst="rect">
                 <a:avLst/>
@@ -13965,414 +18085,46 @@
               <a:lstStyle/>
               <a:p>
                 <a:r>
-                  <a:rPr lang="en-US" altLang="zh-TW" dirty="0">
+                  <a:rPr lang="en-US" altLang="zh-TW" sz="1600" dirty="0">
                     <a:latin typeface="Times New Roman" panose="02020603050405020304" pitchFamily="18" charset="0"/>
                     <a:ea typeface="微軟正黑體" panose="020B0604030504040204" pitchFamily="34" charset="-120"/>
                   </a:rPr>
-                  <a:t>Nonce</a:t>
+                  <a:t>Block1981</a:t>
                 </a:r>
-                <a:endParaRPr lang="zh-TW" altLang="en-US" dirty="0">
+                <a:endParaRPr lang="zh-TW" altLang="en-US" sz="1600" dirty="0">
                   <a:latin typeface="Times New Roman" panose="02020603050405020304" pitchFamily="18" charset="0"/>
                   <a:ea typeface="微軟正黑體" panose="020B0604030504040204" pitchFamily="34" charset="-120"/>
                 </a:endParaRPr>
               </a:p>
             </p:txBody>
           </p:sp>
+        </p:grpSp>
+        <p:grpSp>
+          <p:nvGrpSpPr>
+            <p:cNvPr id="65" name="群組 64">
+              <a:extLst>
+                <a:ext uri="{FF2B5EF4-FFF2-40B4-BE49-F238E27FC236}">
+                  <a16:creationId xmlns:a16="http://schemas.microsoft.com/office/drawing/2014/main" id="{D0BD5451-13A0-43F0-8823-B3F4EFCDDE88}"/>
+                </a:ext>
+              </a:extLst>
+            </p:cNvPr>
+            <p:cNvGrpSpPr/>
+            <p:nvPr/>
+          </p:nvGrpSpPr>
+          <p:grpSpPr>
+            <a:xfrm>
+              <a:off x="8059275" y="1394096"/>
+              <a:ext cx="2139053" cy="2462982"/>
+              <a:chOff x="2022367" y="2042979"/>
+              <a:chExt cx="2139053" cy="2462982"/>
+            </a:xfrm>
+          </p:grpSpPr>
           <p:sp>
             <p:nvSpPr>
-              <p:cNvPr id="29" name="文字方塊 28">
+              <p:cNvPr id="66" name="矩形 65">
                 <a:extLst>
                   <a:ext uri="{FF2B5EF4-FFF2-40B4-BE49-F238E27FC236}">
-                    <a16:creationId xmlns:a16="http://schemas.microsoft.com/office/drawing/2014/main" id="{45E8AF34-8B24-4EB8-BE9F-5796CAF30FAC}"/>
-                  </a:ext>
-                </a:extLst>
-              </p:cNvPr>
-              <p:cNvSpPr txBox="1"/>
-              <p:nvPr/>
-            </p:nvSpPr>
-            <p:spPr>
-              <a:xfrm>
-                <a:off x="6169952" y="3146548"/>
-                <a:ext cx="774571" cy="369332"/>
-              </a:xfrm>
-              <a:prstGeom prst="rect">
-                <a:avLst/>
-              </a:prstGeom>
-              <a:noFill/>
-            </p:spPr>
-            <p:txBody>
-              <a:bodyPr wrap="none" rtlCol="0">
-                <a:spAutoFit/>
-              </a:bodyPr>
-              <a:lstStyle/>
-              <a:p>
-                <a:r>
-                  <a:rPr lang="en-US" altLang="zh-TW" dirty="0">
-                    <a:latin typeface="Times New Roman" panose="02020603050405020304" pitchFamily="18" charset="0"/>
-                    <a:ea typeface="微軟正黑體" panose="020B0604030504040204" pitchFamily="34" charset="-120"/>
-                  </a:rPr>
-                  <a:t>Result</a:t>
-                </a:r>
-                <a:endParaRPr lang="zh-TW" altLang="en-US" dirty="0">
-                  <a:latin typeface="Times New Roman" panose="02020603050405020304" pitchFamily="18" charset="0"/>
-                  <a:ea typeface="微軟正黑體" panose="020B0604030504040204" pitchFamily="34" charset="-120"/>
-                </a:endParaRPr>
-              </a:p>
-            </p:txBody>
-          </p:sp>
-          <p:sp>
-            <p:nvSpPr>
-              <p:cNvPr id="30" name="文字方塊 29">
-                <a:extLst>
-                  <a:ext uri="{FF2B5EF4-FFF2-40B4-BE49-F238E27FC236}">
-                    <a16:creationId xmlns:a16="http://schemas.microsoft.com/office/drawing/2014/main" id="{7C24E309-A832-4E7A-B872-6B88387175AC}"/>
-                  </a:ext>
-                </a:extLst>
-              </p:cNvPr>
-              <p:cNvSpPr txBox="1"/>
-              <p:nvPr/>
-            </p:nvSpPr>
-            <p:spPr>
-              <a:xfrm>
-                <a:off x="7911556" y="3146548"/>
-                <a:ext cx="646331" cy="369332"/>
-              </a:xfrm>
-              <a:prstGeom prst="rect">
-                <a:avLst/>
-              </a:prstGeom>
-              <a:noFill/>
-            </p:spPr>
-            <p:txBody>
-              <a:bodyPr wrap="none" rtlCol="0">
-                <a:spAutoFit/>
-              </a:bodyPr>
-              <a:lstStyle/>
-              <a:p>
-                <a:r>
-                  <a:rPr lang="zh-TW" altLang="en-US" dirty="0">
-                    <a:latin typeface="Times New Roman" panose="02020603050405020304" pitchFamily="18" charset="0"/>
-                    <a:ea typeface="微軟正黑體" panose="020B0604030504040204" pitchFamily="34" charset="-120"/>
-                  </a:rPr>
-                  <a:t>出塊</a:t>
-                </a:r>
-              </a:p>
-            </p:txBody>
-          </p:sp>
-          <mc:AlternateContent xmlns:mc="http://schemas.openxmlformats.org/markup-compatibility/2006" xmlns:a14="http://schemas.microsoft.com/office/drawing/2010/main">
-            <mc:Choice Requires="a14">
-              <p:sp>
-                <p:nvSpPr>
-                  <p:cNvPr id="31" name="文字方塊 30">
-                    <a:extLst>
-                      <a:ext uri="{FF2B5EF4-FFF2-40B4-BE49-F238E27FC236}">
-                        <a16:creationId xmlns:a16="http://schemas.microsoft.com/office/drawing/2014/main" id="{911BD974-4060-4C43-ADD8-5CF5CCF9F3AB}"/>
-                      </a:ext>
-                    </a:extLst>
-                  </p:cNvPr>
-                  <p:cNvSpPr txBox="1"/>
-                  <p:nvPr/>
-                </p:nvSpPr>
-                <p:spPr>
-                  <a:xfrm>
-                    <a:off x="7067887" y="2762012"/>
-                    <a:ext cx="525541" cy="553357"/>
-                  </a:xfrm>
-                  <a:prstGeom prst="rect">
-                    <a:avLst/>
-                  </a:prstGeom>
-                  <a:noFill/>
-                </p:spPr>
-                <p:txBody>
-                  <a:bodyPr wrap="square" rtlCol="0">
-                    <a:spAutoFit/>
-                  </a:bodyPr>
-                  <a:lstStyle/>
-                  <a:p>
-                    <a:pPr/>
-                    <a14:m>
-                      <m:oMathPara xmlns:m="http://schemas.openxmlformats.org/officeDocument/2006/math">
-                        <m:oMathParaPr>
-                          <m:jc m:val="centerGroup"/>
-                        </m:oMathParaPr>
-                        <m:oMath xmlns:m="http://schemas.openxmlformats.org/officeDocument/2006/math">
-                          <m:r>
-                            <a:rPr lang="en-US" altLang="zh-TW" sz="1600" i="1" smtClean="0">
-                              <a:latin typeface="Cambria Math" panose="02040503050406030204" pitchFamily="18" charset="0"/>
-                              <a:ea typeface="Cambria Math" panose="02040503050406030204" pitchFamily="18" charset="0"/>
-                            </a:rPr>
-                            <m:t>&lt;</m:t>
-                          </m:r>
-                          <m:f>
-                            <m:fPr>
-                              <m:ctrlPr>
-                                <a:rPr lang="zh-TW" altLang="en-US" sz="1600" i="1" dirty="0" smtClean="0">
-                                  <a:latin typeface="Cambria Math" panose="02040503050406030204" pitchFamily="18" charset="0"/>
-                                </a:rPr>
-                              </m:ctrlPr>
-                            </m:fPr>
-                            <m:num>
-                              <m:r>
-                                <a:rPr lang="zh-TW" altLang="en-US" sz="1600" i="1" dirty="0">
-                                  <a:latin typeface="Cambria Math" panose="02040503050406030204" pitchFamily="18" charset="0"/>
-                                </a:rPr>
-                                <m:t>𝑀</m:t>
-                              </m:r>
-                            </m:num>
-                            <m:den>
-                              <m:r>
-                                <a:rPr lang="zh-TW" altLang="en-US" sz="1600" i="1" dirty="0">
-                                  <a:latin typeface="Cambria Math" panose="02040503050406030204" pitchFamily="18" charset="0"/>
-                                </a:rPr>
-                                <m:t>𝑑</m:t>
-                              </m:r>
-                            </m:den>
-                          </m:f>
-                        </m:oMath>
-                      </m:oMathPara>
-                    </a14:m>
-                    <a:endParaRPr lang="zh-TW" altLang="en-US" sz="1600" dirty="0">
-                      <a:latin typeface="Times New Roman" panose="02020603050405020304" pitchFamily="18" charset="0"/>
-                      <a:ea typeface="微軟正黑體" panose="020B0604030504040204" pitchFamily="34" charset="-120"/>
-                    </a:endParaRPr>
-                  </a:p>
-                </p:txBody>
-              </p:sp>
-            </mc:Choice>
-            <mc:Fallback xmlns="">
-              <p:sp>
-                <p:nvSpPr>
-                  <p:cNvPr id="31" name="文字方塊 30">
-                    <a:extLst>
-                      <a:ext uri="{FF2B5EF4-FFF2-40B4-BE49-F238E27FC236}">
-                        <a16:creationId xmlns:a16="http://schemas.microsoft.com/office/drawing/2014/main" id="{911BD974-4060-4C43-ADD8-5CF5CCF9F3AB}"/>
-                      </a:ext>
-                    </a:extLst>
-                  </p:cNvPr>
-                  <p:cNvSpPr txBox="1">
-                    <a:spLocks noRot="1" noChangeAspect="1" noMove="1" noResize="1" noEditPoints="1" noAdjustHandles="1" noChangeArrowheads="1" noChangeShapeType="1" noTextEdit="1"/>
-                  </p:cNvSpPr>
-                  <p:nvPr/>
-                </p:nvSpPr>
-                <p:spPr>
-                  <a:xfrm>
-                    <a:off x="7067887" y="2762012"/>
-                    <a:ext cx="525541" cy="553357"/>
-                  </a:xfrm>
-                  <a:prstGeom prst="rect">
-                    <a:avLst/>
-                  </a:prstGeom>
-                  <a:blipFill>
-                    <a:blip r:embed="rId2"/>
-                    <a:stretch>
-                      <a:fillRect/>
-                    </a:stretch>
-                  </a:blipFill>
-                </p:spPr>
-                <p:txBody>
-                  <a:bodyPr/>
-                  <a:lstStyle/>
-                  <a:p>
-                    <a:r>
-                      <a:rPr lang="zh-TW" altLang="en-US">
-                        <a:noFill/>
-                      </a:rPr>
-                      <a:t> </a:t>
-                    </a:r>
-                  </a:p>
-                </p:txBody>
-              </p:sp>
-            </mc:Fallback>
-          </mc:AlternateContent>
-          <mc:AlternateContent xmlns:mc="http://schemas.openxmlformats.org/markup-compatibility/2006" xmlns:a14="http://schemas.microsoft.com/office/drawing/2010/main">
-            <mc:Choice Requires="a14">
-              <p:sp>
-                <p:nvSpPr>
-                  <p:cNvPr id="32" name="文字方塊 31">
-                    <a:extLst>
-                      <a:ext uri="{FF2B5EF4-FFF2-40B4-BE49-F238E27FC236}">
-                        <a16:creationId xmlns:a16="http://schemas.microsoft.com/office/drawing/2014/main" id="{B1D07FFF-E1EE-4DA3-A136-2B8E1E307055}"/>
-                      </a:ext>
-                    </a:extLst>
-                  </p:cNvPr>
-                  <p:cNvSpPr txBox="1"/>
-                  <p:nvPr/>
-                </p:nvSpPr>
-                <p:spPr>
-                  <a:xfrm>
-                    <a:off x="5061262" y="3715829"/>
-                    <a:ext cx="1540101" cy="485646"/>
-                  </a:xfrm>
-                  <a:prstGeom prst="rect">
-                    <a:avLst/>
-                  </a:prstGeom>
-                  <a:noFill/>
-                </p:spPr>
-                <p:txBody>
-                  <a:bodyPr wrap="none" rtlCol="0">
-                    <a:spAutoFit/>
-                  </a:bodyPr>
-                  <a:lstStyle/>
-                  <a:p>
-                    <a:pPr algn="ctr"/>
-                    <a14:m>
-                      <m:oMath xmlns:m="http://schemas.openxmlformats.org/officeDocument/2006/math">
-                        <m:r>
-                          <a:rPr lang="en-US" altLang="zh-TW" i="1" smtClean="0">
-                            <a:latin typeface="Cambria Math" panose="02040503050406030204" pitchFamily="18" charset="0"/>
-                            <a:ea typeface="Cambria Math" panose="02040503050406030204" pitchFamily="18" charset="0"/>
-                          </a:rPr>
-                          <m:t>&gt;</m:t>
-                        </m:r>
-                        <m:f>
-                          <m:fPr>
-                            <m:ctrlPr>
-                              <a:rPr lang="zh-TW" altLang="en-US" i="1" dirty="0" smtClean="0">
-                                <a:latin typeface="Cambria Math" panose="02040503050406030204" pitchFamily="18" charset="0"/>
-                              </a:rPr>
-                            </m:ctrlPr>
-                          </m:fPr>
-                          <m:num>
-                            <m:r>
-                              <a:rPr lang="zh-TW" altLang="en-US" i="1" dirty="0">
-                                <a:latin typeface="Cambria Math" panose="02040503050406030204" pitchFamily="18" charset="0"/>
-                              </a:rPr>
-                              <m:t>𝑀</m:t>
-                            </m:r>
-                          </m:num>
-                          <m:den>
-                            <m:r>
-                              <a:rPr lang="zh-TW" altLang="en-US" i="1" dirty="0">
-                                <a:latin typeface="Cambria Math" panose="02040503050406030204" pitchFamily="18" charset="0"/>
-                              </a:rPr>
-                              <m:t>𝑑</m:t>
-                            </m:r>
-                          </m:den>
-                        </m:f>
-                      </m:oMath>
-                    </a14:m>
-                    <a:r>
-                      <a:rPr lang="en-US" altLang="zh-TW" dirty="0">
-                        <a:latin typeface="Times New Roman" panose="02020603050405020304" pitchFamily="18" charset="0"/>
-                        <a:ea typeface="微軟正黑體" panose="020B0604030504040204" pitchFamily="34" charset="-120"/>
-                      </a:rPr>
-                      <a:t> </a:t>
-                    </a:r>
-                    <a:r>
-                      <a:rPr lang="en-US" altLang="zh-TW" sz="1400" dirty="0">
-                        <a:latin typeface="Times New Roman" panose="02020603050405020304" pitchFamily="18" charset="0"/>
-                        <a:ea typeface="微軟正黑體" panose="020B0604030504040204" pitchFamily="34" charset="-120"/>
-                        <a:sym typeface="Wingdings" panose="05000000000000000000" pitchFamily="2" charset="2"/>
-                      </a:rPr>
-                      <a:t></a:t>
-                    </a:r>
-                    <a:r>
-                      <a:rPr lang="en-US" altLang="zh-TW" sz="1400" dirty="0">
-                        <a:latin typeface="Times New Roman" panose="02020603050405020304" pitchFamily="18" charset="0"/>
-                        <a:ea typeface="微軟正黑體" panose="020B0604030504040204" pitchFamily="34" charset="-120"/>
-                      </a:rPr>
-                      <a:t> Nonce++</a:t>
-                    </a:r>
-                    <a:endParaRPr lang="zh-TW" altLang="en-US" sz="1400" dirty="0">
-                      <a:latin typeface="Times New Roman" panose="02020603050405020304" pitchFamily="18" charset="0"/>
-                      <a:ea typeface="微軟正黑體" panose="020B0604030504040204" pitchFamily="34" charset="-120"/>
-                    </a:endParaRPr>
-                  </a:p>
-                </p:txBody>
-              </p:sp>
-            </mc:Choice>
-            <mc:Fallback xmlns="">
-              <p:sp>
-                <p:nvSpPr>
-                  <p:cNvPr id="32" name="文字方塊 31">
-                    <a:extLst>
-                      <a:ext uri="{FF2B5EF4-FFF2-40B4-BE49-F238E27FC236}">
-                        <a16:creationId xmlns:a16="http://schemas.microsoft.com/office/drawing/2014/main" id="{B1D07FFF-E1EE-4DA3-A136-2B8E1E307055}"/>
-                      </a:ext>
-                    </a:extLst>
-                  </p:cNvPr>
-                  <p:cNvSpPr txBox="1">
-                    <a:spLocks noRot="1" noChangeAspect="1" noMove="1" noResize="1" noEditPoints="1" noAdjustHandles="1" noChangeArrowheads="1" noChangeShapeType="1" noTextEdit="1"/>
-                  </p:cNvSpPr>
-                  <p:nvPr/>
-                </p:nvSpPr>
-                <p:spPr>
-                  <a:xfrm>
-                    <a:off x="5061262" y="3715829"/>
-                    <a:ext cx="1540101" cy="485646"/>
-                  </a:xfrm>
-                  <a:prstGeom prst="rect">
-                    <a:avLst/>
-                  </a:prstGeom>
-                  <a:blipFill>
-                    <a:blip r:embed="rId3"/>
-                    <a:stretch>
-                      <a:fillRect b="-2532"/>
-                    </a:stretch>
-                  </a:blipFill>
-                </p:spPr>
-                <p:txBody>
-                  <a:bodyPr/>
-                  <a:lstStyle/>
-                  <a:p>
-                    <a:r>
-                      <a:rPr lang="zh-TW" altLang="en-US">
-                        <a:noFill/>
-                      </a:rPr>
-                      <a:t> </a:t>
-                    </a:r>
-                  </a:p>
-                </p:txBody>
-              </p:sp>
-            </mc:Fallback>
-          </mc:AlternateContent>
-          <p:sp>
-            <p:nvSpPr>
-              <p:cNvPr id="33" name="文字方塊 32">
-                <a:extLst>
-                  <a:ext uri="{FF2B5EF4-FFF2-40B4-BE49-F238E27FC236}">
-                    <a16:creationId xmlns:a16="http://schemas.microsoft.com/office/drawing/2014/main" id="{6CBF4B89-E32D-4401-9C1F-578E9F6AD496}"/>
-                  </a:ext>
-                </a:extLst>
-              </p:cNvPr>
-              <p:cNvSpPr txBox="1"/>
-              <p:nvPr/>
-            </p:nvSpPr>
-            <p:spPr>
-              <a:xfrm>
-                <a:off x="2489199" y="1848614"/>
-                <a:ext cx="736099" cy="369332"/>
-              </a:xfrm>
-              <a:prstGeom prst="rect">
-                <a:avLst/>
-              </a:prstGeom>
-              <a:noFill/>
-            </p:spPr>
-            <p:txBody>
-              <a:bodyPr wrap="none" rtlCol="0">
-                <a:spAutoFit/>
-              </a:bodyPr>
-              <a:lstStyle/>
-              <a:p>
-                <a:r>
-                  <a:rPr lang="en-US" altLang="zh-TW" dirty="0">
-                    <a:latin typeface="Times New Roman" panose="02020603050405020304" pitchFamily="18" charset="0"/>
-                    <a:ea typeface="微軟正黑體" panose="020B0604030504040204" pitchFamily="34" charset="-120"/>
-                  </a:rPr>
-                  <a:t>Block</a:t>
-                </a:r>
-                <a:endParaRPr lang="zh-TW" altLang="en-US" dirty="0">
-                  <a:latin typeface="Times New Roman" panose="02020603050405020304" pitchFamily="18" charset="0"/>
-                  <a:ea typeface="微軟正黑體" panose="020B0604030504040204" pitchFamily="34" charset="-120"/>
-                </a:endParaRPr>
-              </a:p>
-            </p:txBody>
-          </p:sp>
-          <p:sp>
-            <p:nvSpPr>
-              <p:cNvPr id="25" name="箭號: 向右 24">
-                <a:extLst>
-                  <a:ext uri="{FF2B5EF4-FFF2-40B4-BE49-F238E27FC236}">
-                    <a16:creationId xmlns:a16="http://schemas.microsoft.com/office/drawing/2014/main" id="{2E54D88C-198A-4FBD-8B9B-96479B88A771}"/>
+                    <a16:creationId xmlns:a16="http://schemas.microsoft.com/office/drawing/2014/main" id="{80CF65AA-C598-417C-974C-E7C8F056A2E0}"/>
                   </a:ext>
                 </a:extLst>
               </p:cNvPr>
@@ -14381,24 +18133,37 @@
             </p:nvSpPr>
             <p:spPr>
               <a:xfrm>
-                <a:off x="5382557" y="3146548"/>
-                <a:ext cx="787395" cy="369332"/>
+                <a:off x="2072792" y="2350434"/>
+                <a:ext cx="2088628" cy="2155527"/>
               </a:xfrm>
-              <a:prstGeom prst="rightArrow">
+              <a:prstGeom prst="rect">
                 <a:avLst/>
               </a:prstGeom>
+              <a:solidFill>
+                <a:srgbClr val="CDD1DF"/>
+              </a:solidFill>
+              <a:ln>
+                <a:noFill/>
+              </a:ln>
+              <a:effectLst>
+                <a:outerShdw blurRad="50800" dist="38100" dir="2700000" algn="tl" rotWithShape="0">
+                  <a:prstClr val="black">
+                    <a:alpha val="40000"/>
+                  </a:prstClr>
+                </a:outerShdw>
+              </a:effectLst>
             </p:spPr>
             <p:style>
               <a:lnRef idx="2">
-                <a:schemeClr val="dk1">
+                <a:schemeClr val="accent1">
                   <a:shade val="50000"/>
                 </a:schemeClr>
               </a:lnRef>
               <a:fillRef idx="1">
-                <a:schemeClr val="dk1"/>
+                <a:schemeClr val="accent1"/>
               </a:fillRef>
               <a:effectRef idx="0">
-                <a:schemeClr val="dk1"/>
+                <a:schemeClr val="accent1"/>
               </a:effectRef>
               <a:fontRef idx="minor">
                 <a:schemeClr val="lt1"/>
@@ -14416,98 +18181,150 @@
               </a:p>
             </p:txBody>
           </p:sp>
-          <p:cxnSp>
-            <p:nvCxnSpPr>
-              <p:cNvPr id="17" name="直線單箭頭接點 16">
+          <p:sp>
+            <p:nvSpPr>
+              <p:cNvPr id="68" name="矩形 67">
                 <a:extLst>
                   <a:ext uri="{FF2B5EF4-FFF2-40B4-BE49-F238E27FC236}">
-                    <a16:creationId xmlns:a16="http://schemas.microsoft.com/office/drawing/2014/main" id="{335CAB3A-1D78-4F0A-9090-0CC85BB9439A}"/>
+                    <a16:creationId xmlns:a16="http://schemas.microsoft.com/office/drawing/2014/main" id="{ADF35078-BE5B-464F-A03D-A707CAC403B7}"/>
                   </a:ext>
                 </a:extLst>
               </p:cNvPr>
-              <p:cNvCxnSpPr>
-                <a:cxnSpLocks/>
-                <a:stCxn id="29" idx="3"/>
-              </p:cNvCxnSpPr>
+              <p:cNvSpPr/>
               <p:nvPr/>
-            </p:nvCxnSpPr>
+            </p:nvSpPr>
             <p:spPr>
               <a:xfrm>
-                <a:off x="6944523" y="3331214"/>
-                <a:ext cx="896457" cy="0"/>
+                <a:off x="2147385" y="2515186"/>
+                <a:ext cx="1939441" cy="439344"/>
               </a:xfrm>
-              <a:prstGeom prst="straightConnector1">
+              <a:prstGeom prst="rect">
                 <a:avLst/>
               </a:prstGeom>
+              <a:solidFill>
+                <a:srgbClr val="282D3F"/>
+              </a:solidFill>
               <a:ln>
-                <a:tailEnd type="triangle"/>
+                <a:noFill/>
               </a:ln>
+              <a:effectLst>
+                <a:outerShdw blurRad="50800" dist="38100" dir="2700000" algn="tl" rotWithShape="0">
+                  <a:prstClr val="black">
+                    <a:alpha val="40000"/>
+                  </a:prstClr>
+                </a:outerShdw>
+              </a:effectLst>
             </p:spPr>
             <p:style>
-              <a:lnRef idx="1">
-                <a:schemeClr val="dk1"/>
+              <a:lnRef idx="2">
+                <a:schemeClr val="accent1">
+                  <a:shade val="50000"/>
+                </a:schemeClr>
               </a:lnRef>
-              <a:fillRef idx="0">
-                <a:schemeClr val="dk1"/>
+              <a:fillRef idx="1">
+                <a:schemeClr val="accent1"/>
               </a:fillRef>
               <a:effectRef idx="0">
-                <a:schemeClr val="dk1"/>
+                <a:schemeClr val="accent1"/>
               </a:effectRef>
               <a:fontRef idx="minor">
-                <a:schemeClr val="tx1"/>
+                <a:schemeClr val="lt1"/>
               </a:fontRef>
             </p:style>
-          </p:cxnSp>
-          <p:cxnSp>
-            <p:nvCxnSpPr>
-              <p:cNvPr id="18" name="接點: 肘形 17">
+            <p:txBody>
+              <a:bodyPr rtlCol="0" anchor="ctr"/>
+              <a:lstStyle/>
+              <a:p>
+                <a:pPr algn="ctr"/>
+                <a:r>
+                  <a:rPr lang="en-US" altLang="zh-TW" dirty="0">
+                    <a:latin typeface="Times New Roman" panose="02020603050405020304" pitchFamily="18" charset="0"/>
+                    <a:ea typeface="微軟正黑體" panose="020B0604030504040204" pitchFamily="34" charset="-120"/>
+                  </a:rPr>
+                  <a:t>Header</a:t>
+                </a:r>
+                <a:endParaRPr lang="zh-TW" altLang="en-US" dirty="0">
+                  <a:latin typeface="Times New Roman" panose="02020603050405020304" pitchFamily="18" charset="0"/>
+                  <a:ea typeface="微軟正黑體" panose="020B0604030504040204" pitchFamily="34" charset="-120"/>
+                </a:endParaRPr>
+              </a:p>
+            </p:txBody>
+          </p:sp>
+          <p:sp>
+            <p:nvSpPr>
+              <p:cNvPr id="69" name="橢圓 68">
                 <a:extLst>
                   <a:ext uri="{FF2B5EF4-FFF2-40B4-BE49-F238E27FC236}">
-                    <a16:creationId xmlns:a16="http://schemas.microsoft.com/office/drawing/2014/main" id="{5FEA5769-FB1F-4051-8C61-6FE820466F62}"/>
+                    <a16:creationId xmlns:a16="http://schemas.microsoft.com/office/drawing/2014/main" id="{2B1E7902-1CD6-4B65-872F-48AD1A2629D4}"/>
                   </a:ext>
                 </a:extLst>
               </p:cNvPr>
-              <p:cNvCxnSpPr>
-                <a:stCxn id="29" idx="2"/>
-                <a:endCxn id="28" idx="2"/>
-              </p:cNvCxnSpPr>
+              <p:cNvSpPr/>
               <p:nvPr/>
-            </p:nvCxnSpPr>
+            </p:nvSpPr>
             <p:spPr>
-              <a:xfrm rot="5400000" flipH="1">
-                <a:off x="5762600" y="2721243"/>
-                <a:ext cx="20059" cy="1569216"/>
+              <a:xfrm>
+                <a:off x="2147385" y="3119284"/>
+                <a:ext cx="1939441" cy="1189887"/>
               </a:xfrm>
-              <a:prstGeom prst="bentConnector3">
-                <a:avLst>
-                  <a:gd name="adj1" fmla="val -1139638"/>
-                </a:avLst>
+              <a:prstGeom prst="ellipse">
+                <a:avLst/>
               </a:prstGeom>
+              <a:solidFill>
+                <a:srgbClr val="282D3F"/>
+              </a:solidFill>
               <a:ln>
-                <a:tailEnd type="triangle"/>
+                <a:noFill/>
               </a:ln>
+              <a:effectLst>
+                <a:outerShdw blurRad="50800" dist="38100" dir="2700000" algn="tl" rotWithShape="0">
+                  <a:prstClr val="black">
+                    <a:alpha val="40000"/>
+                  </a:prstClr>
+                </a:outerShdw>
+              </a:effectLst>
             </p:spPr>
             <p:style>
-              <a:lnRef idx="1">
-                <a:schemeClr val="dk1"/>
+              <a:lnRef idx="2">
+                <a:schemeClr val="accent1">
+                  <a:shade val="50000"/>
+                </a:schemeClr>
               </a:lnRef>
-              <a:fillRef idx="0">
-                <a:schemeClr val="dk1"/>
+              <a:fillRef idx="1">
+                <a:schemeClr val="accent1"/>
               </a:fillRef>
               <a:effectRef idx="0">
-                <a:schemeClr val="dk1"/>
+                <a:schemeClr val="accent1"/>
               </a:effectRef>
               <a:fontRef idx="minor">
-                <a:schemeClr val="tx1"/>
+                <a:schemeClr val="lt1"/>
               </a:fontRef>
             </p:style>
-          </p:cxnSp>
+            <p:txBody>
+              <a:bodyPr rtlCol="0" anchor="ctr"/>
+              <a:lstStyle/>
+              <a:p>
+                <a:pPr algn="ctr"/>
+                <a:r>
+                  <a:rPr lang="en-US" altLang="zh-TW" sz="1600" dirty="0">
+                    <a:latin typeface="Times New Roman" panose="02020603050405020304" pitchFamily="18" charset="0"/>
+                    <a:ea typeface="微軟正黑體" panose="020B0604030504040204" pitchFamily="34" charset="-120"/>
+                  </a:rPr>
+                  <a:t>Transactions</a:t>
+                </a:r>
+                <a:endParaRPr lang="zh-TW" altLang="en-US" sz="1600" dirty="0">
+                  <a:latin typeface="Times New Roman" panose="02020603050405020304" pitchFamily="18" charset="0"/>
+                  <a:ea typeface="微軟正黑體" panose="020B0604030504040204" pitchFamily="34" charset="-120"/>
+                </a:endParaRPr>
+              </a:p>
+            </p:txBody>
+          </p:sp>
           <p:sp>
             <p:nvSpPr>
-              <p:cNvPr id="101" name="文字方塊 100">
+              <p:cNvPr id="71" name="文字方塊 70">
                 <a:extLst>
                   <a:ext uri="{FF2B5EF4-FFF2-40B4-BE49-F238E27FC236}">
-                    <a16:creationId xmlns:a16="http://schemas.microsoft.com/office/drawing/2014/main" id="{A9F75813-A117-4BF7-BF5E-3B6F6F3F5959}"/>
+                    <a16:creationId xmlns:a16="http://schemas.microsoft.com/office/drawing/2014/main" id="{9A46A125-2B6C-4C2D-8BEC-27EEB9806871}"/>
                   </a:ext>
                 </a:extLst>
               </p:cNvPr>
@@ -14516,8 +18333,8 @@
             </p:nvSpPr>
             <p:spPr>
               <a:xfrm>
-                <a:off x="5281530" y="2845928"/>
-                <a:ext cx="877163" cy="369332"/>
+                <a:off x="2022367" y="2042979"/>
+                <a:ext cx="1085554" cy="338554"/>
               </a:xfrm>
               <a:prstGeom prst="rect">
                 <a:avLst/>
@@ -14531,13 +18348,13 @@
               <a:lstStyle/>
               <a:p>
                 <a:r>
-                  <a:rPr lang="en-US" altLang="zh-TW" dirty="0">
+                  <a:rPr lang="en-US" altLang="zh-TW" sz="1600" dirty="0">
                     <a:latin typeface="Times New Roman" panose="02020603050405020304" pitchFamily="18" charset="0"/>
                     <a:ea typeface="微軟正黑體" panose="020B0604030504040204" pitchFamily="34" charset="-120"/>
                   </a:rPr>
-                  <a:t>Keccak</a:t>
+                  <a:t>Block1983</a:t>
                 </a:r>
-                <a:endParaRPr lang="zh-TW" altLang="en-US" dirty="0">
+                <a:endParaRPr lang="zh-TW" altLang="en-US" sz="1600" dirty="0">
                   <a:latin typeface="Times New Roman" panose="02020603050405020304" pitchFamily="18" charset="0"/>
                   <a:ea typeface="微軟正黑體" panose="020B0604030504040204" pitchFamily="34" charset="-120"/>
                 </a:endParaRPr>
@@ -14545,63 +18362,97 @@
             </p:txBody>
           </p:sp>
         </p:grpSp>
-        <p:sp>
-          <p:nvSpPr>
-            <p:cNvPr id="8" name="文字方塊 7">
+        <p:cxnSp>
+          <p:nvCxnSpPr>
+            <p:cNvPr id="154" name="直線單箭頭接點 153">
               <a:extLst>
                 <a:ext uri="{FF2B5EF4-FFF2-40B4-BE49-F238E27FC236}">
-                  <a16:creationId xmlns:a16="http://schemas.microsoft.com/office/drawing/2014/main" id="{EA720201-127D-4B1C-AE5F-EA4B9D01ECC2}"/>
+                  <a16:creationId xmlns:a16="http://schemas.microsoft.com/office/drawing/2014/main" id="{B01A9768-221D-4FA4-9DEB-874ABE5510A1}"/>
                 </a:ext>
               </a:extLst>
             </p:cNvPr>
-            <p:cNvSpPr txBox="1"/>
+            <p:cNvCxnSpPr>
+              <a:cxnSpLocks/>
+              <a:stCxn id="35" idx="3"/>
+            </p:cNvCxnSpPr>
             <p:nvPr/>
-          </p:nvSpPr>
+          </p:nvCxnSpPr>
+          <p:spPr>
+            <a:xfrm flipV="1">
+              <a:off x="7832056" y="2102379"/>
+              <a:ext cx="501176" cy="169128"/>
+            </a:xfrm>
+            <a:prstGeom prst="straightConnector1">
+              <a:avLst/>
+            </a:prstGeom>
+            <a:ln w="38100">
+              <a:solidFill>
+                <a:srgbClr val="FF0000"/>
+              </a:solidFill>
+              <a:tailEnd type="triangle"/>
+            </a:ln>
+          </p:spPr>
+          <p:style>
+            <a:lnRef idx="1">
+              <a:schemeClr val="accent1"/>
+            </a:lnRef>
+            <a:fillRef idx="0">
+              <a:schemeClr val="accent1"/>
+            </a:fillRef>
+            <a:effectRef idx="0">
+              <a:schemeClr val="accent1"/>
+            </a:effectRef>
+            <a:fontRef idx="minor">
+              <a:schemeClr val="tx1"/>
+            </a:fontRef>
+          </p:style>
+        </p:cxnSp>
+        <p:cxnSp>
+          <p:nvCxnSpPr>
+            <p:cNvPr id="147" name="直線單箭頭接點 146">
+              <a:extLst>
+                <a:ext uri="{FF2B5EF4-FFF2-40B4-BE49-F238E27FC236}">
+                  <a16:creationId xmlns:a16="http://schemas.microsoft.com/office/drawing/2014/main" id="{C01376C7-8C69-4E71-BBA4-38B030FB52DB}"/>
+                </a:ext>
+              </a:extLst>
+            </p:cNvPr>
+            <p:cNvCxnSpPr>
+              <a:cxnSpLocks/>
+              <a:stCxn id="60" idx="3"/>
+              <a:endCxn id="125" idx="1"/>
+            </p:cNvCxnSpPr>
+            <p:nvPr/>
+          </p:nvCxnSpPr>
           <p:spPr>
             <a:xfrm>
-              <a:off x="6136240" y="2728005"/>
-              <a:ext cx="1262846" cy="646331"/>
+              <a:off x="3149924" y="2085975"/>
+              <a:ext cx="444239" cy="414477"/>
             </a:xfrm>
-            <a:prstGeom prst="rect">
+            <a:prstGeom prst="straightConnector1">
               <a:avLst/>
             </a:prstGeom>
-            <a:noFill/>
+            <a:ln w="38100">
+              <a:solidFill>
+                <a:srgbClr val="FF0000"/>
+              </a:solidFill>
+              <a:tailEnd type="triangle"/>
+            </a:ln>
           </p:spPr>
-          <p:txBody>
-            <a:bodyPr wrap="none" rtlCol="0">
-              <a:spAutoFit/>
-            </a:bodyPr>
-            <a:lstStyle/>
-            <a:p>
-              <a:r>
-                <a:rPr lang="en-US" altLang="zh-TW" dirty="0"/>
-                <a:t>M:</a:t>
-              </a:r>
-              <a:r>
-                <a:rPr lang="zh-TW" altLang="en-US" dirty="0"/>
-                <a:t> </a:t>
-              </a:r>
-              <a:r>
-                <a:rPr lang="en-US" altLang="zh-TW" dirty="0"/>
-                <a:t>2^256</a:t>
-              </a:r>
-            </a:p>
-            <a:p>
-              <a:r>
-                <a:rPr lang="en-US" altLang="zh-TW" dirty="0"/>
-                <a:t>d:</a:t>
-              </a:r>
-              <a:r>
-                <a:rPr lang="zh-TW" altLang="en-US" dirty="0"/>
-                <a:t> </a:t>
-              </a:r>
-              <a:r>
-                <a:rPr lang="en-US" altLang="zh-TW" dirty="0"/>
-                <a:t>Difficulty</a:t>
-              </a:r>
-            </a:p>
-          </p:txBody>
-        </p:sp>
+          <p:style>
+            <a:lnRef idx="1">
+              <a:schemeClr val="accent1"/>
+            </a:lnRef>
+            <a:fillRef idx="0">
+              <a:schemeClr val="accent1"/>
+            </a:fillRef>
+            <a:effectRef idx="0">
+              <a:schemeClr val="accent1"/>
+            </a:effectRef>
+            <a:fontRef idx="minor">
+              <a:schemeClr val="tx1"/>
+            </a:fontRef>
+          </p:style>
+        </p:cxnSp>
       </p:grpSp>
     </p:spTree>
     <p:extLst>

--- a/專題-私有以太坊區塊鏈實作以及其硬體加速方法調查-劉益彤.pptx
+++ b/專題-私有以太坊區塊鏈實作以及其硬體加速方法調查-劉益彤.pptx
@@ -282,7 +282,7 @@
           <a:p>
             <a:fld id="{7829F8E0-05F2-4742-BB97-D2E4F51035C8}" type="datetimeFigureOut">
               <a:rPr lang="zh-TW" altLang="en-US" smtClean="0"/>
-              <a:t>2022/5/3</a:t>
+              <a:t>2022/5/4</a:t>
             </a:fld>
             <a:endParaRPr lang="zh-TW" altLang="en-US"/>
           </a:p>
@@ -5034,8 +5034,8 @@
             </a:p>
           </p:txBody>
         </p:sp>
-        <mc:AlternateContent xmlns:mc="http://schemas.openxmlformats.org/markup-compatibility/2006">
-          <mc:Choice xmlns:a14="http://schemas.microsoft.com/office/drawing/2010/main" Requires="a14">
+        <mc:AlternateContent xmlns:mc="http://schemas.openxmlformats.org/markup-compatibility/2006" xmlns:a14="http://schemas.microsoft.com/office/drawing/2010/main">
+          <mc:Choice Requires="a14">
             <p:sp>
               <p:nvSpPr>
                 <p:cNvPr id="31" name="文字方塊 30">
@@ -5114,7 +5114,7 @@
               </p:txBody>
             </p:sp>
           </mc:Choice>
-          <mc:Fallback>
+          <mc:Fallback xmlns="">
             <p:sp>
               <p:nvSpPr>
                 <p:cNvPr id="31" name="文字方塊 30">
@@ -5159,8 +5159,8 @@
             </p:sp>
           </mc:Fallback>
         </mc:AlternateContent>
-        <mc:AlternateContent xmlns:mc="http://schemas.openxmlformats.org/markup-compatibility/2006">
-          <mc:Choice xmlns:a14="http://schemas.microsoft.com/office/drawing/2010/main" Requires="a14">
+        <mc:AlternateContent xmlns:mc="http://schemas.openxmlformats.org/markup-compatibility/2006" xmlns:a14="http://schemas.microsoft.com/office/drawing/2010/main">
+          <mc:Choice Requires="a14">
             <p:sp>
               <p:nvSpPr>
                 <p:cNvPr id="32" name="文字方塊 31">
@@ -5256,7 +5256,7 @@
               </p:txBody>
             </p:sp>
           </mc:Choice>
-          <mc:Fallback>
+          <mc:Fallback xmlns="">
             <p:sp>
               <p:nvSpPr>
                 <p:cNvPr id="32" name="文字方塊 31">
